--- a/src/Umbraco Components.pptx
+++ b/src/Umbraco Components.pptx
@@ -7525,13 +7525,13 @@
         </p:nvSpPr>
         <p:spPr>
           <a:xfrm>
-            <a:off x="1296776" y="2256437"/>
-            <a:ext cx="6596168" cy="1050032"/>
+            <a:off x="1296776" y="2217091"/>
+            <a:ext cx="6596168" cy="923877"/>
           </a:xfrm>
         </p:spPr>
         <p:txBody>
           <a:bodyPr>
-            <a:normAutofit fontScale="85000" lnSpcReduction="20000"/>
+            <a:normAutofit fontScale="77500" lnSpcReduction="20000"/>
           </a:bodyPr>
           <a:lstStyle/>
           <a:p>
@@ -7585,12 +7585,12 @@
         <p:spPr>
           <a:xfrm>
             <a:off x="1296776" y="3891244"/>
-            <a:ext cx="6443575" cy="2562092"/>
+            <a:ext cx="6443575" cy="2432285"/>
           </a:xfrm>
         </p:spPr>
         <p:txBody>
           <a:bodyPr>
-            <a:normAutofit lnSpcReduction="10000"/>
+            <a:normAutofit fontScale="92500" lnSpcReduction="20000"/>
           </a:bodyPr>
           <a:lstStyle/>
           <a:p>
@@ -7600,7 +7600,7 @@
             </a:pPr>
             <a:r>
               <a:rPr lang="en-US" dirty="0"/>
-              <a:t>cluttered document types</a:t>
+              <a:t>(all depends on the programmer or team standards)</a:t>
             </a:r>
           </a:p>
           <a:p>
@@ -7610,7 +7610,7 @@
             </a:pPr>
             <a:r>
               <a:rPr lang="en-US" dirty="0"/>
-              <a:t>partial views everywhere</a:t>
+              <a:t>cluttered document types</a:t>
             </a:r>
           </a:p>
           <a:p>
@@ -7620,7 +7620,7 @@
             </a:pPr>
             <a:r>
               <a:rPr lang="en-US" dirty="0"/>
-              <a:t>constant strings for view paths</a:t>
+              <a:t>partial views everywhere</a:t>
             </a:r>
           </a:p>
           <a:p>
@@ -7630,7 +7630,7 @@
             </a:pPr>
             <a:r>
               <a:rPr lang="en-US" dirty="0"/>
-              <a:t>dynamic models for views</a:t>
+              <a:t>constant strings for view paths</a:t>
             </a:r>
           </a:p>
           <a:p>
@@ -7640,7 +7640,7 @@
             </a:pPr>
             <a:r>
               <a:rPr lang="en-US" dirty="0"/>
-              <a:t>code logic on views</a:t>
+              <a:t>dynamic models for views</a:t>
             </a:r>
           </a:p>
           <a:p>
@@ -7650,7 +7650,17 @@
             </a:pPr>
             <a:r>
               <a:rPr lang="en-US" dirty="0"/>
-              <a:t>debugging is a nightmare</a:t>
+              <a:t>code logic on views</a:t>
+            </a:r>
+          </a:p>
+          <a:p>
+            <a:pPr marL="285750" indent="-285750">
+              <a:buFontTx/>
+              <a:buChar char="-"/>
+            </a:pPr>
+            <a:r>
+              <a:rPr lang="en-US" dirty="0"/>
+              <a:t>debugging can be a nightmare</a:t>
             </a:r>
           </a:p>
           <a:p>
@@ -7689,7 +7699,7 @@
         </p:nvSpPr>
         <p:spPr>
           <a:xfrm>
-            <a:off x="2493788" y="1671662"/>
+            <a:off x="2411760" y="1671662"/>
             <a:ext cx="3980578" cy="584775"/>
           </a:xfrm>
           <a:prstGeom prst="rect">
@@ -9087,7 +9097,7 @@
             </a:pPr>
             <a:r>
               <a:rPr lang="en-US" dirty="0"/>
-              <a:t>comprised of 1 or more data types</a:t>
+              <a:t>comprised of one or more data types</a:t>
             </a:r>
           </a:p>
           <a:p>
@@ -9107,7 +9117,7 @@
             </a:pPr>
             <a:r>
               <a:rPr lang="en-US" dirty="0"/>
-              <a:t>can be the “Page”, or comprise a page</a:t>
+              <a:t>can be the “Page”, or can comprise a page</a:t>
             </a:r>
           </a:p>
         </p:txBody>
@@ -10586,7 +10596,7 @@
         </p:spPr>
         <p:txBody>
           <a:bodyPr vert="horz" lIns="182880" tIns="91440">
-            <a:normAutofit lnSpcReduction="10000"/>
+            <a:normAutofit fontScale="92500" lnSpcReduction="10000"/>
           </a:bodyPr>
           <a:lstStyle>
             <a:lvl1pPr marL="0" indent="0" algn="l" rtl="0" eaLnBrk="1" latinLnBrk="0" hangingPunct="1">
@@ -10784,43 +10794,97 @@
             </a:lvl9pPr>
           </a:lstStyle>
           <a:p>
-            <a:pPr marL="342900" indent="-342900">
-              <a:buFontTx/>
-              <a:buChar char="-"/>
+            <a:pPr marL="457200" indent="-457200">
+              <a:buFont typeface="Wingdings" panose="05000000000000000000" pitchFamily="2" charset="2"/>
+              <a:buChar char="q"/>
             </a:pPr>
             <a:r>
               <a:rPr lang="en-US" dirty="0"/>
-              <a:t>when components are implemented as part of the page or as a composition, content editors cannot dictate its rendering or move its position other than let a developer update its template</a:t>
-            </a:r>
-          </a:p>
-          <a:p>
-            <a:endParaRPr lang="en-US" dirty="0"/>
-          </a:p>
-          <a:p>
-            <a:pPr marL="342900" indent="-342900">
-              <a:buFontTx/>
-              <a:buChar char="-"/>
+              <a:t>when components are implemented as part of the page or as a composition</a:t>
+            </a:r>
+          </a:p>
+          <a:p>
+            <a:pPr marL="804672" lvl="1" indent="-457200">
+              <a:buFont typeface="Verdana" panose="020B0604030504040204" pitchFamily="34" charset="0"/>
+              <a:buChar char="×"/>
             </a:pPr>
             <a:r>
-              <a:rPr lang="en-US" dirty="0"/>
-              <a:t>when components are implemented as a content picker, content editors can change the order of its display, but cannot dictate its rendering</a:t>
-            </a:r>
-          </a:p>
-          <a:p>
-            <a:pPr marL="342900" indent="-342900">
-              <a:buFontTx/>
-              <a:buChar char="-"/>
+              <a:rPr lang="en-US" sz="1900" dirty="0"/>
+              <a:t>editors cannot dictate its rendering </a:t>
+            </a:r>
+          </a:p>
+          <a:p>
+            <a:pPr marL="804672" lvl="1" indent="-457200">
+              <a:buFont typeface="Verdana" panose="020B0604030504040204" pitchFamily="34" charset="0"/>
+              <a:buChar char="×"/>
+            </a:pPr>
+            <a:r>
+              <a:rPr lang="en-US" sz="1900" dirty="0"/>
+              <a:t>editors are unable to manage its display position on the page</a:t>
+            </a:r>
+          </a:p>
+          <a:p>
+            <a:pPr marL="457200" indent="-457200">
+              <a:buFont typeface="+mj-lt"/>
+              <a:buAutoNum type="arabicPeriod"/>
             </a:pPr>
             <a:endParaRPr lang="en-US" dirty="0"/>
           </a:p>
           <a:p>
-            <a:pPr marL="342900" indent="-342900">
-              <a:buFontTx/>
-              <a:buChar char="-"/>
+            <a:pPr marL="457200" indent="-457200">
+              <a:buFont typeface="Wingdings" panose="05000000000000000000" pitchFamily="2" charset="2"/>
+              <a:buChar char="q"/>
             </a:pPr>
             <a:r>
               <a:rPr lang="en-US" dirty="0"/>
-              <a:t>when a new feature or change of logic is required, it is hard to deploy the update without affecting the existing behavior or codes. This could lead to spaghetti codes, orphan views, or potential errors due to changes not being synced properly.</a:t>
+              <a:t>when components are implemented as a content picker</a:t>
+            </a:r>
+          </a:p>
+          <a:p>
+            <a:pPr marL="804672" lvl="1" indent="-457200">
+              <a:buFont typeface="Verdana" panose="020B0604030504040204" pitchFamily="34" charset="0"/>
+              <a:buChar char="×"/>
+            </a:pPr>
+            <a:r>
+              <a:rPr lang="en-US" sz="1900" dirty="0"/>
+              <a:t>editors can change the order of its display but cannot dictate its rendering</a:t>
+            </a:r>
+          </a:p>
+          <a:p>
+            <a:pPr marL="457200" indent="-457200">
+              <a:buFont typeface="+mj-lt"/>
+              <a:buAutoNum type="arabicPeriod"/>
+            </a:pPr>
+            <a:endParaRPr lang="en-US" dirty="0"/>
+          </a:p>
+          <a:p>
+            <a:pPr marL="457200" indent="-457200">
+              <a:buFont typeface="Wingdings" panose="05000000000000000000" pitchFamily="2" charset="2"/>
+              <a:buChar char="q"/>
+            </a:pPr>
+            <a:r>
+              <a:rPr lang="en-US" dirty="0"/>
+              <a:t>when a new feature or change of logic is required</a:t>
+            </a:r>
+          </a:p>
+          <a:p>
+            <a:pPr marL="804672" lvl="1" indent="-457200">
+              <a:buFont typeface="Verdana" panose="020B0604030504040204" pitchFamily="34" charset="0"/>
+              <a:buChar char="×"/>
+            </a:pPr>
+            <a:r>
+              <a:rPr lang="en-US" sz="1900" dirty="0"/>
+              <a:t>old and new logic can hardly co-exist which is hard to revive or reuse an old behavior</a:t>
+            </a:r>
+          </a:p>
+          <a:p>
+            <a:pPr marL="804672" lvl="1" indent="-457200">
+              <a:buFont typeface="Verdana" panose="020B0604030504040204" pitchFamily="34" charset="0"/>
+              <a:buChar char="×"/>
+            </a:pPr>
+            <a:r>
+              <a:rPr lang="en-US" sz="1900" dirty="0"/>
+              <a:t>could lead to spaghetti codes, orphan views, or potential errors due to changes not being synced properly.</a:t>
             </a:r>
           </a:p>
           <a:p>
@@ -11319,12 +11383,12 @@
           </a:lstStyle>
           <a:p>
             <a:pPr marL="342900" indent="-342900">
-              <a:buFontTx/>
-              <a:buChar char="-"/>
+              <a:buFont typeface="Wingdings" panose="05000000000000000000" pitchFamily="2" charset="2"/>
+              <a:buChar char="ü"/>
             </a:pPr>
             <a:r>
               <a:rPr lang="en-US" dirty="0"/>
-              <a:t>editors should be able to apply different renderings on a particular component across or within pages</a:t>
+              <a:t>editors should be able to apply different renderings on a particular component within or across pages</a:t>
             </a:r>
           </a:p>
         </p:txBody>
@@ -11584,7 +11648,7 @@
         </p:spPr>
         <p:txBody>
           <a:bodyPr vert="horz" lIns="182880" tIns="91440">
-            <a:normAutofit fontScale="92500" lnSpcReduction="20000"/>
+            <a:normAutofit fontScale="92500"/>
           </a:bodyPr>
           <a:lstStyle>
             <a:lvl1pPr marL="0" indent="0" algn="l" rtl="0" eaLnBrk="1" latinLnBrk="0" hangingPunct="1">
@@ -11783,30 +11847,23 @@
           </a:lstStyle>
           <a:p>
             <a:pPr marL="342900" indent="-342900">
-              <a:buFontTx/>
-              <a:buChar char="-"/>
+              <a:buFont typeface="Wingdings" panose="05000000000000000000" pitchFamily="2" charset="2"/>
+              <a:buChar char="ü"/>
             </a:pPr>
             <a:r>
               <a:rPr lang="en-US" dirty="0"/>
-              <a:t>Should be able to move around components anywhere on the page or across different pages without requiring developer’s time</a:t>
+              <a:t>Should be able to move around components anywhere on the page or across pages without requiring a developer</a:t>
             </a:r>
           </a:p>
           <a:p>
             <a:pPr marL="342900" indent="-342900">
-              <a:buFontTx/>
-              <a:buChar char="-"/>
+              <a:buFont typeface="Wingdings" panose="05000000000000000000" pitchFamily="2" charset="2"/>
+              <a:buChar char="ü"/>
             </a:pPr>
             <a:r>
               <a:rPr lang="en-US" dirty="0"/>
-              <a:t>Should be able to use or deploy the same component on different websites without changing the codes</a:t>
-            </a:r>
-          </a:p>
-          <a:p>
-            <a:pPr marL="690372" lvl="1" indent="-342900">
-              <a:buFontTx/>
-              <a:buChar char="-"/>
-            </a:pPr>
-            <a:endParaRPr lang="en-US" dirty="0"/>
+              <a:t>Should be able to use or deploy the same component on multiple websites</a:t>
+            </a:r>
           </a:p>
           <a:p>
             <a:pPr lvl="1"/>
@@ -12498,22 +12555,22 @@
           </a:lstStyle>
           <a:p>
             <a:pPr marL="342900" indent="-342900">
-              <a:buFontTx/>
-              <a:buChar char="-"/>
+              <a:buFont typeface="Wingdings" panose="05000000000000000000" pitchFamily="2" charset="2"/>
+              <a:buChar char="ü"/>
             </a:pPr>
             <a:r>
               <a:rPr lang="en-US" dirty="0"/>
-              <a:t>a component can be added or removed at any time without affecting other parts</a:t>
+              <a:t>a component can be added or removed at any time without affecting other parts of the page</a:t>
             </a:r>
           </a:p>
           <a:p>
             <a:pPr marL="342900" indent="-342900">
-              <a:buFontTx/>
-              <a:buChar char="-"/>
+              <a:buFont typeface="Wingdings" panose="05000000000000000000" pitchFamily="2" charset="2"/>
+              <a:buChar char="ü"/>
             </a:pPr>
             <a:r>
               <a:rPr lang="en-US" dirty="0"/>
-              <a:t>any change on a component should not alter other existing logic</a:t>
+              <a:t>any change on a component should not affect other existing components</a:t>
             </a:r>
           </a:p>
           <a:p>
@@ -12593,8 +12650,8 @@
         </p:nvSpPr>
         <p:spPr>
           <a:xfrm>
-            <a:off x="395536" y="5336524"/>
-            <a:ext cx="7669162" cy="576064"/>
+            <a:off x="161355" y="1638435"/>
+            <a:ext cx="4082463" cy="401472"/>
           </a:xfrm>
           <a:prstGeom prst="rect">
             <a:avLst/>
@@ -12602,7 +12659,7 @@
         </p:spPr>
         <p:txBody>
           <a:bodyPr vert="horz" lIns="182880" tIns="91440">
-            <a:normAutofit/>
+            <a:normAutofit fontScale="92500" lnSpcReduction="10000"/>
           </a:bodyPr>
           <a:lstStyle>
             <a:lvl1pPr marL="0" indent="0" algn="l" rtl="0" eaLnBrk="1" latinLnBrk="0" hangingPunct="1">
@@ -12823,8 +12880,8 @@
         </p:nvSpPr>
         <p:spPr>
           <a:xfrm>
-            <a:off x="395536" y="1847756"/>
-            <a:ext cx="7669162" cy="576064"/>
+            <a:off x="161355" y="3363398"/>
+            <a:ext cx="3528392" cy="576064"/>
           </a:xfrm>
           <a:prstGeom prst="rect">
             <a:avLst/>
@@ -13053,8 +13110,8 @@
         </p:nvSpPr>
         <p:spPr>
           <a:xfrm>
-            <a:off x="395536" y="3592140"/>
-            <a:ext cx="7669162" cy="576064"/>
+            <a:off x="4243818" y="3362635"/>
+            <a:ext cx="2088232" cy="576064"/>
           </a:xfrm>
           <a:prstGeom prst="rect">
             <a:avLst/>
@@ -13263,6 +13320,1129 @@
             <a:r>
               <a:rPr lang="en-US" b="1" dirty="0"/>
               <a:t>Modules</a:t>
+            </a:r>
+          </a:p>
+        </p:txBody>
+      </p:sp>
+      <p:sp>
+        <p:nvSpPr>
+          <p:cNvPr id="12" name="Rectangle 2">
+            <a:extLst>
+              <a:ext uri="{FF2B5EF4-FFF2-40B4-BE49-F238E27FC236}">
+                <a16:creationId xmlns:a16="http://schemas.microsoft.com/office/drawing/2014/main" id="{5814E4EC-056A-4C07-A595-DAB2A7E43C88}"/>
+              </a:ext>
+            </a:extLst>
+          </p:cNvPr>
+          <p:cNvSpPr txBox="1">
+            <a:spLocks/>
+          </p:cNvSpPr>
+          <p:nvPr/>
+        </p:nvSpPr>
+        <p:spPr>
+          <a:xfrm>
+            <a:off x="277529" y="3747227"/>
+            <a:ext cx="3746247" cy="2454678"/>
+          </a:xfrm>
+          <a:prstGeom prst="rect">
+            <a:avLst/>
+          </a:prstGeom>
+        </p:spPr>
+        <p:txBody>
+          <a:bodyPr vert="horz" lIns="182880" tIns="91440">
+            <a:normAutofit/>
+          </a:bodyPr>
+          <a:lstStyle>
+            <a:lvl1pPr marL="0" indent="0" algn="l" rtl="0" eaLnBrk="1" latinLnBrk="0" hangingPunct="1">
+              <a:spcBef>
+                <a:spcPts val="250"/>
+              </a:spcBef>
+              <a:buClr>
+                <a:schemeClr val="accent1"/>
+              </a:buClr>
+              <a:buSzPct val="80000"/>
+              <a:buFont typeface="Wingdings 2"/>
+              <a:buNone/>
+              <a:defRPr sz="2000" kern="1200">
+                <a:solidFill>
+                  <a:schemeClr val="tx1"/>
+                </a:solidFill>
+                <a:effectLst/>
+                <a:latin typeface="+mn-lt"/>
+                <a:ea typeface="+mn-ea"/>
+                <a:cs typeface="+mn-cs"/>
+              </a:defRPr>
+            </a:lvl1pPr>
+            <a:lvl2pPr marL="347472" indent="0" algn="l" rtl="0" eaLnBrk="1" latinLnBrk="0" hangingPunct="1">
+              <a:spcBef>
+                <a:spcPts val="250"/>
+              </a:spcBef>
+              <a:buClr>
+                <a:schemeClr val="accent1"/>
+              </a:buClr>
+              <a:buSzPct val="100000"/>
+              <a:buFont typeface="Verdana"/>
+              <a:buNone/>
+              <a:defRPr sz="2400" kern="1200">
+                <a:solidFill>
+                  <a:schemeClr val="tx1"/>
+                </a:solidFill>
+                <a:latin typeface="+mn-lt"/>
+                <a:ea typeface="+mn-ea"/>
+                <a:cs typeface="+mn-cs"/>
+              </a:defRPr>
+            </a:lvl2pPr>
+            <a:lvl3pPr marL="603504" indent="0" algn="l" rtl="0" eaLnBrk="1" latinLnBrk="0" hangingPunct="1">
+              <a:spcBef>
+                <a:spcPts val="250"/>
+              </a:spcBef>
+              <a:buClr>
+                <a:schemeClr val="accent2">
+                  <a:tint val="85000"/>
+                  <a:satMod val="285000"/>
+                </a:schemeClr>
+              </a:buClr>
+              <a:buSzPct val="100000"/>
+              <a:buFont typeface="Wingdings 2"/>
+              <a:buNone/>
+              <a:defRPr sz="2200" kern="1200">
+                <a:solidFill>
+                  <a:schemeClr val="tx1"/>
+                </a:solidFill>
+                <a:latin typeface="+mn-lt"/>
+                <a:ea typeface="+mn-ea"/>
+                <a:cs typeface="+mn-cs"/>
+              </a:defRPr>
+            </a:lvl3pPr>
+            <a:lvl4pPr marL="841248" indent="0" algn="l" rtl="0" eaLnBrk="1" latinLnBrk="0" hangingPunct="1">
+              <a:spcBef>
+                <a:spcPts val="230"/>
+              </a:spcBef>
+              <a:buClr>
+                <a:schemeClr val="accent2">
+                  <a:tint val="85000"/>
+                  <a:satMod val="285000"/>
+                </a:schemeClr>
+              </a:buClr>
+              <a:buSzPct val="112000"/>
+              <a:buFont typeface="Verdana"/>
+              <a:buNone/>
+              <a:defRPr sz="1900" kern="1200">
+                <a:solidFill>
+                  <a:schemeClr val="tx1"/>
+                </a:solidFill>
+                <a:latin typeface="+mn-lt"/>
+                <a:ea typeface="+mn-ea"/>
+                <a:cs typeface="+mn-cs"/>
+              </a:defRPr>
+            </a:lvl4pPr>
+            <a:lvl5pPr marL="1097280" indent="0" algn="l" rtl="0" eaLnBrk="1" latinLnBrk="0" hangingPunct="1">
+              <a:spcBef>
+                <a:spcPts val="250"/>
+              </a:spcBef>
+              <a:buClr>
+                <a:schemeClr val="accent3">
+                  <a:tint val="85000"/>
+                  <a:satMod val="275000"/>
+                </a:schemeClr>
+              </a:buClr>
+              <a:buSzPct val="100000"/>
+              <a:buFont typeface="Wingdings 2"/>
+              <a:buNone/>
+              <a:defRPr sz="1800" kern="1200">
+                <a:solidFill>
+                  <a:schemeClr val="tx1"/>
+                </a:solidFill>
+                <a:latin typeface="+mn-lt"/>
+                <a:ea typeface="+mn-ea"/>
+                <a:cs typeface="+mn-cs"/>
+              </a:defRPr>
+            </a:lvl5pPr>
+            <a:lvl6pPr marL="1490472" indent="-182880" algn="l" rtl="0" eaLnBrk="1" latinLnBrk="0" hangingPunct="1">
+              <a:spcBef>
+                <a:spcPts val="250"/>
+              </a:spcBef>
+              <a:buClr>
+                <a:schemeClr val="accent3">
+                  <a:tint val="85000"/>
+                  <a:satMod val="275000"/>
+                </a:schemeClr>
+              </a:buClr>
+              <a:buSzPct val="100000"/>
+              <a:buFont typeface="Verdana"/>
+              <a:buChar char="◦"/>
+              <a:defRPr sz="1700" kern="1200" baseline="0">
+                <a:solidFill>
+                  <a:srgbClr val="FFFFFF"/>
+                </a:solidFill>
+                <a:latin typeface="+mn-lt"/>
+                <a:ea typeface="+mn-ea"/>
+                <a:cs typeface="+mn-cs"/>
+              </a:defRPr>
+            </a:lvl6pPr>
+            <a:lvl7pPr marL="1700784" indent="-182880" algn="l" rtl="0" eaLnBrk="1" latinLnBrk="0" hangingPunct="1">
+              <a:spcBef>
+                <a:spcPts val="255"/>
+              </a:spcBef>
+              <a:buClr>
+                <a:schemeClr val="accent3">
+                  <a:tint val="85000"/>
+                  <a:satMod val="275000"/>
+                </a:schemeClr>
+              </a:buClr>
+              <a:buSzPct val="100000"/>
+              <a:buFont typeface="Wingdings 2"/>
+              <a:buChar char=""/>
+              <a:defRPr sz="1500" kern="1200">
+                <a:solidFill>
+                  <a:srgbClr val="FFFFFF"/>
+                </a:solidFill>
+                <a:latin typeface="+mn-lt"/>
+                <a:ea typeface="+mn-ea"/>
+                <a:cs typeface="+mn-cs"/>
+              </a:defRPr>
+            </a:lvl7pPr>
+            <a:lvl8pPr marL="1920240" indent="-182880" algn="l" rtl="0" eaLnBrk="1" latinLnBrk="0" hangingPunct="1">
+              <a:spcBef>
+                <a:spcPts val="257"/>
+              </a:spcBef>
+              <a:buClr>
+                <a:schemeClr val="accent3">
+                  <a:tint val="85000"/>
+                  <a:satMod val="275000"/>
+                </a:schemeClr>
+              </a:buClr>
+              <a:buSzPct val="100000"/>
+              <a:buFont typeface="Verdana"/>
+              <a:buChar char="◦"/>
+              <a:defRPr sz="1500" kern="1200" baseline="0">
+                <a:solidFill>
+                  <a:srgbClr val="FFFFFF"/>
+                </a:solidFill>
+                <a:latin typeface="+mn-lt"/>
+                <a:ea typeface="+mn-ea"/>
+                <a:cs typeface="+mn-cs"/>
+              </a:defRPr>
+            </a:lvl8pPr>
+            <a:lvl9pPr marL="2148840" indent="-182880" algn="l" rtl="0" eaLnBrk="1" latinLnBrk="0" hangingPunct="1">
+              <a:spcBef>
+                <a:spcPts val="255"/>
+              </a:spcBef>
+              <a:buClr>
+                <a:schemeClr val="accent3">
+                  <a:tint val="85000"/>
+                  <a:satMod val="275000"/>
+                </a:schemeClr>
+              </a:buClr>
+              <a:buSzPct val="100000"/>
+              <a:buFont typeface="Wingdings 2"/>
+              <a:buChar char=""/>
+              <a:defRPr sz="1500" kern="1200">
+                <a:solidFill>
+                  <a:srgbClr val="FFFFFF"/>
+                </a:solidFill>
+                <a:latin typeface="+mn-lt"/>
+                <a:ea typeface="+mn-ea"/>
+                <a:cs typeface="+mn-cs"/>
+              </a:defRPr>
+            </a:lvl9pPr>
+          </a:lstStyle>
+          <a:p>
+            <a:pPr marL="342900" indent="-342900">
+              <a:buFont typeface="Wingdings" panose="05000000000000000000" pitchFamily="2" charset="2"/>
+              <a:buChar char="ü"/>
+            </a:pPr>
+            <a:r>
+              <a:rPr lang="en-US" dirty="0"/>
+              <a:t>a single and simple content feature</a:t>
+            </a:r>
+          </a:p>
+          <a:p>
+            <a:pPr marL="342900" indent="-342900">
+              <a:buFont typeface="Wingdings" panose="05000000000000000000" pitchFamily="2" charset="2"/>
+              <a:buChar char="ü"/>
+            </a:pPr>
+            <a:r>
+              <a:rPr lang="en-US" dirty="0"/>
+              <a:t>very specific behavior</a:t>
+            </a:r>
+          </a:p>
+          <a:p>
+            <a:pPr marL="690372" lvl="1" indent="-342900">
+              <a:buFont typeface="Wingdings" panose="05000000000000000000" pitchFamily="2" charset="2"/>
+              <a:buChar char="q"/>
+            </a:pPr>
+            <a:r>
+              <a:rPr lang="en-US" sz="1200" dirty="0"/>
+              <a:t>i.e. Text and Image – Left</a:t>
+            </a:r>
+          </a:p>
+          <a:p>
+            <a:pPr marL="946404" lvl="2" indent="-342900">
+              <a:buFont typeface="Arial" panose="020B0604020202020204" pitchFamily="34" charset="0"/>
+              <a:buChar char="•"/>
+            </a:pPr>
+            <a:r>
+              <a:rPr lang="en-US" sz="1000" dirty="0"/>
+              <a:t>Text</a:t>
+            </a:r>
+          </a:p>
+          <a:p>
+            <a:pPr marL="946404" lvl="2" indent="-342900">
+              <a:buFont typeface="Arial" panose="020B0604020202020204" pitchFamily="34" charset="0"/>
+              <a:buChar char="•"/>
+            </a:pPr>
+            <a:r>
+              <a:rPr lang="en-US" sz="1000" dirty="0"/>
+              <a:t>Image</a:t>
+            </a:r>
+          </a:p>
+          <a:p>
+            <a:pPr marL="342900" indent="-342900">
+              <a:buFont typeface="Wingdings" panose="05000000000000000000" pitchFamily="2" charset="2"/>
+              <a:buChar char="ü"/>
+            </a:pPr>
+            <a:r>
+              <a:rPr lang="en-US" dirty="0"/>
+              <a:t>View Rendering</a:t>
+            </a:r>
+          </a:p>
+          <a:p>
+            <a:pPr marL="342900" indent="-342900">
+              <a:buFont typeface="Wingdings" panose="05000000000000000000" pitchFamily="2" charset="2"/>
+              <a:buChar char="ü"/>
+            </a:pPr>
+            <a:r>
+              <a:rPr lang="en-US" dirty="0"/>
+              <a:t>Controller Rendering</a:t>
+            </a:r>
+          </a:p>
+          <a:p>
+            <a:pPr lvl="1"/>
+            <a:endParaRPr lang="en-US" dirty="0"/>
+          </a:p>
+        </p:txBody>
+      </p:sp>
+      <p:sp>
+        <p:nvSpPr>
+          <p:cNvPr id="13" name="Rectangle 2">
+            <a:extLst>
+              <a:ext uri="{FF2B5EF4-FFF2-40B4-BE49-F238E27FC236}">
+                <a16:creationId xmlns:a16="http://schemas.microsoft.com/office/drawing/2014/main" id="{C4A24035-9FF9-4259-BDEE-B98D040BF6E2}"/>
+              </a:ext>
+            </a:extLst>
+          </p:cNvPr>
+          <p:cNvSpPr txBox="1">
+            <a:spLocks/>
+          </p:cNvSpPr>
+          <p:nvPr/>
+        </p:nvSpPr>
+        <p:spPr>
+          <a:xfrm>
+            <a:off x="4347989" y="3747227"/>
+            <a:ext cx="4322311" cy="2220402"/>
+          </a:xfrm>
+          <a:prstGeom prst="rect">
+            <a:avLst/>
+          </a:prstGeom>
+        </p:spPr>
+        <p:txBody>
+          <a:bodyPr vert="horz" lIns="182880" tIns="91440">
+            <a:normAutofit fontScale="92500" lnSpcReduction="10000"/>
+          </a:bodyPr>
+          <a:lstStyle>
+            <a:lvl1pPr marL="0" indent="0" algn="l" rtl="0" eaLnBrk="1" latinLnBrk="0" hangingPunct="1">
+              <a:spcBef>
+                <a:spcPts val="250"/>
+              </a:spcBef>
+              <a:buClr>
+                <a:schemeClr val="accent1"/>
+              </a:buClr>
+              <a:buSzPct val="80000"/>
+              <a:buFont typeface="Wingdings 2"/>
+              <a:buNone/>
+              <a:defRPr sz="2000" kern="1200">
+                <a:solidFill>
+                  <a:schemeClr val="tx1"/>
+                </a:solidFill>
+                <a:effectLst/>
+                <a:latin typeface="+mn-lt"/>
+                <a:ea typeface="+mn-ea"/>
+                <a:cs typeface="+mn-cs"/>
+              </a:defRPr>
+            </a:lvl1pPr>
+            <a:lvl2pPr marL="347472" indent="0" algn="l" rtl="0" eaLnBrk="1" latinLnBrk="0" hangingPunct="1">
+              <a:spcBef>
+                <a:spcPts val="250"/>
+              </a:spcBef>
+              <a:buClr>
+                <a:schemeClr val="accent1"/>
+              </a:buClr>
+              <a:buSzPct val="100000"/>
+              <a:buFont typeface="Verdana"/>
+              <a:buNone/>
+              <a:defRPr sz="2400" kern="1200">
+                <a:solidFill>
+                  <a:schemeClr val="tx1"/>
+                </a:solidFill>
+                <a:latin typeface="+mn-lt"/>
+                <a:ea typeface="+mn-ea"/>
+                <a:cs typeface="+mn-cs"/>
+              </a:defRPr>
+            </a:lvl2pPr>
+            <a:lvl3pPr marL="603504" indent="0" algn="l" rtl="0" eaLnBrk="1" latinLnBrk="0" hangingPunct="1">
+              <a:spcBef>
+                <a:spcPts val="250"/>
+              </a:spcBef>
+              <a:buClr>
+                <a:schemeClr val="accent2">
+                  <a:tint val="85000"/>
+                  <a:satMod val="285000"/>
+                </a:schemeClr>
+              </a:buClr>
+              <a:buSzPct val="100000"/>
+              <a:buFont typeface="Wingdings 2"/>
+              <a:buNone/>
+              <a:defRPr sz="2200" kern="1200">
+                <a:solidFill>
+                  <a:schemeClr val="tx1"/>
+                </a:solidFill>
+                <a:latin typeface="+mn-lt"/>
+                <a:ea typeface="+mn-ea"/>
+                <a:cs typeface="+mn-cs"/>
+              </a:defRPr>
+            </a:lvl3pPr>
+            <a:lvl4pPr marL="841248" indent="0" algn="l" rtl="0" eaLnBrk="1" latinLnBrk="0" hangingPunct="1">
+              <a:spcBef>
+                <a:spcPts val="230"/>
+              </a:spcBef>
+              <a:buClr>
+                <a:schemeClr val="accent2">
+                  <a:tint val="85000"/>
+                  <a:satMod val="285000"/>
+                </a:schemeClr>
+              </a:buClr>
+              <a:buSzPct val="112000"/>
+              <a:buFont typeface="Verdana"/>
+              <a:buNone/>
+              <a:defRPr sz="1900" kern="1200">
+                <a:solidFill>
+                  <a:schemeClr val="tx1"/>
+                </a:solidFill>
+                <a:latin typeface="+mn-lt"/>
+                <a:ea typeface="+mn-ea"/>
+                <a:cs typeface="+mn-cs"/>
+              </a:defRPr>
+            </a:lvl4pPr>
+            <a:lvl5pPr marL="1097280" indent="0" algn="l" rtl="0" eaLnBrk="1" latinLnBrk="0" hangingPunct="1">
+              <a:spcBef>
+                <a:spcPts val="250"/>
+              </a:spcBef>
+              <a:buClr>
+                <a:schemeClr val="accent3">
+                  <a:tint val="85000"/>
+                  <a:satMod val="275000"/>
+                </a:schemeClr>
+              </a:buClr>
+              <a:buSzPct val="100000"/>
+              <a:buFont typeface="Wingdings 2"/>
+              <a:buNone/>
+              <a:defRPr sz="1800" kern="1200">
+                <a:solidFill>
+                  <a:schemeClr val="tx1"/>
+                </a:solidFill>
+                <a:latin typeface="+mn-lt"/>
+                <a:ea typeface="+mn-ea"/>
+                <a:cs typeface="+mn-cs"/>
+              </a:defRPr>
+            </a:lvl5pPr>
+            <a:lvl6pPr marL="1490472" indent="-182880" algn="l" rtl="0" eaLnBrk="1" latinLnBrk="0" hangingPunct="1">
+              <a:spcBef>
+                <a:spcPts val="250"/>
+              </a:spcBef>
+              <a:buClr>
+                <a:schemeClr val="accent3">
+                  <a:tint val="85000"/>
+                  <a:satMod val="275000"/>
+                </a:schemeClr>
+              </a:buClr>
+              <a:buSzPct val="100000"/>
+              <a:buFont typeface="Verdana"/>
+              <a:buChar char="◦"/>
+              <a:defRPr sz="1700" kern="1200" baseline="0">
+                <a:solidFill>
+                  <a:srgbClr val="FFFFFF"/>
+                </a:solidFill>
+                <a:latin typeface="+mn-lt"/>
+                <a:ea typeface="+mn-ea"/>
+                <a:cs typeface="+mn-cs"/>
+              </a:defRPr>
+            </a:lvl6pPr>
+            <a:lvl7pPr marL="1700784" indent="-182880" algn="l" rtl="0" eaLnBrk="1" latinLnBrk="0" hangingPunct="1">
+              <a:spcBef>
+                <a:spcPts val="255"/>
+              </a:spcBef>
+              <a:buClr>
+                <a:schemeClr val="accent3">
+                  <a:tint val="85000"/>
+                  <a:satMod val="275000"/>
+                </a:schemeClr>
+              </a:buClr>
+              <a:buSzPct val="100000"/>
+              <a:buFont typeface="Wingdings 2"/>
+              <a:buChar char=""/>
+              <a:defRPr sz="1500" kern="1200">
+                <a:solidFill>
+                  <a:srgbClr val="FFFFFF"/>
+                </a:solidFill>
+                <a:latin typeface="+mn-lt"/>
+                <a:ea typeface="+mn-ea"/>
+                <a:cs typeface="+mn-cs"/>
+              </a:defRPr>
+            </a:lvl7pPr>
+            <a:lvl8pPr marL="1920240" indent="-182880" algn="l" rtl="0" eaLnBrk="1" latinLnBrk="0" hangingPunct="1">
+              <a:spcBef>
+                <a:spcPts val="257"/>
+              </a:spcBef>
+              <a:buClr>
+                <a:schemeClr val="accent3">
+                  <a:tint val="85000"/>
+                  <a:satMod val="275000"/>
+                </a:schemeClr>
+              </a:buClr>
+              <a:buSzPct val="100000"/>
+              <a:buFont typeface="Verdana"/>
+              <a:buChar char="◦"/>
+              <a:defRPr sz="1500" kern="1200" baseline="0">
+                <a:solidFill>
+                  <a:srgbClr val="FFFFFF"/>
+                </a:solidFill>
+                <a:latin typeface="+mn-lt"/>
+                <a:ea typeface="+mn-ea"/>
+                <a:cs typeface="+mn-cs"/>
+              </a:defRPr>
+            </a:lvl8pPr>
+            <a:lvl9pPr marL="2148840" indent="-182880" algn="l" rtl="0" eaLnBrk="1" latinLnBrk="0" hangingPunct="1">
+              <a:spcBef>
+                <a:spcPts val="255"/>
+              </a:spcBef>
+              <a:buClr>
+                <a:schemeClr val="accent3">
+                  <a:tint val="85000"/>
+                  <a:satMod val="275000"/>
+                </a:schemeClr>
+              </a:buClr>
+              <a:buSzPct val="100000"/>
+              <a:buFont typeface="Wingdings 2"/>
+              <a:buChar char=""/>
+              <a:defRPr sz="1500" kern="1200">
+                <a:solidFill>
+                  <a:srgbClr val="FFFFFF"/>
+                </a:solidFill>
+                <a:latin typeface="+mn-lt"/>
+                <a:ea typeface="+mn-ea"/>
+                <a:cs typeface="+mn-cs"/>
+              </a:defRPr>
+            </a:lvl9pPr>
+          </a:lstStyle>
+          <a:p>
+            <a:pPr marL="342900" indent="-342900">
+              <a:buFont typeface="Wingdings" panose="05000000000000000000" pitchFamily="2" charset="2"/>
+              <a:buChar char="ü"/>
+            </a:pPr>
+            <a:r>
+              <a:rPr lang="en-US" dirty="0"/>
+              <a:t>a complex content feature</a:t>
+            </a:r>
+          </a:p>
+          <a:p>
+            <a:pPr marL="342900" indent="-342900">
+              <a:buFont typeface="Wingdings" panose="05000000000000000000" pitchFamily="2" charset="2"/>
+              <a:buChar char="ü"/>
+            </a:pPr>
+            <a:r>
+              <a:rPr lang="en-US" dirty="0"/>
+              <a:t>can comprise one or more components</a:t>
+            </a:r>
+          </a:p>
+          <a:p>
+            <a:pPr marL="690372" lvl="1" indent="-342900">
+              <a:buFont typeface="Wingdings" panose="05000000000000000000" pitchFamily="2" charset="2"/>
+              <a:buChar char="q"/>
+            </a:pPr>
+            <a:r>
+              <a:rPr lang="en-US" sz="1400" dirty="0"/>
+              <a:t>i.e. Product Info</a:t>
+            </a:r>
+          </a:p>
+          <a:p>
+            <a:pPr marL="946404" lvl="2" indent="-342900">
+              <a:buFont typeface="Arial" panose="020B0604020202020204" pitchFamily="34" charset="0"/>
+              <a:buChar char="•"/>
+            </a:pPr>
+            <a:r>
+              <a:rPr lang="en-US" sz="1200" dirty="0"/>
+              <a:t>Text and Image – Left</a:t>
+            </a:r>
+          </a:p>
+          <a:p>
+            <a:pPr marL="946404" lvl="2" indent="-342900">
+              <a:buFont typeface="Arial" panose="020B0604020202020204" pitchFamily="34" charset="0"/>
+              <a:buChar char="•"/>
+            </a:pPr>
+            <a:r>
+              <a:rPr lang="en-US" sz="1200" dirty="0"/>
+              <a:t>Text Block</a:t>
+            </a:r>
+          </a:p>
+          <a:p>
+            <a:pPr marL="946404" lvl="2" indent="-342900">
+              <a:buFont typeface="Arial" panose="020B0604020202020204" pitchFamily="34" charset="0"/>
+              <a:buChar char="•"/>
+            </a:pPr>
+            <a:r>
+              <a:rPr lang="en-US" sz="1200" dirty="0"/>
+              <a:t>Gallery</a:t>
+            </a:r>
+          </a:p>
+          <a:p>
+            <a:pPr marL="342900" indent="-342900">
+              <a:buFont typeface="Wingdings" panose="05000000000000000000" pitchFamily="2" charset="2"/>
+              <a:buChar char="ü"/>
+            </a:pPr>
+            <a:r>
+              <a:rPr lang="en-US" dirty="0"/>
+              <a:t>Controller Rendering</a:t>
+            </a:r>
+          </a:p>
+        </p:txBody>
+      </p:sp>
+      <p:sp>
+        <p:nvSpPr>
+          <p:cNvPr id="14" name="Rectangle 2">
+            <a:extLst>
+              <a:ext uri="{FF2B5EF4-FFF2-40B4-BE49-F238E27FC236}">
+                <a16:creationId xmlns:a16="http://schemas.microsoft.com/office/drawing/2014/main" id="{C5750BD6-9ABB-46BF-8676-C3055AFB185A}"/>
+              </a:ext>
+            </a:extLst>
+          </p:cNvPr>
+          <p:cNvSpPr txBox="1">
+            <a:spLocks/>
+          </p:cNvSpPr>
+          <p:nvPr/>
+        </p:nvSpPr>
+        <p:spPr>
+          <a:xfrm>
+            <a:off x="161355" y="2006199"/>
+            <a:ext cx="3978597" cy="1356436"/>
+          </a:xfrm>
+          <a:prstGeom prst="rect">
+            <a:avLst/>
+          </a:prstGeom>
+        </p:spPr>
+        <p:txBody>
+          <a:bodyPr vert="horz" lIns="182880" tIns="91440">
+            <a:normAutofit lnSpcReduction="10000"/>
+          </a:bodyPr>
+          <a:lstStyle>
+            <a:lvl1pPr marL="0" indent="0" algn="l" rtl="0" eaLnBrk="1" latinLnBrk="0" hangingPunct="1">
+              <a:spcBef>
+                <a:spcPts val="250"/>
+              </a:spcBef>
+              <a:buClr>
+                <a:schemeClr val="accent1"/>
+              </a:buClr>
+              <a:buSzPct val="80000"/>
+              <a:buFont typeface="Wingdings 2"/>
+              <a:buNone/>
+              <a:defRPr sz="2000" kern="1200">
+                <a:solidFill>
+                  <a:schemeClr val="tx1"/>
+                </a:solidFill>
+                <a:effectLst/>
+                <a:latin typeface="+mn-lt"/>
+                <a:ea typeface="+mn-ea"/>
+                <a:cs typeface="+mn-cs"/>
+              </a:defRPr>
+            </a:lvl1pPr>
+            <a:lvl2pPr marL="347472" indent="0" algn="l" rtl="0" eaLnBrk="1" latinLnBrk="0" hangingPunct="1">
+              <a:spcBef>
+                <a:spcPts val="250"/>
+              </a:spcBef>
+              <a:buClr>
+                <a:schemeClr val="accent1"/>
+              </a:buClr>
+              <a:buSzPct val="100000"/>
+              <a:buFont typeface="Verdana"/>
+              <a:buNone/>
+              <a:defRPr sz="2400" kern="1200">
+                <a:solidFill>
+                  <a:schemeClr val="tx1"/>
+                </a:solidFill>
+                <a:latin typeface="+mn-lt"/>
+                <a:ea typeface="+mn-ea"/>
+                <a:cs typeface="+mn-cs"/>
+              </a:defRPr>
+            </a:lvl2pPr>
+            <a:lvl3pPr marL="603504" indent="0" algn="l" rtl="0" eaLnBrk="1" latinLnBrk="0" hangingPunct="1">
+              <a:spcBef>
+                <a:spcPts val="250"/>
+              </a:spcBef>
+              <a:buClr>
+                <a:schemeClr val="accent2">
+                  <a:tint val="85000"/>
+                  <a:satMod val="285000"/>
+                </a:schemeClr>
+              </a:buClr>
+              <a:buSzPct val="100000"/>
+              <a:buFont typeface="Wingdings 2"/>
+              <a:buNone/>
+              <a:defRPr sz="2200" kern="1200">
+                <a:solidFill>
+                  <a:schemeClr val="tx1"/>
+                </a:solidFill>
+                <a:latin typeface="+mn-lt"/>
+                <a:ea typeface="+mn-ea"/>
+                <a:cs typeface="+mn-cs"/>
+              </a:defRPr>
+            </a:lvl3pPr>
+            <a:lvl4pPr marL="841248" indent="0" algn="l" rtl="0" eaLnBrk="1" latinLnBrk="0" hangingPunct="1">
+              <a:spcBef>
+                <a:spcPts val="230"/>
+              </a:spcBef>
+              <a:buClr>
+                <a:schemeClr val="accent2">
+                  <a:tint val="85000"/>
+                  <a:satMod val="285000"/>
+                </a:schemeClr>
+              </a:buClr>
+              <a:buSzPct val="112000"/>
+              <a:buFont typeface="Verdana"/>
+              <a:buNone/>
+              <a:defRPr sz="1900" kern="1200">
+                <a:solidFill>
+                  <a:schemeClr val="tx1"/>
+                </a:solidFill>
+                <a:latin typeface="+mn-lt"/>
+                <a:ea typeface="+mn-ea"/>
+                <a:cs typeface="+mn-cs"/>
+              </a:defRPr>
+            </a:lvl4pPr>
+            <a:lvl5pPr marL="1097280" indent="0" algn="l" rtl="0" eaLnBrk="1" latinLnBrk="0" hangingPunct="1">
+              <a:spcBef>
+                <a:spcPts val="250"/>
+              </a:spcBef>
+              <a:buClr>
+                <a:schemeClr val="accent3">
+                  <a:tint val="85000"/>
+                  <a:satMod val="275000"/>
+                </a:schemeClr>
+              </a:buClr>
+              <a:buSzPct val="100000"/>
+              <a:buFont typeface="Wingdings 2"/>
+              <a:buNone/>
+              <a:defRPr sz="1800" kern="1200">
+                <a:solidFill>
+                  <a:schemeClr val="tx1"/>
+                </a:solidFill>
+                <a:latin typeface="+mn-lt"/>
+                <a:ea typeface="+mn-ea"/>
+                <a:cs typeface="+mn-cs"/>
+              </a:defRPr>
+            </a:lvl5pPr>
+            <a:lvl6pPr marL="1490472" indent="-182880" algn="l" rtl="0" eaLnBrk="1" latinLnBrk="0" hangingPunct="1">
+              <a:spcBef>
+                <a:spcPts val="250"/>
+              </a:spcBef>
+              <a:buClr>
+                <a:schemeClr val="accent3">
+                  <a:tint val="85000"/>
+                  <a:satMod val="275000"/>
+                </a:schemeClr>
+              </a:buClr>
+              <a:buSzPct val="100000"/>
+              <a:buFont typeface="Verdana"/>
+              <a:buChar char="◦"/>
+              <a:defRPr sz="1700" kern="1200" baseline="0">
+                <a:solidFill>
+                  <a:srgbClr val="FFFFFF"/>
+                </a:solidFill>
+                <a:latin typeface="+mn-lt"/>
+                <a:ea typeface="+mn-ea"/>
+                <a:cs typeface="+mn-cs"/>
+              </a:defRPr>
+            </a:lvl6pPr>
+            <a:lvl7pPr marL="1700784" indent="-182880" algn="l" rtl="0" eaLnBrk="1" latinLnBrk="0" hangingPunct="1">
+              <a:spcBef>
+                <a:spcPts val="255"/>
+              </a:spcBef>
+              <a:buClr>
+                <a:schemeClr val="accent3">
+                  <a:tint val="85000"/>
+                  <a:satMod val="275000"/>
+                </a:schemeClr>
+              </a:buClr>
+              <a:buSzPct val="100000"/>
+              <a:buFont typeface="Wingdings 2"/>
+              <a:buChar char=""/>
+              <a:defRPr sz="1500" kern="1200">
+                <a:solidFill>
+                  <a:srgbClr val="FFFFFF"/>
+                </a:solidFill>
+                <a:latin typeface="+mn-lt"/>
+                <a:ea typeface="+mn-ea"/>
+                <a:cs typeface="+mn-cs"/>
+              </a:defRPr>
+            </a:lvl7pPr>
+            <a:lvl8pPr marL="1920240" indent="-182880" algn="l" rtl="0" eaLnBrk="1" latinLnBrk="0" hangingPunct="1">
+              <a:spcBef>
+                <a:spcPts val="257"/>
+              </a:spcBef>
+              <a:buClr>
+                <a:schemeClr val="accent3">
+                  <a:tint val="85000"/>
+                  <a:satMod val="275000"/>
+                </a:schemeClr>
+              </a:buClr>
+              <a:buSzPct val="100000"/>
+              <a:buFont typeface="Verdana"/>
+              <a:buChar char="◦"/>
+              <a:defRPr sz="1500" kern="1200" baseline="0">
+                <a:solidFill>
+                  <a:srgbClr val="FFFFFF"/>
+                </a:solidFill>
+                <a:latin typeface="+mn-lt"/>
+                <a:ea typeface="+mn-ea"/>
+                <a:cs typeface="+mn-cs"/>
+              </a:defRPr>
+            </a:lvl8pPr>
+            <a:lvl9pPr marL="2148840" indent="-182880" algn="l" rtl="0" eaLnBrk="1" latinLnBrk="0" hangingPunct="1">
+              <a:spcBef>
+                <a:spcPts val="255"/>
+              </a:spcBef>
+              <a:buClr>
+                <a:schemeClr val="accent3">
+                  <a:tint val="85000"/>
+                  <a:satMod val="275000"/>
+                </a:schemeClr>
+              </a:buClr>
+              <a:buSzPct val="100000"/>
+              <a:buFont typeface="Wingdings 2"/>
+              <a:buChar char=""/>
+              <a:defRPr sz="1500" kern="1200">
+                <a:solidFill>
+                  <a:srgbClr val="FFFFFF"/>
+                </a:solidFill>
+                <a:latin typeface="+mn-lt"/>
+                <a:ea typeface="+mn-ea"/>
+                <a:cs typeface="+mn-cs"/>
+              </a:defRPr>
+            </a:lvl9pPr>
+          </a:lstStyle>
+          <a:p>
+            <a:pPr marL="342900" indent="-342900">
+              <a:buFont typeface="Wingdings" panose="05000000000000000000" pitchFamily="2" charset="2"/>
+              <a:buChar char="ü"/>
+            </a:pPr>
+            <a:r>
+              <a:rPr lang="en-US" dirty="0"/>
+              <a:t>view rendering</a:t>
+            </a:r>
+          </a:p>
+          <a:p>
+            <a:pPr marL="690372" lvl="1" indent="-342900">
+              <a:buFont typeface="Arial" panose="020B0604020202020204" pitchFamily="34" charset="0"/>
+              <a:buChar char="•"/>
+            </a:pPr>
+            <a:r>
+              <a:rPr lang="en-US" sz="1400" dirty="0"/>
+              <a:t>strongly-typed models based on doc types or POCOs</a:t>
+            </a:r>
+          </a:p>
+          <a:p>
+            <a:pPr marL="690372" lvl="1" indent="-342900">
+              <a:buFont typeface="Arial" panose="020B0604020202020204" pitchFamily="34" charset="0"/>
+              <a:buChar char="•"/>
+            </a:pPr>
+            <a:r>
+              <a:rPr lang="en-US" sz="1400" dirty="0"/>
+              <a:t>display directly on views with locations based on convention</a:t>
+            </a:r>
+          </a:p>
+          <a:p>
+            <a:pPr marL="690372" lvl="1" indent="-342900">
+              <a:buFont typeface="Arial" panose="020B0604020202020204" pitchFamily="34" charset="0"/>
+              <a:buChar char="•"/>
+            </a:pPr>
+            <a:endParaRPr lang="en-US" sz="1400" dirty="0"/>
+          </a:p>
+        </p:txBody>
+      </p:sp>
+      <p:sp>
+        <p:nvSpPr>
+          <p:cNvPr id="15" name="Rectangle 2">
+            <a:extLst>
+              <a:ext uri="{FF2B5EF4-FFF2-40B4-BE49-F238E27FC236}">
+                <a16:creationId xmlns:a16="http://schemas.microsoft.com/office/drawing/2014/main" id="{3594C3FD-8573-4049-BFA4-774AFD6D9F12}"/>
+              </a:ext>
+            </a:extLst>
+          </p:cNvPr>
+          <p:cNvSpPr txBox="1">
+            <a:spLocks/>
+          </p:cNvSpPr>
+          <p:nvPr/>
+        </p:nvSpPr>
+        <p:spPr>
+          <a:xfrm>
+            <a:off x="4116607" y="1911561"/>
+            <a:ext cx="4570193" cy="1451074"/>
+          </a:xfrm>
+          <a:prstGeom prst="rect">
+            <a:avLst/>
+          </a:prstGeom>
+        </p:spPr>
+        <p:txBody>
+          <a:bodyPr vert="horz" lIns="182880" tIns="91440">
+            <a:normAutofit/>
+          </a:bodyPr>
+          <a:lstStyle>
+            <a:lvl1pPr marL="0" indent="0" algn="l" rtl="0" eaLnBrk="1" latinLnBrk="0" hangingPunct="1">
+              <a:spcBef>
+                <a:spcPts val="250"/>
+              </a:spcBef>
+              <a:buClr>
+                <a:schemeClr val="accent1"/>
+              </a:buClr>
+              <a:buSzPct val="80000"/>
+              <a:buFont typeface="Wingdings 2"/>
+              <a:buNone/>
+              <a:defRPr sz="2000" kern="1200">
+                <a:solidFill>
+                  <a:schemeClr val="tx1"/>
+                </a:solidFill>
+                <a:effectLst/>
+                <a:latin typeface="+mn-lt"/>
+                <a:ea typeface="+mn-ea"/>
+                <a:cs typeface="+mn-cs"/>
+              </a:defRPr>
+            </a:lvl1pPr>
+            <a:lvl2pPr marL="347472" indent="0" algn="l" rtl="0" eaLnBrk="1" latinLnBrk="0" hangingPunct="1">
+              <a:spcBef>
+                <a:spcPts val="250"/>
+              </a:spcBef>
+              <a:buClr>
+                <a:schemeClr val="accent1"/>
+              </a:buClr>
+              <a:buSzPct val="100000"/>
+              <a:buFont typeface="Verdana"/>
+              <a:buNone/>
+              <a:defRPr sz="2400" kern="1200">
+                <a:solidFill>
+                  <a:schemeClr val="tx1"/>
+                </a:solidFill>
+                <a:latin typeface="+mn-lt"/>
+                <a:ea typeface="+mn-ea"/>
+                <a:cs typeface="+mn-cs"/>
+              </a:defRPr>
+            </a:lvl2pPr>
+            <a:lvl3pPr marL="603504" indent="0" algn="l" rtl="0" eaLnBrk="1" latinLnBrk="0" hangingPunct="1">
+              <a:spcBef>
+                <a:spcPts val="250"/>
+              </a:spcBef>
+              <a:buClr>
+                <a:schemeClr val="accent2">
+                  <a:tint val="85000"/>
+                  <a:satMod val="285000"/>
+                </a:schemeClr>
+              </a:buClr>
+              <a:buSzPct val="100000"/>
+              <a:buFont typeface="Wingdings 2"/>
+              <a:buNone/>
+              <a:defRPr sz="2200" kern="1200">
+                <a:solidFill>
+                  <a:schemeClr val="tx1"/>
+                </a:solidFill>
+                <a:latin typeface="+mn-lt"/>
+                <a:ea typeface="+mn-ea"/>
+                <a:cs typeface="+mn-cs"/>
+              </a:defRPr>
+            </a:lvl3pPr>
+            <a:lvl4pPr marL="841248" indent="0" algn="l" rtl="0" eaLnBrk="1" latinLnBrk="0" hangingPunct="1">
+              <a:spcBef>
+                <a:spcPts val="230"/>
+              </a:spcBef>
+              <a:buClr>
+                <a:schemeClr val="accent2">
+                  <a:tint val="85000"/>
+                  <a:satMod val="285000"/>
+                </a:schemeClr>
+              </a:buClr>
+              <a:buSzPct val="112000"/>
+              <a:buFont typeface="Verdana"/>
+              <a:buNone/>
+              <a:defRPr sz="1900" kern="1200">
+                <a:solidFill>
+                  <a:schemeClr val="tx1"/>
+                </a:solidFill>
+                <a:latin typeface="+mn-lt"/>
+                <a:ea typeface="+mn-ea"/>
+                <a:cs typeface="+mn-cs"/>
+              </a:defRPr>
+            </a:lvl4pPr>
+            <a:lvl5pPr marL="1097280" indent="0" algn="l" rtl="0" eaLnBrk="1" latinLnBrk="0" hangingPunct="1">
+              <a:spcBef>
+                <a:spcPts val="250"/>
+              </a:spcBef>
+              <a:buClr>
+                <a:schemeClr val="accent3">
+                  <a:tint val="85000"/>
+                  <a:satMod val="275000"/>
+                </a:schemeClr>
+              </a:buClr>
+              <a:buSzPct val="100000"/>
+              <a:buFont typeface="Wingdings 2"/>
+              <a:buNone/>
+              <a:defRPr sz="1800" kern="1200">
+                <a:solidFill>
+                  <a:schemeClr val="tx1"/>
+                </a:solidFill>
+                <a:latin typeface="+mn-lt"/>
+                <a:ea typeface="+mn-ea"/>
+                <a:cs typeface="+mn-cs"/>
+              </a:defRPr>
+            </a:lvl5pPr>
+            <a:lvl6pPr marL="1490472" indent="-182880" algn="l" rtl="0" eaLnBrk="1" latinLnBrk="0" hangingPunct="1">
+              <a:spcBef>
+                <a:spcPts val="250"/>
+              </a:spcBef>
+              <a:buClr>
+                <a:schemeClr val="accent3">
+                  <a:tint val="85000"/>
+                  <a:satMod val="275000"/>
+                </a:schemeClr>
+              </a:buClr>
+              <a:buSzPct val="100000"/>
+              <a:buFont typeface="Verdana"/>
+              <a:buChar char="◦"/>
+              <a:defRPr sz="1700" kern="1200" baseline="0">
+                <a:solidFill>
+                  <a:srgbClr val="FFFFFF"/>
+                </a:solidFill>
+                <a:latin typeface="+mn-lt"/>
+                <a:ea typeface="+mn-ea"/>
+                <a:cs typeface="+mn-cs"/>
+              </a:defRPr>
+            </a:lvl6pPr>
+            <a:lvl7pPr marL="1700784" indent="-182880" algn="l" rtl="0" eaLnBrk="1" latinLnBrk="0" hangingPunct="1">
+              <a:spcBef>
+                <a:spcPts val="255"/>
+              </a:spcBef>
+              <a:buClr>
+                <a:schemeClr val="accent3">
+                  <a:tint val="85000"/>
+                  <a:satMod val="275000"/>
+                </a:schemeClr>
+              </a:buClr>
+              <a:buSzPct val="100000"/>
+              <a:buFont typeface="Wingdings 2"/>
+              <a:buChar char=""/>
+              <a:defRPr sz="1500" kern="1200">
+                <a:solidFill>
+                  <a:srgbClr val="FFFFFF"/>
+                </a:solidFill>
+                <a:latin typeface="+mn-lt"/>
+                <a:ea typeface="+mn-ea"/>
+                <a:cs typeface="+mn-cs"/>
+              </a:defRPr>
+            </a:lvl7pPr>
+            <a:lvl8pPr marL="1920240" indent="-182880" algn="l" rtl="0" eaLnBrk="1" latinLnBrk="0" hangingPunct="1">
+              <a:spcBef>
+                <a:spcPts val="257"/>
+              </a:spcBef>
+              <a:buClr>
+                <a:schemeClr val="accent3">
+                  <a:tint val="85000"/>
+                  <a:satMod val="275000"/>
+                </a:schemeClr>
+              </a:buClr>
+              <a:buSzPct val="100000"/>
+              <a:buFont typeface="Verdana"/>
+              <a:buChar char="◦"/>
+              <a:defRPr sz="1500" kern="1200" baseline="0">
+                <a:solidFill>
+                  <a:srgbClr val="FFFFFF"/>
+                </a:solidFill>
+                <a:latin typeface="+mn-lt"/>
+                <a:ea typeface="+mn-ea"/>
+                <a:cs typeface="+mn-cs"/>
+              </a:defRPr>
+            </a:lvl8pPr>
+            <a:lvl9pPr marL="2148840" indent="-182880" algn="l" rtl="0" eaLnBrk="1" latinLnBrk="0" hangingPunct="1">
+              <a:spcBef>
+                <a:spcPts val="255"/>
+              </a:spcBef>
+              <a:buClr>
+                <a:schemeClr val="accent3">
+                  <a:tint val="85000"/>
+                  <a:satMod val="275000"/>
+                </a:schemeClr>
+              </a:buClr>
+              <a:buSzPct val="100000"/>
+              <a:buFont typeface="Wingdings 2"/>
+              <a:buChar char=""/>
+              <a:defRPr sz="1500" kern="1200">
+                <a:solidFill>
+                  <a:srgbClr val="FFFFFF"/>
+                </a:solidFill>
+                <a:latin typeface="+mn-lt"/>
+                <a:ea typeface="+mn-ea"/>
+                <a:cs typeface="+mn-cs"/>
+              </a:defRPr>
+            </a:lvl9pPr>
+          </a:lstStyle>
+          <a:p>
+            <a:pPr marL="342900" indent="-342900">
+              <a:buFont typeface="Wingdings" panose="05000000000000000000" pitchFamily="2" charset="2"/>
+              <a:buChar char="ü"/>
+            </a:pPr>
+            <a:r>
+              <a:rPr lang="en-US" dirty="0"/>
+              <a:t>controller rendering</a:t>
+            </a:r>
+          </a:p>
+          <a:p>
+            <a:pPr marL="804672" lvl="1" indent="-457200">
+              <a:buFont typeface="Arial" panose="020B0604020202020204" pitchFamily="34" charset="0"/>
+              <a:buChar char="•"/>
+            </a:pPr>
+            <a:r>
+              <a:rPr lang="en-US" sz="1400" dirty="0"/>
+              <a:t>controller class controls the logic</a:t>
+            </a:r>
+          </a:p>
+          <a:p>
+            <a:pPr marL="804672" lvl="1" indent="-457200">
+              <a:buFont typeface="Arial" panose="020B0604020202020204" pitchFamily="34" charset="0"/>
+              <a:buChar char="•"/>
+            </a:pPr>
+            <a:r>
+              <a:rPr lang="en-US" sz="1400" dirty="0"/>
+              <a:t>controller can override </a:t>
+            </a:r>
+            <a:r>
+              <a:rPr lang="en-US" sz="1400"/>
+              <a:t>the location </a:t>
+            </a:r>
+            <a:r>
+              <a:rPr lang="en-US" sz="1400" dirty="0"/>
+              <a:t>of </a:t>
+            </a:r>
+            <a:r>
+              <a:rPr lang="en-US" sz="1400"/>
+              <a:t>view paths </a:t>
+            </a:r>
+            <a:r>
+              <a:rPr lang="en-US" sz="1400" dirty="0"/>
+              <a:t>to use</a:t>
             </a:r>
           </a:p>
         </p:txBody>

--- a/src/Umbraco Components.pptx
+++ b/src/Umbraco Components.pptx
@@ -5,7 +5,7 @@
     <p:sldMasterId id="2147483648" r:id="rId4"/>
   </p:sldMasterIdLst>
   <p:notesMasterIdLst>
-    <p:notesMasterId r:id="rId17"/>
+    <p:notesMasterId r:id="rId19"/>
   </p:notesMasterIdLst>
   <p:sldIdLst>
     <p:sldId id="256" r:id="rId5"/>
@@ -13,13 +13,15 @@
     <p:sldId id="264" r:id="rId7"/>
     <p:sldId id="266" r:id="rId8"/>
     <p:sldId id="267" r:id="rId9"/>
-    <p:sldId id="258" r:id="rId10"/>
-    <p:sldId id="265" r:id="rId11"/>
-    <p:sldId id="268" r:id="rId12"/>
-    <p:sldId id="260" r:id="rId13"/>
-    <p:sldId id="261" r:id="rId14"/>
-    <p:sldId id="262" r:id="rId15"/>
-    <p:sldId id="263" r:id="rId16"/>
+    <p:sldId id="270" r:id="rId10"/>
+    <p:sldId id="271" r:id="rId11"/>
+    <p:sldId id="258" r:id="rId12"/>
+    <p:sldId id="265" r:id="rId13"/>
+    <p:sldId id="268" r:id="rId14"/>
+    <p:sldId id="260" r:id="rId15"/>
+    <p:sldId id="261" r:id="rId16"/>
+    <p:sldId id="262" r:id="rId17"/>
+    <p:sldId id="263" r:id="rId18"/>
   </p:sldIdLst>
   <p:sldSz cx="9144000" cy="6858000" type="screen4x3"/>
   <p:notesSz cx="6858000" cy="9144000"/>
@@ -220,7 +222,7 @@
             <a:fld id="{596203C1-616A-4651-A577-7BA09B384D13}" type="datetimeFigureOut">
               <a:rPr lang="en-US" smtClean="0"/>
               <a:pPr/>
-              <a:t>2/14/2018</a:t>
+              <a:t>2/16/2018</a:t>
             </a:fld>
             <a:endParaRPr lang="en-US"/>
           </a:p>
@@ -642,6 +644,11 @@
         </p:txBody>
       </p:sp>
     </p:spTree>
+    <p:extLst>
+      <p:ext uri="{BB962C8B-B14F-4D97-AF65-F5344CB8AC3E}">
+        <p14:creationId xmlns:p14="http://schemas.microsoft.com/office/powerpoint/2010/main" val="646779544"/>
+      </p:ext>
+    </p:extLst>
   </p:cSld>
   <p:clrMapOvr>
     <a:masterClrMapping/>
@@ -800,6 +807,170 @@
               <a:rPr lang="en-US" smtClean="0"/>
               <a:pPr/>
               <a:t>12</a:t>
+            </a:fld>
+            <a:endParaRPr lang="en-US"/>
+          </a:p>
+        </p:txBody>
+      </p:sp>
+    </p:spTree>
+  </p:cSld>
+  <p:clrMapOvr>
+    <a:masterClrMapping/>
+  </p:clrMapOvr>
+</p:notes>
+</file>
+
+<file path=ppt/notesSlides/notesSlide13.xml><?xml version="1.0" encoding="utf-8"?>
+<p:notes xmlns:a="http://schemas.openxmlformats.org/drawingml/2006/main" xmlns:r="http://schemas.openxmlformats.org/officeDocument/2006/relationships" xmlns:p="http://schemas.openxmlformats.org/presentationml/2006/main">
+  <p:cSld>
+    <p:spTree>
+      <p:nvGrpSpPr>
+        <p:cNvPr id="1" name=""/>
+        <p:cNvGrpSpPr/>
+        <p:nvPr/>
+      </p:nvGrpSpPr>
+      <p:grpSpPr>
+        <a:xfrm>
+          <a:off x="0" y="0"/>
+          <a:ext cx="0" cy="0"/>
+          <a:chOff x="0" y="0"/>
+          <a:chExt cx="0" cy="0"/>
+        </a:xfrm>
+      </p:grpSpPr>
+      <p:sp>
+        <p:nvSpPr>
+          <p:cNvPr id="2" name="Slide Image Placeholder 1"/>
+          <p:cNvSpPr>
+            <a:spLocks noGrp="1" noRot="1" noChangeAspect="1"/>
+          </p:cNvSpPr>
+          <p:nvPr>
+            <p:ph type="sldImg"/>
+          </p:nvPr>
+        </p:nvSpPr>
+        <p:spPr/>
+      </p:sp>
+      <p:sp>
+        <p:nvSpPr>
+          <p:cNvPr id="3" name="Notes Placeholder 2"/>
+          <p:cNvSpPr>
+            <a:spLocks noGrp="1"/>
+          </p:cNvSpPr>
+          <p:nvPr>
+            <p:ph type="body" idx="1"/>
+          </p:nvPr>
+        </p:nvSpPr>
+        <p:spPr/>
+        <p:txBody>
+          <a:bodyPr>
+            <a:normAutofit/>
+          </a:bodyPr>
+          <a:lstStyle/>
+          <a:p>
+            <a:endParaRPr lang="en-US"/>
+          </a:p>
+        </p:txBody>
+      </p:sp>
+      <p:sp>
+        <p:nvSpPr>
+          <p:cNvPr id="4" name="Slide Number Placeholder 3"/>
+          <p:cNvSpPr>
+            <a:spLocks noGrp="1"/>
+          </p:cNvSpPr>
+          <p:nvPr>
+            <p:ph type="sldNum" sz="quarter" idx="10"/>
+          </p:nvPr>
+        </p:nvSpPr>
+        <p:spPr/>
+        <p:txBody>
+          <a:bodyPr/>
+          <a:lstStyle/>
+          <a:p>
+            <a:fld id="{07B8B279-4079-43B3-8013-D8D81AB870A7}" type="slidenum">
+              <a:rPr lang="en-US" smtClean="0"/>
+              <a:pPr/>
+              <a:t>13</a:t>
+            </a:fld>
+            <a:endParaRPr lang="en-US"/>
+          </a:p>
+        </p:txBody>
+      </p:sp>
+    </p:spTree>
+  </p:cSld>
+  <p:clrMapOvr>
+    <a:masterClrMapping/>
+  </p:clrMapOvr>
+</p:notes>
+</file>
+
+<file path=ppt/notesSlides/notesSlide14.xml><?xml version="1.0" encoding="utf-8"?>
+<p:notes xmlns:a="http://schemas.openxmlformats.org/drawingml/2006/main" xmlns:r="http://schemas.openxmlformats.org/officeDocument/2006/relationships" xmlns:p="http://schemas.openxmlformats.org/presentationml/2006/main">
+  <p:cSld>
+    <p:spTree>
+      <p:nvGrpSpPr>
+        <p:cNvPr id="1" name=""/>
+        <p:cNvGrpSpPr/>
+        <p:nvPr/>
+      </p:nvGrpSpPr>
+      <p:grpSpPr>
+        <a:xfrm>
+          <a:off x="0" y="0"/>
+          <a:ext cx="0" cy="0"/>
+          <a:chOff x="0" y="0"/>
+          <a:chExt cx="0" cy="0"/>
+        </a:xfrm>
+      </p:grpSpPr>
+      <p:sp>
+        <p:nvSpPr>
+          <p:cNvPr id="2" name="Slide Image Placeholder 1"/>
+          <p:cNvSpPr>
+            <a:spLocks noGrp="1" noRot="1" noChangeAspect="1"/>
+          </p:cNvSpPr>
+          <p:nvPr>
+            <p:ph type="sldImg"/>
+          </p:nvPr>
+        </p:nvSpPr>
+        <p:spPr/>
+      </p:sp>
+      <p:sp>
+        <p:nvSpPr>
+          <p:cNvPr id="3" name="Notes Placeholder 2"/>
+          <p:cNvSpPr>
+            <a:spLocks noGrp="1"/>
+          </p:cNvSpPr>
+          <p:nvPr>
+            <p:ph type="body" idx="1"/>
+          </p:nvPr>
+        </p:nvSpPr>
+        <p:spPr/>
+        <p:txBody>
+          <a:bodyPr>
+            <a:normAutofit/>
+          </a:bodyPr>
+          <a:lstStyle/>
+          <a:p>
+            <a:endParaRPr lang="en-US"/>
+          </a:p>
+        </p:txBody>
+      </p:sp>
+      <p:sp>
+        <p:nvSpPr>
+          <p:cNvPr id="4" name="Slide Number Placeholder 3"/>
+          <p:cNvSpPr>
+            <a:spLocks noGrp="1"/>
+          </p:cNvSpPr>
+          <p:nvPr>
+            <p:ph type="sldNum" sz="quarter" idx="10"/>
+          </p:nvPr>
+        </p:nvSpPr>
+        <p:spPr/>
+        <p:txBody>
+          <a:bodyPr/>
+          <a:lstStyle/>
+          <a:p>
+            <a:fld id="{07B8B279-4079-43B3-8013-D8D81AB870A7}" type="slidenum">
+              <a:rPr lang="en-US" smtClean="0"/>
+              <a:pPr/>
+              <a:t>14</a:t>
             </a:fld>
             <a:endParaRPr lang="en-US"/>
           </a:p>
@@ -1231,6 +1402,11 @@
         </p:txBody>
       </p:sp>
     </p:spTree>
+    <p:extLst>
+      <p:ext uri="{BB962C8B-B14F-4D97-AF65-F5344CB8AC3E}">
+        <p14:creationId xmlns:p14="http://schemas.microsoft.com/office/powerpoint/2010/main" val="392200084"/>
+      </p:ext>
+    </p:extLst>
   </p:cSld>
   <p:clrMapOvr>
     <a:masterClrMapping/>
@@ -1315,7 +1491,7 @@
     </p:spTree>
     <p:extLst>
       <p:ext uri="{BB962C8B-B14F-4D97-AF65-F5344CB8AC3E}">
-        <p14:creationId xmlns:p14="http://schemas.microsoft.com/office/powerpoint/2010/main" val="2865814628"/>
+        <p14:creationId xmlns:p14="http://schemas.microsoft.com/office/powerpoint/2010/main" val="1976159333"/>
       </p:ext>
     </p:extLst>
   </p:cSld>
@@ -1400,11 +1576,6 @@
         </p:txBody>
       </p:sp>
     </p:spTree>
-    <p:extLst>
-      <p:ext uri="{BB962C8B-B14F-4D97-AF65-F5344CB8AC3E}">
-        <p14:creationId xmlns:p14="http://schemas.microsoft.com/office/powerpoint/2010/main" val="646779544"/>
-      </p:ext>
-    </p:extLst>
   </p:cSld>
   <p:clrMapOvr>
     <a:masterClrMapping/>
@@ -1487,6 +1658,11 @@
         </p:txBody>
       </p:sp>
     </p:spTree>
+    <p:extLst>
+      <p:ext uri="{BB962C8B-B14F-4D97-AF65-F5344CB8AC3E}">
+        <p14:creationId xmlns:p14="http://schemas.microsoft.com/office/powerpoint/2010/main" val="2865814628"/>
+      </p:ext>
+    </p:extLst>
   </p:cSld>
   <p:clrMapOvr>
     <a:masterClrMapping/>
@@ -1757,7 +1933,7 @@
             <a:fld id="{633EFA78-DE0E-433D-8CFA-D9FBF0D95DCD}" type="datetime1">
               <a:rPr lang="en-US" smtClean="0"/>
               <a:pPr/>
-              <a:t>2/14/2018</a:t>
+              <a:t>2/16/2018</a:t>
             </a:fld>
             <a:endParaRPr lang="en-US" dirty="0"/>
           </a:p>
@@ -2087,7 +2263,7 @@
             <a:fld id="{9F5395AF-258B-4502-92DF-E211AA281B41}" type="datetime1">
               <a:rPr lang="en-US" smtClean="0"/>
               <a:pPr/>
-              <a:t>2/14/2018</a:t>
+              <a:t>2/16/2018</a:t>
             </a:fld>
             <a:endParaRPr lang="en-US"/>
           </a:p>
@@ -2398,7 +2574,7 @@
             <a:fld id="{378FFA21-88D5-4090-AE34-A717F3009131}" type="datetime1">
               <a:rPr lang="en-US" smtClean="0"/>
               <a:pPr/>
-              <a:t>2/14/2018</a:t>
+              <a:t>2/16/2018</a:t>
             </a:fld>
             <a:endParaRPr lang="en-US"/>
           </a:p>
@@ -2815,7 +2991,7 @@
             <a:fld id="{25A654AA-2757-4A51-86CD-6D20456BDD0A}" type="datetime1">
               <a:rPr lang="en-US" smtClean="0"/>
               <a:pPr/>
-              <a:t>2/14/2018</a:t>
+              <a:t>2/16/2018</a:t>
             </a:fld>
             <a:endParaRPr lang="en-US"/>
           </a:p>
@@ -3222,7 +3398,7 @@
             <a:fld id="{633EFA78-DE0E-433D-8CFA-D9FBF0D95DCD}" type="datetime1">
               <a:rPr lang="en-US" smtClean="0"/>
               <a:pPr/>
-              <a:t>2/14/2018</a:t>
+              <a:t>2/16/2018</a:t>
             </a:fld>
             <a:endParaRPr lang="en-US" dirty="0"/>
           </a:p>
@@ -3602,7 +3778,7 @@
             <a:fld id="{4427F9C6-20A9-45D8-B666-D95AD1AA535F}" type="datetime1">
               <a:rPr lang="en-US" smtClean="0"/>
               <a:pPr/>
-              <a:t>2/14/2018</a:t>
+              <a:t>2/16/2018</a:t>
             </a:fld>
             <a:endParaRPr lang="en-US"/>
           </a:p>
@@ -4264,7 +4440,7 @@
             <a:fld id="{4427F9C6-20A9-45D8-B666-D95AD1AA535F}" type="datetime1">
               <a:rPr lang="en-US" smtClean="0"/>
               <a:pPr/>
-              <a:t>2/14/2018</a:t>
+              <a:t>2/16/2018</a:t>
             </a:fld>
             <a:endParaRPr lang="en-US"/>
           </a:p>
@@ -4931,7 +5107,7 @@
             <a:fld id="{4427F9C6-20A9-45D8-B666-D95AD1AA535F}" type="datetime1">
               <a:rPr lang="en-US" smtClean="0"/>
               <a:pPr/>
-              <a:t>2/14/2018</a:t>
+              <a:t>2/16/2018</a:t>
             </a:fld>
             <a:endParaRPr lang="en-US"/>
           </a:p>
@@ -5546,7 +5722,7 @@
             <a:fld id="{CE9EB45F-50E8-4AF1-920B-265FC35EA31A}" type="datetime1">
               <a:rPr lang="en-US" smtClean="0"/>
               <a:pPr/>
-              <a:t>2/14/2018</a:t>
+              <a:t>2/16/2018</a:t>
             </a:fld>
             <a:endParaRPr lang="en-US"/>
           </a:p>
@@ -5807,7 +5983,7 @@
             <a:fld id="{C969D76A-2E51-4D2B-9AFF-70F7EB3C2C68}" type="datetime1">
               <a:rPr lang="en-US" smtClean="0"/>
               <a:pPr/>
-              <a:t>2/14/2018</a:t>
+              <a:t>2/16/2018</a:t>
             </a:fld>
             <a:endParaRPr lang="en-US"/>
           </a:p>
@@ -6240,7 +6416,7 @@
             <a:fld id="{BDB85F57-6490-4460-90DC-FC5EE5C36A66}" type="datetime1">
               <a:rPr lang="en-US" smtClean="0"/>
               <a:pPr/>
-              <a:t>2/14/2018</a:t>
+              <a:t>2/16/2018</a:t>
             </a:fld>
             <a:endParaRPr lang="en-US"/>
           </a:p>
@@ -6355,7 +6531,7 @@
             <a:fld id="{5AFB2161-9FCA-498A-A51E-7B90071250E8}" type="datetime1">
               <a:rPr lang="en-US" smtClean="0"/>
               <a:pPr/>
-              <a:t>2/14/2018</a:t>
+              <a:t>2/16/2018</a:t>
             </a:fld>
             <a:endParaRPr lang="en-US"/>
           </a:p>
@@ -6568,7 +6744,7 @@
             <a:fld id="{1BC102A9-C1B1-4354-89E4-F43472216A4F}" type="datetime1">
               <a:rPr lang="en-US" smtClean="0"/>
               <a:pPr algn="r"/>
-              <a:t>2/14/2018</a:t>
+              <a:t>2/16/2018</a:t>
             </a:fld>
             <a:endParaRPr lang="en-US" sz="1000" dirty="0">
               <a:solidFill>
@@ -7045,15 +7221,7 @@
             </a:r>
             <a:r>
               <a:rPr lang="en-US" b="1" dirty="0"/>
-              <a:t> Components (</a:t>
-            </a:r>
-            <a:r>
-              <a:rPr lang="en-US" b="1" dirty="0" err="1"/>
-              <a:t>FHelix</a:t>
-            </a:r>
-            <a:r>
-              <a:rPr lang="en-US" b="1" dirty="0"/>
-              <a:t>)</a:t>
+              <a:t> Components</a:t>
             </a:r>
           </a:p>
         </p:txBody>
@@ -7090,10 +7258,7 @@
             <a:br>
               <a:rPr lang="en-US" dirty="0"/>
             </a:br>
-            <a:r>
-              <a:rPr lang="en-US" dirty="0"/>
-              <a:t>*Fake Helix</a:t>
-            </a:r>
+            <a:endParaRPr lang="en-US" dirty="0"/>
           </a:p>
         </p:txBody>
       </p:sp>
@@ -7124,12 +7289,12 @@
       </p:grpSpPr>
       <p:sp>
         <p:nvSpPr>
-          <p:cNvPr id="2" name="Title 1"/>
+          <p:cNvPr id="2" name="Rectangle 1"/>
           <p:cNvSpPr>
             <a:spLocks noGrp="1"/>
           </p:cNvSpPr>
           <p:nvPr>
-            <p:ph type="ctrTitle"/>
+            <p:ph type="title"/>
           </p:nvPr>
         </p:nvSpPr>
         <p:spPr/>
@@ -7139,48 +7304,1830 @@
           <a:p>
             <a:r>
               <a:rPr lang="en-US" dirty="0"/>
-              <a:t>Topic Two</a:t>
-            </a:r>
-          </a:p>
-        </p:txBody>
-      </p:sp>
-      <p:sp>
-        <p:nvSpPr>
-          <p:cNvPr id="3" name="Content Placeholder 2"/>
-          <p:cNvSpPr>
-            <a:spLocks noGrp="1"/>
-          </p:cNvSpPr>
-          <p:nvPr>
-            <p:ph type="subTitle" idx="1"/>
-          </p:nvPr>
-        </p:nvSpPr>
-        <p:spPr/>
-        <p:txBody>
-          <a:bodyPr>
+              <a:t>Concepts</a:t>
+            </a:r>
+          </a:p>
+        </p:txBody>
+      </p:sp>
+      <p:sp>
+        <p:nvSpPr>
+          <p:cNvPr id="11" name="Rectangle 2">
+            <a:extLst>
+              <a:ext uri="{FF2B5EF4-FFF2-40B4-BE49-F238E27FC236}">
+                <a16:creationId xmlns:a16="http://schemas.microsoft.com/office/drawing/2014/main" id="{348D8CC6-C3F0-49CE-9718-3741755D8CC6}"/>
+              </a:ext>
+            </a:extLst>
+          </p:cNvPr>
+          <p:cNvSpPr txBox="1">
+            <a:spLocks/>
+          </p:cNvSpPr>
+          <p:nvPr/>
+        </p:nvSpPr>
+        <p:spPr>
+          <a:xfrm>
+            <a:off x="161355" y="1638435"/>
+            <a:ext cx="4082463" cy="401472"/>
+          </a:xfrm>
+          <a:prstGeom prst="rect">
+            <a:avLst/>
+          </a:prstGeom>
+        </p:spPr>
+        <p:txBody>
+          <a:bodyPr vert="horz" lIns="182880" tIns="91440">
+            <a:normAutofit fontScale="92500" lnSpcReduction="10000"/>
+          </a:bodyPr>
+          <a:lstStyle>
+            <a:lvl1pPr marL="0" indent="0" algn="l" rtl="0" eaLnBrk="1" latinLnBrk="0" hangingPunct="1">
+              <a:spcBef>
+                <a:spcPts val="250"/>
+              </a:spcBef>
+              <a:buClr>
+                <a:schemeClr val="accent1"/>
+              </a:buClr>
+              <a:buSzPct val="80000"/>
+              <a:buFont typeface="Wingdings 2"/>
+              <a:buNone/>
+              <a:defRPr sz="2000" kern="1200">
+                <a:solidFill>
+                  <a:schemeClr val="tx1"/>
+                </a:solidFill>
+                <a:effectLst/>
+                <a:latin typeface="+mn-lt"/>
+                <a:ea typeface="+mn-ea"/>
+                <a:cs typeface="+mn-cs"/>
+              </a:defRPr>
+            </a:lvl1pPr>
+            <a:lvl2pPr marL="347472" indent="0" algn="l" rtl="0" eaLnBrk="1" latinLnBrk="0" hangingPunct="1">
+              <a:spcBef>
+                <a:spcPts val="250"/>
+              </a:spcBef>
+              <a:buClr>
+                <a:schemeClr val="accent1"/>
+              </a:buClr>
+              <a:buSzPct val="100000"/>
+              <a:buFont typeface="Verdana"/>
+              <a:buNone/>
+              <a:defRPr sz="2400" kern="1200">
+                <a:solidFill>
+                  <a:schemeClr val="tx1"/>
+                </a:solidFill>
+                <a:latin typeface="+mn-lt"/>
+                <a:ea typeface="+mn-ea"/>
+                <a:cs typeface="+mn-cs"/>
+              </a:defRPr>
+            </a:lvl2pPr>
+            <a:lvl3pPr marL="603504" indent="0" algn="l" rtl="0" eaLnBrk="1" latinLnBrk="0" hangingPunct="1">
+              <a:spcBef>
+                <a:spcPts val="250"/>
+              </a:spcBef>
+              <a:buClr>
+                <a:schemeClr val="accent2">
+                  <a:tint val="85000"/>
+                  <a:satMod val="285000"/>
+                </a:schemeClr>
+              </a:buClr>
+              <a:buSzPct val="100000"/>
+              <a:buFont typeface="Wingdings 2"/>
+              <a:buNone/>
+              <a:defRPr sz="2200" kern="1200">
+                <a:solidFill>
+                  <a:schemeClr val="tx1"/>
+                </a:solidFill>
+                <a:latin typeface="+mn-lt"/>
+                <a:ea typeface="+mn-ea"/>
+                <a:cs typeface="+mn-cs"/>
+              </a:defRPr>
+            </a:lvl3pPr>
+            <a:lvl4pPr marL="841248" indent="0" algn="l" rtl="0" eaLnBrk="1" latinLnBrk="0" hangingPunct="1">
+              <a:spcBef>
+                <a:spcPts val="230"/>
+              </a:spcBef>
+              <a:buClr>
+                <a:schemeClr val="accent2">
+                  <a:tint val="85000"/>
+                  <a:satMod val="285000"/>
+                </a:schemeClr>
+              </a:buClr>
+              <a:buSzPct val="112000"/>
+              <a:buFont typeface="Verdana"/>
+              <a:buNone/>
+              <a:defRPr sz="1900" kern="1200">
+                <a:solidFill>
+                  <a:schemeClr val="tx1"/>
+                </a:solidFill>
+                <a:latin typeface="+mn-lt"/>
+                <a:ea typeface="+mn-ea"/>
+                <a:cs typeface="+mn-cs"/>
+              </a:defRPr>
+            </a:lvl4pPr>
+            <a:lvl5pPr marL="1097280" indent="0" algn="l" rtl="0" eaLnBrk="1" latinLnBrk="0" hangingPunct="1">
+              <a:spcBef>
+                <a:spcPts val="250"/>
+              </a:spcBef>
+              <a:buClr>
+                <a:schemeClr val="accent3">
+                  <a:tint val="85000"/>
+                  <a:satMod val="275000"/>
+                </a:schemeClr>
+              </a:buClr>
+              <a:buSzPct val="100000"/>
+              <a:buFont typeface="Wingdings 2"/>
+              <a:buNone/>
+              <a:defRPr sz="1800" kern="1200">
+                <a:solidFill>
+                  <a:schemeClr val="tx1"/>
+                </a:solidFill>
+                <a:latin typeface="+mn-lt"/>
+                <a:ea typeface="+mn-ea"/>
+                <a:cs typeface="+mn-cs"/>
+              </a:defRPr>
+            </a:lvl5pPr>
+            <a:lvl6pPr marL="1490472" indent="-182880" algn="l" rtl="0" eaLnBrk="1" latinLnBrk="0" hangingPunct="1">
+              <a:spcBef>
+                <a:spcPts val="250"/>
+              </a:spcBef>
+              <a:buClr>
+                <a:schemeClr val="accent3">
+                  <a:tint val="85000"/>
+                  <a:satMod val="275000"/>
+                </a:schemeClr>
+              </a:buClr>
+              <a:buSzPct val="100000"/>
+              <a:buFont typeface="Verdana"/>
+              <a:buChar char="◦"/>
+              <a:defRPr sz="1700" kern="1200" baseline="0">
+                <a:solidFill>
+                  <a:srgbClr val="FFFFFF"/>
+                </a:solidFill>
+                <a:latin typeface="+mn-lt"/>
+                <a:ea typeface="+mn-ea"/>
+                <a:cs typeface="+mn-cs"/>
+              </a:defRPr>
+            </a:lvl6pPr>
+            <a:lvl7pPr marL="1700784" indent="-182880" algn="l" rtl="0" eaLnBrk="1" latinLnBrk="0" hangingPunct="1">
+              <a:spcBef>
+                <a:spcPts val="255"/>
+              </a:spcBef>
+              <a:buClr>
+                <a:schemeClr val="accent3">
+                  <a:tint val="85000"/>
+                  <a:satMod val="275000"/>
+                </a:schemeClr>
+              </a:buClr>
+              <a:buSzPct val="100000"/>
+              <a:buFont typeface="Wingdings 2"/>
+              <a:buChar char=""/>
+              <a:defRPr sz="1500" kern="1200">
+                <a:solidFill>
+                  <a:srgbClr val="FFFFFF"/>
+                </a:solidFill>
+                <a:latin typeface="+mn-lt"/>
+                <a:ea typeface="+mn-ea"/>
+                <a:cs typeface="+mn-cs"/>
+              </a:defRPr>
+            </a:lvl7pPr>
+            <a:lvl8pPr marL="1920240" indent="-182880" algn="l" rtl="0" eaLnBrk="1" latinLnBrk="0" hangingPunct="1">
+              <a:spcBef>
+                <a:spcPts val="257"/>
+              </a:spcBef>
+              <a:buClr>
+                <a:schemeClr val="accent3">
+                  <a:tint val="85000"/>
+                  <a:satMod val="275000"/>
+                </a:schemeClr>
+              </a:buClr>
+              <a:buSzPct val="100000"/>
+              <a:buFont typeface="Verdana"/>
+              <a:buChar char="◦"/>
+              <a:defRPr sz="1500" kern="1200" baseline="0">
+                <a:solidFill>
+                  <a:srgbClr val="FFFFFF"/>
+                </a:solidFill>
+                <a:latin typeface="+mn-lt"/>
+                <a:ea typeface="+mn-ea"/>
+                <a:cs typeface="+mn-cs"/>
+              </a:defRPr>
+            </a:lvl8pPr>
+            <a:lvl9pPr marL="2148840" indent="-182880" algn="l" rtl="0" eaLnBrk="1" latinLnBrk="0" hangingPunct="1">
+              <a:spcBef>
+                <a:spcPts val="255"/>
+              </a:spcBef>
+              <a:buClr>
+                <a:schemeClr val="accent3">
+                  <a:tint val="85000"/>
+                  <a:satMod val="275000"/>
+                </a:schemeClr>
+              </a:buClr>
+              <a:buSzPct val="100000"/>
+              <a:buFont typeface="Wingdings 2"/>
+              <a:buChar char=""/>
+              <a:defRPr sz="1500" kern="1200">
+                <a:solidFill>
+                  <a:srgbClr val="FFFFFF"/>
+                </a:solidFill>
+                <a:latin typeface="+mn-lt"/>
+                <a:ea typeface="+mn-ea"/>
+                <a:cs typeface="+mn-cs"/>
+              </a:defRPr>
+            </a:lvl9pPr>
+          </a:lstStyle>
+          <a:p>
+            <a:r>
+              <a:rPr lang="en-US" b="1" dirty="0"/>
+              <a:t>Renderings</a:t>
+            </a:r>
+          </a:p>
+        </p:txBody>
+      </p:sp>
+      <p:sp>
+        <p:nvSpPr>
+          <p:cNvPr id="8" name="Rectangle 2">
+            <a:extLst>
+              <a:ext uri="{FF2B5EF4-FFF2-40B4-BE49-F238E27FC236}">
+                <a16:creationId xmlns:a16="http://schemas.microsoft.com/office/drawing/2014/main" id="{CAA0346A-707E-492F-978F-9F3C02F4FE8D}"/>
+              </a:ext>
+            </a:extLst>
+          </p:cNvPr>
+          <p:cNvSpPr txBox="1">
+            <a:spLocks/>
+          </p:cNvSpPr>
+          <p:nvPr/>
+        </p:nvSpPr>
+        <p:spPr>
+          <a:xfrm>
+            <a:off x="161355" y="3363398"/>
+            <a:ext cx="3528392" cy="576064"/>
+          </a:xfrm>
+          <a:prstGeom prst="rect">
+            <a:avLst/>
+          </a:prstGeom>
+        </p:spPr>
+        <p:txBody>
+          <a:bodyPr vert="horz" lIns="182880" tIns="91440">
+            <a:normAutofit/>
+          </a:bodyPr>
+          <a:lstStyle>
+            <a:lvl1pPr marL="0" indent="0" algn="l" rtl="0" eaLnBrk="1" latinLnBrk="0" hangingPunct="1">
+              <a:spcBef>
+                <a:spcPts val="250"/>
+              </a:spcBef>
+              <a:buClr>
+                <a:schemeClr val="accent1"/>
+              </a:buClr>
+              <a:buSzPct val="80000"/>
+              <a:buFont typeface="Wingdings 2"/>
+              <a:buNone/>
+              <a:defRPr sz="2000" kern="1200">
+                <a:solidFill>
+                  <a:schemeClr val="tx1"/>
+                </a:solidFill>
+                <a:effectLst/>
+                <a:latin typeface="+mn-lt"/>
+                <a:ea typeface="+mn-ea"/>
+                <a:cs typeface="+mn-cs"/>
+              </a:defRPr>
+            </a:lvl1pPr>
+            <a:lvl2pPr marL="347472" indent="0" algn="l" rtl="0" eaLnBrk="1" latinLnBrk="0" hangingPunct="1">
+              <a:spcBef>
+                <a:spcPts val="250"/>
+              </a:spcBef>
+              <a:buClr>
+                <a:schemeClr val="accent1"/>
+              </a:buClr>
+              <a:buSzPct val="100000"/>
+              <a:buFont typeface="Verdana"/>
+              <a:buNone/>
+              <a:defRPr sz="2400" kern="1200">
+                <a:solidFill>
+                  <a:schemeClr val="tx1"/>
+                </a:solidFill>
+                <a:latin typeface="+mn-lt"/>
+                <a:ea typeface="+mn-ea"/>
+                <a:cs typeface="+mn-cs"/>
+              </a:defRPr>
+            </a:lvl2pPr>
+            <a:lvl3pPr marL="603504" indent="0" algn="l" rtl="0" eaLnBrk="1" latinLnBrk="0" hangingPunct="1">
+              <a:spcBef>
+                <a:spcPts val="250"/>
+              </a:spcBef>
+              <a:buClr>
+                <a:schemeClr val="accent2">
+                  <a:tint val="85000"/>
+                  <a:satMod val="285000"/>
+                </a:schemeClr>
+              </a:buClr>
+              <a:buSzPct val="100000"/>
+              <a:buFont typeface="Wingdings 2"/>
+              <a:buNone/>
+              <a:defRPr sz="2200" kern="1200">
+                <a:solidFill>
+                  <a:schemeClr val="tx1"/>
+                </a:solidFill>
+                <a:latin typeface="+mn-lt"/>
+                <a:ea typeface="+mn-ea"/>
+                <a:cs typeface="+mn-cs"/>
+              </a:defRPr>
+            </a:lvl3pPr>
+            <a:lvl4pPr marL="841248" indent="0" algn="l" rtl="0" eaLnBrk="1" latinLnBrk="0" hangingPunct="1">
+              <a:spcBef>
+                <a:spcPts val="230"/>
+              </a:spcBef>
+              <a:buClr>
+                <a:schemeClr val="accent2">
+                  <a:tint val="85000"/>
+                  <a:satMod val="285000"/>
+                </a:schemeClr>
+              </a:buClr>
+              <a:buSzPct val="112000"/>
+              <a:buFont typeface="Verdana"/>
+              <a:buNone/>
+              <a:defRPr sz="1900" kern="1200">
+                <a:solidFill>
+                  <a:schemeClr val="tx1"/>
+                </a:solidFill>
+                <a:latin typeface="+mn-lt"/>
+                <a:ea typeface="+mn-ea"/>
+                <a:cs typeface="+mn-cs"/>
+              </a:defRPr>
+            </a:lvl4pPr>
+            <a:lvl5pPr marL="1097280" indent="0" algn="l" rtl="0" eaLnBrk="1" latinLnBrk="0" hangingPunct="1">
+              <a:spcBef>
+                <a:spcPts val="250"/>
+              </a:spcBef>
+              <a:buClr>
+                <a:schemeClr val="accent3">
+                  <a:tint val="85000"/>
+                  <a:satMod val="275000"/>
+                </a:schemeClr>
+              </a:buClr>
+              <a:buSzPct val="100000"/>
+              <a:buFont typeface="Wingdings 2"/>
+              <a:buNone/>
+              <a:defRPr sz="1800" kern="1200">
+                <a:solidFill>
+                  <a:schemeClr val="tx1"/>
+                </a:solidFill>
+                <a:latin typeface="+mn-lt"/>
+                <a:ea typeface="+mn-ea"/>
+                <a:cs typeface="+mn-cs"/>
+              </a:defRPr>
+            </a:lvl5pPr>
+            <a:lvl6pPr marL="1490472" indent="-182880" algn="l" rtl="0" eaLnBrk="1" latinLnBrk="0" hangingPunct="1">
+              <a:spcBef>
+                <a:spcPts val="250"/>
+              </a:spcBef>
+              <a:buClr>
+                <a:schemeClr val="accent3">
+                  <a:tint val="85000"/>
+                  <a:satMod val="275000"/>
+                </a:schemeClr>
+              </a:buClr>
+              <a:buSzPct val="100000"/>
+              <a:buFont typeface="Verdana"/>
+              <a:buChar char="◦"/>
+              <a:defRPr sz="1700" kern="1200" baseline="0">
+                <a:solidFill>
+                  <a:srgbClr val="FFFFFF"/>
+                </a:solidFill>
+                <a:latin typeface="+mn-lt"/>
+                <a:ea typeface="+mn-ea"/>
+                <a:cs typeface="+mn-cs"/>
+              </a:defRPr>
+            </a:lvl6pPr>
+            <a:lvl7pPr marL="1700784" indent="-182880" algn="l" rtl="0" eaLnBrk="1" latinLnBrk="0" hangingPunct="1">
+              <a:spcBef>
+                <a:spcPts val="255"/>
+              </a:spcBef>
+              <a:buClr>
+                <a:schemeClr val="accent3">
+                  <a:tint val="85000"/>
+                  <a:satMod val="275000"/>
+                </a:schemeClr>
+              </a:buClr>
+              <a:buSzPct val="100000"/>
+              <a:buFont typeface="Wingdings 2"/>
+              <a:buChar char=""/>
+              <a:defRPr sz="1500" kern="1200">
+                <a:solidFill>
+                  <a:srgbClr val="FFFFFF"/>
+                </a:solidFill>
+                <a:latin typeface="+mn-lt"/>
+                <a:ea typeface="+mn-ea"/>
+                <a:cs typeface="+mn-cs"/>
+              </a:defRPr>
+            </a:lvl7pPr>
+            <a:lvl8pPr marL="1920240" indent="-182880" algn="l" rtl="0" eaLnBrk="1" latinLnBrk="0" hangingPunct="1">
+              <a:spcBef>
+                <a:spcPts val="257"/>
+              </a:spcBef>
+              <a:buClr>
+                <a:schemeClr val="accent3">
+                  <a:tint val="85000"/>
+                  <a:satMod val="275000"/>
+                </a:schemeClr>
+              </a:buClr>
+              <a:buSzPct val="100000"/>
+              <a:buFont typeface="Verdana"/>
+              <a:buChar char="◦"/>
+              <a:defRPr sz="1500" kern="1200" baseline="0">
+                <a:solidFill>
+                  <a:srgbClr val="FFFFFF"/>
+                </a:solidFill>
+                <a:latin typeface="+mn-lt"/>
+                <a:ea typeface="+mn-ea"/>
+                <a:cs typeface="+mn-cs"/>
+              </a:defRPr>
+            </a:lvl8pPr>
+            <a:lvl9pPr marL="2148840" indent="-182880" algn="l" rtl="0" eaLnBrk="1" latinLnBrk="0" hangingPunct="1">
+              <a:spcBef>
+                <a:spcPts val="255"/>
+              </a:spcBef>
+              <a:buClr>
+                <a:schemeClr val="accent3">
+                  <a:tint val="85000"/>
+                  <a:satMod val="275000"/>
+                </a:schemeClr>
+              </a:buClr>
+              <a:buSzPct val="100000"/>
+              <a:buFont typeface="Wingdings 2"/>
+              <a:buChar char=""/>
+              <a:defRPr sz="1500" kern="1200">
+                <a:solidFill>
+                  <a:srgbClr val="FFFFFF"/>
+                </a:solidFill>
+                <a:latin typeface="+mn-lt"/>
+                <a:ea typeface="+mn-ea"/>
+                <a:cs typeface="+mn-cs"/>
+              </a:defRPr>
+            </a:lvl9pPr>
+          </a:lstStyle>
+          <a:p>
+            <a:r>
+              <a:rPr lang="en-US" b="1" dirty="0"/>
+              <a:t>Components</a:t>
+            </a:r>
+          </a:p>
+        </p:txBody>
+      </p:sp>
+      <p:sp>
+        <p:nvSpPr>
+          <p:cNvPr id="9" name="Rectangle 2">
+            <a:extLst>
+              <a:ext uri="{FF2B5EF4-FFF2-40B4-BE49-F238E27FC236}">
+                <a16:creationId xmlns:a16="http://schemas.microsoft.com/office/drawing/2014/main" id="{AEC26519-7F08-4EE1-A092-D2875BFD969C}"/>
+              </a:ext>
+            </a:extLst>
+          </p:cNvPr>
+          <p:cNvSpPr txBox="1">
+            <a:spLocks/>
+          </p:cNvSpPr>
+          <p:nvPr/>
+        </p:nvSpPr>
+        <p:spPr>
+          <a:xfrm>
+            <a:off x="4243818" y="3362635"/>
+            <a:ext cx="2088232" cy="576064"/>
+          </a:xfrm>
+          <a:prstGeom prst="rect">
+            <a:avLst/>
+          </a:prstGeom>
+        </p:spPr>
+        <p:txBody>
+          <a:bodyPr vert="horz" lIns="182880" tIns="91440">
+            <a:normAutofit/>
+          </a:bodyPr>
+          <a:lstStyle>
+            <a:lvl1pPr marL="0" indent="0" algn="l" rtl="0" eaLnBrk="1" latinLnBrk="0" hangingPunct="1">
+              <a:spcBef>
+                <a:spcPts val="250"/>
+              </a:spcBef>
+              <a:buClr>
+                <a:schemeClr val="accent1"/>
+              </a:buClr>
+              <a:buSzPct val="80000"/>
+              <a:buFont typeface="Wingdings 2"/>
+              <a:buNone/>
+              <a:defRPr sz="2000" kern="1200">
+                <a:solidFill>
+                  <a:schemeClr val="tx1"/>
+                </a:solidFill>
+                <a:effectLst/>
+                <a:latin typeface="+mn-lt"/>
+                <a:ea typeface="+mn-ea"/>
+                <a:cs typeface="+mn-cs"/>
+              </a:defRPr>
+            </a:lvl1pPr>
+            <a:lvl2pPr marL="347472" indent="0" algn="l" rtl="0" eaLnBrk="1" latinLnBrk="0" hangingPunct="1">
+              <a:spcBef>
+                <a:spcPts val="250"/>
+              </a:spcBef>
+              <a:buClr>
+                <a:schemeClr val="accent1"/>
+              </a:buClr>
+              <a:buSzPct val="100000"/>
+              <a:buFont typeface="Verdana"/>
+              <a:buNone/>
+              <a:defRPr sz="2400" kern="1200">
+                <a:solidFill>
+                  <a:schemeClr val="tx1"/>
+                </a:solidFill>
+                <a:latin typeface="+mn-lt"/>
+                <a:ea typeface="+mn-ea"/>
+                <a:cs typeface="+mn-cs"/>
+              </a:defRPr>
+            </a:lvl2pPr>
+            <a:lvl3pPr marL="603504" indent="0" algn="l" rtl="0" eaLnBrk="1" latinLnBrk="0" hangingPunct="1">
+              <a:spcBef>
+                <a:spcPts val="250"/>
+              </a:spcBef>
+              <a:buClr>
+                <a:schemeClr val="accent2">
+                  <a:tint val="85000"/>
+                  <a:satMod val="285000"/>
+                </a:schemeClr>
+              </a:buClr>
+              <a:buSzPct val="100000"/>
+              <a:buFont typeface="Wingdings 2"/>
+              <a:buNone/>
+              <a:defRPr sz="2200" kern="1200">
+                <a:solidFill>
+                  <a:schemeClr val="tx1"/>
+                </a:solidFill>
+                <a:latin typeface="+mn-lt"/>
+                <a:ea typeface="+mn-ea"/>
+                <a:cs typeface="+mn-cs"/>
+              </a:defRPr>
+            </a:lvl3pPr>
+            <a:lvl4pPr marL="841248" indent="0" algn="l" rtl="0" eaLnBrk="1" latinLnBrk="0" hangingPunct="1">
+              <a:spcBef>
+                <a:spcPts val="230"/>
+              </a:spcBef>
+              <a:buClr>
+                <a:schemeClr val="accent2">
+                  <a:tint val="85000"/>
+                  <a:satMod val="285000"/>
+                </a:schemeClr>
+              </a:buClr>
+              <a:buSzPct val="112000"/>
+              <a:buFont typeface="Verdana"/>
+              <a:buNone/>
+              <a:defRPr sz="1900" kern="1200">
+                <a:solidFill>
+                  <a:schemeClr val="tx1"/>
+                </a:solidFill>
+                <a:latin typeface="+mn-lt"/>
+                <a:ea typeface="+mn-ea"/>
+                <a:cs typeface="+mn-cs"/>
+              </a:defRPr>
+            </a:lvl4pPr>
+            <a:lvl5pPr marL="1097280" indent="0" algn="l" rtl="0" eaLnBrk="1" latinLnBrk="0" hangingPunct="1">
+              <a:spcBef>
+                <a:spcPts val="250"/>
+              </a:spcBef>
+              <a:buClr>
+                <a:schemeClr val="accent3">
+                  <a:tint val="85000"/>
+                  <a:satMod val="275000"/>
+                </a:schemeClr>
+              </a:buClr>
+              <a:buSzPct val="100000"/>
+              <a:buFont typeface="Wingdings 2"/>
+              <a:buNone/>
+              <a:defRPr sz="1800" kern="1200">
+                <a:solidFill>
+                  <a:schemeClr val="tx1"/>
+                </a:solidFill>
+                <a:latin typeface="+mn-lt"/>
+                <a:ea typeface="+mn-ea"/>
+                <a:cs typeface="+mn-cs"/>
+              </a:defRPr>
+            </a:lvl5pPr>
+            <a:lvl6pPr marL="1490472" indent="-182880" algn="l" rtl="0" eaLnBrk="1" latinLnBrk="0" hangingPunct="1">
+              <a:spcBef>
+                <a:spcPts val="250"/>
+              </a:spcBef>
+              <a:buClr>
+                <a:schemeClr val="accent3">
+                  <a:tint val="85000"/>
+                  <a:satMod val="275000"/>
+                </a:schemeClr>
+              </a:buClr>
+              <a:buSzPct val="100000"/>
+              <a:buFont typeface="Verdana"/>
+              <a:buChar char="◦"/>
+              <a:defRPr sz="1700" kern="1200" baseline="0">
+                <a:solidFill>
+                  <a:srgbClr val="FFFFFF"/>
+                </a:solidFill>
+                <a:latin typeface="+mn-lt"/>
+                <a:ea typeface="+mn-ea"/>
+                <a:cs typeface="+mn-cs"/>
+              </a:defRPr>
+            </a:lvl6pPr>
+            <a:lvl7pPr marL="1700784" indent="-182880" algn="l" rtl="0" eaLnBrk="1" latinLnBrk="0" hangingPunct="1">
+              <a:spcBef>
+                <a:spcPts val="255"/>
+              </a:spcBef>
+              <a:buClr>
+                <a:schemeClr val="accent3">
+                  <a:tint val="85000"/>
+                  <a:satMod val="275000"/>
+                </a:schemeClr>
+              </a:buClr>
+              <a:buSzPct val="100000"/>
+              <a:buFont typeface="Wingdings 2"/>
+              <a:buChar char=""/>
+              <a:defRPr sz="1500" kern="1200">
+                <a:solidFill>
+                  <a:srgbClr val="FFFFFF"/>
+                </a:solidFill>
+                <a:latin typeface="+mn-lt"/>
+                <a:ea typeface="+mn-ea"/>
+                <a:cs typeface="+mn-cs"/>
+              </a:defRPr>
+            </a:lvl7pPr>
+            <a:lvl8pPr marL="1920240" indent="-182880" algn="l" rtl="0" eaLnBrk="1" latinLnBrk="0" hangingPunct="1">
+              <a:spcBef>
+                <a:spcPts val="257"/>
+              </a:spcBef>
+              <a:buClr>
+                <a:schemeClr val="accent3">
+                  <a:tint val="85000"/>
+                  <a:satMod val="275000"/>
+                </a:schemeClr>
+              </a:buClr>
+              <a:buSzPct val="100000"/>
+              <a:buFont typeface="Verdana"/>
+              <a:buChar char="◦"/>
+              <a:defRPr sz="1500" kern="1200" baseline="0">
+                <a:solidFill>
+                  <a:srgbClr val="FFFFFF"/>
+                </a:solidFill>
+                <a:latin typeface="+mn-lt"/>
+                <a:ea typeface="+mn-ea"/>
+                <a:cs typeface="+mn-cs"/>
+              </a:defRPr>
+            </a:lvl8pPr>
+            <a:lvl9pPr marL="2148840" indent="-182880" algn="l" rtl="0" eaLnBrk="1" latinLnBrk="0" hangingPunct="1">
+              <a:spcBef>
+                <a:spcPts val="255"/>
+              </a:spcBef>
+              <a:buClr>
+                <a:schemeClr val="accent3">
+                  <a:tint val="85000"/>
+                  <a:satMod val="275000"/>
+                </a:schemeClr>
+              </a:buClr>
+              <a:buSzPct val="100000"/>
+              <a:buFont typeface="Wingdings 2"/>
+              <a:buChar char=""/>
+              <a:defRPr sz="1500" kern="1200">
+                <a:solidFill>
+                  <a:srgbClr val="FFFFFF"/>
+                </a:solidFill>
+                <a:latin typeface="+mn-lt"/>
+                <a:ea typeface="+mn-ea"/>
+                <a:cs typeface="+mn-cs"/>
+              </a:defRPr>
+            </a:lvl9pPr>
+          </a:lstStyle>
+          <a:p>
+            <a:r>
+              <a:rPr lang="en-US" b="1" dirty="0"/>
+              <a:t>Modules</a:t>
+            </a:r>
+          </a:p>
+        </p:txBody>
+      </p:sp>
+      <p:sp>
+        <p:nvSpPr>
+          <p:cNvPr id="12" name="Rectangle 2">
+            <a:extLst>
+              <a:ext uri="{FF2B5EF4-FFF2-40B4-BE49-F238E27FC236}">
+                <a16:creationId xmlns:a16="http://schemas.microsoft.com/office/drawing/2014/main" id="{5814E4EC-056A-4C07-A595-DAB2A7E43C88}"/>
+              </a:ext>
+            </a:extLst>
+          </p:cNvPr>
+          <p:cNvSpPr txBox="1">
+            <a:spLocks/>
+          </p:cNvSpPr>
+          <p:nvPr/>
+        </p:nvSpPr>
+        <p:spPr>
+          <a:xfrm>
+            <a:off x="277529" y="3747227"/>
+            <a:ext cx="3746247" cy="2454678"/>
+          </a:xfrm>
+          <a:prstGeom prst="rect">
+            <a:avLst/>
+          </a:prstGeom>
+        </p:spPr>
+        <p:txBody>
+          <a:bodyPr vert="horz" lIns="182880" tIns="91440">
+            <a:normAutofit/>
+          </a:bodyPr>
+          <a:lstStyle>
+            <a:lvl1pPr marL="0" indent="0" algn="l" rtl="0" eaLnBrk="1" latinLnBrk="0" hangingPunct="1">
+              <a:spcBef>
+                <a:spcPts val="250"/>
+              </a:spcBef>
+              <a:buClr>
+                <a:schemeClr val="accent1"/>
+              </a:buClr>
+              <a:buSzPct val="80000"/>
+              <a:buFont typeface="Wingdings 2"/>
+              <a:buNone/>
+              <a:defRPr sz="2000" kern="1200">
+                <a:solidFill>
+                  <a:schemeClr val="tx1"/>
+                </a:solidFill>
+                <a:effectLst/>
+                <a:latin typeface="+mn-lt"/>
+                <a:ea typeface="+mn-ea"/>
+                <a:cs typeface="+mn-cs"/>
+              </a:defRPr>
+            </a:lvl1pPr>
+            <a:lvl2pPr marL="347472" indent="0" algn="l" rtl="0" eaLnBrk="1" latinLnBrk="0" hangingPunct="1">
+              <a:spcBef>
+                <a:spcPts val="250"/>
+              </a:spcBef>
+              <a:buClr>
+                <a:schemeClr val="accent1"/>
+              </a:buClr>
+              <a:buSzPct val="100000"/>
+              <a:buFont typeface="Verdana"/>
+              <a:buNone/>
+              <a:defRPr sz="2400" kern="1200">
+                <a:solidFill>
+                  <a:schemeClr val="tx1"/>
+                </a:solidFill>
+                <a:latin typeface="+mn-lt"/>
+                <a:ea typeface="+mn-ea"/>
+                <a:cs typeface="+mn-cs"/>
+              </a:defRPr>
+            </a:lvl2pPr>
+            <a:lvl3pPr marL="603504" indent="0" algn="l" rtl="0" eaLnBrk="1" latinLnBrk="0" hangingPunct="1">
+              <a:spcBef>
+                <a:spcPts val="250"/>
+              </a:spcBef>
+              <a:buClr>
+                <a:schemeClr val="accent2">
+                  <a:tint val="85000"/>
+                  <a:satMod val="285000"/>
+                </a:schemeClr>
+              </a:buClr>
+              <a:buSzPct val="100000"/>
+              <a:buFont typeface="Wingdings 2"/>
+              <a:buNone/>
+              <a:defRPr sz="2200" kern="1200">
+                <a:solidFill>
+                  <a:schemeClr val="tx1"/>
+                </a:solidFill>
+                <a:latin typeface="+mn-lt"/>
+                <a:ea typeface="+mn-ea"/>
+                <a:cs typeface="+mn-cs"/>
+              </a:defRPr>
+            </a:lvl3pPr>
+            <a:lvl4pPr marL="841248" indent="0" algn="l" rtl="0" eaLnBrk="1" latinLnBrk="0" hangingPunct="1">
+              <a:spcBef>
+                <a:spcPts val="230"/>
+              </a:spcBef>
+              <a:buClr>
+                <a:schemeClr val="accent2">
+                  <a:tint val="85000"/>
+                  <a:satMod val="285000"/>
+                </a:schemeClr>
+              </a:buClr>
+              <a:buSzPct val="112000"/>
+              <a:buFont typeface="Verdana"/>
+              <a:buNone/>
+              <a:defRPr sz="1900" kern="1200">
+                <a:solidFill>
+                  <a:schemeClr val="tx1"/>
+                </a:solidFill>
+                <a:latin typeface="+mn-lt"/>
+                <a:ea typeface="+mn-ea"/>
+                <a:cs typeface="+mn-cs"/>
+              </a:defRPr>
+            </a:lvl4pPr>
+            <a:lvl5pPr marL="1097280" indent="0" algn="l" rtl="0" eaLnBrk="1" latinLnBrk="0" hangingPunct="1">
+              <a:spcBef>
+                <a:spcPts val="250"/>
+              </a:spcBef>
+              <a:buClr>
+                <a:schemeClr val="accent3">
+                  <a:tint val="85000"/>
+                  <a:satMod val="275000"/>
+                </a:schemeClr>
+              </a:buClr>
+              <a:buSzPct val="100000"/>
+              <a:buFont typeface="Wingdings 2"/>
+              <a:buNone/>
+              <a:defRPr sz="1800" kern="1200">
+                <a:solidFill>
+                  <a:schemeClr val="tx1"/>
+                </a:solidFill>
+                <a:latin typeface="+mn-lt"/>
+                <a:ea typeface="+mn-ea"/>
+                <a:cs typeface="+mn-cs"/>
+              </a:defRPr>
+            </a:lvl5pPr>
+            <a:lvl6pPr marL="1490472" indent="-182880" algn="l" rtl="0" eaLnBrk="1" latinLnBrk="0" hangingPunct="1">
+              <a:spcBef>
+                <a:spcPts val="250"/>
+              </a:spcBef>
+              <a:buClr>
+                <a:schemeClr val="accent3">
+                  <a:tint val="85000"/>
+                  <a:satMod val="275000"/>
+                </a:schemeClr>
+              </a:buClr>
+              <a:buSzPct val="100000"/>
+              <a:buFont typeface="Verdana"/>
+              <a:buChar char="◦"/>
+              <a:defRPr sz="1700" kern="1200" baseline="0">
+                <a:solidFill>
+                  <a:srgbClr val="FFFFFF"/>
+                </a:solidFill>
+                <a:latin typeface="+mn-lt"/>
+                <a:ea typeface="+mn-ea"/>
+                <a:cs typeface="+mn-cs"/>
+              </a:defRPr>
+            </a:lvl6pPr>
+            <a:lvl7pPr marL="1700784" indent="-182880" algn="l" rtl="0" eaLnBrk="1" latinLnBrk="0" hangingPunct="1">
+              <a:spcBef>
+                <a:spcPts val="255"/>
+              </a:spcBef>
+              <a:buClr>
+                <a:schemeClr val="accent3">
+                  <a:tint val="85000"/>
+                  <a:satMod val="275000"/>
+                </a:schemeClr>
+              </a:buClr>
+              <a:buSzPct val="100000"/>
+              <a:buFont typeface="Wingdings 2"/>
+              <a:buChar char=""/>
+              <a:defRPr sz="1500" kern="1200">
+                <a:solidFill>
+                  <a:srgbClr val="FFFFFF"/>
+                </a:solidFill>
+                <a:latin typeface="+mn-lt"/>
+                <a:ea typeface="+mn-ea"/>
+                <a:cs typeface="+mn-cs"/>
+              </a:defRPr>
+            </a:lvl7pPr>
+            <a:lvl8pPr marL="1920240" indent="-182880" algn="l" rtl="0" eaLnBrk="1" latinLnBrk="0" hangingPunct="1">
+              <a:spcBef>
+                <a:spcPts val="257"/>
+              </a:spcBef>
+              <a:buClr>
+                <a:schemeClr val="accent3">
+                  <a:tint val="85000"/>
+                  <a:satMod val="275000"/>
+                </a:schemeClr>
+              </a:buClr>
+              <a:buSzPct val="100000"/>
+              <a:buFont typeface="Verdana"/>
+              <a:buChar char="◦"/>
+              <a:defRPr sz="1500" kern="1200" baseline="0">
+                <a:solidFill>
+                  <a:srgbClr val="FFFFFF"/>
+                </a:solidFill>
+                <a:latin typeface="+mn-lt"/>
+                <a:ea typeface="+mn-ea"/>
+                <a:cs typeface="+mn-cs"/>
+              </a:defRPr>
+            </a:lvl8pPr>
+            <a:lvl9pPr marL="2148840" indent="-182880" algn="l" rtl="0" eaLnBrk="1" latinLnBrk="0" hangingPunct="1">
+              <a:spcBef>
+                <a:spcPts val="255"/>
+              </a:spcBef>
+              <a:buClr>
+                <a:schemeClr val="accent3">
+                  <a:tint val="85000"/>
+                  <a:satMod val="275000"/>
+                </a:schemeClr>
+              </a:buClr>
+              <a:buSzPct val="100000"/>
+              <a:buFont typeface="Wingdings 2"/>
+              <a:buChar char=""/>
+              <a:defRPr sz="1500" kern="1200">
+                <a:solidFill>
+                  <a:srgbClr val="FFFFFF"/>
+                </a:solidFill>
+                <a:latin typeface="+mn-lt"/>
+                <a:ea typeface="+mn-ea"/>
+                <a:cs typeface="+mn-cs"/>
+              </a:defRPr>
+            </a:lvl9pPr>
+          </a:lstStyle>
+          <a:p>
+            <a:pPr marL="342900" indent="-342900">
+              <a:buFont typeface="Wingdings" panose="05000000000000000000" pitchFamily="2" charset="2"/>
+              <a:buChar char="ü"/>
+            </a:pPr>
+            <a:r>
+              <a:rPr lang="en-US" dirty="0"/>
+              <a:t>a single and simple content feature</a:t>
+            </a:r>
+          </a:p>
+          <a:p>
+            <a:pPr marL="342900" indent="-342900">
+              <a:buFont typeface="Wingdings" panose="05000000000000000000" pitchFamily="2" charset="2"/>
+              <a:buChar char="ü"/>
+            </a:pPr>
+            <a:r>
+              <a:rPr lang="en-US" dirty="0"/>
+              <a:t>very specific behavior</a:t>
+            </a:r>
+          </a:p>
+          <a:p>
+            <a:pPr marL="690372" lvl="1" indent="-342900">
+              <a:buFont typeface="Wingdings" panose="05000000000000000000" pitchFamily="2" charset="2"/>
+              <a:buChar char="q"/>
+            </a:pPr>
+            <a:r>
+              <a:rPr lang="en-US" sz="1200" dirty="0"/>
+              <a:t>i.e. Text and Image – Left</a:t>
+            </a:r>
+          </a:p>
+          <a:p>
+            <a:pPr marL="946404" lvl="2" indent="-342900">
+              <a:buFont typeface="Arial" panose="020B0604020202020204" pitchFamily="34" charset="0"/>
+              <a:buChar char="•"/>
+            </a:pPr>
+            <a:r>
+              <a:rPr lang="en-US" sz="1000" dirty="0"/>
+              <a:t>Text</a:t>
+            </a:r>
+          </a:p>
+          <a:p>
+            <a:pPr marL="946404" lvl="2" indent="-342900">
+              <a:buFont typeface="Arial" panose="020B0604020202020204" pitchFamily="34" charset="0"/>
+              <a:buChar char="•"/>
+            </a:pPr>
+            <a:r>
+              <a:rPr lang="en-US" sz="1000" dirty="0"/>
+              <a:t>Image</a:t>
+            </a:r>
+          </a:p>
+          <a:p>
+            <a:pPr marL="342900" indent="-342900">
+              <a:buFont typeface="Wingdings" panose="05000000000000000000" pitchFamily="2" charset="2"/>
+              <a:buChar char="ü"/>
+            </a:pPr>
+            <a:r>
+              <a:rPr lang="en-US" dirty="0"/>
+              <a:t>View Rendering</a:t>
+            </a:r>
+          </a:p>
+          <a:p>
+            <a:pPr marL="342900" indent="-342900">
+              <a:buFont typeface="Wingdings" panose="05000000000000000000" pitchFamily="2" charset="2"/>
+              <a:buChar char="ü"/>
+            </a:pPr>
+            <a:r>
+              <a:rPr lang="en-US" dirty="0"/>
+              <a:t>Controller Rendering</a:t>
+            </a:r>
+          </a:p>
+          <a:p>
+            <a:pPr lvl="1"/>
+            <a:endParaRPr lang="en-US" dirty="0"/>
+          </a:p>
+        </p:txBody>
+      </p:sp>
+      <p:sp>
+        <p:nvSpPr>
+          <p:cNvPr id="13" name="Rectangle 2">
+            <a:extLst>
+              <a:ext uri="{FF2B5EF4-FFF2-40B4-BE49-F238E27FC236}">
+                <a16:creationId xmlns:a16="http://schemas.microsoft.com/office/drawing/2014/main" id="{C4A24035-9FF9-4259-BDEE-B98D040BF6E2}"/>
+              </a:ext>
+            </a:extLst>
+          </p:cNvPr>
+          <p:cNvSpPr txBox="1">
+            <a:spLocks/>
+          </p:cNvSpPr>
+          <p:nvPr/>
+        </p:nvSpPr>
+        <p:spPr>
+          <a:xfrm>
+            <a:off x="4347989" y="3747227"/>
+            <a:ext cx="4322311" cy="2220402"/>
+          </a:xfrm>
+          <a:prstGeom prst="rect">
+            <a:avLst/>
+          </a:prstGeom>
+        </p:spPr>
+        <p:txBody>
+          <a:bodyPr vert="horz" lIns="182880" tIns="91440">
+            <a:normAutofit fontScale="92500" lnSpcReduction="10000"/>
+          </a:bodyPr>
+          <a:lstStyle>
+            <a:lvl1pPr marL="0" indent="0" algn="l" rtl="0" eaLnBrk="1" latinLnBrk="0" hangingPunct="1">
+              <a:spcBef>
+                <a:spcPts val="250"/>
+              </a:spcBef>
+              <a:buClr>
+                <a:schemeClr val="accent1"/>
+              </a:buClr>
+              <a:buSzPct val="80000"/>
+              <a:buFont typeface="Wingdings 2"/>
+              <a:buNone/>
+              <a:defRPr sz="2000" kern="1200">
+                <a:solidFill>
+                  <a:schemeClr val="tx1"/>
+                </a:solidFill>
+                <a:effectLst/>
+                <a:latin typeface="+mn-lt"/>
+                <a:ea typeface="+mn-ea"/>
+                <a:cs typeface="+mn-cs"/>
+              </a:defRPr>
+            </a:lvl1pPr>
+            <a:lvl2pPr marL="347472" indent="0" algn="l" rtl="0" eaLnBrk="1" latinLnBrk="0" hangingPunct="1">
+              <a:spcBef>
+                <a:spcPts val="250"/>
+              </a:spcBef>
+              <a:buClr>
+                <a:schemeClr val="accent1"/>
+              </a:buClr>
+              <a:buSzPct val="100000"/>
+              <a:buFont typeface="Verdana"/>
+              <a:buNone/>
+              <a:defRPr sz="2400" kern="1200">
+                <a:solidFill>
+                  <a:schemeClr val="tx1"/>
+                </a:solidFill>
+                <a:latin typeface="+mn-lt"/>
+                <a:ea typeface="+mn-ea"/>
+                <a:cs typeface="+mn-cs"/>
+              </a:defRPr>
+            </a:lvl2pPr>
+            <a:lvl3pPr marL="603504" indent="0" algn="l" rtl="0" eaLnBrk="1" latinLnBrk="0" hangingPunct="1">
+              <a:spcBef>
+                <a:spcPts val="250"/>
+              </a:spcBef>
+              <a:buClr>
+                <a:schemeClr val="accent2">
+                  <a:tint val="85000"/>
+                  <a:satMod val="285000"/>
+                </a:schemeClr>
+              </a:buClr>
+              <a:buSzPct val="100000"/>
+              <a:buFont typeface="Wingdings 2"/>
+              <a:buNone/>
+              <a:defRPr sz="2200" kern="1200">
+                <a:solidFill>
+                  <a:schemeClr val="tx1"/>
+                </a:solidFill>
+                <a:latin typeface="+mn-lt"/>
+                <a:ea typeface="+mn-ea"/>
+                <a:cs typeface="+mn-cs"/>
+              </a:defRPr>
+            </a:lvl3pPr>
+            <a:lvl4pPr marL="841248" indent="0" algn="l" rtl="0" eaLnBrk="1" latinLnBrk="0" hangingPunct="1">
+              <a:spcBef>
+                <a:spcPts val="230"/>
+              </a:spcBef>
+              <a:buClr>
+                <a:schemeClr val="accent2">
+                  <a:tint val="85000"/>
+                  <a:satMod val="285000"/>
+                </a:schemeClr>
+              </a:buClr>
+              <a:buSzPct val="112000"/>
+              <a:buFont typeface="Verdana"/>
+              <a:buNone/>
+              <a:defRPr sz="1900" kern="1200">
+                <a:solidFill>
+                  <a:schemeClr val="tx1"/>
+                </a:solidFill>
+                <a:latin typeface="+mn-lt"/>
+                <a:ea typeface="+mn-ea"/>
+                <a:cs typeface="+mn-cs"/>
+              </a:defRPr>
+            </a:lvl4pPr>
+            <a:lvl5pPr marL="1097280" indent="0" algn="l" rtl="0" eaLnBrk="1" latinLnBrk="0" hangingPunct="1">
+              <a:spcBef>
+                <a:spcPts val="250"/>
+              </a:spcBef>
+              <a:buClr>
+                <a:schemeClr val="accent3">
+                  <a:tint val="85000"/>
+                  <a:satMod val="275000"/>
+                </a:schemeClr>
+              </a:buClr>
+              <a:buSzPct val="100000"/>
+              <a:buFont typeface="Wingdings 2"/>
+              <a:buNone/>
+              <a:defRPr sz="1800" kern="1200">
+                <a:solidFill>
+                  <a:schemeClr val="tx1"/>
+                </a:solidFill>
+                <a:latin typeface="+mn-lt"/>
+                <a:ea typeface="+mn-ea"/>
+                <a:cs typeface="+mn-cs"/>
+              </a:defRPr>
+            </a:lvl5pPr>
+            <a:lvl6pPr marL="1490472" indent="-182880" algn="l" rtl="0" eaLnBrk="1" latinLnBrk="0" hangingPunct="1">
+              <a:spcBef>
+                <a:spcPts val="250"/>
+              </a:spcBef>
+              <a:buClr>
+                <a:schemeClr val="accent3">
+                  <a:tint val="85000"/>
+                  <a:satMod val="275000"/>
+                </a:schemeClr>
+              </a:buClr>
+              <a:buSzPct val="100000"/>
+              <a:buFont typeface="Verdana"/>
+              <a:buChar char="◦"/>
+              <a:defRPr sz="1700" kern="1200" baseline="0">
+                <a:solidFill>
+                  <a:srgbClr val="FFFFFF"/>
+                </a:solidFill>
+                <a:latin typeface="+mn-lt"/>
+                <a:ea typeface="+mn-ea"/>
+                <a:cs typeface="+mn-cs"/>
+              </a:defRPr>
+            </a:lvl6pPr>
+            <a:lvl7pPr marL="1700784" indent="-182880" algn="l" rtl="0" eaLnBrk="1" latinLnBrk="0" hangingPunct="1">
+              <a:spcBef>
+                <a:spcPts val="255"/>
+              </a:spcBef>
+              <a:buClr>
+                <a:schemeClr val="accent3">
+                  <a:tint val="85000"/>
+                  <a:satMod val="275000"/>
+                </a:schemeClr>
+              </a:buClr>
+              <a:buSzPct val="100000"/>
+              <a:buFont typeface="Wingdings 2"/>
+              <a:buChar char=""/>
+              <a:defRPr sz="1500" kern="1200">
+                <a:solidFill>
+                  <a:srgbClr val="FFFFFF"/>
+                </a:solidFill>
+                <a:latin typeface="+mn-lt"/>
+                <a:ea typeface="+mn-ea"/>
+                <a:cs typeface="+mn-cs"/>
+              </a:defRPr>
+            </a:lvl7pPr>
+            <a:lvl8pPr marL="1920240" indent="-182880" algn="l" rtl="0" eaLnBrk="1" latinLnBrk="0" hangingPunct="1">
+              <a:spcBef>
+                <a:spcPts val="257"/>
+              </a:spcBef>
+              <a:buClr>
+                <a:schemeClr val="accent3">
+                  <a:tint val="85000"/>
+                  <a:satMod val="275000"/>
+                </a:schemeClr>
+              </a:buClr>
+              <a:buSzPct val="100000"/>
+              <a:buFont typeface="Verdana"/>
+              <a:buChar char="◦"/>
+              <a:defRPr sz="1500" kern="1200" baseline="0">
+                <a:solidFill>
+                  <a:srgbClr val="FFFFFF"/>
+                </a:solidFill>
+                <a:latin typeface="+mn-lt"/>
+                <a:ea typeface="+mn-ea"/>
+                <a:cs typeface="+mn-cs"/>
+              </a:defRPr>
+            </a:lvl8pPr>
+            <a:lvl9pPr marL="2148840" indent="-182880" algn="l" rtl="0" eaLnBrk="1" latinLnBrk="0" hangingPunct="1">
+              <a:spcBef>
+                <a:spcPts val="255"/>
+              </a:spcBef>
+              <a:buClr>
+                <a:schemeClr val="accent3">
+                  <a:tint val="85000"/>
+                  <a:satMod val="275000"/>
+                </a:schemeClr>
+              </a:buClr>
+              <a:buSzPct val="100000"/>
+              <a:buFont typeface="Wingdings 2"/>
+              <a:buChar char=""/>
+              <a:defRPr sz="1500" kern="1200">
+                <a:solidFill>
+                  <a:srgbClr val="FFFFFF"/>
+                </a:solidFill>
+                <a:latin typeface="+mn-lt"/>
+                <a:ea typeface="+mn-ea"/>
+                <a:cs typeface="+mn-cs"/>
+              </a:defRPr>
+            </a:lvl9pPr>
+          </a:lstStyle>
+          <a:p>
+            <a:pPr marL="342900" indent="-342900">
+              <a:buFont typeface="Wingdings" panose="05000000000000000000" pitchFamily="2" charset="2"/>
+              <a:buChar char="ü"/>
+            </a:pPr>
+            <a:r>
+              <a:rPr lang="en-US" dirty="0"/>
+              <a:t>a complex content feature</a:t>
+            </a:r>
+          </a:p>
+          <a:p>
+            <a:pPr marL="342900" indent="-342900">
+              <a:buFont typeface="Wingdings" panose="05000000000000000000" pitchFamily="2" charset="2"/>
+              <a:buChar char="ü"/>
+            </a:pPr>
+            <a:r>
+              <a:rPr lang="en-US" dirty="0"/>
+              <a:t>can comprise one or more components</a:t>
+            </a:r>
+          </a:p>
+          <a:p>
+            <a:pPr marL="690372" lvl="1" indent="-342900">
+              <a:buFont typeface="Wingdings" panose="05000000000000000000" pitchFamily="2" charset="2"/>
+              <a:buChar char="q"/>
+            </a:pPr>
+            <a:r>
+              <a:rPr lang="en-US" sz="1400" dirty="0"/>
+              <a:t>i.e. Product Info</a:t>
+            </a:r>
+          </a:p>
+          <a:p>
+            <a:pPr marL="946404" lvl="2" indent="-342900">
+              <a:buFont typeface="Arial" panose="020B0604020202020204" pitchFamily="34" charset="0"/>
+              <a:buChar char="•"/>
+            </a:pPr>
+            <a:r>
+              <a:rPr lang="en-US" sz="1200" dirty="0"/>
+              <a:t>Text and Image – Left</a:t>
+            </a:r>
+          </a:p>
+          <a:p>
+            <a:pPr marL="946404" lvl="2" indent="-342900">
+              <a:buFont typeface="Arial" panose="020B0604020202020204" pitchFamily="34" charset="0"/>
+              <a:buChar char="•"/>
+            </a:pPr>
+            <a:r>
+              <a:rPr lang="en-US" sz="1200" dirty="0"/>
+              <a:t>Text Block</a:t>
+            </a:r>
+          </a:p>
+          <a:p>
+            <a:pPr marL="946404" lvl="2" indent="-342900">
+              <a:buFont typeface="Arial" panose="020B0604020202020204" pitchFamily="34" charset="0"/>
+              <a:buChar char="•"/>
+            </a:pPr>
+            <a:r>
+              <a:rPr lang="en-US" sz="1200" dirty="0"/>
+              <a:t>Gallery</a:t>
+            </a:r>
+          </a:p>
+          <a:p>
+            <a:pPr marL="342900" indent="-342900">
+              <a:buFont typeface="Wingdings" panose="05000000000000000000" pitchFamily="2" charset="2"/>
+              <a:buChar char="ü"/>
+            </a:pPr>
+            <a:r>
+              <a:rPr lang="en-US" dirty="0"/>
+              <a:t>Controller Rendering</a:t>
+            </a:r>
+          </a:p>
+        </p:txBody>
+      </p:sp>
+      <p:sp>
+        <p:nvSpPr>
+          <p:cNvPr id="14" name="Rectangle 2">
+            <a:extLst>
+              <a:ext uri="{FF2B5EF4-FFF2-40B4-BE49-F238E27FC236}">
+                <a16:creationId xmlns:a16="http://schemas.microsoft.com/office/drawing/2014/main" id="{C5750BD6-9ABB-46BF-8676-C3055AFB185A}"/>
+              </a:ext>
+            </a:extLst>
+          </p:cNvPr>
+          <p:cNvSpPr txBox="1">
+            <a:spLocks/>
+          </p:cNvSpPr>
+          <p:nvPr/>
+        </p:nvSpPr>
+        <p:spPr>
+          <a:xfrm>
+            <a:off x="161355" y="2006199"/>
+            <a:ext cx="3978597" cy="1356436"/>
+          </a:xfrm>
+          <a:prstGeom prst="rect">
+            <a:avLst/>
+          </a:prstGeom>
+        </p:spPr>
+        <p:txBody>
+          <a:bodyPr vert="horz" lIns="182880" tIns="91440">
             <a:normAutofit lnSpcReduction="10000"/>
           </a:bodyPr>
-          <a:lstStyle/>
-          <a:p>
+          <a:lstStyle>
+            <a:lvl1pPr marL="0" indent="0" algn="l" rtl="0" eaLnBrk="1" latinLnBrk="0" hangingPunct="1">
+              <a:spcBef>
+                <a:spcPts val="250"/>
+              </a:spcBef>
+              <a:buClr>
+                <a:schemeClr val="accent1"/>
+              </a:buClr>
+              <a:buSzPct val="80000"/>
+              <a:buFont typeface="Wingdings 2"/>
+              <a:buNone/>
+              <a:defRPr sz="2000" kern="1200">
+                <a:solidFill>
+                  <a:schemeClr val="tx1"/>
+                </a:solidFill>
+                <a:effectLst/>
+                <a:latin typeface="+mn-lt"/>
+                <a:ea typeface="+mn-ea"/>
+                <a:cs typeface="+mn-cs"/>
+              </a:defRPr>
+            </a:lvl1pPr>
+            <a:lvl2pPr marL="347472" indent="0" algn="l" rtl="0" eaLnBrk="1" latinLnBrk="0" hangingPunct="1">
+              <a:spcBef>
+                <a:spcPts val="250"/>
+              </a:spcBef>
+              <a:buClr>
+                <a:schemeClr val="accent1"/>
+              </a:buClr>
+              <a:buSzPct val="100000"/>
+              <a:buFont typeface="Verdana"/>
+              <a:buNone/>
+              <a:defRPr sz="2400" kern="1200">
+                <a:solidFill>
+                  <a:schemeClr val="tx1"/>
+                </a:solidFill>
+                <a:latin typeface="+mn-lt"/>
+                <a:ea typeface="+mn-ea"/>
+                <a:cs typeface="+mn-cs"/>
+              </a:defRPr>
+            </a:lvl2pPr>
+            <a:lvl3pPr marL="603504" indent="0" algn="l" rtl="0" eaLnBrk="1" latinLnBrk="0" hangingPunct="1">
+              <a:spcBef>
+                <a:spcPts val="250"/>
+              </a:spcBef>
+              <a:buClr>
+                <a:schemeClr val="accent2">
+                  <a:tint val="85000"/>
+                  <a:satMod val="285000"/>
+                </a:schemeClr>
+              </a:buClr>
+              <a:buSzPct val="100000"/>
+              <a:buFont typeface="Wingdings 2"/>
+              <a:buNone/>
+              <a:defRPr sz="2200" kern="1200">
+                <a:solidFill>
+                  <a:schemeClr val="tx1"/>
+                </a:solidFill>
+                <a:latin typeface="+mn-lt"/>
+                <a:ea typeface="+mn-ea"/>
+                <a:cs typeface="+mn-cs"/>
+              </a:defRPr>
+            </a:lvl3pPr>
+            <a:lvl4pPr marL="841248" indent="0" algn="l" rtl="0" eaLnBrk="1" latinLnBrk="0" hangingPunct="1">
+              <a:spcBef>
+                <a:spcPts val="230"/>
+              </a:spcBef>
+              <a:buClr>
+                <a:schemeClr val="accent2">
+                  <a:tint val="85000"/>
+                  <a:satMod val="285000"/>
+                </a:schemeClr>
+              </a:buClr>
+              <a:buSzPct val="112000"/>
+              <a:buFont typeface="Verdana"/>
+              <a:buNone/>
+              <a:defRPr sz="1900" kern="1200">
+                <a:solidFill>
+                  <a:schemeClr val="tx1"/>
+                </a:solidFill>
+                <a:latin typeface="+mn-lt"/>
+                <a:ea typeface="+mn-ea"/>
+                <a:cs typeface="+mn-cs"/>
+              </a:defRPr>
+            </a:lvl4pPr>
+            <a:lvl5pPr marL="1097280" indent="0" algn="l" rtl="0" eaLnBrk="1" latinLnBrk="0" hangingPunct="1">
+              <a:spcBef>
+                <a:spcPts val="250"/>
+              </a:spcBef>
+              <a:buClr>
+                <a:schemeClr val="accent3">
+                  <a:tint val="85000"/>
+                  <a:satMod val="275000"/>
+                </a:schemeClr>
+              </a:buClr>
+              <a:buSzPct val="100000"/>
+              <a:buFont typeface="Wingdings 2"/>
+              <a:buNone/>
+              <a:defRPr sz="1800" kern="1200">
+                <a:solidFill>
+                  <a:schemeClr val="tx1"/>
+                </a:solidFill>
+                <a:latin typeface="+mn-lt"/>
+                <a:ea typeface="+mn-ea"/>
+                <a:cs typeface="+mn-cs"/>
+              </a:defRPr>
+            </a:lvl5pPr>
+            <a:lvl6pPr marL="1490472" indent="-182880" algn="l" rtl="0" eaLnBrk="1" latinLnBrk="0" hangingPunct="1">
+              <a:spcBef>
+                <a:spcPts val="250"/>
+              </a:spcBef>
+              <a:buClr>
+                <a:schemeClr val="accent3">
+                  <a:tint val="85000"/>
+                  <a:satMod val="275000"/>
+                </a:schemeClr>
+              </a:buClr>
+              <a:buSzPct val="100000"/>
+              <a:buFont typeface="Verdana"/>
+              <a:buChar char="◦"/>
+              <a:defRPr sz="1700" kern="1200" baseline="0">
+                <a:solidFill>
+                  <a:srgbClr val="FFFFFF"/>
+                </a:solidFill>
+                <a:latin typeface="+mn-lt"/>
+                <a:ea typeface="+mn-ea"/>
+                <a:cs typeface="+mn-cs"/>
+              </a:defRPr>
+            </a:lvl6pPr>
+            <a:lvl7pPr marL="1700784" indent="-182880" algn="l" rtl="0" eaLnBrk="1" latinLnBrk="0" hangingPunct="1">
+              <a:spcBef>
+                <a:spcPts val="255"/>
+              </a:spcBef>
+              <a:buClr>
+                <a:schemeClr val="accent3">
+                  <a:tint val="85000"/>
+                  <a:satMod val="275000"/>
+                </a:schemeClr>
+              </a:buClr>
+              <a:buSzPct val="100000"/>
+              <a:buFont typeface="Wingdings 2"/>
+              <a:buChar char=""/>
+              <a:defRPr sz="1500" kern="1200">
+                <a:solidFill>
+                  <a:srgbClr val="FFFFFF"/>
+                </a:solidFill>
+                <a:latin typeface="+mn-lt"/>
+                <a:ea typeface="+mn-ea"/>
+                <a:cs typeface="+mn-cs"/>
+              </a:defRPr>
+            </a:lvl7pPr>
+            <a:lvl8pPr marL="1920240" indent="-182880" algn="l" rtl="0" eaLnBrk="1" latinLnBrk="0" hangingPunct="1">
+              <a:spcBef>
+                <a:spcPts val="257"/>
+              </a:spcBef>
+              <a:buClr>
+                <a:schemeClr val="accent3">
+                  <a:tint val="85000"/>
+                  <a:satMod val="275000"/>
+                </a:schemeClr>
+              </a:buClr>
+              <a:buSzPct val="100000"/>
+              <a:buFont typeface="Verdana"/>
+              <a:buChar char="◦"/>
+              <a:defRPr sz="1500" kern="1200" baseline="0">
+                <a:solidFill>
+                  <a:srgbClr val="FFFFFF"/>
+                </a:solidFill>
+                <a:latin typeface="+mn-lt"/>
+                <a:ea typeface="+mn-ea"/>
+                <a:cs typeface="+mn-cs"/>
+              </a:defRPr>
+            </a:lvl8pPr>
+            <a:lvl9pPr marL="2148840" indent="-182880" algn="l" rtl="0" eaLnBrk="1" latinLnBrk="0" hangingPunct="1">
+              <a:spcBef>
+                <a:spcPts val="255"/>
+              </a:spcBef>
+              <a:buClr>
+                <a:schemeClr val="accent3">
+                  <a:tint val="85000"/>
+                  <a:satMod val="275000"/>
+                </a:schemeClr>
+              </a:buClr>
+              <a:buSzPct val="100000"/>
+              <a:buFont typeface="Wingdings 2"/>
+              <a:buChar char=""/>
+              <a:defRPr sz="1500" kern="1200">
+                <a:solidFill>
+                  <a:srgbClr val="FFFFFF"/>
+                </a:solidFill>
+                <a:latin typeface="+mn-lt"/>
+                <a:ea typeface="+mn-ea"/>
+                <a:cs typeface="+mn-cs"/>
+              </a:defRPr>
+            </a:lvl9pPr>
+          </a:lstStyle>
+          <a:p>
+            <a:pPr marL="342900" indent="-342900">
+              <a:buFont typeface="Wingdings" panose="05000000000000000000" pitchFamily="2" charset="2"/>
+              <a:buChar char="ü"/>
+            </a:pPr>
             <a:r>
               <a:rPr lang="en-US" dirty="0"/>
-              <a:t>Explain this topic</a:t>
-            </a:r>
-          </a:p>
-          <a:p>
+              <a:t>view rendering</a:t>
+            </a:r>
+          </a:p>
+          <a:p>
+            <a:pPr marL="690372" lvl="1" indent="-342900">
+              <a:buFont typeface="Arial" panose="020B0604020202020204" pitchFamily="34" charset="0"/>
+              <a:buChar char="•"/>
+            </a:pPr>
+            <a:r>
+              <a:rPr lang="en-US" sz="1400" dirty="0"/>
+              <a:t>strongly-typed models based on doc types or POCOs</a:t>
+            </a:r>
+          </a:p>
+          <a:p>
+            <a:pPr marL="690372" lvl="1" indent="-342900">
+              <a:buFont typeface="Arial" panose="020B0604020202020204" pitchFamily="34" charset="0"/>
+              <a:buChar char="•"/>
+            </a:pPr>
+            <a:r>
+              <a:rPr lang="en-US" sz="1400" dirty="0"/>
+              <a:t>display directly on views with locations based on convention</a:t>
+            </a:r>
+          </a:p>
+          <a:p>
+            <a:pPr marL="690372" lvl="1" indent="-342900">
+              <a:buFont typeface="Arial" panose="020B0604020202020204" pitchFamily="34" charset="0"/>
+              <a:buChar char="•"/>
+            </a:pPr>
+            <a:endParaRPr lang="en-US" sz="1400" dirty="0"/>
+          </a:p>
+        </p:txBody>
+      </p:sp>
+      <p:sp>
+        <p:nvSpPr>
+          <p:cNvPr id="15" name="Rectangle 2">
+            <a:extLst>
+              <a:ext uri="{FF2B5EF4-FFF2-40B4-BE49-F238E27FC236}">
+                <a16:creationId xmlns:a16="http://schemas.microsoft.com/office/drawing/2014/main" id="{3594C3FD-8573-4049-BFA4-774AFD6D9F12}"/>
+              </a:ext>
+            </a:extLst>
+          </p:cNvPr>
+          <p:cNvSpPr txBox="1">
+            <a:spLocks/>
+          </p:cNvSpPr>
+          <p:nvPr/>
+        </p:nvSpPr>
+        <p:spPr>
+          <a:xfrm>
+            <a:off x="4116607" y="1911561"/>
+            <a:ext cx="4570193" cy="1451074"/>
+          </a:xfrm>
+          <a:prstGeom prst="rect">
+            <a:avLst/>
+          </a:prstGeom>
+        </p:spPr>
+        <p:txBody>
+          <a:bodyPr vert="horz" lIns="182880" tIns="91440">
+            <a:normAutofit/>
+          </a:bodyPr>
+          <a:lstStyle>
+            <a:lvl1pPr marL="0" indent="0" algn="l" rtl="0" eaLnBrk="1" latinLnBrk="0" hangingPunct="1">
+              <a:spcBef>
+                <a:spcPts val="250"/>
+              </a:spcBef>
+              <a:buClr>
+                <a:schemeClr val="accent1"/>
+              </a:buClr>
+              <a:buSzPct val="80000"/>
+              <a:buFont typeface="Wingdings 2"/>
+              <a:buNone/>
+              <a:defRPr sz="2000" kern="1200">
+                <a:solidFill>
+                  <a:schemeClr val="tx1"/>
+                </a:solidFill>
+                <a:effectLst/>
+                <a:latin typeface="+mn-lt"/>
+                <a:ea typeface="+mn-ea"/>
+                <a:cs typeface="+mn-cs"/>
+              </a:defRPr>
+            </a:lvl1pPr>
+            <a:lvl2pPr marL="347472" indent="0" algn="l" rtl="0" eaLnBrk="1" latinLnBrk="0" hangingPunct="1">
+              <a:spcBef>
+                <a:spcPts val="250"/>
+              </a:spcBef>
+              <a:buClr>
+                <a:schemeClr val="accent1"/>
+              </a:buClr>
+              <a:buSzPct val="100000"/>
+              <a:buFont typeface="Verdana"/>
+              <a:buNone/>
+              <a:defRPr sz="2400" kern="1200">
+                <a:solidFill>
+                  <a:schemeClr val="tx1"/>
+                </a:solidFill>
+                <a:latin typeface="+mn-lt"/>
+                <a:ea typeface="+mn-ea"/>
+                <a:cs typeface="+mn-cs"/>
+              </a:defRPr>
+            </a:lvl2pPr>
+            <a:lvl3pPr marL="603504" indent="0" algn="l" rtl="0" eaLnBrk="1" latinLnBrk="0" hangingPunct="1">
+              <a:spcBef>
+                <a:spcPts val="250"/>
+              </a:spcBef>
+              <a:buClr>
+                <a:schemeClr val="accent2">
+                  <a:tint val="85000"/>
+                  <a:satMod val="285000"/>
+                </a:schemeClr>
+              </a:buClr>
+              <a:buSzPct val="100000"/>
+              <a:buFont typeface="Wingdings 2"/>
+              <a:buNone/>
+              <a:defRPr sz="2200" kern="1200">
+                <a:solidFill>
+                  <a:schemeClr val="tx1"/>
+                </a:solidFill>
+                <a:latin typeface="+mn-lt"/>
+                <a:ea typeface="+mn-ea"/>
+                <a:cs typeface="+mn-cs"/>
+              </a:defRPr>
+            </a:lvl3pPr>
+            <a:lvl4pPr marL="841248" indent="0" algn="l" rtl="0" eaLnBrk="1" latinLnBrk="0" hangingPunct="1">
+              <a:spcBef>
+                <a:spcPts val="230"/>
+              </a:spcBef>
+              <a:buClr>
+                <a:schemeClr val="accent2">
+                  <a:tint val="85000"/>
+                  <a:satMod val="285000"/>
+                </a:schemeClr>
+              </a:buClr>
+              <a:buSzPct val="112000"/>
+              <a:buFont typeface="Verdana"/>
+              <a:buNone/>
+              <a:defRPr sz="1900" kern="1200">
+                <a:solidFill>
+                  <a:schemeClr val="tx1"/>
+                </a:solidFill>
+                <a:latin typeface="+mn-lt"/>
+                <a:ea typeface="+mn-ea"/>
+                <a:cs typeface="+mn-cs"/>
+              </a:defRPr>
+            </a:lvl4pPr>
+            <a:lvl5pPr marL="1097280" indent="0" algn="l" rtl="0" eaLnBrk="1" latinLnBrk="0" hangingPunct="1">
+              <a:spcBef>
+                <a:spcPts val="250"/>
+              </a:spcBef>
+              <a:buClr>
+                <a:schemeClr val="accent3">
+                  <a:tint val="85000"/>
+                  <a:satMod val="275000"/>
+                </a:schemeClr>
+              </a:buClr>
+              <a:buSzPct val="100000"/>
+              <a:buFont typeface="Wingdings 2"/>
+              <a:buNone/>
+              <a:defRPr sz="1800" kern="1200">
+                <a:solidFill>
+                  <a:schemeClr val="tx1"/>
+                </a:solidFill>
+                <a:latin typeface="+mn-lt"/>
+                <a:ea typeface="+mn-ea"/>
+                <a:cs typeface="+mn-cs"/>
+              </a:defRPr>
+            </a:lvl5pPr>
+            <a:lvl6pPr marL="1490472" indent="-182880" algn="l" rtl="0" eaLnBrk="1" latinLnBrk="0" hangingPunct="1">
+              <a:spcBef>
+                <a:spcPts val="250"/>
+              </a:spcBef>
+              <a:buClr>
+                <a:schemeClr val="accent3">
+                  <a:tint val="85000"/>
+                  <a:satMod val="275000"/>
+                </a:schemeClr>
+              </a:buClr>
+              <a:buSzPct val="100000"/>
+              <a:buFont typeface="Verdana"/>
+              <a:buChar char="◦"/>
+              <a:defRPr sz="1700" kern="1200" baseline="0">
+                <a:solidFill>
+                  <a:srgbClr val="FFFFFF"/>
+                </a:solidFill>
+                <a:latin typeface="+mn-lt"/>
+                <a:ea typeface="+mn-ea"/>
+                <a:cs typeface="+mn-cs"/>
+              </a:defRPr>
+            </a:lvl6pPr>
+            <a:lvl7pPr marL="1700784" indent="-182880" algn="l" rtl="0" eaLnBrk="1" latinLnBrk="0" hangingPunct="1">
+              <a:spcBef>
+                <a:spcPts val="255"/>
+              </a:spcBef>
+              <a:buClr>
+                <a:schemeClr val="accent3">
+                  <a:tint val="85000"/>
+                  <a:satMod val="275000"/>
+                </a:schemeClr>
+              </a:buClr>
+              <a:buSzPct val="100000"/>
+              <a:buFont typeface="Wingdings 2"/>
+              <a:buChar char=""/>
+              <a:defRPr sz="1500" kern="1200">
+                <a:solidFill>
+                  <a:srgbClr val="FFFFFF"/>
+                </a:solidFill>
+                <a:latin typeface="+mn-lt"/>
+                <a:ea typeface="+mn-ea"/>
+                <a:cs typeface="+mn-cs"/>
+              </a:defRPr>
+            </a:lvl7pPr>
+            <a:lvl8pPr marL="1920240" indent="-182880" algn="l" rtl="0" eaLnBrk="1" latinLnBrk="0" hangingPunct="1">
+              <a:spcBef>
+                <a:spcPts val="257"/>
+              </a:spcBef>
+              <a:buClr>
+                <a:schemeClr val="accent3">
+                  <a:tint val="85000"/>
+                  <a:satMod val="275000"/>
+                </a:schemeClr>
+              </a:buClr>
+              <a:buSzPct val="100000"/>
+              <a:buFont typeface="Verdana"/>
+              <a:buChar char="◦"/>
+              <a:defRPr sz="1500" kern="1200" baseline="0">
+                <a:solidFill>
+                  <a:srgbClr val="FFFFFF"/>
+                </a:solidFill>
+                <a:latin typeface="+mn-lt"/>
+                <a:ea typeface="+mn-ea"/>
+                <a:cs typeface="+mn-cs"/>
+              </a:defRPr>
+            </a:lvl8pPr>
+            <a:lvl9pPr marL="2148840" indent="-182880" algn="l" rtl="0" eaLnBrk="1" latinLnBrk="0" hangingPunct="1">
+              <a:spcBef>
+                <a:spcPts val="255"/>
+              </a:spcBef>
+              <a:buClr>
+                <a:schemeClr val="accent3">
+                  <a:tint val="85000"/>
+                  <a:satMod val="275000"/>
+                </a:schemeClr>
+              </a:buClr>
+              <a:buSzPct val="100000"/>
+              <a:buFont typeface="Wingdings 2"/>
+              <a:buChar char=""/>
+              <a:defRPr sz="1500" kern="1200">
+                <a:solidFill>
+                  <a:srgbClr val="FFFFFF"/>
+                </a:solidFill>
+                <a:latin typeface="+mn-lt"/>
+                <a:ea typeface="+mn-ea"/>
+                <a:cs typeface="+mn-cs"/>
+              </a:defRPr>
+            </a:lvl9pPr>
+          </a:lstStyle>
+          <a:p>
+            <a:pPr marL="342900" indent="-342900">
+              <a:buFont typeface="Wingdings" panose="05000000000000000000" pitchFamily="2" charset="2"/>
+              <a:buChar char="ü"/>
+            </a:pPr>
             <a:r>
               <a:rPr lang="en-US" dirty="0"/>
-              <a:t>Give an example</a:t>
-            </a:r>
-          </a:p>
-          <a:p>
-            <a:r>
-              <a:rPr lang="en-US" dirty="0"/>
-              <a:t>Provide an exercise to reinforce learning</a:t>
+              <a:t>controller rendering</a:t>
+            </a:r>
+          </a:p>
+          <a:p>
+            <a:pPr marL="804672" lvl="1" indent="-457200">
+              <a:buFont typeface="Arial" panose="020B0604020202020204" pitchFamily="34" charset="0"/>
+              <a:buChar char="•"/>
+            </a:pPr>
+            <a:r>
+              <a:rPr lang="en-US" sz="1400" dirty="0"/>
+              <a:t>controller class controls the logic</a:t>
+            </a:r>
+          </a:p>
+          <a:p>
+            <a:pPr marL="804672" lvl="1" indent="-457200">
+              <a:buFont typeface="Arial" panose="020B0604020202020204" pitchFamily="34" charset="0"/>
+              <a:buChar char="•"/>
+            </a:pPr>
+            <a:r>
+              <a:rPr lang="en-US" sz="1400" dirty="0"/>
+              <a:t>controller can override </a:t>
+            </a:r>
+            <a:r>
+              <a:rPr lang="en-US" sz="1400"/>
+              <a:t>the location </a:t>
+            </a:r>
+            <a:r>
+              <a:rPr lang="en-US" sz="1400" dirty="0"/>
+              <a:t>of </a:t>
+            </a:r>
+            <a:r>
+              <a:rPr lang="en-US" sz="1400"/>
+              <a:t>view paths </a:t>
+            </a:r>
+            <a:r>
+              <a:rPr lang="en-US" sz="1400" dirty="0"/>
+              <a:t>to use</a:t>
             </a:r>
           </a:p>
         </p:txBody>
       </p:sp>
     </p:spTree>
+    <p:extLst>
+      <p:ext uri="{BB962C8B-B14F-4D97-AF65-F5344CB8AC3E}">
+        <p14:creationId xmlns:p14="http://schemas.microsoft.com/office/powerpoint/2010/main" val="1831460016"/>
+      </p:ext>
+    </p:extLst>
   </p:cSld>
   <p:clrMapOvr>
     <a:masterClrMapping/>
@@ -7212,6 +9159,172 @@
             <a:spLocks noGrp="1"/>
           </p:cNvSpPr>
           <p:nvPr>
+            <p:ph type="ctrTitle"/>
+          </p:nvPr>
+        </p:nvSpPr>
+        <p:spPr/>
+        <p:txBody>
+          <a:bodyPr/>
+          <a:lstStyle/>
+          <a:p>
+            <a:r>
+              <a:rPr lang="en-US" dirty="0"/>
+              <a:t>Data Layer</a:t>
+            </a:r>
+          </a:p>
+        </p:txBody>
+      </p:sp>
+      <p:sp>
+        <p:nvSpPr>
+          <p:cNvPr id="3" name="Rectangle 2"/>
+          <p:cNvSpPr>
+            <a:spLocks noGrp="1"/>
+          </p:cNvSpPr>
+          <p:nvPr>
+            <p:ph type="subTitle" idx="1"/>
+          </p:nvPr>
+        </p:nvSpPr>
+        <p:spPr/>
+        <p:txBody>
+          <a:bodyPr>
+            <a:normAutofit lnSpcReduction="10000"/>
+          </a:bodyPr>
+          <a:lstStyle/>
+          <a:p>
+            <a:r>
+              <a:rPr lang="en-US" dirty="0"/>
+              <a:t>Explain this topic</a:t>
+            </a:r>
+          </a:p>
+          <a:p>
+            <a:r>
+              <a:rPr lang="en-US" dirty="0"/>
+              <a:t>Give an example</a:t>
+            </a:r>
+          </a:p>
+          <a:p>
+            <a:r>
+              <a:rPr lang="en-US" dirty="0"/>
+              <a:t>Provide an exercise to reinforce learning</a:t>
+            </a:r>
+          </a:p>
+        </p:txBody>
+      </p:sp>
+    </p:spTree>
+  </p:cSld>
+  <p:clrMapOvr>
+    <a:masterClrMapping/>
+  </p:clrMapOvr>
+</p:sld>
+</file>
+
+<file path=ppt/slides/slide12.xml><?xml version="1.0" encoding="utf-8"?>
+<p:sld xmlns:a="http://schemas.openxmlformats.org/drawingml/2006/main" xmlns:r="http://schemas.openxmlformats.org/officeDocument/2006/relationships" xmlns:p="http://schemas.openxmlformats.org/presentationml/2006/main">
+  <p:cSld>
+    <p:spTree>
+      <p:nvGrpSpPr>
+        <p:cNvPr id="1" name=""/>
+        <p:cNvGrpSpPr/>
+        <p:nvPr/>
+      </p:nvGrpSpPr>
+      <p:grpSpPr>
+        <a:xfrm>
+          <a:off x="0" y="0"/>
+          <a:ext cx="0" cy="0"/>
+          <a:chOff x="0" y="0"/>
+          <a:chExt cx="0" cy="0"/>
+        </a:xfrm>
+      </p:grpSpPr>
+      <p:sp>
+        <p:nvSpPr>
+          <p:cNvPr id="2" name="Title 1"/>
+          <p:cNvSpPr>
+            <a:spLocks noGrp="1"/>
+          </p:cNvSpPr>
+          <p:nvPr>
+            <p:ph type="ctrTitle"/>
+          </p:nvPr>
+        </p:nvSpPr>
+        <p:spPr/>
+        <p:txBody>
+          <a:bodyPr/>
+          <a:lstStyle/>
+          <a:p>
+            <a:r>
+              <a:rPr lang="en-US" dirty="0"/>
+              <a:t>Topic Two</a:t>
+            </a:r>
+          </a:p>
+        </p:txBody>
+      </p:sp>
+      <p:sp>
+        <p:nvSpPr>
+          <p:cNvPr id="3" name="Content Placeholder 2"/>
+          <p:cNvSpPr>
+            <a:spLocks noGrp="1"/>
+          </p:cNvSpPr>
+          <p:nvPr>
+            <p:ph type="subTitle" idx="1"/>
+          </p:nvPr>
+        </p:nvSpPr>
+        <p:spPr/>
+        <p:txBody>
+          <a:bodyPr>
+            <a:normAutofit lnSpcReduction="10000"/>
+          </a:bodyPr>
+          <a:lstStyle/>
+          <a:p>
+            <a:r>
+              <a:rPr lang="en-US" dirty="0"/>
+              <a:t>Explain this topic</a:t>
+            </a:r>
+          </a:p>
+          <a:p>
+            <a:r>
+              <a:rPr lang="en-US" dirty="0"/>
+              <a:t>Give an example</a:t>
+            </a:r>
+          </a:p>
+          <a:p>
+            <a:r>
+              <a:rPr lang="en-US" dirty="0"/>
+              <a:t>Provide an exercise to reinforce learning</a:t>
+            </a:r>
+          </a:p>
+        </p:txBody>
+      </p:sp>
+    </p:spTree>
+  </p:cSld>
+  <p:clrMapOvr>
+    <a:masterClrMapping/>
+  </p:clrMapOvr>
+</p:sld>
+</file>
+
+<file path=ppt/slides/slide13.xml><?xml version="1.0" encoding="utf-8"?>
+<p:sld xmlns:a="http://schemas.openxmlformats.org/drawingml/2006/main" xmlns:r="http://schemas.openxmlformats.org/officeDocument/2006/relationships" xmlns:p="http://schemas.openxmlformats.org/presentationml/2006/main">
+  <p:cSld>
+    <p:spTree>
+      <p:nvGrpSpPr>
+        <p:cNvPr id="1" name=""/>
+        <p:cNvGrpSpPr/>
+        <p:nvPr/>
+      </p:nvGrpSpPr>
+      <p:grpSpPr>
+        <a:xfrm>
+          <a:off x="0" y="0"/>
+          <a:ext cx="0" cy="0"/>
+          <a:chOff x="0" y="0"/>
+          <a:chExt cx="0" cy="0"/>
+        </a:xfrm>
+      </p:grpSpPr>
+      <p:sp>
+        <p:nvSpPr>
+          <p:cNvPr id="2" name="Rectangle 1"/>
+          <p:cNvSpPr>
+            <a:spLocks noGrp="1"/>
+          </p:cNvSpPr>
+          <p:nvPr>
             <p:ph type="title"/>
           </p:nvPr>
         </p:nvSpPr>
@@ -7332,7 +9445,7 @@
 </p:sld>
 </file>
 
-<file path=ppt/slides/slide12.xml><?xml version="1.0" encoding="utf-8"?>
+<file path=ppt/slides/slide14.xml><?xml version="1.0" encoding="utf-8"?>
 <p:sld xmlns:a="http://schemas.openxmlformats.org/drawingml/2006/main" xmlns:r="http://schemas.openxmlformats.org/officeDocument/2006/relationships" xmlns:p="http://schemas.openxmlformats.org/presentationml/2006/main">
   <p:cSld>
     <p:spTree>
@@ -10810,7 +12923,7 @@
             </a:pPr>
             <a:r>
               <a:rPr lang="en-US" sz="1900" dirty="0"/>
-              <a:t>editors cannot dictate its rendering </a:t>
+              <a:t>editors cannot dictate its rendering. tied to page template </a:t>
             </a:r>
           </a:p>
           <a:p>
@@ -10831,72 +12944,78 @@
             <a:endParaRPr lang="en-US" dirty="0"/>
           </a:p>
           <a:p>
-            <a:pPr marL="457200" indent="-457200">
+            <a:pPr marL="690372" lvl="1" indent="-342900">
               <a:buFont typeface="Wingdings" panose="05000000000000000000" pitchFamily="2" charset="2"/>
-              <a:buChar char="q"/>
+              <a:buChar char="v"/>
             </a:pPr>
             <a:r>
               <a:rPr lang="en-US" dirty="0"/>
-              <a:t>when components are implemented as a content picker</a:t>
-            </a:r>
-          </a:p>
-          <a:p>
-            <a:pPr marL="804672" lvl="1" indent="-457200">
-              <a:buFont typeface="Verdana" panose="020B0604030504040204" pitchFamily="34" charset="0"/>
-              <a:buChar char="×"/>
+              <a:t>Home (page) </a:t>
+            </a:r>
+          </a:p>
+          <a:p>
+            <a:pPr marL="946404" lvl="2" indent="-342900">
+              <a:buFont typeface="Wingdings" panose="05000000000000000000" pitchFamily="2" charset="2"/>
+              <a:buChar char="Ø"/>
             </a:pPr>
             <a:r>
-              <a:rPr lang="en-US" sz="1900" dirty="0"/>
-              <a:t>editors can change the order of its display but cannot dictate its rendering</a:t>
-            </a:r>
-          </a:p>
-          <a:p>
-            <a:pPr marL="457200" indent="-457200">
-              <a:buFont typeface="+mj-lt"/>
-              <a:buAutoNum type="arabicPeriod"/>
+              <a:rPr lang="en-US" dirty="0"/>
+              <a:t>Title</a:t>
+            </a:r>
+          </a:p>
+          <a:p>
+            <a:pPr marL="946404" lvl="2" indent="-342900">
+              <a:buFont typeface="Wingdings" panose="05000000000000000000" pitchFamily="2" charset="2"/>
+              <a:buChar char="Ø"/>
+            </a:pPr>
+            <a:r>
+              <a:rPr lang="en-US" dirty="0"/>
+              <a:t>Image</a:t>
+            </a:r>
+          </a:p>
+          <a:p>
+            <a:pPr marL="946404" lvl="2" indent="-342900">
+              <a:buFont typeface="Wingdings" panose="05000000000000000000" pitchFamily="2" charset="2"/>
+              <a:buChar char="Ø"/>
+            </a:pPr>
+            <a:r>
+              <a:rPr lang="en-US" dirty="0"/>
+              <a:t>Summary</a:t>
+            </a:r>
+          </a:p>
+          <a:p>
+            <a:pPr marL="946404" lvl="2" indent="-342900">
+              <a:buFont typeface="Wingdings" panose="05000000000000000000" pitchFamily="2" charset="2"/>
+              <a:buChar char="Ø"/>
             </a:pPr>
             <a:endParaRPr lang="en-US" dirty="0"/>
           </a:p>
           <a:p>
-            <a:pPr marL="457200" indent="-457200">
+            <a:pPr marL="690372" lvl="1" indent="-342900">
               <a:buFont typeface="Wingdings" panose="05000000000000000000" pitchFamily="2" charset="2"/>
-              <a:buChar char="q"/>
+              <a:buChar char="v"/>
             </a:pPr>
             <a:r>
               <a:rPr lang="en-US" dirty="0"/>
-              <a:t>when a new feature or change of logic is required</a:t>
-            </a:r>
-          </a:p>
-          <a:p>
-            <a:pPr marL="804672" lvl="1" indent="-457200">
-              <a:buFont typeface="Verdana" panose="020B0604030504040204" pitchFamily="34" charset="0"/>
-              <a:buChar char="×"/>
+              <a:t>Home (template)</a:t>
+            </a:r>
+          </a:p>
+          <a:p>
+            <a:pPr marL="946404" lvl="2" indent="-342900">
+              <a:buFont typeface="Wingdings" panose="05000000000000000000" pitchFamily="2" charset="2"/>
+              <a:buChar char="Ø"/>
             </a:pPr>
             <a:r>
-              <a:rPr lang="en-US" sz="1900" dirty="0"/>
-              <a:t>old and new logic can hardly co-exist which is hard to revive or reuse an old behavior</a:t>
-            </a:r>
-          </a:p>
-          <a:p>
-            <a:pPr marL="804672" lvl="1" indent="-457200">
-              <a:buFont typeface="Verdana" panose="020B0604030504040204" pitchFamily="34" charset="0"/>
-              <a:buChar char="×"/>
-            </a:pPr>
-            <a:r>
-              <a:rPr lang="en-US" sz="1900" dirty="0"/>
-              <a:t>could lead to spaghetti codes, orphan views, or potential errors due to changes not being synced properly.</a:t>
-            </a:r>
-          </a:p>
-          <a:p>
-            <a:pPr marL="342900" indent="-342900">
-              <a:buFontTx/>
-              <a:buChar char="-"/>
-            </a:pPr>
-            <a:endParaRPr lang="en-US" dirty="0"/>
+              <a:rPr lang="en-US" dirty="0"/>
+              <a:t>Image on left, Title and Summary on right</a:t>
+            </a:r>
           </a:p>
           <a:p>
             <a:pPr lvl="1"/>
-            <a:endParaRPr lang="en-US" dirty="0"/>
+            <a:r>
+              <a:rPr lang="en-US" dirty="0"/>
+              <a:t>	</a:t>
+            </a:r>
           </a:p>
         </p:txBody>
       </p:sp>
@@ -10947,172 +13066,585 @@
           <a:p>
             <a:r>
               <a:rPr lang="en-US" dirty="0"/>
-              <a:t>Overview</a:t>
-            </a:r>
-          </a:p>
-        </p:txBody>
-      </p:sp>
-      <p:sp>
-        <p:nvSpPr>
-          <p:cNvPr id="3" name="Rectangle 2"/>
-          <p:cNvSpPr>
-            <a:spLocks noGrp="1"/>
-          </p:cNvSpPr>
-          <p:nvPr>
-            <p:ph type="body" sz="quarter" idx="14"/>
-          </p:nvPr>
-        </p:nvSpPr>
-        <p:spPr>
-          <a:xfrm>
-            <a:off x="503238" y="1905000"/>
-            <a:ext cx="8183562" cy="1240673"/>
-          </a:xfrm>
-        </p:spPr>
-        <p:txBody>
-          <a:bodyPr>
-            <a:normAutofit/>
-          </a:bodyPr>
-          <a:lstStyle/>
-          <a:p>
-            <a:r>
-              <a:rPr lang="en-US" b="1" dirty="0" err="1"/>
-              <a:t>MBran</a:t>
-            </a:r>
-            <a:r>
-              <a:rPr lang="en-US" b="1" dirty="0"/>
-              <a:t> Components </a:t>
-            </a:r>
-            <a:r>
-              <a:rPr lang="en-US" dirty="0"/>
-              <a:t>is a convention to help developers create reusable page components and provide a modular approach for creating contents. </a:t>
-            </a:r>
-          </a:p>
-        </p:txBody>
-      </p:sp>
-      <p:sp>
-        <p:nvSpPr>
-          <p:cNvPr id="6" name="Text Placeholder 5">
+              <a:t>Challenges</a:t>
+            </a:r>
+          </a:p>
+        </p:txBody>
+      </p:sp>
+      <p:sp>
+        <p:nvSpPr>
+          <p:cNvPr id="7" name="Rectangle 2">
             <a:extLst>
               <a:ext uri="{FF2B5EF4-FFF2-40B4-BE49-F238E27FC236}">
-                <a16:creationId xmlns:a16="http://schemas.microsoft.com/office/drawing/2014/main" id="{3D497874-DB7D-4884-AE00-052825BF940D}"/>
+                <a16:creationId xmlns:a16="http://schemas.microsoft.com/office/drawing/2014/main" id="{6AE24318-E416-42A4-9B84-705C67568B9F}"/>
               </a:ext>
             </a:extLst>
           </p:cNvPr>
-          <p:cNvSpPr>
-            <a:spLocks noGrp="1"/>
-          </p:cNvSpPr>
-          <p:nvPr>
-            <p:ph type="body" sz="quarter" idx="15"/>
-          </p:nvPr>
+          <p:cNvSpPr txBox="1">
+            <a:spLocks/>
+          </p:cNvSpPr>
+          <p:nvPr/>
         </p:nvSpPr>
         <p:spPr>
           <a:xfrm>
-            <a:off x="1115616" y="3217028"/>
-            <a:ext cx="6984776" cy="2948276"/>
+            <a:off x="395536" y="3773951"/>
+            <a:ext cx="7669162" cy="515888"/>
           </a:xfrm>
+          <a:prstGeom prst="rect">
+            <a:avLst/>
+          </a:prstGeom>
         </p:spPr>
         <p:txBody>
-          <a:bodyPr>
-            <a:normAutofit lnSpcReduction="10000"/>
+          <a:bodyPr vert="horz" lIns="182880" tIns="91440">
+            <a:normAutofit/>
           </a:bodyPr>
-          <a:lstStyle/>
-          <a:p>
-            <a:pPr marL="285750" indent="-285750">
+          <a:lstStyle>
+            <a:lvl1pPr marL="0" indent="0" algn="l" rtl="0" eaLnBrk="1" latinLnBrk="0" hangingPunct="1">
+              <a:spcBef>
+                <a:spcPts val="250"/>
+              </a:spcBef>
+              <a:buClr>
+                <a:schemeClr val="accent1"/>
+              </a:buClr>
+              <a:buSzPct val="80000"/>
+              <a:buFont typeface="Wingdings 2"/>
+              <a:buNone/>
+              <a:defRPr sz="2000" kern="1200">
+                <a:solidFill>
+                  <a:schemeClr val="tx1"/>
+                </a:solidFill>
+                <a:effectLst/>
+                <a:latin typeface="+mn-lt"/>
+                <a:ea typeface="+mn-ea"/>
+                <a:cs typeface="+mn-cs"/>
+              </a:defRPr>
+            </a:lvl1pPr>
+            <a:lvl2pPr marL="347472" indent="0" algn="l" rtl="0" eaLnBrk="1" latinLnBrk="0" hangingPunct="1">
+              <a:spcBef>
+                <a:spcPts val="250"/>
+              </a:spcBef>
+              <a:buClr>
+                <a:schemeClr val="accent1"/>
+              </a:buClr>
+              <a:buSzPct val="100000"/>
+              <a:buFont typeface="Verdana"/>
+              <a:buNone/>
+              <a:defRPr sz="2400" kern="1200">
+                <a:solidFill>
+                  <a:schemeClr val="tx1"/>
+                </a:solidFill>
+                <a:latin typeface="+mn-lt"/>
+                <a:ea typeface="+mn-ea"/>
+                <a:cs typeface="+mn-cs"/>
+              </a:defRPr>
+            </a:lvl2pPr>
+            <a:lvl3pPr marL="603504" indent="0" algn="l" rtl="0" eaLnBrk="1" latinLnBrk="0" hangingPunct="1">
+              <a:spcBef>
+                <a:spcPts val="250"/>
+              </a:spcBef>
+              <a:buClr>
+                <a:schemeClr val="accent2">
+                  <a:tint val="85000"/>
+                  <a:satMod val="285000"/>
+                </a:schemeClr>
+              </a:buClr>
+              <a:buSzPct val="100000"/>
+              <a:buFont typeface="Wingdings 2"/>
+              <a:buNone/>
+              <a:defRPr sz="2200" kern="1200">
+                <a:solidFill>
+                  <a:schemeClr val="tx1"/>
+                </a:solidFill>
+                <a:latin typeface="+mn-lt"/>
+                <a:ea typeface="+mn-ea"/>
+                <a:cs typeface="+mn-cs"/>
+              </a:defRPr>
+            </a:lvl3pPr>
+            <a:lvl4pPr marL="841248" indent="0" algn="l" rtl="0" eaLnBrk="1" latinLnBrk="0" hangingPunct="1">
+              <a:spcBef>
+                <a:spcPts val="230"/>
+              </a:spcBef>
+              <a:buClr>
+                <a:schemeClr val="accent2">
+                  <a:tint val="85000"/>
+                  <a:satMod val="285000"/>
+                </a:schemeClr>
+              </a:buClr>
+              <a:buSzPct val="112000"/>
+              <a:buFont typeface="Verdana"/>
+              <a:buNone/>
+              <a:defRPr sz="1900" kern="1200">
+                <a:solidFill>
+                  <a:schemeClr val="tx1"/>
+                </a:solidFill>
+                <a:latin typeface="+mn-lt"/>
+                <a:ea typeface="+mn-ea"/>
+                <a:cs typeface="+mn-cs"/>
+              </a:defRPr>
+            </a:lvl4pPr>
+            <a:lvl5pPr marL="1097280" indent="0" algn="l" rtl="0" eaLnBrk="1" latinLnBrk="0" hangingPunct="1">
+              <a:spcBef>
+                <a:spcPts val="250"/>
+              </a:spcBef>
+              <a:buClr>
+                <a:schemeClr val="accent3">
+                  <a:tint val="85000"/>
+                  <a:satMod val="275000"/>
+                </a:schemeClr>
+              </a:buClr>
+              <a:buSzPct val="100000"/>
+              <a:buFont typeface="Wingdings 2"/>
+              <a:buNone/>
+              <a:defRPr sz="1800" kern="1200">
+                <a:solidFill>
+                  <a:schemeClr val="tx1"/>
+                </a:solidFill>
+                <a:latin typeface="+mn-lt"/>
+                <a:ea typeface="+mn-ea"/>
+                <a:cs typeface="+mn-cs"/>
+              </a:defRPr>
+            </a:lvl5pPr>
+            <a:lvl6pPr marL="1490472" indent="-182880" algn="l" rtl="0" eaLnBrk="1" latinLnBrk="0" hangingPunct="1">
+              <a:spcBef>
+                <a:spcPts val="250"/>
+              </a:spcBef>
+              <a:buClr>
+                <a:schemeClr val="accent3">
+                  <a:tint val="85000"/>
+                  <a:satMod val="275000"/>
+                </a:schemeClr>
+              </a:buClr>
+              <a:buSzPct val="100000"/>
+              <a:buFont typeface="Verdana"/>
+              <a:buChar char="◦"/>
+              <a:defRPr sz="1700" kern="1200" baseline="0">
+                <a:solidFill>
+                  <a:srgbClr val="FFFFFF"/>
+                </a:solidFill>
+                <a:latin typeface="+mn-lt"/>
+                <a:ea typeface="+mn-ea"/>
+                <a:cs typeface="+mn-cs"/>
+              </a:defRPr>
+            </a:lvl6pPr>
+            <a:lvl7pPr marL="1700784" indent="-182880" algn="l" rtl="0" eaLnBrk="1" latinLnBrk="0" hangingPunct="1">
+              <a:spcBef>
+                <a:spcPts val="255"/>
+              </a:spcBef>
+              <a:buClr>
+                <a:schemeClr val="accent3">
+                  <a:tint val="85000"/>
+                  <a:satMod val="275000"/>
+                </a:schemeClr>
+              </a:buClr>
+              <a:buSzPct val="100000"/>
+              <a:buFont typeface="Wingdings 2"/>
+              <a:buChar char=""/>
+              <a:defRPr sz="1500" kern="1200">
+                <a:solidFill>
+                  <a:srgbClr val="FFFFFF"/>
+                </a:solidFill>
+                <a:latin typeface="+mn-lt"/>
+                <a:ea typeface="+mn-ea"/>
+                <a:cs typeface="+mn-cs"/>
+              </a:defRPr>
+            </a:lvl7pPr>
+            <a:lvl8pPr marL="1920240" indent="-182880" algn="l" rtl="0" eaLnBrk="1" latinLnBrk="0" hangingPunct="1">
+              <a:spcBef>
+                <a:spcPts val="257"/>
+              </a:spcBef>
+              <a:buClr>
+                <a:schemeClr val="accent3">
+                  <a:tint val="85000"/>
+                  <a:satMod val="275000"/>
+                </a:schemeClr>
+              </a:buClr>
+              <a:buSzPct val="100000"/>
+              <a:buFont typeface="Verdana"/>
+              <a:buChar char="◦"/>
+              <a:defRPr sz="1500" kern="1200" baseline="0">
+                <a:solidFill>
+                  <a:srgbClr val="FFFFFF"/>
+                </a:solidFill>
+                <a:latin typeface="+mn-lt"/>
+                <a:ea typeface="+mn-ea"/>
+                <a:cs typeface="+mn-cs"/>
+              </a:defRPr>
+            </a:lvl8pPr>
+            <a:lvl9pPr marL="2148840" indent="-182880" algn="l" rtl="0" eaLnBrk="1" latinLnBrk="0" hangingPunct="1">
+              <a:spcBef>
+                <a:spcPts val="255"/>
+              </a:spcBef>
+              <a:buClr>
+                <a:schemeClr val="accent3">
+                  <a:tint val="85000"/>
+                  <a:satMod val="275000"/>
+                </a:schemeClr>
+              </a:buClr>
+              <a:buSzPct val="100000"/>
+              <a:buFont typeface="Wingdings 2"/>
+              <a:buChar char=""/>
+              <a:defRPr sz="1500" kern="1200">
+                <a:solidFill>
+                  <a:srgbClr val="FFFFFF"/>
+                </a:solidFill>
+                <a:latin typeface="+mn-lt"/>
+                <a:ea typeface="+mn-ea"/>
+                <a:cs typeface="+mn-cs"/>
+              </a:defRPr>
+            </a:lvl9pPr>
+          </a:lstStyle>
+          <a:p>
+            <a:endParaRPr lang="en-US" b="1" dirty="0"/>
+          </a:p>
+        </p:txBody>
+      </p:sp>
+      <p:sp>
+        <p:nvSpPr>
+          <p:cNvPr id="10" name="Rectangle 2">
+            <a:extLst>
+              <a:ext uri="{FF2B5EF4-FFF2-40B4-BE49-F238E27FC236}">
+                <a16:creationId xmlns:a16="http://schemas.microsoft.com/office/drawing/2014/main" id="{D2CC293E-7BF9-4E1F-8FC1-4974E3F803DE}"/>
+              </a:ext>
+            </a:extLst>
+          </p:cNvPr>
+          <p:cNvSpPr txBox="1">
+            <a:spLocks/>
+          </p:cNvSpPr>
+          <p:nvPr/>
+        </p:nvSpPr>
+        <p:spPr>
+          <a:xfrm>
+            <a:off x="476890" y="1900645"/>
+            <a:ext cx="8183880" cy="4192651"/>
+          </a:xfrm>
+          <a:prstGeom prst="rect">
+            <a:avLst/>
+          </a:prstGeom>
+        </p:spPr>
+        <p:txBody>
+          <a:bodyPr vert="horz" lIns="182880" tIns="91440">
+            <a:normAutofit fontScale="85000" lnSpcReduction="20000"/>
+          </a:bodyPr>
+          <a:lstStyle>
+            <a:lvl1pPr marL="0" indent="0" algn="l" rtl="0" eaLnBrk="1" latinLnBrk="0" hangingPunct="1">
+              <a:spcBef>
+                <a:spcPts val="250"/>
+              </a:spcBef>
+              <a:buClr>
+                <a:schemeClr val="accent1"/>
+              </a:buClr>
+              <a:buSzPct val="80000"/>
+              <a:buFont typeface="Wingdings 2"/>
+              <a:buNone/>
+              <a:defRPr sz="2000" kern="1200">
+                <a:solidFill>
+                  <a:schemeClr val="tx1"/>
+                </a:solidFill>
+                <a:effectLst/>
+                <a:latin typeface="+mn-lt"/>
+                <a:ea typeface="+mn-ea"/>
+                <a:cs typeface="+mn-cs"/>
+              </a:defRPr>
+            </a:lvl1pPr>
+            <a:lvl2pPr marL="347472" indent="0" algn="l" rtl="0" eaLnBrk="1" latinLnBrk="0" hangingPunct="1">
+              <a:spcBef>
+                <a:spcPts val="250"/>
+              </a:spcBef>
+              <a:buClr>
+                <a:schemeClr val="accent1"/>
+              </a:buClr>
+              <a:buSzPct val="100000"/>
+              <a:buFont typeface="Verdana"/>
+              <a:buNone/>
+              <a:defRPr sz="2400" kern="1200">
+                <a:solidFill>
+                  <a:schemeClr val="tx1"/>
+                </a:solidFill>
+                <a:latin typeface="+mn-lt"/>
+                <a:ea typeface="+mn-ea"/>
+                <a:cs typeface="+mn-cs"/>
+              </a:defRPr>
+            </a:lvl2pPr>
+            <a:lvl3pPr marL="603504" indent="0" algn="l" rtl="0" eaLnBrk="1" latinLnBrk="0" hangingPunct="1">
+              <a:spcBef>
+                <a:spcPts val="250"/>
+              </a:spcBef>
+              <a:buClr>
+                <a:schemeClr val="accent2">
+                  <a:tint val="85000"/>
+                  <a:satMod val="285000"/>
+                </a:schemeClr>
+              </a:buClr>
+              <a:buSzPct val="100000"/>
+              <a:buFont typeface="Wingdings 2"/>
+              <a:buNone/>
+              <a:defRPr sz="2200" kern="1200">
+                <a:solidFill>
+                  <a:schemeClr val="tx1"/>
+                </a:solidFill>
+                <a:latin typeface="+mn-lt"/>
+                <a:ea typeface="+mn-ea"/>
+                <a:cs typeface="+mn-cs"/>
+              </a:defRPr>
+            </a:lvl3pPr>
+            <a:lvl4pPr marL="841248" indent="0" algn="l" rtl="0" eaLnBrk="1" latinLnBrk="0" hangingPunct="1">
+              <a:spcBef>
+                <a:spcPts val="230"/>
+              </a:spcBef>
+              <a:buClr>
+                <a:schemeClr val="accent2">
+                  <a:tint val="85000"/>
+                  <a:satMod val="285000"/>
+                </a:schemeClr>
+              </a:buClr>
+              <a:buSzPct val="112000"/>
+              <a:buFont typeface="Verdana"/>
+              <a:buNone/>
+              <a:defRPr sz="1900" kern="1200">
+                <a:solidFill>
+                  <a:schemeClr val="tx1"/>
+                </a:solidFill>
+                <a:latin typeface="+mn-lt"/>
+                <a:ea typeface="+mn-ea"/>
+                <a:cs typeface="+mn-cs"/>
+              </a:defRPr>
+            </a:lvl4pPr>
+            <a:lvl5pPr marL="1097280" indent="0" algn="l" rtl="0" eaLnBrk="1" latinLnBrk="0" hangingPunct="1">
+              <a:spcBef>
+                <a:spcPts val="250"/>
+              </a:spcBef>
+              <a:buClr>
+                <a:schemeClr val="accent3">
+                  <a:tint val="85000"/>
+                  <a:satMod val="275000"/>
+                </a:schemeClr>
+              </a:buClr>
+              <a:buSzPct val="100000"/>
+              <a:buFont typeface="Wingdings 2"/>
+              <a:buNone/>
+              <a:defRPr sz="1800" kern="1200">
+                <a:solidFill>
+                  <a:schemeClr val="tx1"/>
+                </a:solidFill>
+                <a:latin typeface="+mn-lt"/>
+                <a:ea typeface="+mn-ea"/>
+                <a:cs typeface="+mn-cs"/>
+              </a:defRPr>
+            </a:lvl5pPr>
+            <a:lvl6pPr marL="1490472" indent="-182880" algn="l" rtl="0" eaLnBrk="1" latinLnBrk="0" hangingPunct="1">
+              <a:spcBef>
+                <a:spcPts val="250"/>
+              </a:spcBef>
+              <a:buClr>
+                <a:schemeClr val="accent3">
+                  <a:tint val="85000"/>
+                  <a:satMod val="275000"/>
+                </a:schemeClr>
+              </a:buClr>
+              <a:buSzPct val="100000"/>
+              <a:buFont typeface="Verdana"/>
+              <a:buChar char="◦"/>
+              <a:defRPr sz="1700" kern="1200" baseline="0">
+                <a:solidFill>
+                  <a:srgbClr val="FFFFFF"/>
+                </a:solidFill>
+                <a:latin typeface="+mn-lt"/>
+                <a:ea typeface="+mn-ea"/>
+                <a:cs typeface="+mn-cs"/>
+              </a:defRPr>
+            </a:lvl6pPr>
+            <a:lvl7pPr marL="1700784" indent="-182880" algn="l" rtl="0" eaLnBrk="1" latinLnBrk="0" hangingPunct="1">
+              <a:spcBef>
+                <a:spcPts val="255"/>
+              </a:spcBef>
+              <a:buClr>
+                <a:schemeClr val="accent3">
+                  <a:tint val="85000"/>
+                  <a:satMod val="275000"/>
+                </a:schemeClr>
+              </a:buClr>
+              <a:buSzPct val="100000"/>
+              <a:buFont typeface="Wingdings 2"/>
+              <a:buChar char=""/>
+              <a:defRPr sz="1500" kern="1200">
+                <a:solidFill>
+                  <a:srgbClr val="FFFFFF"/>
+                </a:solidFill>
+                <a:latin typeface="+mn-lt"/>
+                <a:ea typeface="+mn-ea"/>
+                <a:cs typeface="+mn-cs"/>
+              </a:defRPr>
+            </a:lvl7pPr>
+            <a:lvl8pPr marL="1920240" indent="-182880" algn="l" rtl="0" eaLnBrk="1" latinLnBrk="0" hangingPunct="1">
+              <a:spcBef>
+                <a:spcPts val="257"/>
+              </a:spcBef>
+              <a:buClr>
+                <a:schemeClr val="accent3">
+                  <a:tint val="85000"/>
+                  <a:satMod val="275000"/>
+                </a:schemeClr>
+              </a:buClr>
+              <a:buSzPct val="100000"/>
+              <a:buFont typeface="Verdana"/>
+              <a:buChar char="◦"/>
+              <a:defRPr sz="1500" kern="1200" baseline="0">
+                <a:solidFill>
+                  <a:srgbClr val="FFFFFF"/>
+                </a:solidFill>
+                <a:latin typeface="+mn-lt"/>
+                <a:ea typeface="+mn-ea"/>
+                <a:cs typeface="+mn-cs"/>
+              </a:defRPr>
+            </a:lvl8pPr>
+            <a:lvl9pPr marL="2148840" indent="-182880" algn="l" rtl="0" eaLnBrk="1" latinLnBrk="0" hangingPunct="1">
+              <a:spcBef>
+                <a:spcPts val="255"/>
+              </a:spcBef>
+              <a:buClr>
+                <a:schemeClr val="accent3">
+                  <a:tint val="85000"/>
+                  <a:satMod val="275000"/>
+                </a:schemeClr>
+              </a:buClr>
+              <a:buSzPct val="100000"/>
+              <a:buFont typeface="Wingdings 2"/>
+              <a:buChar char=""/>
+              <a:defRPr sz="1500" kern="1200">
+                <a:solidFill>
+                  <a:srgbClr val="FFFFFF"/>
+                </a:solidFill>
+                <a:latin typeface="+mn-lt"/>
+                <a:ea typeface="+mn-ea"/>
+                <a:cs typeface="+mn-cs"/>
+              </a:defRPr>
+            </a:lvl9pPr>
+          </a:lstStyle>
+          <a:p>
+            <a:pPr marL="457200" indent="-457200">
+              <a:buFont typeface="Wingdings" panose="05000000000000000000" pitchFamily="2" charset="2"/>
+              <a:buChar char="q"/>
+            </a:pPr>
+            <a:r>
+              <a:rPr lang="en-US" dirty="0"/>
+              <a:t>when components are implemented as a content picker (or nested content)</a:t>
+            </a:r>
+          </a:p>
+          <a:p>
+            <a:pPr marL="804672" lvl="1" indent="-457200">
+              <a:buFont typeface="Verdana" panose="020B0604030504040204" pitchFamily="34" charset="0"/>
+              <a:buChar char="×"/>
+            </a:pPr>
+            <a:r>
+              <a:rPr lang="en-US" sz="1900" dirty="0"/>
+              <a:t>editors can change the order of its display but cannot change rendering without converting or creating a new content</a:t>
+            </a:r>
+          </a:p>
+          <a:p>
+            <a:pPr marL="457200" indent="-457200">
+              <a:buFont typeface="+mj-lt"/>
+              <a:buAutoNum type="arabicPeriod"/>
+            </a:pPr>
+            <a:endParaRPr lang="en-US" dirty="0"/>
+          </a:p>
+          <a:p>
+            <a:pPr marL="690372" lvl="1" indent="-342900">
+              <a:buFont typeface="Wingdings" panose="05000000000000000000" pitchFamily="2" charset="2"/>
+              <a:buChar char="v"/>
+            </a:pPr>
+            <a:r>
+              <a:rPr lang="en-US" dirty="0"/>
+              <a:t>Home (page) </a:t>
+            </a:r>
+          </a:p>
+          <a:p>
+            <a:pPr marL="946404" lvl="2" indent="-342900">
+              <a:buFont typeface="Wingdings" panose="05000000000000000000" pitchFamily="2" charset="2"/>
+              <a:buChar char="v"/>
+            </a:pPr>
+            <a:r>
+              <a:rPr lang="en-US" dirty="0"/>
+              <a:t>Ticket Info (content picker)</a:t>
+            </a:r>
+          </a:p>
+          <a:p>
+            <a:pPr marL="1440180" lvl="4" indent="-342900">
+              <a:buFont typeface="Wingdings" panose="05000000000000000000" pitchFamily="2" charset="2"/>
+              <a:buChar char="Ø"/>
+            </a:pPr>
+            <a:r>
+              <a:rPr lang="en-US" dirty="0"/>
+              <a:t>Text and Image – Left (points to page id 100)</a:t>
+            </a:r>
+          </a:p>
+          <a:p>
+            <a:pPr marL="1440180" lvl="4" indent="-342900">
+              <a:buFont typeface="Wingdings" panose="05000000000000000000" pitchFamily="2" charset="2"/>
+              <a:buChar char="Ø"/>
+            </a:pPr>
+            <a:r>
+              <a:rPr lang="en-US" dirty="0"/>
+              <a:t>Text Block (points to page id 101)</a:t>
+            </a:r>
+          </a:p>
+          <a:p>
+            <a:pPr lvl="1"/>
+            <a:endParaRPr lang="en-US" dirty="0"/>
+          </a:p>
+          <a:p>
+            <a:pPr marL="690372" lvl="1" indent="-342900">
+              <a:buFont typeface="Wingdings" panose="05000000000000000000" pitchFamily="2" charset="2"/>
+              <a:buChar char="v"/>
+            </a:pPr>
+            <a:r>
+              <a:rPr lang="en-US" dirty="0"/>
+              <a:t>Home (template) </a:t>
+            </a:r>
+          </a:p>
+          <a:p>
+            <a:pPr marL="946404" lvl="2" indent="-342900">
+              <a:buFont typeface="Wingdings" panose="05000000000000000000" pitchFamily="2" charset="2"/>
+              <a:buChar char="v"/>
+            </a:pPr>
+            <a:r>
+              <a:rPr lang="en-US" dirty="0"/>
+              <a:t>If doc type = text and image left =&gt; render partial </a:t>
+            </a:r>
+            <a:r>
+              <a:rPr lang="en-US" dirty="0" err="1"/>
+              <a:t>ImageTextLeft</a:t>
+            </a:r>
+            <a:endParaRPr lang="en-US" dirty="0"/>
+          </a:p>
+          <a:p>
+            <a:pPr marL="946404" lvl="2" indent="-342900">
+              <a:buFont typeface="Wingdings" panose="05000000000000000000" pitchFamily="2" charset="2"/>
+              <a:buChar char="v"/>
+            </a:pPr>
+            <a:endParaRPr lang="en-US" dirty="0"/>
+          </a:p>
+          <a:p>
+            <a:pPr marL="690372" lvl="1" indent="-342900">
               <a:buFont typeface="Arial" panose="020B0604020202020204" pitchFamily="34" charset="0"/>
               <a:buChar char="•"/>
             </a:pPr>
             <a:r>
               <a:rPr lang="en-US" dirty="0"/>
-              <a:t>Is not another framework</a:t>
-            </a:r>
-          </a:p>
-          <a:p>
-            <a:pPr marL="285750" indent="-285750">
-              <a:buFont typeface="Arial" panose="020B0604020202020204" pitchFamily="34" charset="0"/>
-              <a:buChar char="•"/>
-            </a:pPr>
-            <a:r>
-              <a:rPr lang="en-US" dirty="0"/>
-              <a:t>Does not affect existing codes</a:t>
-            </a:r>
-          </a:p>
-          <a:p>
-            <a:pPr marL="285750" indent="-285750">
-              <a:buFont typeface="Arial" panose="020B0604020202020204" pitchFamily="34" charset="0"/>
-              <a:buChar char="•"/>
-            </a:pPr>
-            <a:r>
-              <a:rPr lang="en-US" dirty="0"/>
-              <a:t>Can be used at any starter kit</a:t>
-            </a:r>
-          </a:p>
-          <a:p>
-            <a:pPr marL="285750" indent="-285750">
-              <a:buFont typeface="Arial" panose="020B0604020202020204" pitchFamily="34" charset="0"/>
-              <a:buChar char="•"/>
-            </a:pPr>
-            <a:r>
-              <a:rPr lang="en-US" dirty="0"/>
-              <a:t>Can be used to create a starter kit</a:t>
-            </a:r>
-          </a:p>
-          <a:p>
-            <a:pPr marL="285750" indent="-285750">
-              <a:buFont typeface="Arial" panose="020B0604020202020204" pitchFamily="34" charset="0"/>
-              <a:buChar char="•"/>
-            </a:pPr>
-            <a:r>
-              <a:rPr lang="en-US" dirty="0"/>
-              <a:t>Can be used to create a “module” and install on multiple projects</a:t>
-            </a:r>
-          </a:p>
-          <a:p>
-            <a:pPr marL="285750" indent="-285750">
-              <a:buFont typeface="Arial" panose="020B0604020202020204" pitchFamily="34" charset="0"/>
-              <a:buChar char="•"/>
-            </a:pPr>
-            <a:r>
-              <a:rPr lang="en-US" dirty="0"/>
-              <a:t>Enforce consistency on structure</a:t>
-            </a:r>
-          </a:p>
-          <a:p>
-            <a:pPr marL="285750" indent="-285750">
-              <a:buFont typeface="Arial" panose="020B0604020202020204" pitchFamily="34" charset="0"/>
-              <a:buChar char="•"/>
-            </a:pPr>
-            <a:r>
-              <a:rPr lang="en-US" dirty="0"/>
-              <a:t>Easy to add, remove, update or debug a feature</a:t>
-            </a:r>
-          </a:p>
-          <a:p>
-            <a:pPr marL="285750" indent="-285750">
-              <a:buFont typeface="Arial" panose="020B0604020202020204" pitchFamily="34" charset="0"/>
-              <a:buChar char="•"/>
-            </a:pPr>
-            <a:r>
-              <a:rPr lang="en-US" dirty="0"/>
-              <a:t>Works with out-of-the-box Umbraco</a:t>
-            </a:r>
-          </a:p>
-          <a:p>
-            <a:pPr marL="285750" indent="-285750">
-              <a:buFont typeface="Arial" panose="020B0604020202020204" pitchFamily="34" charset="0"/>
-              <a:buChar char="•"/>
-            </a:pPr>
-            <a:r>
-              <a:rPr lang="en-US" dirty="0"/>
-              <a:t>Compatible with Umbraco’s Model Builder or POCOs</a:t>
-            </a:r>
-            <a:br>
-              <a:rPr lang="en-US" dirty="0"/>
-            </a:br>
+              <a:t>To change display to right, editors need to create a new content with Text and Image Right</a:t>
+            </a:r>
+          </a:p>
+          <a:p>
+            <a:pPr lvl="1"/>
             <a:endParaRPr lang="en-US" dirty="0"/>
           </a:p>
         </p:txBody>
       </p:sp>
     </p:spTree>
+    <p:extLst>
+      <p:ext uri="{BB962C8B-B14F-4D97-AF65-F5344CB8AC3E}">
+        <p14:creationId xmlns:p14="http://schemas.microsoft.com/office/powerpoint/2010/main" val="1252768560"/>
+      </p:ext>
+    </p:extLst>
   </p:cSld>
   <p:clrMapOvr>
     <a:masterClrMapping/>
@@ -11154,471 +13686,7 @@
           <a:p>
             <a:r>
               <a:rPr lang="en-US" dirty="0"/>
-              <a:t>Goal</a:t>
-            </a:r>
-          </a:p>
-        </p:txBody>
-      </p:sp>
-      <p:sp>
-        <p:nvSpPr>
-          <p:cNvPr id="6" name="Rectangle 2">
-            <a:extLst>
-              <a:ext uri="{FF2B5EF4-FFF2-40B4-BE49-F238E27FC236}">
-                <a16:creationId xmlns:a16="http://schemas.microsoft.com/office/drawing/2014/main" id="{A211BC02-1A61-47A7-A96A-FBC95371C25B}"/>
-              </a:ext>
-            </a:extLst>
-          </p:cNvPr>
-          <p:cNvSpPr txBox="1">
-            <a:spLocks/>
-          </p:cNvSpPr>
-          <p:nvPr/>
-        </p:nvSpPr>
-        <p:spPr>
-          <a:xfrm>
-            <a:off x="363275" y="3989709"/>
-            <a:ext cx="7669162" cy="692088"/>
-          </a:xfrm>
-          <a:prstGeom prst="rect">
-            <a:avLst/>
-          </a:prstGeom>
-        </p:spPr>
-        <p:txBody>
-          <a:bodyPr vert="horz" lIns="182880" tIns="91440">
-            <a:normAutofit lnSpcReduction="10000"/>
-          </a:bodyPr>
-          <a:lstStyle>
-            <a:lvl1pPr marL="0" indent="0" algn="l" rtl="0" eaLnBrk="1" latinLnBrk="0" hangingPunct="1">
-              <a:spcBef>
-                <a:spcPts val="250"/>
-              </a:spcBef>
-              <a:buClr>
-                <a:schemeClr val="accent1"/>
-              </a:buClr>
-              <a:buSzPct val="80000"/>
-              <a:buFont typeface="Wingdings 2"/>
-              <a:buNone/>
-              <a:defRPr sz="2000" kern="1200">
-                <a:solidFill>
-                  <a:schemeClr val="tx1"/>
-                </a:solidFill>
-                <a:effectLst/>
-                <a:latin typeface="+mn-lt"/>
-                <a:ea typeface="+mn-ea"/>
-                <a:cs typeface="+mn-cs"/>
-              </a:defRPr>
-            </a:lvl1pPr>
-            <a:lvl2pPr marL="347472" indent="0" algn="l" rtl="0" eaLnBrk="1" latinLnBrk="0" hangingPunct="1">
-              <a:spcBef>
-                <a:spcPts val="250"/>
-              </a:spcBef>
-              <a:buClr>
-                <a:schemeClr val="accent1"/>
-              </a:buClr>
-              <a:buSzPct val="100000"/>
-              <a:buFont typeface="Verdana"/>
-              <a:buNone/>
-              <a:defRPr sz="2400" kern="1200">
-                <a:solidFill>
-                  <a:schemeClr val="tx1"/>
-                </a:solidFill>
-                <a:latin typeface="+mn-lt"/>
-                <a:ea typeface="+mn-ea"/>
-                <a:cs typeface="+mn-cs"/>
-              </a:defRPr>
-            </a:lvl2pPr>
-            <a:lvl3pPr marL="603504" indent="0" algn="l" rtl="0" eaLnBrk="1" latinLnBrk="0" hangingPunct="1">
-              <a:spcBef>
-                <a:spcPts val="250"/>
-              </a:spcBef>
-              <a:buClr>
-                <a:schemeClr val="accent2">
-                  <a:tint val="85000"/>
-                  <a:satMod val="285000"/>
-                </a:schemeClr>
-              </a:buClr>
-              <a:buSzPct val="100000"/>
-              <a:buFont typeface="Wingdings 2"/>
-              <a:buNone/>
-              <a:defRPr sz="2200" kern="1200">
-                <a:solidFill>
-                  <a:schemeClr val="tx1"/>
-                </a:solidFill>
-                <a:latin typeface="+mn-lt"/>
-                <a:ea typeface="+mn-ea"/>
-                <a:cs typeface="+mn-cs"/>
-              </a:defRPr>
-            </a:lvl3pPr>
-            <a:lvl4pPr marL="841248" indent="0" algn="l" rtl="0" eaLnBrk="1" latinLnBrk="0" hangingPunct="1">
-              <a:spcBef>
-                <a:spcPts val="230"/>
-              </a:spcBef>
-              <a:buClr>
-                <a:schemeClr val="accent2">
-                  <a:tint val="85000"/>
-                  <a:satMod val="285000"/>
-                </a:schemeClr>
-              </a:buClr>
-              <a:buSzPct val="112000"/>
-              <a:buFont typeface="Verdana"/>
-              <a:buNone/>
-              <a:defRPr sz="1900" kern="1200">
-                <a:solidFill>
-                  <a:schemeClr val="tx1"/>
-                </a:solidFill>
-                <a:latin typeface="+mn-lt"/>
-                <a:ea typeface="+mn-ea"/>
-                <a:cs typeface="+mn-cs"/>
-              </a:defRPr>
-            </a:lvl4pPr>
-            <a:lvl5pPr marL="1097280" indent="0" algn="l" rtl="0" eaLnBrk="1" latinLnBrk="0" hangingPunct="1">
-              <a:spcBef>
-                <a:spcPts val="250"/>
-              </a:spcBef>
-              <a:buClr>
-                <a:schemeClr val="accent3">
-                  <a:tint val="85000"/>
-                  <a:satMod val="275000"/>
-                </a:schemeClr>
-              </a:buClr>
-              <a:buSzPct val="100000"/>
-              <a:buFont typeface="Wingdings 2"/>
-              <a:buNone/>
-              <a:defRPr sz="1800" kern="1200">
-                <a:solidFill>
-                  <a:schemeClr val="tx1"/>
-                </a:solidFill>
-                <a:latin typeface="+mn-lt"/>
-                <a:ea typeface="+mn-ea"/>
-                <a:cs typeface="+mn-cs"/>
-              </a:defRPr>
-            </a:lvl5pPr>
-            <a:lvl6pPr marL="1490472" indent="-182880" algn="l" rtl="0" eaLnBrk="1" latinLnBrk="0" hangingPunct="1">
-              <a:spcBef>
-                <a:spcPts val="250"/>
-              </a:spcBef>
-              <a:buClr>
-                <a:schemeClr val="accent3">
-                  <a:tint val="85000"/>
-                  <a:satMod val="275000"/>
-                </a:schemeClr>
-              </a:buClr>
-              <a:buSzPct val="100000"/>
-              <a:buFont typeface="Verdana"/>
-              <a:buChar char="◦"/>
-              <a:defRPr sz="1700" kern="1200" baseline="0">
-                <a:solidFill>
-                  <a:srgbClr val="FFFFFF"/>
-                </a:solidFill>
-                <a:latin typeface="+mn-lt"/>
-                <a:ea typeface="+mn-ea"/>
-                <a:cs typeface="+mn-cs"/>
-              </a:defRPr>
-            </a:lvl6pPr>
-            <a:lvl7pPr marL="1700784" indent="-182880" algn="l" rtl="0" eaLnBrk="1" latinLnBrk="0" hangingPunct="1">
-              <a:spcBef>
-                <a:spcPts val="255"/>
-              </a:spcBef>
-              <a:buClr>
-                <a:schemeClr val="accent3">
-                  <a:tint val="85000"/>
-                  <a:satMod val="275000"/>
-                </a:schemeClr>
-              </a:buClr>
-              <a:buSzPct val="100000"/>
-              <a:buFont typeface="Wingdings 2"/>
-              <a:buChar char=""/>
-              <a:defRPr sz="1500" kern="1200">
-                <a:solidFill>
-                  <a:srgbClr val="FFFFFF"/>
-                </a:solidFill>
-                <a:latin typeface="+mn-lt"/>
-                <a:ea typeface="+mn-ea"/>
-                <a:cs typeface="+mn-cs"/>
-              </a:defRPr>
-            </a:lvl7pPr>
-            <a:lvl8pPr marL="1920240" indent="-182880" algn="l" rtl="0" eaLnBrk="1" latinLnBrk="0" hangingPunct="1">
-              <a:spcBef>
-                <a:spcPts val="257"/>
-              </a:spcBef>
-              <a:buClr>
-                <a:schemeClr val="accent3">
-                  <a:tint val="85000"/>
-                  <a:satMod val="275000"/>
-                </a:schemeClr>
-              </a:buClr>
-              <a:buSzPct val="100000"/>
-              <a:buFont typeface="Verdana"/>
-              <a:buChar char="◦"/>
-              <a:defRPr sz="1500" kern="1200" baseline="0">
-                <a:solidFill>
-                  <a:srgbClr val="FFFFFF"/>
-                </a:solidFill>
-                <a:latin typeface="+mn-lt"/>
-                <a:ea typeface="+mn-ea"/>
-                <a:cs typeface="+mn-cs"/>
-              </a:defRPr>
-            </a:lvl8pPr>
-            <a:lvl9pPr marL="2148840" indent="-182880" algn="l" rtl="0" eaLnBrk="1" latinLnBrk="0" hangingPunct="1">
-              <a:spcBef>
-                <a:spcPts val="255"/>
-              </a:spcBef>
-              <a:buClr>
-                <a:schemeClr val="accent3">
-                  <a:tint val="85000"/>
-                  <a:satMod val="275000"/>
-                </a:schemeClr>
-              </a:buClr>
-              <a:buSzPct val="100000"/>
-              <a:buFont typeface="Wingdings 2"/>
-              <a:buChar char=""/>
-              <a:defRPr sz="1500" kern="1200">
-                <a:solidFill>
-                  <a:srgbClr val="FFFFFF"/>
-                </a:solidFill>
-                <a:latin typeface="+mn-lt"/>
-                <a:ea typeface="+mn-ea"/>
-                <a:cs typeface="+mn-cs"/>
-              </a:defRPr>
-            </a:lvl9pPr>
-          </a:lstStyle>
-          <a:p>
-            <a:pPr marL="342900" indent="-342900">
-              <a:buFont typeface="Wingdings" panose="05000000000000000000" pitchFamily="2" charset="2"/>
-              <a:buChar char="ü"/>
-            </a:pPr>
-            <a:r>
-              <a:rPr lang="en-US" dirty="0"/>
-              <a:t>editors should be able to apply different renderings on a particular component within or across pages</a:t>
-            </a:r>
-          </a:p>
-        </p:txBody>
-      </p:sp>
-      <p:sp>
-        <p:nvSpPr>
-          <p:cNvPr id="7" name="Rectangle 2">
-            <a:extLst>
-              <a:ext uri="{FF2B5EF4-FFF2-40B4-BE49-F238E27FC236}">
-                <a16:creationId xmlns:a16="http://schemas.microsoft.com/office/drawing/2014/main" id="{6AE24318-E416-42A4-9B84-705C67568B9F}"/>
-              </a:ext>
-            </a:extLst>
-          </p:cNvPr>
-          <p:cNvSpPr txBox="1">
-            <a:spLocks/>
-          </p:cNvSpPr>
-          <p:nvPr/>
-        </p:nvSpPr>
-        <p:spPr>
-          <a:xfrm>
-            <a:off x="251520" y="3618086"/>
-            <a:ext cx="7669162" cy="429514"/>
-          </a:xfrm>
-          <a:prstGeom prst="rect">
-            <a:avLst/>
-          </a:prstGeom>
-        </p:spPr>
-        <p:txBody>
-          <a:bodyPr vert="horz" lIns="182880" tIns="91440">
-            <a:normAutofit lnSpcReduction="10000"/>
-          </a:bodyPr>
-          <a:lstStyle>
-            <a:lvl1pPr marL="0" indent="0" algn="l" rtl="0" eaLnBrk="1" latinLnBrk="0" hangingPunct="1">
-              <a:spcBef>
-                <a:spcPts val="250"/>
-              </a:spcBef>
-              <a:buClr>
-                <a:schemeClr val="accent1"/>
-              </a:buClr>
-              <a:buSzPct val="80000"/>
-              <a:buFont typeface="Wingdings 2"/>
-              <a:buNone/>
-              <a:defRPr sz="2000" kern="1200">
-                <a:solidFill>
-                  <a:schemeClr val="tx1"/>
-                </a:solidFill>
-                <a:effectLst/>
-                <a:latin typeface="+mn-lt"/>
-                <a:ea typeface="+mn-ea"/>
-                <a:cs typeface="+mn-cs"/>
-              </a:defRPr>
-            </a:lvl1pPr>
-            <a:lvl2pPr marL="347472" indent="0" algn="l" rtl="0" eaLnBrk="1" latinLnBrk="0" hangingPunct="1">
-              <a:spcBef>
-                <a:spcPts val="250"/>
-              </a:spcBef>
-              <a:buClr>
-                <a:schemeClr val="accent1"/>
-              </a:buClr>
-              <a:buSzPct val="100000"/>
-              <a:buFont typeface="Verdana"/>
-              <a:buNone/>
-              <a:defRPr sz="2400" kern="1200">
-                <a:solidFill>
-                  <a:schemeClr val="tx1"/>
-                </a:solidFill>
-                <a:latin typeface="+mn-lt"/>
-                <a:ea typeface="+mn-ea"/>
-                <a:cs typeface="+mn-cs"/>
-              </a:defRPr>
-            </a:lvl2pPr>
-            <a:lvl3pPr marL="603504" indent="0" algn="l" rtl="0" eaLnBrk="1" latinLnBrk="0" hangingPunct="1">
-              <a:spcBef>
-                <a:spcPts val="250"/>
-              </a:spcBef>
-              <a:buClr>
-                <a:schemeClr val="accent2">
-                  <a:tint val="85000"/>
-                  <a:satMod val="285000"/>
-                </a:schemeClr>
-              </a:buClr>
-              <a:buSzPct val="100000"/>
-              <a:buFont typeface="Wingdings 2"/>
-              <a:buNone/>
-              <a:defRPr sz="2200" kern="1200">
-                <a:solidFill>
-                  <a:schemeClr val="tx1"/>
-                </a:solidFill>
-                <a:latin typeface="+mn-lt"/>
-                <a:ea typeface="+mn-ea"/>
-                <a:cs typeface="+mn-cs"/>
-              </a:defRPr>
-            </a:lvl3pPr>
-            <a:lvl4pPr marL="841248" indent="0" algn="l" rtl="0" eaLnBrk="1" latinLnBrk="0" hangingPunct="1">
-              <a:spcBef>
-                <a:spcPts val="230"/>
-              </a:spcBef>
-              <a:buClr>
-                <a:schemeClr val="accent2">
-                  <a:tint val="85000"/>
-                  <a:satMod val="285000"/>
-                </a:schemeClr>
-              </a:buClr>
-              <a:buSzPct val="112000"/>
-              <a:buFont typeface="Verdana"/>
-              <a:buNone/>
-              <a:defRPr sz="1900" kern="1200">
-                <a:solidFill>
-                  <a:schemeClr val="tx1"/>
-                </a:solidFill>
-                <a:latin typeface="+mn-lt"/>
-                <a:ea typeface="+mn-ea"/>
-                <a:cs typeface="+mn-cs"/>
-              </a:defRPr>
-            </a:lvl4pPr>
-            <a:lvl5pPr marL="1097280" indent="0" algn="l" rtl="0" eaLnBrk="1" latinLnBrk="0" hangingPunct="1">
-              <a:spcBef>
-                <a:spcPts val="250"/>
-              </a:spcBef>
-              <a:buClr>
-                <a:schemeClr val="accent3">
-                  <a:tint val="85000"/>
-                  <a:satMod val="275000"/>
-                </a:schemeClr>
-              </a:buClr>
-              <a:buSzPct val="100000"/>
-              <a:buFont typeface="Wingdings 2"/>
-              <a:buNone/>
-              <a:defRPr sz="1800" kern="1200">
-                <a:solidFill>
-                  <a:schemeClr val="tx1"/>
-                </a:solidFill>
-                <a:latin typeface="+mn-lt"/>
-                <a:ea typeface="+mn-ea"/>
-                <a:cs typeface="+mn-cs"/>
-              </a:defRPr>
-            </a:lvl5pPr>
-            <a:lvl6pPr marL="1490472" indent="-182880" algn="l" rtl="0" eaLnBrk="1" latinLnBrk="0" hangingPunct="1">
-              <a:spcBef>
-                <a:spcPts val="250"/>
-              </a:spcBef>
-              <a:buClr>
-                <a:schemeClr val="accent3">
-                  <a:tint val="85000"/>
-                  <a:satMod val="275000"/>
-                </a:schemeClr>
-              </a:buClr>
-              <a:buSzPct val="100000"/>
-              <a:buFont typeface="Verdana"/>
-              <a:buChar char="◦"/>
-              <a:defRPr sz="1700" kern="1200" baseline="0">
-                <a:solidFill>
-                  <a:srgbClr val="FFFFFF"/>
-                </a:solidFill>
-                <a:latin typeface="+mn-lt"/>
-                <a:ea typeface="+mn-ea"/>
-                <a:cs typeface="+mn-cs"/>
-              </a:defRPr>
-            </a:lvl6pPr>
-            <a:lvl7pPr marL="1700784" indent="-182880" algn="l" rtl="0" eaLnBrk="1" latinLnBrk="0" hangingPunct="1">
-              <a:spcBef>
-                <a:spcPts val="255"/>
-              </a:spcBef>
-              <a:buClr>
-                <a:schemeClr val="accent3">
-                  <a:tint val="85000"/>
-                  <a:satMod val="275000"/>
-                </a:schemeClr>
-              </a:buClr>
-              <a:buSzPct val="100000"/>
-              <a:buFont typeface="Wingdings 2"/>
-              <a:buChar char=""/>
-              <a:defRPr sz="1500" kern="1200">
-                <a:solidFill>
-                  <a:srgbClr val="FFFFFF"/>
-                </a:solidFill>
-                <a:latin typeface="+mn-lt"/>
-                <a:ea typeface="+mn-ea"/>
-                <a:cs typeface="+mn-cs"/>
-              </a:defRPr>
-            </a:lvl7pPr>
-            <a:lvl8pPr marL="1920240" indent="-182880" algn="l" rtl="0" eaLnBrk="1" latinLnBrk="0" hangingPunct="1">
-              <a:spcBef>
-                <a:spcPts val="257"/>
-              </a:spcBef>
-              <a:buClr>
-                <a:schemeClr val="accent3">
-                  <a:tint val="85000"/>
-                  <a:satMod val="275000"/>
-                </a:schemeClr>
-              </a:buClr>
-              <a:buSzPct val="100000"/>
-              <a:buFont typeface="Verdana"/>
-              <a:buChar char="◦"/>
-              <a:defRPr sz="1500" kern="1200" baseline="0">
-                <a:solidFill>
-                  <a:srgbClr val="FFFFFF"/>
-                </a:solidFill>
-                <a:latin typeface="+mn-lt"/>
-                <a:ea typeface="+mn-ea"/>
-                <a:cs typeface="+mn-cs"/>
-              </a:defRPr>
-            </a:lvl8pPr>
-            <a:lvl9pPr marL="2148840" indent="-182880" algn="l" rtl="0" eaLnBrk="1" latinLnBrk="0" hangingPunct="1">
-              <a:spcBef>
-                <a:spcPts val="255"/>
-              </a:spcBef>
-              <a:buClr>
-                <a:schemeClr val="accent3">
-                  <a:tint val="85000"/>
-                  <a:satMod val="275000"/>
-                </a:schemeClr>
-              </a:buClr>
-              <a:buSzPct val="100000"/>
-              <a:buFont typeface="Wingdings 2"/>
-              <a:buChar char=""/>
-              <a:defRPr sz="1500" kern="1200">
-                <a:solidFill>
-                  <a:srgbClr val="FFFFFF"/>
-                </a:solidFill>
-                <a:latin typeface="+mn-lt"/>
-                <a:ea typeface="+mn-ea"/>
-                <a:cs typeface="+mn-cs"/>
-              </a:defRPr>
-            </a:lvl9pPr>
-          </a:lstStyle>
-          <a:p>
-            <a:r>
-              <a:rPr lang="en-US" b="1" dirty="0"/>
-              <a:t>Flexibility</a:t>
+              <a:t>Challenges</a:t>
             </a:r>
           </a:p>
         </p:txBody>
@@ -11639,8 +13707,8 @@
         </p:nvSpPr>
         <p:spPr>
           <a:xfrm>
-            <a:off x="395536" y="2158986"/>
-            <a:ext cx="7669162" cy="1459099"/>
+            <a:off x="476890" y="1700808"/>
+            <a:ext cx="8183880" cy="4824536"/>
           </a:xfrm>
           <a:prstGeom prst="rect">
             <a:avLst/>
@@ -11648,714 +13716,6 @@
         </p:spPr>
         <p:txBody>
           <a:bodyPr vert="horz" lIns="182880" tIns="91440">
-            <a:normAutofit fontScale="92500"/>
-          </a:bodyPr>
-          <a:lstStyle>
-            <a:lvl1pPr marL="0" indent="0" algn="l" rtl="0" eaLnBrk="1" latinLnBrk="0" hangingPunct="1">
-              <a:spcBef>
-                <a:spcPts val="250"/>
-              </a:spcBef>
-              <a:buClr>
-                <a:schemeClr val="accent1"/>
-              </a:buClr>
-              <a:buSzPct val="80000"/>
-              <a:buFont typeface="Wingdings 2"/>
-              <a:buNone/>
-              <a:defRPr sz="2000" kern="1200">
-                <a:solidFill>
-                  <a:schemeClr val="tx1"/>
-                </a:solidFill>
-                <a:effectLst/>
-                <a:latin typeface="+mn-lt"/>
-                <a:ea typeface="+mn-ea"/>
-                <a:cs typeface="+mn-cs"/>
-              </a:defRPr>
-            </a:lvl1pPr>
-            <a:lvl2pPr marL="347472" indent="0" algn="l" rtl="0" eaLnBrk="1" latinLnBrk="0" hangingPunct="1">
-              <a:spcBef>
-                <a:spcPts val="250"/>
-              </a:spcBef>
-              <a:buClr>
-                <a:schemeClr val="accent1"/>
-              </a:buClr>
-              <a:buSzPct val="100000"/>
-              <a:buFont typeface="Verdana"/>
-              <a:buNone/>
-              <a:defRPr sz="2400" kern="1200">
-                <a:solidFill>
-                  <a:schemeClr val="tx1"/>
-                </a:solidFill>
-                <a:latin typeface="+mn-lt"/>
-                <a:ea typeface="+mn-ea"/>
-                <a:cs typeface="+mn-cs"/>
-              </a:defRPr>
-            </a:lvl2pPr>
-            <a:lvl3pPr marL="603504" indent="0" algn="l" rtl="0" eaLnBrk="1" latinLnBrk="0" hangingPunct="1">
-              <a:spcBef>
-                <a:spcPts val="250"/>
-              </a:spcBef>
-              <a:buClr>
-                <a:schemeClr val="accent2">
-                  <a:tint val="85000"/>
-                  <a:satMod val="285000"/>
-                </a:schemeClr>
-              </a:buClr>
-              <a:buSzPct val="100000"/>
-              <a:buFont typeface="Wingdings 2"/>
-              <a:buNone/>
-              <a:defRPr sz="2200" kern="1200">
-                <a:solidFill>
-                  <a:schemeClr val="tx1"/>
-                </a:solidFill>
-                <a:latin typeface="+mn-lt"/>
-                <a:ea typeface="+mn-ea"/>
-                <a:cs typeface="+mn-cs"/>
-              </a:defRPr>
-            </a:lvl3pPr>
-            <a:lvl4pPr marL="841248" indent="0" algn="l" rtl="0" eaLnBrk="1" latinLnBrk="0" hangingPunct="1">
-              <a:spcBef>
-                <a:spcPts val="230"/>
-              </a:spcBef>
-              <a:buClr>
-                <a:schemeClr val="accent2">
-                  <a:tint val="85000"/>
-                  <a:satMod val="285000"/>
-                </a:schemeClr>
-              </a:buClr>
-              <a:buSzPct val="112000"/>
-              <a:buFont typeface="Verdana"/>
-              <a:buNone/>
-              <a:defRPr sz="1900" kern="1200">
-                <a:solidFill>
-                  <a:schemeClr val="tx1"/>
-                </a:solidFill>
-                <a:latin typeface="+mn-lt"/>
-                <a:ea typeface="+mn-ea"/>
-                <a:cs typeface="+mn-cs"/>
-              </a:defRPr>
-            </a:lvl4pPr>
-            <a:lvl5pPr marL="1097280" indent="0" algn="l" rtl="0" eaLnBrk="1" latinLnBrk="0" hangingPunct="1">
-              <a:spcBef>
-                <a:spcPts val="250"/>
-              </a:spcBef>
-              <a:buClr>
-                <a:schemeClr val="accent3">
-                  <a:tint val="85000"/>
-                  <a:satMod val="275000"/>
-                </a:schemeClr>
-              </a:buClr>
-              <a:buSzPct val="100000"/>
-              <a:buFont typeface="Wingdings 2"/>
-              <a:buNone/>
-              <a:defRPr sz="1800" kern="1200">
-                <a:solidFill>
-                  <a:schemeClr val="tx1"/>
-                </a:solidFill>
-                <a:latin typeface="+mn-lt"/>
-                <a:ea typeface="+mn-ea"/>
-                <a:cs typeface="+mn-cs"/>
-              </a:defRPr>
-            </a:lvl5pPr>
-            <a:lvl6pPr marL="1490472" indent="-182880" algn="l" rtl="0" eaLnBrk="1" latinLnBrk="0" hangingPunct="1">
-              <a:spcBef>
-                <a:spcPts val="250"/>
-              </a:spcBef>
-              <a:buClr>
-                <a:schemeClr val="accent3">
-                  <a:tint val="85000"/>
-                  <a:satMod val="275000"/>
-                </a:schemeClr>
-              </a:buClr>
-              <a:buSzPct val="100000"/>
-              <a:buFont typeface="Verdana"/>
-              <a:buChar char="◦"/>
-              <a:defRPr sz="1700" kern="1200" baseline="0">
-                <a:solidFill>
-                  <a:srgbClr val="FFFFFF"/>
-                </a:solidFill>
-                <a:latin typeface="+mn-lt"/>
-                <a:ea typeface="+mn-ea"/>
-                <a:cs typeface="+mn-cs"/>
-              </a:defRPr>
-            </a:lvl6pPr>
-            <a:lvl7pPr marL="1700784" indent="-182880" algn="l" rtl="0" eaLnBrk="1" latinLnBrk="0" hangingPunct="1">
-              <a:spcBef>
-                <a:spcPts val="255"/>
-              </a:spcBef>
-              <a:buClr>
-                <a:schemeClr val="accent3">
-                  <a:tint val="85000"/>
-                  <a:satMod val="275000"/>
-                </a:schemeClr>
-              </a:buClr>
-              <a:buSzPct val="100000"/>
-              <a:buFont typeface="Wingdings 2"/>
-              <a:buChar char=""/>
-              <a:defRPr sz="1500" kern="1200">
-                <a:solidFill>
-                  <a:srgbClr val="FFFFFF"/>
-                </a:solidFill>
-                <a:latin typeface="+mn-lt"/>
-                <a:ea typeface="+mn-ea"/>
-                <a:cs typeface="+mn-cs"/>
-              </a:defRPr>
-            </a:lvl7pPr>
-            <a:lvl8pPr marL="1920240" indent="-182880" algn="l" rtl="0" eaLnBrk="1" latinLnBrk="0" hangingPunct="1">
-              <a:spcBef>
-                <a:spcPts val="257"/>
-              </a:spcBef>
-              <a:buClr>
-                <a:schemeClr val="accent3">
-                  <a:tint val="85000"/>
-                  <a:satMod val="275000"/>
-                </a:schemeClr>
-              </a:buClr>
-              <a:buSzPct val="100000"/>
-              <a:buFont typeface="Verdana"/>
-              <a:buChar char="◦"/>
-              <a:defRPr sz="1500" kern="1200" baseline="0">
-                <a:solidFill>
-                  <a:srgbClr val="FFFFFF"/>
-                </a:solidFill>
-                <a:latin typeface="+mn-lt"/>
-                <a:ea typeface="+mn-ea"/>
-                <a:cs typeface="+mn-cs"/>
-              </a:defRPr>
-            </a:lvl8pPr>
-            <a:lvl9pPr marL="2148840" indent="-182880" algn="l" rtl="0" eaLnBrk="1" latinLnBrk="0" hangingPunct="1">
-              <a:spcBef>
-                <a:spcPts val="255"/>
-              </a:spcBef>
-              <a:buClr>
-                <a:schemeClr val="accent3">
-                  <a:tint val="85000"/>
-                  <a:satMod val="275000"/>
-                </a:schemeClr>
-              </a:buClr>
-              <a:buSzPct val="100000"/>
-              <a:buFont typeface="Wingdings 2"/>
-              <a:buChar char=""/>
-              <a:defRPr sz="1500" kern="1200">
-                <a:solidFill>
-                  <a:srgbClr val="FFFFFF"/>
-                </a:solidFill>
-                <a:latin typeface="+mn-lt"/>
-                <a:ea typeface="+mn-ea"/>
-                <a:cs typeface="+mn-cs"/>
-              </a:defRPr>
-            </a:lvl9pPr>
-          </a:lstStyle>
-          <a:p>
-            <a:pPr marL="342900" indent="-342900">
-              <a:buFont typeface="Wingdings" panose="05000000000000000000" pitchFamily="2" charset="2"/>
-              <a:buChar char="ü"/>
-            </a:pPr>
-            <a:r>
-              <a:rPr lang="en-US" dirty="0"/>
-              <a:t>Should be able to move around components anywhere on the page or across pages without requiring a developer</a:t>
-            </a:r>
-          </a:p>
-          <a:p>
-            <a:pPr marL="342900" indent="-342900">
-              <a:buFont typeface="Wingdings" panose="05000000000000000000" pitchFamily="2" charset="2"/>
-              <a:buChar char="ü"/>
-            </a:pPr>
-            <a:r>
-              <a:rPr lang="en-US" dirty="0"/>
-              <a:t>Should be able to use or deploy the same component on multiple websites</a:t>
-            </a:r>
-          </a:p>
-          <a:p>
-            <a:pPr lvl="1"/>
-            <a:endParaRPr lang="en-US" dirty="0"/>
-          </a:p>
-        </p:txBody>
-      </p:sp>
-      <p:sp>
-        <p:nvSpPr>
-          <p:cNvPr id="11" name="Rectangle 2">
-            <a:extLst>
-              <a:ext uri="{FF2B5EF4-FFF2-40B4-BE49-F238E27FC236}">
-                <a16:creationId xmlns:a16="http://schemas.microsoft.com/office/drawing/2014/main" id="{348D8CC6-C3F0-49CE-9718-3741755D8CC6}"/>
-              </a:ext>
-            </a:extLst>
-          </p:cNvPr>
-          <p:cNvSpPr txBox="1">
-            <a:spLocks/>
-          </p:cNvSpPr>
-          <p:nvPr/>
-        </p:nvSpPr>
-        <p:spPr>
-          <a:xfrm>
-            <a:off x="251520" y="1756915"/>
-            <a:ext cx="7669162" cy="684729"/>
-          </a:xfrm>
-          <a:prstGeom prst="rect">
-            <a:avLst/>
-          </a:prstGeom>
-        </p:spPr>
-        <p:txBody>
-          <a:bodyPr vert="horz" lIns="182880" tIns="91440">
-            <a:normAutofit/>
-          </a:bodyPr>
-          <a:lstStyle>
-            <a:lvl1pPr marL="0" indent="0" algn="l" rtl="0" eaLnBrk="1" latinLnBrk="0" hangingPunct="1">
-              <a:spcBef>
-                <a:spcPts val="250"/>
-              </a:spcBef>
-              <a:buClr>
-                <a:schemeClr val="accent1"/>
-              </a:buClr>
-              <a:buSzPct val="80000"/>
-              <a:buFont typeface="Wingdings 2"/>
-              <a:buNone/>
-              <a:defRPr sz="2000" kern="1200">
-                <a:solidFill>
-                  <a:schemeClr val="tx1"/>
-                </a:solidFill>
-                <a:effectLst/>
-                <a:latin typeface="+mn-lt"/>
-                <a:ea typeface="+mn-ea"/>
-                <a:cs typeface="+mn-cs"/>
-              </a:defRPr>
-            </a:lvl1pPr>
-            <a:lvl2pPr marL="347472" indent="0" algn="l" rtl="0" eaLnBrk="1" latinLnBrk="0" hangingPunct="1">
-              <a:spcBef>
-                <a:spcPts val="250"/>
-              </a:spcBef>
-              <a:buClr>
-                <a:schemeClr val="accent1"/>
-              </a:buClr>
-              <a:buSzPct val="100000"/>
-              <a:buFont typeface="Verdana"/>
-              <a:buNone/>
-              <a:defRPr sz="2400" kern="1200">
-                <a:solidFill>
-                  <a:schemeClr val="tx1"/>
-                </a:solidFill>
-                <a:latin typeface="+mn-lt"/>
-                <a:ea typeface="+mn-ea"/>
-                <a:cs typeface="+mn-cs"/>
-              </a:defRPr>
-            </a:lvl2pPr>
-            <a:lvl3pPr marL="603504" indent="0" algn="l" rtl="0" eaLnBrk="1" latinLnBrk="0" hangingPunct="1">
-              <a:spcBef>
-                <a:spcPts val="250"/>
-              </a:spcBef>
-              <a:buClr>
-                <a:schemeClr val="accent2">
-                  <a:tint val="85000"/>
-                  <a:satMod val="285000"/>
-                </a:schemeClr>
-              </a:buClr>
-              <a:buSzPct val="100000"/>
-              <a:buFont typeface="Wingdings 2"/>
-              <a:buNone/>
-              <a:defRPr sz="2200" kern="1200">
-                <a:solidFill>
-                  <a:schemeClr val="tx1"/>
-                </a:solidFill>
-                <a:latin typeface="+mn-lt"/>
-                <a:ea typeface="+mn-ea"/>
-                <a:cs typeface="+mn-cs"/>
-              </a:defRPr>
-            </a:lvl3pPr>
-            <a:lvl4pPr marL="841248" indent="0" algn="l" rtl="0" eaLnBrk="1" latinLnBrk="0" hangingPunct="1">
-              <a:spcBef>
-                <a:spcPts val="230"/>
-              </a:spcBef>
-              <a:buClr>
-                <a:schemeClr val="accent2">
-                  <a:tint val="85000"/>
-                  <a:satMod val="285000"/>
-                </a:schemeClr>
-              </a:buClr>
-              <a:buSzPct val="112000"/>
-              <a:buFont typeface="Verdana"/>
-              <a:buNone/>
-              <a:defRPr sz="1900" kern="1200">
-                <a:solidFill>
-                  <a:schemeClr val="tx1"/>
-                </a:solidFill>
-                <a:latin typeface="+mn-lt"/>
-                <a:ea typeface="+mn-ea"/>
-                <a:cs typeface="+mn-cs"/>
-              </a:defRPr>
-            </a:lvl4pPr>
-            <a:lvl5pPr marL="1097280" indent="0" algn="l" rtl="0" eaLnBrk="1" latinLnBrk="0" hangingPunct="1">
-              <a:spcBef>
-                <a:spcPts val="250"/>
-              </a:spcBef>
-              <a:buClr>
-                <a:schemeClr val="accent3">
-                  <a:tint val="85000"/>
-                  <a:satMod val="275000"/>
-                </a:schemeClr>
-              </a:buClr>
-              <a:buSzPct val="100000"/>
-              <a:buFont typeface="Wingdings 2"/>
-              <a:buNone/>
-              <a:defRPr sz="1800" kern="1200">
-                <a:solidFill>
-                  <a:schemeClr val="tx1"/>
-                </a:solidFill>
-                <a:latin typeface="+mn-lt"/>
-                <a:ea typeface="+mn-ea"/>
-                <a:cs typeface="+mn-cs"/>
-              </a:defRPr>
-            </a:lvl5pPr>
-            <a:lvl6pPr marL="1490472" indent="-182880" algn="l" rtl="0" eaLnBrk="1" latinLnBrk="0" hangingPunct="1">
-              <a:spcBef>
-                <a:spcPts val="250"/>
-              </a:spcBef>
-              <a:buClr>
-                <a:schemeClr val="accent3">
-                  <a:tint val="85000"/>
-                  <a:satMod val="275000"/>
-                </a:schemeClr>
-              </a:buClr>
-              <a:buSzPct val="100000"/>
-              <a:buFont typeface="Verdana"/>
-              <a:buChar char="◦"/>
-              <a:defRPr sz="1700" kern="1200" baseline="0">
-                <a:solidFill>
-                  <a:srgbClr val="FFFFFF"/>
-                </a:solidFill>
-                <a:latin typeface="+mn-lt"/>
-                <a:ea typeface="+mn-ea"/>
-                <a:cs typeface="+mn-cs"/>
-              </a:defRPr>
-            </a:lvl6pPr>
-            <a:lvl7pPr marL="1700784" indent="-182880" algn="l" rtl="0" eaLnBrk="1" latinLnBrk="0" hangingPunct="1">
-              <a:spcBef>
-                <a:spcPts val="255"/>
-              </a:spcBef>
-              <a:buClr>
-                <a:schemeClr val="accent3">
-                  <a:tint val="85000"/>
-                  <a:satMod val="275000"/>
-                </a:schemeClr>
-              </a:buClr>
-              <a:buSzPct val="100000"/>
-              <a:buFont typeface="Wingdings 2"/>
-              <a:buChar char=""/>
-              <a:defRPr sz="1500" kern="1200">
-                <a:solidFill>
-                  <a:srgbClr val="FFFFFF"/>
-                </a:solidFill>
-                <a:latin typeface="+mn-lt"/>
-                <a:ea typeface="+mn-ea"/>
-                <a:cs typeface="+mn-cs"/>
-              </a:defRPr>
-            </a:lvl7pPr>
-            <a:lvl8pPr marL="1920240" indent="-182880" algn="l" rtl="0" eaLnBrk="1" latinLnBrk="0" hangingPunct="1">
-              <a:spcBef>
-                <a:spcPts val="257"/>
-              </a:spcBef>
-              <a:buClr>
-                <a:schemeClr val="accent3">
-                  <a:tint val="85000"/>
-                  <a:satMod val="275000"/>
-                </a:schemeClr>
-              </a:buClr>
-              <a:buSzPct val="100000"/>
-              <a:buFont typeface="Verdana"/>
-              <a:buChar char="◦"/>
-              <a:defRPr sz="1500" kern="1200" baseline="0">
-                <a:solidFill>
-                  <a:srgbClr val="FFFFFF"/>
-                </a:solidFill>
-                <a:latin typeface="+mn-lt"/>
-                <a:ea typeface="+mn-ea"/>
-                <a:cs typeface="+mn-cs"/>
-              </a:defRPr>
-            </a:lvl8pPr>
-            <a:lvl9pPr marL="2148840" indent="-182880" algn="l" rtl="0" eaLnBrk="1" latinLnBrk="0" hangingPunct="1">
-              <a:spcBef>
-                <a:spcPts val="255"/>
-              </a:spcBef>
-              <a:buClr>
-                <a:schemeClr val="accent3">
-                  <a:tint val="85000"/>
-                  <a:satMod val="275000"/>
-                </a:schemeClr>
-              </a:buClr>
-              <a:buSzPct val="100000"/>
-              <a:buFont typeface="Wingdings 2"/>
-              <a:buChar char=""/>
-              <a:defRPr sz="1500" kern="1200">
-                <a:solidFill>
-                  <a:srgbClr val="FFFFFF"/>
-                </a:solidFill>
-                <a:latin typeface="+mn-lt"/>
-                <a:ea typeface="+mn-ea"/>
-                <a:cs typeface="+mn-cs"/>
-              </a:defRPr>
-            </a:lvl9pPr>
-          </a:lstStyle>
-          <a:p>
-            <a:r>
-              <a:rPr lang="en-US" b="1" dirty="0"/>
-              <a:t>Reusability</a:t>
-            </a:r>
-          </a:p>
-        </p:txBody>
-      </p:sp>
-      <p:sp>
-        <p:nvSpPr>
-          <p:cNvPr id="8" name="Rectangle 2">
-            <a:extLst>
-              <a:ext uri="{FF2B5EF4-FFF2-40B4-BE49-F238E27FC236}">
-                <a16:creationId xmlns:a16="http://schemas.microsoft.com/office/drawing/2014/main" id="{3D108CEE-CBC3-48BA-99AF-5A29D2380B93}"/>
-              </a:ext>
-            </a:extLst>
-          </p:cNvPr>
-          <p:cNvSpPr txBox="1">
-            <a:spLocks/>
-          </p:cNvSpPr>
-          <p:nvPr/>
-        </p:nvSpPr>
-        <p:spPr>
-          <a:xfrm>
-            <a:off x="235170" y="4741503"/>
-            <a:ext cx="7669162" cy="515888"/>
-          </a:xfrm>
-          <a:prstGeom prst="rect">
-            <a:avLst/>
-          </a:prstGeom>
-        </p:spPr>
-        <p:txBody>
-          <a:bodyPr vert="horz" lIns="182880" tIns="91440">
-            <a:normAutofit/>
-          </a:bodyPr>
-          <a:lstStyle>
-            <a:lvl1pPr marL="0" indent="0" algn="l" rtl="0" eaLnBrk="1" latinLnBrk="0" hangingPunct="1">
-              <a:spcBef>
-                <a:spcPts val="250"/>
-              </a:spcBef>
-              <a:buClr>
-                <a:schemeClr val="accent1"/>
-              </a:buClr>
-              <a:buSzPct val="80000"/>
-              <a:buFont typeface="Wingdings 2"/>
-              <a:buNone/>
-              <a:defRPr sz="2000" kern="1200">
-                <a:solidFill>
-                  <a:schemeClr val="tx1"/>
-                </a:solidFill>
-                <a:effectLst/>
-                <a:latin typeface="+mn-lt"/>
-                <a:ea typeface="+mn-ea"/>
-                <a:cs typeface="+mn-cs"/>
-              </a:defRPr>
-            </a:lvl1pPr>
-            <a:lvl2pPr marL="347472" indent="0" algn="l" rtl="0" eaLnBrk="1" latinLnBrk="0" hangingPunct="1">
-              <a:spcBef>
-                <a:spcPts val="250"/>
-              </a:spcBef>
-              <a:buClr>
-                <a:schemeClr val="accent1"/>
-              </a:buClr>
-              <a:buSzPct val="100000"/>
-              <a:buFont typeface="Verdana"/>
-              <a:buNone/>
-              <a:defRPr sz="2400" kern="1200">
-                <a:solidFill>
-                  <a:schemeClr val="tx1"/>
-                </a:solidFill>
-                <a:latin typeface="+mn-lt"/>
-                <a:ea typeface="+mn-ea"/>
-                <a:cs typeface="+mn-cs"/>
-              </a:defRPr>
-            </a:lvl2pPr>
-            <a:lvl3pPr marL="603504" indent="0" algn="l" rtl="0" eaLnBrk="1" latinLnBrk="0" hangingPunct="1">
-              <a:spcBef>
-                <a:spcPts val="250"/>
-              </a:spcBef>
-              <a:buClr>
-                <a:schemeClr val="accent2">
-                  <a:tint val="85000"/>
-                  <a:satMod val="285000"/>
-                </a:schemeClr>
-              </a:buClr>
-              <a:buSzPct val="100000"/>
-              <a:buFont typeface="Wingdings 2"/>
-              <a:buNone/>
-              <a:defRPr sz="2200" kern="1200">
-                <a:solidFill>
-                  <a:schemeClr val="tx1"/>
-                </a:solidFill>
-                <a:latin typeface="+mn-lt"/>
-                <a:ea typeface="+mn-ea"/>
-                <a:cs typeface="+mn-cs"/>
-              </a:defRPr>
-            </a:lvl3pPr>
-            <a:lvl4pPr marL="841248" indent="0" algn="l" rtl="0" eaLnBrk="1" latinLnBrk="0" hangingPunct="1">
-              <a:spcBef>
-                <a:spcPts val="230"/>
-              </a:spcBef>
-              <a:buClr>
-                <a:schemeClr val="accent2">
-                  <a:tint val="85000"/>
-                  <a:satMod val="285000"/>
-                </a:schemeClr>
-              </a:buClr>
-              <a:buSzPct val="112000"/>
-              <a:buFont typeface="Verdana"/>
-              <a:buNone/>
-              <a:defRPr sz="1900" kern="1200">
-                <a:solidFill>
-                  <a:schemeClr val="tx1"/>
-                </a:solidFill>
-                <a:latin typeface="+mn-lt"/>
-                <a:ea typeface="+mn-ea"/>
-                <a:cs typeface="+mn-cs"/>
-              </a:defRPr>
-            </a:lvl4pPr>
-            <a:lvl5pPr marL="1097280" indent="0" algn="l" rtl="0" eaLnBrk="1" latinLnBrk="0" hangingPunct="1">
-              <a:spcBef>
-                <a:spcPts val="250"/>
-              </a:spcBef>
-              <a:buClr>
-                <a:schemeClr val="accent3">
-                  <a:tint val="85000"/>
-                  <a:satMod val="275000"/>
-                </a:schemeClr>
-              </a:buClr>
-              <a:buSzPct val="100000"/>
-              <a:buFont typeface="Wingdings 2"/>
-              <a:buNone/>
-              <a:defRPr sz="1800" kern="1200">
-                <a:solidFill>
-                  <a:schemeClr val="tx1"/>
-                </a:solidFill>
-                <a:latin typeface="+mn-lt"/>
-                <a:ea typeface="+mn-ea"/>
-                <a:cs typeface="+mn-cs"/>
-              </a:defRPr>
-            </a:lvl5pPr>
-            <a:lvl6pPr marL="1490472" indent="-182880" algn="l" rtl="0" eaLnBrk="1" latinLnBrk="0" hangingPunct="1">
-              <a:spcBef>
-                <a:spcPts val="250"/>
-              </a:spcBef>
-              <a:buClr>
-                <a:schemeClr val="accent3">
-                  <a:tint val="85000"/>
-                  <a:satMod val="275000"/>
-                </a:schemeClr>
-              </a:buClr>
-              <a:buSzPct val="100000"/>
-              <a:buFont typeface="Verdana"/>
-              <a:buChar char="◦"/>
-              <a:defRPr sz="1700" kern="1200" baseline="0">
-                <a:solidFill>
-                  <a:srgbClr val="FFFFFF"/>
-                </a:solidFill>
-                <a:latin typeface="+mn-lt"/>
-                <a:ea typeface="+mn-ea"/>
-                <a:cs typeface="+mn-cs"/>
-              </a:defRPr>
-            </a:lvl6pPr>
-            <a:lvl7pPr marL="1700784" indent="-182880" algn="l" rtl="0" eaLnBrk="1" latinLnBrk="0" hangingPunct="1">
-              <a:spcBef>
-                <a:spcPts val="255"/>
-              </a:spcBef>
-              <a:buClr>
-                <a:schemeClr val="accent3">
-                  <a:tint val="85000"/>
-                  <a:satMod val="275000"/>
-                </a:schemeClr>
-              </a:buClr>
-              <a:buSzPct val="100000"/>
-              <a:buFont typeface="Wingdings 2"/>
-              <a:buChar char=""/>
-              <a:defRPr sz="1500" kern="1200">
-                <a:solidFill>
-                  <a:srgbClr val="FFFFFF"/>
-                </a:solidFill>
-                <a:latin typeface="+mn-lt"/>
-                <a:ea typeface="+mn-ea"/>
-                <a:cs typeface="+mn-cs"/>
-              </a:defRPr>
-            </a:lvl7pPr>
-            <a:lvl8pPr marL="1920240" indent="-182880" algn="l" rtl="0" eaLnBrk="1" latinLnBrk="0" hangingPunct="1">
-              <a:spcBef>
-                <a:spcPts val="257"/>
-              </a:spcBef>
-              <a:buClr>
-                <a:schemeClr val="accent3">
-                  <a:tint val="85000"/>
-                  <a:satMod val="275000"/>
-                </a:schemeClr>
-              </a:buClr>
-              <a:buSzPct val="100000"/>
-              <a:buFont typeface="Verdana"/>
-              <a:buChar char="◦"/>
-              <a:defRPr sz="1500" kern="1200" baseline="0">
-                <a:solidFill>
-                  <a:srgbClr val="FFFFFF"/>
-                </a:solidFill>
-                <a:latin typeface="+mn-lt"/>
-                <a:ea typeface="+mn-ea"/>
-                <a:cs typeface="+mn-cs"/>
-              </a:defRPr>
-            </a:lvl8pPr>
-            <a:lvl9pPr marL="2148840" indent="-182880" algn="l" rtl="0" eaLnBrk="1" latinLnBrk="0" hangingPunct="1">
-              <a:spcBef>
-                <a:spcPts val="255"/>
-              </a:spcBef>
-              <a:buClr>
-                <a:schemeClr val="accent3">
-                  <a:tint val="85000"/>
-                  <a:satMod val="275000"/>
-                </a:schemeClr>
-              </a:buClr>
-              <a:buSzPct val="100000"/>
-              <a:buFont typeface="Wingdings 2"/>
-              <a:buChar char=""/>
-              <a:defRPr sz="1500" kern="1200">
-                <a:solidFill>
-                  <a:srgbClr val="FFFFFF"/>
-                </a:solidFill>
-                <a:latin typeface="+mn-lt"/>
-                <a:ea typeface="+mn-ea"/>
-                <a:cs typeface="+mn-cs"/>
-              </a:defRPr>
-            </a:lvl9pPr>
-          </a:lstStyle>
-          <a:p>
-            <a:r>
-              <a:rPr lang="en-US" b="1" dirty="0"/>
-              <a:t>Independent</a:t>
-            </a:r>
-          </a:p>
-        </p:txBody>
-      </p:sp>
-      <p:sp>
-        <p:nvSpPr>
-          <p:cNvPr id="9" name="Rectangle 2">
-            <a:extLst>
-              <a:ext uri="{FF2B5EF4-FFF2-40B4-BE49-F238E27FC236}">
-                <a16:creationId xmlns:a16="http://schemas.microsoft.com/office/drawing/2014/main" id="{418B5159-D643-474A-8171-66CFB631F8A5}"/>
-              </a:ext>
-            </a:extLst>
-          </p:cNvPr>
-          <p:cNvSpPr txBox="1">
-            <a:spLocks/>
-          </p:cNvSpPr>
-          <p:nvPr/>
-        </p:nvSpPr>
-        <p:spPr>
-          <a:xfrm>
-            <a:off x="328080" y="5191481"/>
-            <a:ext cx="7669162" cy="1132048"/>
-          </a:xfrm>
-          <a:prstGeom prst="rect">
-            <a:avLst/>
-          </a:prstGeom>
-        </p:spPr>
-        <p:txBody>
-          <a:bodyPr vert="horz" lIns="182880" tIns="91440">
             <a:normAutofit fontScale="92500" lnSpcReduction="20000"/>
           </a:bodyPr>
           <a:lstStyle>
@@ -12554,23 +13914,33 @@
             </a:lvl9pPr>
           </a:lstStyle>
           <a:p>
-            <a:pPr marL="342900" indent="-342900">
+            <a:pPr marL="457200" indent="-457200">
               <a:buFont typeface="Wingdings" panose="05000000000000000000" pitchFamily="2" charset="2"/>
-              <a:buChar char="ü"/>
+              <a:buChar char="q"/>
             </a:pPr>
             <a:r>
               <a:rPr lang="en-US" dirty="0"/>
-              <a:t>a component can be added or removed at any time without affecting other parts of the page</a:t>
-            </a:r>
-          </a:p>
-          <a:p>
-            <a:pPr marL="342900" indent="-342900">
-              <a:buFont typeface="Wingdings" panose="05000000000000000000" pitchFamily="2" charset="2"/>
-              <a:buChar char="ü"/>
+              <a:t>when a new feature or change of logic is required</a:t>
+            </a:r>
+          </a:p>
+          <a:p>
+            <a:pPr marL="804672" lvl="1" indent="-457200">
+              <a:buFont typeface="Verdana" panose="020B0604030504040204" pitchFamily="34" charset="0"/>
+              <a:buChar char="×"/>
             </a:pPr>
             <a:r>
-              <a:rPr lang="en-US" dirty="0"/>
-              <a:t>any change on a component should not affect other existing components</a:t>
+              <a:rPr lang="en-US" sz="1900" dirty="0"/>
+              <a:t>old and new logic can hardly co-exist which is hard to revive or reuse an old behavior</a:t>
+            </a:r>
+          </a:p>
+          <a:p>
+            <a:pPr marL="804672" lvl="1" indent="-457200">
+              <a:buFont typeface="Verdana" panose="020B0604030504040204" pitchFamily="34" charset="0"/>
+              <a:buChar char="×"/>
+            </a:pPr>
+            <a:r>
+              <a:rPr lang="en-US" sz="1900" dirty="0"/>
+              <a:t>could lead to spaghetti codes, orphan views, or potential errors due to changes not being synced properly.</a:t>
             </a:r>
           </a:p>
           <a:p>
@@ -12580,12 +13950,137 @@
             </a:pPr>
             <a:endParaRPr lang="en-US" dirty="0"/>
           </a:p>
+          <a:p>
+            <a:pPr marL="690372" lvl="1" indent="-342900">
+              <a:buFont typeface="Wingdings" panose="05000000000000000000" pitchFamily="2" charset="2"/>
+              <a:buChar char="v"/>
+            </a:pPr>
+            <a:r>
+              <a:rPr lang="en-US" sz="1700" dirty="0"/>
+              <a:t>Home (page) </a:t>
+            </a:r>
+          </a:p>
+          <a:p>
+            <a:pPr marL="946404" lvl="2" indent="-342900">
+              <a:buFont typeface="Wingdings" panose="05000000000000000000" pitchFamily="2" charset="2"/>
+              <a:buChar char="v"/>
+            </a:pPr>
+            <a:r>
+              <a:rPr lang="en-US" sz="1700" dirty="0"/>
+              <a:t>Movie Details (tab)</a:t>
+            </a:r>
+          </a:p>
+          <a:p>
+            <a:pPr marL="1440180" lvl="4" indent="-342900">
+              <a:buFont typeface="Wingdings" panose="05000000000000000000" pitchFamily="2" charset="2"/>
+              <a:buChar char="Ø"/>
+            </a:pPr>
+            <a:r>
+              <a:rPr lang="en-US" sz="1700" dirty="0"/>
+              <a:t>Title, Director, Poster, Release Date, Ticket Prices</a:t>
+            </a:r>
+          </a:p>
+          <a:p>
+            <a:pPr lvl="4"/>
+            <a:endParaRPr lang="en-US" sz="1700" dirty="0"/>
+          </a:p>
+          <a:p>
+            <a:pPr marL="690372" lvl="1" indent="-342900">
+              <a:buFont typeface="Wingdings" panose="05000000000000000000" pitchFamily="2" charset="2"/>
+              <a:buChar char="v"/>
+            </a:pPr>
+            <a:r>
+              <a:rPr lang="en-US" sz="1700" dirty="0"/>
+              <a:t>Home (template) </a:t>
+            </a:r>
+          </a:p>
+          <a:p>
+            <a:pPr marL="946404" lvl="2" indent="-342900">
+              <a:buFont typeface="Wingdings" panose="05000000000000000000" pitchFamily="2" charset="2"/>
+              <a:buChar char="v"/>
+            </a:pPr>
+            <a:r>
+              <a:rPr lang="en-US" sz="1700" dirty="0"/>
+              <a:t>Movie Partial =&gt; Movie Layout 1</a:t>
+            </a:r>
+          </a:p>
+          <a:p>
+            <a:pPr marL="1184148" lvl="3" indent="-342900">
+              <a:buFont typeface="Wingdings" panose="05000000000000000000" pitchFamily="2" charset="2"/>
+              <a:buChar char="v"/>
+            </a:pPr>
+            <a:endParaRPr lang="en-US" sz="1700" dirty="0"/>
+          </a:p>
+          <a:p>
+            <a:pPr marL="690372" lvl="1" indent="-342900">
+              <a:buFont typeface="Wingdings" panose="05000000000000000000" pitchFamily="2" charset="2"/>
+              <a:buChar char="v"/>
+            </a:pPr>
+            <a:r>
+              <a:rPr lang="en-US" sz="1700" dirty="0"/>
+              <a:t>New Logic / Change</a:t>
+            </a:r>
+          </a:p>
+          <a:p>
+            <a:pPr marL="946404" lvl="2" indent="-342900">
+              <a:buFont typeface="Courier New" panose="02070309020205020404" pitchFamily="49" charset="0"/>
+              <a:buChar char="o"/>
+            </a:pPr>
+            <a:r>
+              <a:rPr lang="en-US" sz="1700" dirty="0"/>
+              <a:t>Implement Movie Layout 2</a:t>
+            </a:r>
+          </a:p>
+          <a:p>
+            <a:pPr marL="1184148" lvl="3" indent="-342900">
+              <a:buFont typeface="Wingdings" panose="05000000000000000000" pitchFamily="2" charset="2"/>
+              <a:buChar char="q"/>
+            </a:pPr>
+            <a:r>
+              <a:rPr lang="en-US" sz="1700" dirty="0"/>
+              <a:t>Either update movie layout 1</a:t>
+            </a:r>
+          </a:p>
+          <a:p>
+            <a:pPr marL="1184148" lvl="3" indent="-342900">
+              <a:buFont typeface="Wingdings" panose="05000000000000000000" pitchFamily="2" charset="2"/>
+              <a:buChar char="q"/>
+            </a:pPr>
+            <a:r>
+              <a:rPr lang="en-US" sz="1700" dirty="0"/>
+              <a:t>Or create new partial Movie Layout 2</a:t>
+            </a:r>
+          </a:p>
+          <a:p>
+            <a:pPr marL="1184148" lvl="3" indent="-342900">
+              <a:buFont typeface="Wingdings" panose="05000000000000000000" pitchFamily="2" charset="2"/>
+              <a:buChar char="ü"/>
+            </a:pPr>
+            <a:r>
+              <a:rPr lang="en-US" sz="1700" dirty="0"/>
+              <a:t>Then update home template to use the new layout</a:t>
+            </a:r>
+          </a:p>
+          <a:p>
+            <a:pPr marL="946404" lvl="2" indent="-342900">
+              <a:buFont typeface="Courier New" panose="02070309020205020404" pitchFamily="49" charset="0"/>
+              <a:buChar char="o"/>
+            </a:pPr>
+            <a:r>
+              <a:rPr lang="en-US" sz="1500" dirty="0"/>
+              <a:t>Once complete, editors will have no option to render back layout 1 other than to add option for type of layout to render</a:t>
+            </a:r>
+          </a:p>
+          <a:p>
+            <a:pPr lvl="1"/>
+            <a:endParaRPr lang="en-US" dirty="0"/>
+          </a:p>
         </p:txBody>
       </p:sp>
     </p:spTree>
     <p:extLst>
       <p:ext uri="{BB962C8B-B14F-4D97-AF65-F5344CB8AC3E}">
-        <p14:creationId xmlns:p14="http://schemas.microsoft.com/office/powerpoint/2010/main" val="1018429369"/>
+        <p14:creationId xmlns:p14="http://schemas.microsoft.com/office/powerpoint/2010/main" val="830842333"/>
       </p:ext>
     </p:extLst>
   </p:cSld>
@@ -12629,1830 +14124,172 @@
           <a:p>
             <a:r>
               <a:rPr lang="en-US" dirty="0"/>
-              <a:t>Concepts</a:t>
-            </a:r>
-          </a:p>
-        </p:txBody>
-      </p:sp>
-      <p:sp>
-        <p:nvSpPr>
-          <p:cNvPr id="11" name="Rectangle 2">
+              <a:t>Overview</a:t>
+            </a:r>
+          </a:p>
+        </p:txBody>
+      </p:sp>
+      <p:sp>
+        <p:nvSpPr>
+          <p:cNvPr id="3" name="Rectangle 2"/>
+          <p:cNvSpPr>
+            <a:spLocks noGrp="1"/>
+          </p:cNvSpPr>
+          <p:nvPr>
+            <p:ph type="body" sz="quarter" idx="14"/>
+          </p:nvPr>
+        </p:nvSpPr>
+        <p:spPr>
+          <a:xfrm>
+            <a:off x="503238" y="1905000"/>
+            <a:ext cx="8183562" cy="1240673"/>
+          </a:xfrm>
+        </p:spPr>
+        <p:txBody>
+          <a:bodyPr>
+            <a:normAutofit/>
+          </a:bodyPr>
+          <a:lstStyle/>
+          <a:p>
+            <a:r>
+              <a:rPr lang="en-US" b="1" dirty="0" err="1"/>
+              <a:t>MBran</a:t>
+            </a:r>
+            <a:r>
+              <a:rPr lang="en-US" b="1" dirty="0"/>
+              <a:t> Components </a:t>
+            </a:r>
+            <a:r>
+              <a:rPr lang="en-US" dirty="0"/>
+              <a:t>is a convention to help developers create reusable page components and provide a modular approach for creating contents. </a:t>
+            </a:r>
+          </a:p>
+        </p:txBody>
+      </p:sp>
+      <p:sp>
+        <p:nvSpPr>
+          <p:cNvPr id="6" name="Text Placeholder 5">
             <a:extLst>
               <a:ext uri="{FF2B5EF4-FFF2-40B4-BE49-F238E27FC236}">
-                <a16:creationId xmlns:a16="http://schemas.microsoft.com/office/drawing/2014/main" id="{348D8CC6-C3F0-49CE-9718-3741755D8CC6}"/>
+                <a16:creationId xmlns:a16="http://schemas.microsoft.com/office/drawing/2014/main" id="{3D497874-DB7D-4884-AE00-052825BF940D}"/>
               </a:ext>
             </a:extLst>
           </p:cNvPr>
-          <p:cNvSpPr txBox="1">
-            <a:spLocks/>
-          </p:cNvSpPr>
-          <p:nvPr/>
+          <p:cNvSpPr>
+            <a:spLocks noGrp="1"/>
+          </p:cNvSpPr>
+          <p:nvPr>
+            <p:ph type="body" sz="quarter" idx="15"/>
+          </p:nvPr>
         </p:nvSpPr>
         <p:spPr>
           <a:xfrm>
-            <a:off x="161355" y="1638435"/>
-            <a:ext cx="4082463" cy="401472"/>
+            <a:off x="1115616" y="3217028"/>
+            <a:ext cx="6984776" cy="2948276"/>
           </a:xfrm>
-          <a:prstGeom prst="rect">
-            <a:avLst/>
-          </a:prstGeom>
         </p:spPr>
         <p:txBody>
-          <a:bodyPr vert="horz" lIns="182880" tIns="91440">
-            <a:normAutofit fontScale="92500" lnSpcReduction="10000"/>
+          <a:bodyPr>
+            <a:normAutofit lnSpcReduction="10000"/>
           </a:bodyPr>
-          <a:lstStyle>
-            <a:lvl1pPr marL="0" indent="0" algn="l" rtl="0" eaLnBrk="1" latinLnBrk="0" hangingPunct="1">
-              <a:spcBef>
-                <a:spcPts val="250"/>
-              </a:spcBef>
-              <a:buClr>
-                <a:schemeClr val="accent1"/>
-              </a:buClr>
-              <a:buSzPct val="80000"/>
-              <a:buFont typeface="Wingdings 2"/>
-              <a:buNone/>
-              <a:defRPr sz="2000" kern="1200">
-                <a:solidFill>
-                  <a:schemeClr val="tx1"/>
-                </a:solidFill>
-                <a:effectLst/>
-                <a:latin typeface="+mn-lt"/>
-                <a:ea typeface="+mn-ea"/>
-                <a:cs typeface="+mn-cs"/>
-              </a:defRPr>
-            </a:lvl1pPr>
-            <a:lvl2pPr marL="347472" indent="0" algn="l" rtl="0" eaLnBrk="1" latinLnBrk="0" hangingPunct="1">
-              <a:spcBef>
-                <a:spcPts val="250"/>
-              </a:spcBef>
-              <a:buClr>
-                <a:schemeClr val="accent1"/>
-              </a:buClr>
-              <a:buSzPct val="100000"/>
-              <a:buFont typeface="Verdana"/>
-              <a:buNone/>
-              <a:defRPr sz="2400" kern="1200">
-                <a:solidFill>
-                  <a:schemeClr val="tx1"/>
-                </a:solidFill>
-                <a:latin typeface="+mn-lt"/>
-                <a:ea typeface="+mn-ea"/>
-                <a:cs typeface="+mn-cs"/>
-              </a:defRPr>
-            </a:lvl2pPr>
-            <a:lvl3pPr marL="603504" indent="0" algn="l" rtl="0" eaLnBrk="1" latinLnBrk="0" hangingPunct="1">
-              <a:spcBef>
-                <a:spcPts val="250"/>
-              </a:spcBef>
-              <a:buClr>
-                <a:schemeClr val="accent2">
-                  <a:tint val="85000"/>
-                  <a:satMod val="285000"/>
-                </a:schemeClr>
-              </a:buClr>
-              <a:buSzPct val="100000"/>
-              <a:buFont typeface="Wingdings 2"/>
-              <a:buNone/>
-              <a:defRPr sz="2200" kern="1200">
-                <a:solidFill>
-                  <a:schemeClr val="tx1"/>
-                </a:solidFill>
-                <a:latin typeface="+mn-lt"/>
-                <a:ea typeface="+mn-ea"/>
-                <a:cs typeface="+mn-cs"/>
-              </a:defRPr>
-            </a:lvl3pPr>
-            <a:lvl4pPr marL="841248" indent="0" algn="l" rtl="0" eaLnBrk="1" latinLnBrk="0" hangingPunct="1">
-              <a:spcBef>
-                <a:spcPts val="230"/>
-              </a:spcBef>
-              <a:buClr>
-                <a:schemeClr val="accent2">
-                  <a:tint val="85000"/>
-                  <a:satMod val="285000"/>
-                </a:schemeClr>
-              </a:buClr>
-              <a:buSzPct val="112000"/>
-              <a:buFont typeface="Verdana"/>
-              <a:buNone/>
-              <a:defRPr sz="1900" kern="1200">
-                <a:solidFill>
-                  <a:schemeClr val="tx1"/>
-                </a:solidFill>
-                <a:latin typeface="+mn-lt"/>
-                <a:ea typeface="+mn-ea"/>
-                <a:cs typeface="+mn-cs"/>
-              </a:defRPr>
-            </a:lvl4pPr>
-            <a:lvl5pPr marL="1097280" indent="0" algn="l" rtl="0" eaLnBrk="1" latinLnBrk="0" hangingPunct="1">
-              <a:spcBef>
-                <a:spcPts val="250"/>
-              </a:spcBef>
-              <a:buClr>
-                <a:schemeClr val="accent3">
-                  <a:tint val="85000"/>
-                  <a:satMod val="275000"/>
-                </a:schemeClr>
-              </a:buClr>
-              <a:buSzPct val="100000"/>
-              <a:buFont typeface="Wingdings 2"/>
-              <a:buNone/>
-              <a:defRPr sz="1800" kern="1200">
-                <a:solidFill>
-                  <a:schemeClr val="tx1"/>
-                </a:solidFill>
-                <a:latin typeface="+mn-lt"/>
-                <a:ea typeface="+mn-ea"/>
-                <a:cs typeface="+mn-cs"/>
-              </a:defRPr>
-            </a:lvl5pPr>
-            <a:lvl6pPr marL="1490472" indent="-182880" algn="l" rtl="0" eaLnBrk="1" latinLnBrk="0" hangingPunct="1">
-              <a:spcBef>
-                <a:spcPts val="250"/>
-              </a:spcBef>
-              <a:buClr>
-                <a:schemeClr val="accent3">
-                  <a:tint val="85000"/>
-                  <a:satMod val="275000"/>
-                </a:schemeClr>
-              </a:buClr>
-              <a:buSzPct val="100000"/>
-              <a:buFont typeface="Verdana"/>
-              <a:buChar char="◦"/>
-              <a:defRPr sz="1700" kern="1200" baseline="0">
-                <a:solidFill>
-                  <a:srgbClr val="FFFFFF"/>
-                </a:solidFill>
-                <a:latin typeface="+mn-lt"/>
-                <a:ea typeface="+mn-ea"/>
-                <a:cs typeface="+mn-cs"/>
-              </a:defRPr>
-            </a:lvl6pPr>
-            <a:lvl7pPr marL="1700784" indent="-182880" algn="l" rtl="0" eaLnBrk="1" latinLnBrk="0" hangingPunct="1">
-              <a:spcBef>
-                <a:spcPts val="255"/>
-              </a:spcBef>
-              <a:buClr>
-                <a:schemeClr val="accent3">
-                  <a:tint val="85000"/>
-                  <a:satMod val="275000"/>
-                </a:schemeClr>
-              </a:buClr>
-              <a:buSzPct val="100000"/>
-              <a:buFont typeface="Wingdings 2"/>
-              <a:buChar char=""/>
-              <a:defRPr sz="1500" kern="1200">
-                <a:solidFill>
-                  <a:srgbClr val="FFFFFF"/>
-                </a:solidFill>
-                <a:latin typeface="+mn-lt"/>
-                <a:ea typeface="+mn-ea"/>
-                <a:cs typeface="+mn-cs"/>
-              </a:defRPr>
-            </a:lvl7pPr>
-            <a:lvl8pPr marL="1920240" indent="-182880" algn="l" rtl="0" eaLnBrk="1" latinLnBrk="0" hangingPunct="1">
-              <a:spcBef>
-                <a:spcPts val="257"/>
-              </a:spcBef>
-              <a:buClr>
-                <a:schemeClr val="accent3">
-                  <a:tint val="85000"/>
-                  <a:satMod val="275000"/>
-                </a:schemeClr>
-              </a:buClr>
-              <a:buSzPct val="100000"/>
-              <a:buFont typeface="Verdana"/>
-              <a:buChar char="◦"/>
-              <a:defRPr sz="1500" kern="1200" baseline="0">
-                <a:solidFill>
-                  <a:srgbClr val="FFFFFF"/>
-                </a:solidFill>
-                <a:latin typeface="+mn-lt"/>
-                <a:ea typeface="+mn-ea"/>
-                <a:cs typeface="+mn-cs"/>
-              </a:defRPr>
-            </a:lvl8pPr>
-            <a:lvl9pPr marL="2148840" indent="-182880" algn="l" rtl="0" eaLnBrk="1" latinLnBrk="0" hangingPunct="1">
-              <a:spcBef>
-                <a:spcPts val="255"/>
-              </a:spcBef>
-              <a:buClr>
-                <a:schemeClr val="accent3">
-                  <a:tint val="85000"/>
-                  <a:satMod val="275000"/>
-                </a:schemeClr>
-              </a:buClr>
-              <a:buSzPct val="100000"/>
-              <a:buFont typeface="Wingdings 2"/>
-              <a:buChar char=""/>
-              <a:defRPr sz="1500" kern="1200">
-                <a:solidFill>
-                  <a:srgbClr val="FFFFFF"/>
-                </a:solidFill>
-                <a:latin typeface="+mn-lt"/>
-                <a:ea typeface="+mn-ea"/>
-                <a:cs typeface="+mn-cs"/>
-              </a:defRPr>
-            </a:lvl9pPr>
-          </a:lstStyle>
-          <a:p>
-            <a:r>
-              <a:rPr lang="en-US" b="1" dirty="0"/>
-              <a:t>Renderings</a:t>
-            </a:r>
-          </a:p>
-        </p:txBody>
-      </p:sp>
-      <p:sp>
-        <p:nvSpPr>
-          <p:cNvPr id="8" name="Rectangle 2">
-            <a:extLst>
-              <a:ext uri="{FF2B5EF4-FFF2-40B4-BE49-F238E27FC236}">
-                <a16:creationId xmlns:a16="http://schemas.microsoft.com/office/drawing/2014/main" id="{CAA0346A-707E-492F-978F-9F3C02F4FE8D}"/>
-              </a:ext>
-            </a:extLst>
-          </p:cNvPr>
-          <p:cNvSpPr txBox="1">
-            <a:spLocks/>
-          </p:cNvSpPr>
-          <p:nvPr/>
-        </p:nvSpPr>
-        <p:spPr>
-          <a:xfrm>
-            <a:off x="161355" y="3363398"/>
-            <a:ext cx="3528392" cy="576064"/>
-          </a:xfrm>
-          <a:prstGeom prst="rect">
-            <a:avLst/>
-          </a:prstGeom>
-        </p:spPr>
-        <p:txBody>
-          <a:bodyPr vert="horz" lIns="182880" tIns="91440">
-            <a:normAutofit/>
-          </a:bodyPr>
-          <a:lstStyle>
-            <a:lvl1pPr marL="0" indent="0" algn="l" rtl="0" eaLnBrk="1" latinLnBrk="0" hangingPunct="1">
-              <a:spcBef>
-                <a:spcPts val="250"/>
-              </a:spcBef>
-              <a:buClr>
-                <a:schemeClr val="accent1"/>
-              </a:buClr>
-              <a:buSzPct val="80000"/>
-              <a:buFont typeface="Wingdings 2"/>
-              <a:buNone/>
-              <a:defRPr sz="2000" kern="1200">
-                <a:solidFill>
-                  <a:schemeClr val="tx1"/>
-                </a:solidFill>
-                <a:effectLst/>
-                <a:latin typeface="+mn-lt"/>
-                <a:ea typeface="+mn-ea"/>
-                <a:cs typeface="+mn-cs"/>
-              </a:defRPr>
-            </a:lvl1pPr>
-            <a:lvl2pPr marL="347472" indent="0" algn="l" rtl="0" eaLnBrk="1" latinLnBrk="0" hangingPunct="1">
-              <a:spcBef>
-                <a:spcPts val="250"/>
-              </a:spcBef>
-              <a:buClr>
-                <a:schemeClr val="accent1"/>
-              </a:buClr>
-              <a:buSzPct val="100000"/>
-              <a:buFont typeface="Verdana"/>
-              <a:buNone/>
-              <a:defRPr sz="2400" kern="1200">
-                <a:solidFill>
-                  <a:schemeClr val="tx1"/>
-                </a:solidFill>
-                <a:latin typeface="+mn-lt"/>
-                <a:ea typeface="+mn-ea"/>
-                <a:cs typeface="+mn-cs"/>
-              </a:defRPr>
-            </a:lvl2pPr>
-            <a:lvl3pPr marL="603504" indent="0" algn="l" rtl="0" eaLnBrk="1" latinLnBrk="0" hangingPunct="1">
-              <a:spcBef>
-                <a:spcPts val="250"/>
-              </a:spcBef>
-              <a:buClr>
-                <a:schemeClr val="accent2">
-                  <a:tint val="85000"/>
-                  <a:satMod val="285000"/>
-                </a:schemeClr>
-              </a:buClr>
-              <a:buSzPct val="100000"/>
-              <a:buFont typeface="Wingdings 2"/>
-              <a:buNone/>
-              <a:defRPr sz="2200" kern="1200">
-                <a:solidFill>
-                  <a:schemeClr val="tx1"/>
-                </a:solidFill>
-                <a:latin typeface="+mn-lt"/>
-                <a:ea typeface="+mn-ea"/>
-                <a:cs typeface="+mn-cs"/>
-              </a:defRPr>
-            </a:lvl3pPr>
-            <a:lvl4pPr marL="841248" indent="0" algn="l" rtl="0" eaLnBrk="1" latinLnBrk="0" hangingPunct="1">
-              <a:spcBef>
-                <a:spcPts val="230"/>
-              </a:spcBef>
-              <a:buClr>
-                <a:schemeClr val="accent2">
-                  <a:tint val="85000"/>
-                  <a:satMod val="285000"/>
-                </a:schemeClr>
-              </a:buClr>
-              <a:buSzPct val="112000"/>
-              <a:buFont typeface="Verdana"/>
-              <a:buNone/>
-              <a:defRPr sz="1900" kern="1200">
-                <a:solidFill>
-                  <a:schemeClr val="tx1"/>
-                </a:solidFill>
-                <a:latin typeface="+mn-lt"/>
-                <a:ea typeface="+mn-ea"/>
-                <a:cs typeface="+mn-cs"/>
-              </a:defRPr>
-            </a:lvl4pPr>
-            <a:lvl5pPr marL="1097280" indent="0" algn="l" rtl="0" eaLnBrk="1" latinLnBrk="0" hangingPunct="1">
-              <a:spcBef>
-                <a:spcPts val="250"/>
-              </a:spcBef>
-              <a:buClr>
-                <a:schemeClr val="accent3">
-                  <a:tint val="85000"/>
-                  <a:satMod val="275000"/>
-                </a:schemeClr>
-              </a:buClr>
-              <a:buSzPct val="100000"/>
-              <a:buFont typeface="Wingdings 2"/>
-              <a:buNone/>
-              <a:defRPr sz="1800" kern="1200">
-                <a:solidFill>
-                  <a:schemeClr val="tx1"/>
-                </a:solidFill>
-                <a:latin typeface="+mn-lt"/>
-                <a:ea typeface="+mn-ea"/>
-                <a:cs typeface="+mn-cs"/>
-              </a:defRPr>
-            </a:lvl5pPr>
-            <a:lvl6pPr marL="1490472" indent="-182880" algn="l" rtl="0" eaLnBrk="1" latinLnBrk="0" hangingPunct="1">
-              <a:spcBef>
-                <a:spcPts val="250"/>
-              </a:spcBef>
-              <a:buClr>
-                <a:schemeClr val="accent3">
-                  <a:tint val="85000"/>
-                  <a:satMod val="275000"/>
-                </a:schemeClr>
-              </a:buClr>
-              <a:buSzPct val="100000"/>
-              <a:buFont typeface="Verdana"/>
-              <a:buChar char="◦"/>
-              <a:defRPr sz="1700" kern="1200" baseline="0">
-                <a:solidFill>
-                  <a:srgbClr val="FFFFFF"/>
-                </a:solidFill>
-                <a:latin typeface="+mn-lt"/>
-                <a:ea typeface="+mn-ea"/>
-                <a:cs typeface="+mn-cs"/>
-              </a:defRPr>
-            </a:lvl6pPr>
-            <a:lvl7pPr marL="1700784" indent="-182880" algn="l" rtl="0" eaLnBrk="1" latinLnBrk="0" hangingPunct="1">
-              <a:spcBef>
-                <a:spcPts val="255"/>
-              </a:spcBef>
-              <a:buClr>
-                <a:schemeClr val="accent3">
-                  <a:tint val="85000"/>
-                  <a:satMod val="275000"/>
-                </a:schemeClr>
-              </a:buClr>
-              <a:buSzPct val="100000"/>
-              <a:buFont typeface="Wingdings 2"/>
-              <a:buChar char=""/>
-              <a:defRPr sz="1500" kern="1200">
-                <a:solidFill>
-                  <a:srgbClr val="FFFFFF"/>
-                </a:solidFill>
-                <a:latin typeface="+mn-lt"/>
-                <a:ea typeface="+mn-ea"/>
-                <a:cs typeface="+mn-cs"/>
-              </a:defRPr>
-            </a:lvl7pPr>
-            <a:lvl8pPr marL="1920240" indent="-182880" algn="l" rtl="0" eaLnBrk="1" latinLnBrk="0" hangingPunct="1">
-              <a:spcBef>
-                <a:spcPts val="257"/>
-              </a:spcBef>
-              <a:buClr>
-                <a:schemeClr val="accent3">
-                  <a:tint val="85000"/>
-                  <a:satMod val="275000"/>
-                </a:schemeClr>
-              </a:buClr>
-              <a:buSzPct val="100000"/>
-              <a:buFont typeface="Verdana"/>
-              <a:buChar char="◦"/>
-              <a:defRPr sz="1500" kern="1200" baseline="0">
-                <a:solidFill>
-                  <a:srgbClr val="FFFFFF"/>
-                </a:solidFill>
-                <a:latin typeface="+mn-lt"/>
-                <a:ea typeface="+mn-ea"/>
-                <a:cs typeface="+mn-cs"/>
-              </a:defRPr>
-            </a:lvl8pPr>
-            <a:lvl9pPr marL="2148840" indent="-182880" algn="l" rtl="0" eaLnBrk="1" latinLnBrk="0" hangingPunct="1">
-              <a:spcBef>
-                <a:spcPts val="255"/>
-              </a:spcBef>
-              <a:buClr>
-                <a:schemeClr val="accent3">
-                  <a:tint val="85000"/>
-                  <a:satMod val="275000"/>
-                </a:schemeClr>
-              </a:buClr>
-              <a:buSzPct val="100000"/>
-              <a:buFont typeface="Wingdings 2"/>
-              <a:buChar char=""/>
-              <a:defRPr sz="1500" kern="1200">
-                <a:solidFill>
-                  <a:srgbClr val="FFFFFF"/>
-                </a:solidFill>
-                <a:latin typeface="+mn-lt"/>
-                <a:ea typeface="+mn-ea"/>
-                <a:cs typeface="+mn-cs"/>
-              </a:defRPr>
-            </a:lvl9pPr>
-          </a:lstStyle>
-          <a:p>
-            <a:r>
-              <a:rPr lang="en-US" b="1" dirty="0"/>
-              <a:t>Components</a:t>
-            </a:r>
-          </a:p>
-        </p:txBody>
-      </p:sp>
-      <p:sp>
-        <p:nvSpPr>
-          <p:cNvPr id="9" name="Rectangle 2">
-            <a:extLst>
-              <a:ext uri="{FF2B5EF4-FFF2-40B4-BE49-F238E27FC236}">
-                <a16:creationId xmlns:a16="http://schemas.microsoft.com/office/drawing/2014/main" id="{AEC26519-7F08-4EE1-A092-D2875BFD969C}"/>
-              </a:ext>
-            </a:extLst>
-          </p:cNvPr>
-          <p:cNvSpPr txBox="1">
-            <a:spLocks/>
-          </p:cNvSpPr>
-          <p:nvPr/>
-        </p:nvSpPr>
-        <p:spPr>
-          <a:xfrm>
-            <a:off x="4243818" y="3362635"/>
-            <a:ext cx="2088232" cy="576064"/>
-          </a:xfrm>
-          <a:prstGeom prst="rect">
-            <a:avLst/>
-          </a:prstGeom>
-        </p:spPr>
-        <p:txBody>
-          <a:bodyPr vert="horz" lIns="182880" tIns="91440">
-            <a:normAutofit/>
-          </a:bodyPr>
-          <a:lstStyle>
-            <a:lvl1pPr marL="0" indent="0" algn="l" rtl="0" eaLnBrk="1" latinLnBrk="0" hangingPunct="1">
-              <a:spcBef>
-                <a:spcPts val="250"/>
-              </a:spcBef>
-              <a:buClr>
-                <a:schemeClr val="accent1"/>
-              </a:buClr>
-              <a:buSzPct val="80000"/>
-              <a:buFont typeface="Wingdings 2"/>
-              <a:buNone/>
-              <a:defRPr sz="2000" kern="1200">
-                <a:solidFill>
-                  <a:schemeClr val="tx1"/>
-                </a:solidFill>
-                <a:effectLst/>
-                <a:latin typeface="+mn-lt"/>
-                <a:ea typeface="+mn-ea"/>
-                <a:cs typeface="+mn-cs"/>
-              </a:defRPr>
-            </a:lvl1pPr>
-            <a:lvl2pPr marL="347472" indent="0" algn="l" rtl="0" eaLnBrk="1" latinLnBrk="0" hangingPunct="1">
-              <a:spcBef>
-                <a:spcPts val="250"/>
-              </a:spcBef>
-              <a:buClr>
-                <a:schemeClr val="accent1"/>
-              </a:buClr>
-              <a:buSzPct val="100000"/>
-              <a:buFont typeface="Verdana"/>
-              <a:buNone/>
-              <a:defRPr sz="2400" kern="1200">
-                <a:solidFill>
-                  <a:schemeClr val="tx1"/>
-                </a:solidFill>
-                <a:latin typeface="+mn-lt"/>
-                <a:ea typeface="+mn-ea"/>
-                <a:cs typeface="+mn-cs"/>
-              </a:defRPr>
-            </a:lvl2pPr>
-            <a:lvl3pPr marL="603504" indent="0" algn="l" rtl="0" eaLnBrk="1" latinLnBrk="0" hangingPunct="1">
-              <a:spcBef>
-                <a:spcPts val="250"/>
-              </a:spcBef>
-              <a:buClr>
-                <a:schemeClr val="accent2">
-                  <a:tint val="85000"/>
-                  <a:satMod val="285000"/>
-                </a:schemeClr>
-              </a:buClr>
-              <a:buSzPct val="100000"/>
-              <a:buFont typeface="Wingdings 2"/>
-              <a:buNone/>
-              <a:defRPr sz="2200" kern="1200">
-                <a:solidFill>
-                  <a:schemeClr val="tx1"/>
-                </a:solidFill>
-                <a:latin typeface="+mn-lt"/>
-                <a:ea typeface="+mn-ea"/>
-                <a:cs typeface="+mn-cs"/>
-              </a:defRPr>
-            </a:lvl3pPr>
-            <a:lvl4pPr marL="841248" indent="0" algn="l" rtl="0" eaLnBrk="1" latinLnBrk="0" hangingPunct="1">
-              <a:spcBef>
-                <a:spcPts val="230"/>
-              </a:spcBef>
-              <a:buClr>
-                <a:schemeClr val="accent2">
-                  <a:tint val="85000"/>
-                  <a:satMod val="285000"/>
-                </a:schemeClr>
-              </a:buClr>
-              <a:buSzPct val="112000"/>
-              <a:buFont typeface="Verdana"/>
-              <a:buNone/>
-              <a:defRPr sz="1900" kern="1200">
-                <a:solidFill>
-                  <a:schemeClr val="tx1"/>
-                </a:solidFill>
-                <a:latin typeface="+mn-lt"/>
-                <a:ea typeface="+mn-ea"/>
-                <a:cs typeface="+mn-cs"/>
-              </a:defRPr>
-            </a:lvl4pPr>
-            <a:lvl5pPr marL="1097280" indent="0" algn="l" rtl="0" eaLnBrk="1" latinLnBrk="0" hangingPunct="1">
-              <a:spcBef>
-                <a:spcPts val="250"/>
-              </a:spcBef>
-              <a:buClr>
-                <a:schemeClr val="accent3">
-                  <a:tint val="85000"/>
-                  <a:satMod val="275000"/>
-                </a:schemeClr>
-              </a:buClr>
-              <a:buSzPct val="100000"/>
-              <a:buFont typeface="Wingdings 2"/>
-              <a:buNone/>
-              <a:defRPr sz="1800" kern="1200">
-                <a:solidFill>
-                  <a:schemeClr val="tx1"/>
-                </a:solidFill>
-                <a:latin typeface="+mn-lt"/>
-                <a:ea typeface="+mn-ea"/>
-                <a:cs typeface="+mn-cs"/>
-              </a:defRPr>
-            </a:lvl5pPr>
-            <a:lvl6pPr marL="1490472" indent="-182880" algn="l" rtl="0" eaLnBrk="1" latinLnBrk="0" hangingPunct="1">
-              <a:spcBef>
-                <a:spcPts val="250"/>
-              </a:spcBef>
-              <a:buClr>
-                <a:schemeClr val="accent3">
-                  <a:tint val="85000"/>
-                  <a:satMod val="275000"/>
-                </a:schemeClr>
-              </a:buClr>
-              <a:buSzPct val="100000"/>
-              <a:buFont typeface="Verdana"/>
-              <a:buChar char="◦"/>
-              <a:defRPr sz="1700" kern="1200" baseline="0">
-                <a:solidFill>
-                  <a:srgbClr val="FFFFFF"/>
-                </a:solidFill>
-                <a:latin typeface="+mn-lt"/>
-                <a:ea typeface="+mn-ea"/>
-                <a:cs typeface="+mn-cs"/>
-              </a:defRPr>
-            </a:lvl6pPr>
-            <a:lvl7pPr marL="1700784" indent="-182880" algn="l" rtl="0" eaLnBrk="1" latinLnBrk="0" hangingPunct="1">
-              <a:spcBef>
-                <a:spcPts val="255"/>
-              </a:spcBef>
-              <a:buClr>
-                <a:schemeClr val="accent3">
-                  <a:tint val="85000"/>
-                  <a:satMod val="275000"/>
-                </a:schemeClr>
-              </a:buClr>
-              <a:buSzPct val="100000"/>
-              <a:buFont typeface="Wingdings 2"/>
-              <a:buChar char=""/>
-              <a:defRPr sz="1500" kern="1200">
-                <a:solidFill>
-                  <a:srgbClr val="FFFFFF"/>
-                </a:solidFill>
-                <a:latin typeface="+mn-lt"/>
-                <a:ea typeface="+mn-ea"/>
-                <a:cs typeface="+mn-cs"/>
-              </a:defRPr>
-            </a:lvl7pPr>
-            <a:lvl8pPr marL="1920240" indent="-182880" algn="l" rtl="0" eaLnBrk="1" latinLnBrk="0" hangingPunct="1">
-              <a:spcBef>
-                <a:spcPts val="257"/>
-              </a:spcBef>
-              <a:buClr>
-                <a:schemeClr val="accent3">
-                  <a:tint val="85000"/>
-                  <a:satMod val="275000"/>
-                </a:schemeClr>
-              </a:buClr>
-              <a:buSzPct val="100000"/>
-              <a:buFont typeface="Verdana"/>
-              <a:buChar char="◦"/>
-              <a:defRPr sz="1500" kern="1200" baseline="0">
-                <a:solidFill>
-                  <a:srgbClr val="FFFFFF"/>
-                </a:solidFill>
-                <a:latin typeface="+mn-lt"/>
-                <a:ea typeface="+mn-ea"/>
-                <a:cs typeface="+mn-cs"/>
-              </a:defRPr>
-            </a:lvl8pPr>
-            <a:lvl9pPr marL="2148840" indent="-182880" algn="l" rtl="0" eaLnBrk="1" latinLnBrk="0" hangingPunct="1">
-              <a:spcBef>
-                <a:spcPts val="255"/>
-              </a:spcBef>
-              <a:buClr>
-                <a:schemeClr val="accent3">
-                  <a:tint val="85000"/>
-                  <a:satMod val="275000"/>
-                </a:schemeClr>
-              </a:buClr>
-              <a:buSzPct val="100000"/>
-              <a:buFont typeface="Wingdings 2"/>
-              <a:buChar char=""/>
-              <a:defRPr sz="1500" kern="1200">
-                <a:solidFill>
-                  <a:srgbClr val="FFFFFF"/>
-                </a:solidFill>
-                <a:latin typeface="+mn-lt"/>
-                <a:ea typeface="+mn-ea"/>
-                <a:cs typeface="+mn-cs"/>
-              </a:defRPr>
-            </a:lvl9pPr>
-          </a:lstStyle>
-          <a:p>
-            <a:r>
-              <a:rPr lang="en-US" b="1" dirty="0"/>
-              <a:t>Modules</a:t>
-            </a:r>
-          </a:p>
-        </p:txBody>
-      </p:sp>
-      <p:sp>
-        <p:nvSpPr>
-          <p:cNvPr id="12" name="Rectangle 2">
-            <a:extLst>
-              <a:ext uri="{FF2B5EF4-FFF2-40B4-BE49-F238E27FC236}">
-                <a16:creationId xmlns:a16="http://schemas.microsoft.com/office/drawing/2014/main" id="{5814E4EC-056A-4C07-A595-DAB2A7E43C88}"/>
-              </a:ext>
-            </a:extLst>
-          </p:cNvPr>
-          <p:cNvSpPr txBox="1">
-            <a:spLocks/>
-          </p:cNvSpPr>
-          <p:nvPr/>
-        </p:nvSpPr>
-        <p:spPr>
-          <a:xfrm>
-            <a:off x="277529" y="3747227"/>
-            <a:ext cx="3746247" cy="2454678"/>
-          </a:xfrm>
-          <a:prstGeom prst="rect">
-            <a:avLst/>
-          </a:prstGeom>
-        </p:spPr>
-        <p:txBody>
-          <a:bodyPr vert="horz" lIns="182880" tIns="91440">
-            <a:normAutofit/>
-          </a:bodyPr>
-          <a:lstStyle>
-            <a:lvl1pPr marL="0" indent="0" algn="l" rtl="0" eaLnBrk="1" latinLnBrk="0" hangingPunct="1">
-              <a:spcBef>
-                <a:spcPts val="250"/>
-              </a:spcBef>
-              <a:buClr>
-                <a:schemeClr val="accent1"/>
-              </a:buClr>
-              <a:buSzPct val="80000"/>
-              <a:buFont typeface="Wingdings 2"/>
-              <a:buNone/>
-              <a:defRPr sz="2000" kern="1200">
-                <a:solidFill>
-                  <a:schemeClr val="tx1"/>
-                </a:solidFill>
-                <a:effectLst/>
-                <a:latin typeface="+mn-lt"/>
-                <a:ea typeface="+mn-ea"/>
-                <a:cs typeface="+mn-cs"/>
-              </a:defRPr>
-            </a:lvl1pPr>
-            <a:lvl2pPr marL="347472" indent="0" algn="l" rtl="0" eaLnBrk="1" latinLnBrk="0" hangingPunct="1">
-              <a:spcBef>
-                <a:spcPts val="250"/>
-              </a:spcBef>
-              <a:buClr>
-                <a:schemeClr val="accent1"/>
-              </a:buClr>
-              <a:buSzPct val="100000"/>
-              <a:buFont typeface="Verdana"/>
-              <a:buNone/>
-              <a:defRPr sz="2400" kern="1200">
-                <a:solidFill>
-                  <a:schemeClr val="tx1"/>
-                </a:solidFill>
-                <a:latin typeface="+mn-lt"/>
-                <a:ea typeface="+mn-ea"/>
-                <a:cs typeface="+mn-cs"/>
-              </a:defRPr>
-            </a:lvl2pPr>
-            <a:lvl3pPr marL="603504" indent="0" algn="l" rtl="0" eaLnBrk="1" latinLnBrk="0" hangingPunct="1">
-              <a:spcBef>
-                <a:spcPts val="250"/>
-              </a:spcBef>
-              <a:buClr>
-                <a:schemeClr val="accent2">
-                  <a:tint val="85000"/>
-                  <a:satMod val="285000"/>
-                </a:schemeClr>
-              </a:buClr>
-              <a:buSzPct val="100000"/>
-              <a:buFont typeface="Wingdings 2"/>
-              <a:buNone/>
-              <a:defRPr sz="2200" kern="1200">
-                <a:solidFill>
-                  <a:schemeClr val="tx1"/>
-                </a:solidFill>
-                <a:latin typeface="+mn-lt"/>
-                <a:ea typeface="+mn-ea"/>
-                <a:cs typeface="+mn-cs"/>
-              </a:defRPr>
-            </a:lvl3pPr>
-            <a:lvl4pPr marL="841248" indent="0" algn="l" rtl="0" eaLnBrk="1" latinLnBrk="0" hangingPunct="1">
-              <a:spcBef>
-                <a:spcPts val="230"/>
-              </a:spcBef>
-              <a:buClr>
-                <a:schemeClr val="accent2">
-                  <a:tint val="85000"/>
-                  <a:satMod val="285000"/>
-                </a:schemeClr>
-              </a:buClr>
-              <a:buSzPct val="112000"/>
-              <a:buFont typeface="Verdana"/>
-              <a:buNone/>
-              <a:defRPr sz="1900" kern="1200">
-                <a:solidFill>
-                  <a:schemeClr val="tx1"/>
-                </a:solidFill>
-                <a:latin typeface="+mn-lt"/>
-                <a:ea typeface="+mn-ea"/>
-                <a:cs typeface="+mn-cs"/>
-              </a:defRPr>
-            </a:lvl4pPr>
-            <a:lvl5pPr marL="1097280" indent="0" algn="l" rtl="0" eaLnBrk="1" latinLnBrk="0" hangingPunct="1">
-              <a:spcBef>
-                <a:spcPts val="250"/>
-              </a:spcBef>
-              <a:buClr>
-                <a:schemeClr val="accent3">
-                  <a:tint val="85000"/>
-                  <a:satMod val="275000"/>
-                </a:schemeClr>
-              </a:buClr>
-              <a:buSzPct val="100000"/>
-              <a:buFont typeface="Wingdings 2"/>
-              <a:buNone/>
-              <a:defRPr sz="1800" kern="1200">
-                <a:solidFill>
-                  <a:schemeClr val="tx1"/>
-                </a:solidFill>
-                <a:latin typeface="+mn-lt"/>
-                <a:ea typeface="+mn-ea"/>
-                <a:cs typeface="+mn-cs"/>
-              </a:defRPr>
-            </a:lvl5pPr>
-            <a:lvl6pPr marL="1490472" indent="-182880" algn="l" rtl="0" eaLnBrk="1" latinLnBrk="0" hangingPunct="1">
-              <a:spcBef>
-                <a:spcPts val="250"/>
-              </a:spcBef>
-              <a:buClr>
-                <a:schemeClr val="accent3">
-                  <a:tint val="85000"/>
-                  <a:satMod val="275000"/>
-                </a:schemeClr>
-              </a:buClr>
-              <a:buSzPct val="100000"/>
-              <a:buFont typeface="Verdana"/>
-              <a:buChar char="◦"/>
-              <a:defRPr sz="1700" kern="1200" baseline="0">
-                <a:solidFill>
-                  <a:srgbClr val="FFFFFF"/>
-                </a:solidFill>
-                <a:latin typeface="+mn-lt"/>
-                <a:ea typeface="+mn-ea"/>
-                <a:cs typeface="+mn-cs"/>
-              </a:defRPr>
-            </a:lvl6pPr>
-            <a:lvl7pPr marL="1700784" indent="-182880" algn="l" rtl="0" eaLnBrk="1" latinLnBrk="0" hangingPunct="1">
-              <a:spcBef>
-                <a:spcPts val="255"/>
-              </a:spcBef>
-              <a:buClr>
-                <a:schemeClr val="accent3">
-                  <a:tint val="85000"/>
-                  <a:satMod val="275000"/>
-                </a:schemeClr>
-              </a:buClr>
-              <a:buSzPct val="100000"/>
-              <a:buFont typeface="Wingdings 2"/>
-              <a:buChar char=""/>
-              <a:defRPr sz="1500" kern="1200">
-                <a:solidFill>
-                  <a:srgbClr val="FFFFFF"/>
-                </a:solidFill>
-                <a:latin typeface="+mn-lt"/>
-                <a:ea typeface="+mn-ea"/>
-                <a:cs typeface="+mn-cs"/>
-              </a:defRPr>
-            </a:lvl7pPr>
-            <a:lvl8pPr marL="1920240" indent="-182880" algn="l" rtl="0" eaLnBrk="1" latinLnBrk="0" hangingPunct="1">
-              <a:spcBef>
-                <a:spcPts val="257"/>
-              </a:spcBef>
-              <a:buClr>
-                <a:schemeClr val="accent3">
-                  <a:tint val="85000"/>
-                  <a:satMod val="275000"/>
-                </a:schemeClr>
-              </a:buClr>
-              <a:buSzPct val="100000"/>
-              <a:buFont typeface="Verdana"/>
-              <a:buChar char="◦"/>
-              <a:defRPr sz="1500" kern="1200" baseline="0">
-                <a:solidFill>
-                  <a:srgbClr val="FFFFFF"/>
-                </a:solidFill>
-                <a:latin typeface="+mn-lt"/>
-                <a:ea typeface="+mn-ea"/>
-                <a:cs typeface="+mn-cs"/>
-              </a:defRPr>
-            </a:lvl8pPr>
-            <a:lvl9pPr marL="2148840" indent="-182880" algn="l" rtl="0" eaLnBrk="1" latinLnBrk="0" hangingPunct="1">
-              <a:spcBef>
-                <a:spcPts val="255"/>
-              </a:spcBef>
-              <a:buClr>
-                <a:schemeClr val="accent3">
-                  <a:tint val="85000"/>
-                  <a:satMod val="275000"/>
-                </a:schemeClr>
-              </a:buClr>
-              <a:buSzPct val="100000"/>
-              <a:buFont typeface="Wingdings 2"/>
-              <a:buChar char=""/>
-              <a:defRPr sz="1500" kern="1200">
-                <a:solidFill>
-                  <a:srgbClr val="FFFFFF"/>
-                </a:solidFill>
-                <a:latin typeface="+mn-lt"/>
-                <a:ea typeface="+mn-ea"/>
-                <a:cs typeface="+mn-cs"/>
-              </a:defRPr>
-            </a:lvl9pPr>
-          </a:lstStyle>
-          <a:p>
-            <a:pPr marL="342900" indent="-342900">
-              <a:buFont typeface="Wingdings" panose="05000000000000000000" pitchFamily="2" charset="2"/>
-              <a:buChar char="ü"/>
-            </a:pPr>
-            <a:r>
-              <a:rPr lang="en-US" dirty="0"/>
-              <a:t>a single and simple content feature</a:t>
-            </a:r>
-          </a:p>
-          <a:p>
-            <a:pPr marL="342900" indent="-342900">
-              <a:buFont typeface="Wingdings" panose="05000000000000000000" pitchFamily="2" charset="2"/>
-              <a:buChar char="ü"/>
-            </a:pPr>
-            <a:r>
-              <a:rPr lang="en-US" dirty="0"/>
-              <a:t>very specific behavior</a:t>
-            </a:r>
-          </a:p>
-          <a:p>
-            <a:pPr marL="690372" lvl="1" indent="-342900">
-              <a:buFont typeface="Wingdings" panose="05000000000000000000" pitchFamily="2" charset="2"/>
-              <a:buChar char="q"/>
-            </a:pPr>
-            <a:r>
-              <a:rPr lang="en-US" sz="1200" dirty="0"/>
-              <a:t>i.e. Text and Image – Left</a:t>
-            </a:r>
-          </a:p>
-          <a:p>
-            <a:pPr marL="946404" lvl="2" indent="-342900">
+          <a:lstStyle/>
+          <a:p>
+            <a:pPr marL="285750" indent="-285750">
               <a:buFont typeface="Arial" panose="020B0604020202020204" pitchFamily="34" charset="0"/>
               <a:buChar char="•"/>
             </a:pPr>
             <a:r>
-              <a:rPr lang="en-US" sz="1000" dirty="0"/>
-              <a:t>Text</a:t>
-            </a:r>
-          </a:p>
-          <a:p>
-            <a:pPr marL="946404" lvl="2" indent="-342900">
+              <a:rPr lang="en-US" dirty="0"/>
+              <a:t>Is not another framework</a:t>
+            </a:r>
+          </a:p>
+          <a:p>
+            <a:pPr marL="285750" indent="-285750">
               <a:buFont typeface="Arial" panose="020B0604020202020204" pitchFamily="34" charset="0"/>
               <a:buChar char="•"/>
             </a:pPr>
             <a:r>
-              <a:rPr lang="en-US" sz="1000" dirty="0"/>
-              <a:t>Image</a:t>
-            </a:r>
-          </a:p>
-          <a:p>
-            <a:pPr marL="342900" indent="-342900">
-              <a:buFont typeface="Wingdings" panose="05000000000000000000" pitchFamily="2" charset="2"/>
-              <a:buChar char="ü"/>
-            </a:pPr>
-            <a:r>
               <a:rPr lang="en-US" dirty="0"/>
-              <a:t>View Rendering</a:t>
-            </a:r>
-          </a:p>
-          <a:p>
-            <a:pPr marL="342900" indent="-342900">
-              <a:buFont typeface="Wingdings" panose="05000000000000000000" pitchFamily="2" charset="2"/>
-              <a:buChar char="ü"/>
-            </a:pPr>
-            <a:r>
-              <a:rPr lang="en-US" dirty="0"/>
-              <a:t>Controller Rendering</a:t>
-            </a:r>
-          </a:p>
-          <a:p>
-            <a:pPr lvl="1"/>
-            <a:endParaRPr lang="en-US" dirty="0"/>
-          </a:p>
-        </p:txBody>
-      </p:sp>
-      <p:sp>
-        <p:nvSpPr>
-          <p:cNvPr id="13" name="Rectangle 2">
-            <a:extLst>
-              <a:ext uri="{FF2B5EF4-FFF2-40B4-BE49-F238E27FC236}">
-                <a16:creationId xmlns:a16="http://schemas.microsoft.com/office/drawing/2014/main" id="{C4A24035-9FF9-4259-BDEE-B98D040BF6E2}"/>
-              </a:ext>
-            </a:extLst>
-          </p:cNvPr>
-          <p:cNvSpPr txBox="1">
-            <a:spLocks/>
-          </p:cNvSpPr>
-          <p:nvPr/>
-        </p:nvSpPr>
-        <p:spPr>
-          <a:xfrm>
-            <a:off x="4347989" y="3747227"/>
-            <a:ext cx="4322311" cy="2220402"/>
-          </a:xfrm>
-          <a:prstGeom prst="rect">
-            <a:avLst/>
-          </a:prstGeom>
-        </p:spPr>
-        <p:txBody>
-          <a:bodyPr vert="horz" lIns="182880" tIns="91440">
-            <a:normAutofit fontScale="92500" lnSpcReduction="10000"/>
-          </a:bodyPr>
-          <a:lstStyle>
-            <a:lvl1pPr marL="0" indent="0" algn="l" rtl="0" eaLnBrk="1" latinLnBrk="0" hangingPunct="1">
-              <a:spcBef>
-                <a:spcPts val="250"/>
-              </a:spcBef>
-              <a:buClr>
-                <a:schemeClr val="accent1"/>
-              </a:buClr>
-              <a:buSzPct val="80000"/>
-              <a:buFont typeface="Wingdings 2"/>
-              <a:buNone/>
-              <a:defRPr sz="2000" kern="1200">
-                <a:solidFill>
-                  <a:schemeClr val="tx1"/>
-                </a:solidFill>
-                <a:effectLst/>
-                <a:latin typeface="+mn-lt"/>
-                <a:ea typeface="+mn-ea"/>
-                <a:cs typeface="+mn-cs"/>
-              </a:defRPr>
-            </a:lvl1pPr>
-            <a:lvl2pPr marL="347472" indent="0" algn="l" rtl="0" eaLnBrk="1" latinLnBrk="0" hangingPunct="1">
-              <a:spcBef>
-                <a:spcPts val="250"/>
-              </a:spcBef>
-              <a:buClr>
-                <a:schemeClr val="accent1"/>
-              </a:buClr>
-              <a:buSzPct val="100000"/>
-              <a:buFont typeface="Verdana"/>
-              <a:buNone/>
-              <a:defRPr sz="2400" kern="1200">
-                <a:solidFill>
-                  <a:schemeClr val="tx1"/>
-                </a:solidFill>
-                <a:latin typeface="+mn-lt"/>
-                <a:ea typeface="+mn-ea"/>
-                <a:cs typeface="+mn-cs"/>
-              </a:defRPr>
-            </a:lvl2pPr>
-            <a:lvl3pPr marL="603504" indent="0" algn="l" rtl="0" eaLnBrk="1" latinLnBrk="0" hangingPunct="1">
-              <a:spcBef>
-                <a:spcPts val="250"/>
-              </a:spcBef>
-              <a:buClr>
-                <a:schemeClr val="accent2">
-                  <a:tint val="85000"/>
-                  <a:satMod val="285000"/>
-                </a:schemeClr>
-              </a:buClr>
-              <a:buSzPct val="100000"/>
-              <a:buFont typeface="Wingdings 2"/>
-              <a:buNone/>
-              <a:defRPr sz="2200" kern="1200">
-                <a:solidFill>
-                  <a:schemeClr val="tx1"/>
-                </a:solidFill>
-                <a:latin typeface="+mn-lt"/>
-                <a:ea typeface="+mn-ea"/>
-                <a:cs typeface="+mn-cs"/>
-              </a:defRPr>
-            </a:lvl3pPr>
-            <a:lvl4pPr marL="841248" indent="0" algn="l" rtl="0" eaLnBrk="1" latinLnBrk="0" hangingPunct="1">
-              <a:spcBef>
-                <a:spcPts val="230"/>
-              </a:spcBef>
-              <a:buClr>
-                <a:schemeClr val="accent2">
-                  <a:tint val="85000"/>
-                  <a:satMod val="285000"/>
-                </a:schemeClr>
-              </a:buClr>
-              <a:buSzPct val="112000"/>
-              <a:buFont typeface="Verdana"/>
-              <a:buNone/>
-              <a:defRPr sz="1900" kern="1200">
-                <a:solidFill>
-                  <a:schemeClr val="tx1"/>
-                </a:solidFill>
-                <a:latin typeface="+mn-lt"/>
-                <a:ea typeface="+mn-ea"/>
-                <a:cs typeface="+mn-cs"/>
-              </a:defRPr>
-            </a:lvl4pPr>
-            <a:lvl5pPr marL="1097280" indent="0" algn="l" rtl="0" eaLnBrk="1" latinLnBrk="0" hangingPunct="1">
-              <a:spcBef>
-                <a:spcPts val="250"/>
-              </a:spcBef>
-              <a:buClr>
-                <a:schemeClr val="accent3">
-                  <a:tint val="85000"/>
-                  <a:satMod val="275000"/>
-                </a:schemeClr>
-              </a:buClr>
-              <a:buSzPct val="100000"/>
-              <a:buFont typeface="Wingdings 2"/>
-              <a:buNone/>
-              <a:defRPr sz="1800" kern="1200">
-                <a:solidFill>
-                  <a:schemeClr val="tx1"/>
-                </a:solidFill>
-                <a:latin typeface="+mn-lt"/>
-                <a:ea typeface="+mn-ea"/>
-                <a:cs typeface="+mn-cs"/>
-              </a:defRPr>
-            </a:lvl5pPr>
-            <a:lvl6pPr marL="1490472" indent="-182880" algn="l" rtl="0" eaLnBrk="1" latinLnBrk="0" hangingPunct="1">
-              <a:spcBef>
-                <a:spcPts val="250"/>
-              </a:spcBef>
-              <a:buClr>
-                <a:schemeClr val="accent3">
-                  <a:tint val="85000"/>
-                  <a:satMod val="275000"/>
-                </a:schemeClr>
-              </a:buClr>
-              <a:buSzPct val="100000"/>
-              <a:buFont typeface="Verdana"/>
-              <a:buChar char="◦"/>
-              <a:defRPr sz="1700" kern="1200" baseline="0">
-                <a:solidFill>
-                  <a:srgbClr val="FFFFFF"/>
-                </a:solidFill>
-                <a:latin typeface="+mn-lt"/>
-                <a:ea typeface="+mn-ea"/>
-                <a:cs typeface="+mn-cs"/>
-              </a:defRPr>
-            </a:lvl6pPr>
-            <a:lvl7pPr marL="1700784" indent="-182880" algn="l" rtl="0" eaLnBrk="1" latinLnBrk="0" hangingPunct="1">
-              <a:spcBef>
-                <a:spcPts val="255"/>
-              </a:spcBef>
-              <a:buClr>
-                <a:schemeClr val="accent3">
-                  <a:tint val="85000"/>
-                  <a:satMod val="275000"/>
-                </a:schemeClr>
-              </a:buClr>
-              <a:buSzPct val="100000"/>
-              <a:buFont typeface="Wingdings 2"/>
-              <a:buChar char=""/>
-              <a:defRPr sz="1500" kern="1200">
-                <a:solidFill>
-                  <a:srgbClr val="FFFFFF"/>
-                </a:solidFill>
-                <a:latin typeface="+mn-lt"/>
-                <a:ea typeface="+mn-ea"/>
-                <a:cs typeface="+mn-cs"/>
-              </a:defRPr>
-            </a:lvl7pPr>
-            <a:lvl8pPr marL="1920240" indent="-182880" algn="l" rtl="0" eaLnBrk="1" latinLnBrk="0" hangingPunct="1">
-              <a:spcBef>
-                <a:spcPts val="257"/>
-              </a:spcBef>
-              <a:buClr>
-                <a:schemeClr val="accent3">
-                  <a:tint val="85000"/>
-                  <a:satMod val="275000"/>
-                </a:schemeClr>
-              </a:buClr>
-              <a:buSzPct val="100000"/>
-              <a:buFont typeface="Verdana"/>
-              <a:buChar char="◦"/>
-              <a:defRPr sz="1500" kern="1200" baseline="0">
-                <a:solidFill>
-                  <a:srgbClr val="FFFFFF"/>
-                </a:solidFill>
-                <a:latin typeface="+mn-lt"/>
-                <a:ea typeface="+mn-ea"/>
-                <a:cs typeface="+mn-cs"/>
-              </a:defRPr>
-            </a:lvl8pPr>
-            <a:lvl9pPr marL="2148840" indent="-182880" algn="l" rtl="0" eaLnBrk="1" latinLnBrk="0" hangingPunct="1">
-              <a:spcBef>
-                <a:spcPts val="255"/>
-              </a:spcBef>
-              <a:buClr>
-                <a:schemeClr val="accent3">
-                  <a:tint val="85000"/>
-                  <a:satMod val="275000"/>
-                </a:schemeClr>
-              </a:buClr>
-              <a:buSzPct val="100000"/>
-              <a:buFont typeface="Wingdings 2"/>
-              <a:buChar char=""/>
-              <a:defRPr sz="1500" kern="1200">
-                <a:solidFill>
-                  <a:srgbClr val="FFFFFF"/>
-                </a:solidFill>
-                <a:latin typeface="+mn-lt"/>
-                <a:ea typeface="+mn-ea"/>
-                <a:cs typeface="+mn-cs"/>
-              </a:defRPr>
-            </a:lvl9pPr>
-          </a:lstStyle>
-          <a:p>
-            <a:pPr marL="342900" indent="-342900">
-              <a:buFont typeface="Wingdings" panose="05000000000000000000" pitchFamily="2" charset="2"/>
-              <a:buChar char="ü"/>
-            </a:pPr>
-            <a:r>
-              <a:rPr lang="en-US" dirty="0"/>
-              <a:t>a complex content feature</a:t>
-            </a:r>
-          </a:p>
-          <a:p>
-            <a:pPr marL="342900" indent="-342900">
-              <a:buFont typeface="Wingdings" panose="05000000000000000000" pitchFamily="2" charset="2"/>
-              <a:buChar char="ü"/>
-            </a:pPr>
-            <a:r>
-              <a:rPr lang="en-US" dirty="0"/>
-              <a:t>can comprise one or more components</a:t>
-            </a:r>
-          </a:p>
-          <a:p>
-            <a:pPr marL="690372" lvl="1" indent="-342900">
-              <a:buFont typeface="Wingdings" panose="05000000000000000000" pitchFamily="2" charset="2"/>
-              <a:buChar char="q"/>
-            </a:pPr>
-            <a:r>
-              <a:rPr lang="en-US" sz="1400" dirty="0"/>
-              <a:t>i.e. Product Info</a:t>
-            </a:r>
-          </a:p>
-          <a:p>
-            <a:pPr marL="946404" lvl="2" indent="-342900">
+              <a:t>Does not affect existing codes</a:t>
+            </a:r>
+          </a:p>
+          <a:p>
+            <a:pPr marL="285750" indent="-285750">
               <a:buFont typeface="Arial" panose="020B0604020202020204" pitchFamily="34" charset="0"/>
               <a:buChar char="•"/>
             </a:pPr>
             <a:r>
-              <a:rPr lang="en-US" sz="1200" dirty="0"/>
-              <a:t>Text and Image – Left</a:t>
-            </a:r>
-          </a:p>
-          <a:p>
-            <a:pPr marL="946404" lvl="2" indent="-342900">
+              <a:rPr lang="en-US" dirty="0"/>
+              <a:t>Can be used at any starter kit</a:t>
+            </a:r>
+          </a:p>
+          <a:p>
+            <a:pPr marL="285750" indent="-285750">
               <a:buFont typeface="Arial" panose="020B0604020202020204" pitchFamily="34" charset="0"/>
               <a:buChar char="•"/>
             </a:pPr>
             <a:r>
-              <a:rPr lang="en-US" sz="1200" dirty="0"/>
-              <a:t>Text Block</a:t>
-            </a:r>
-          </a:p>
-          <a:p>
-            <a:pPr marL="946404" lvl="2" indent="-342900">
+              <a:rPr lang="en-US" dirty="0"/>
+              <a:t>Can be used to create a starter kit</a:t>
+            </a:r>
+          </a:p>
+          <a:p>
+            <a:pPr marL="285750" indent="-285750">
               <a:buFont typeface="Arial" panose="020B0604020202020204" pitchFamily="34" charset="0"/>
               <a:buChar char="•"/>
             </a:pPr>
             <a:r>
-              <a:rPr lang="en-US" sz="1200" dirty="0"/>
-              <a:t>Gallery</a:t>
-            </a:r>
-          </a:p>
-          <a:p>
-            <a:pPr marL="342900" indent="-342900">
-              <a:buFont typeface="Wingdings" panose="05000000000000000000" pitchFamily="2" charset="2"/>
-              <a:buChar char="ü"/>
-            </a:pPr>
-            <a:r>
               <a:rPr lang="en-US" dirty="0"/>
-              <a:t>Controller Rendering</a:t>
-            </a:r>
-          </a:p>
-        </p:txBody>
-      </p:sp>
-      <p:sp>
-        <p:nvSpPr>
-          <p:cNvPr id="14" name="Rectangle 2">
-            <a:extLst>
-              <a:ext uri="{FF2B5EF4-FFF2-40B4-BE49-F238E27FC236}">
-                <a16:creationId xmlns:a16="http://schemas.microsoft.com/office/drawing/2014/main" id="{C5750BD6-9ABB-46BF-8676-C3055AFB185A}"/>
-              </a:ext>
-            </a:extLst>
-          </p:cNvPr>
-          <p:cNvSpPr txBox="1">
-            <a:spLocks/>
-          </p:cNvSpPr>
-          <p:nvPr/>
-        </p:nvSpPr>
-        <p:spPr>
-          <a:xfrm>
-            <a:off x="161355" y="2006199"/>
-            <a:ext cx="3978597" cy="1356436"/>
-          </a:xfrm>
-          <a:prstGeom prst="rect">
-            <a:avLst/>
-          </a:prstGeom>
-        </p:spPr>
-        <p:txBody>
-          <a:bodyPr vert="horz" lIns="182880" tIns="91440">
-            <a:normAutofit lnSpcReduction="10000"/>
-          </a:bodyPr>
-          <a:lstStyle>
-            <a:lvl1pPr marL="0" indent="0" algn="l" rtl="0" eaLnBrk="1" latinLnBrk="0" hangingPunct="1">
-              <a:spcBef>
-                <a:spcPts val="250"/>
-              </a:spcBef>
-              <a:buClr>
-                <a:schemeClr val="accent1"/>
-              </a:buClr>
-              <a:buSzPct val="80000"/>
-              <a:buFont typeface="Wingdings 2"/>
-              <a:buNone/>
-              <a:defRPr sz="2000" kern="1200">
-                <a:solidFill>
-                  <a:schemeClr val="tx1"/>
-                </a:solidFill>
-                <a:effectLst/>
-                <a:latin typeface="+mn-lt"/>
-                <a:ea typeface="+mn-ea"/>
-                <a:cs typeface="+mn-cs"/>
-              </a:defRPr>
-            </a:lvl1pPr>
-            <a:lvl2pPr marL="347472" indent="0" algn="l" rtl="0" eaLnBrk="1" latinLnBrk="0" hangingPunct="1">
-              <a:spcBef>
-                <a:spcPts val="250"/>
-              </a:spcBef>
-              <a:buClr>
-                <a:schemeClr val="accent1"/>
-              </a:buClr>
-              <a:buSzPct val="100000"/>
-              <a:buFont typeface="Verdana"/>
-              <a:buNone/>
-              <a:defRPr sz="2400" kern="1200">
-                <a:solidFill>
-                  <a:schemeClr val="tx1"/>
-                </a:solidFill>
-                <a:latin typeface="+mn-lt"/>
-                <a:ea typeface="+mn-ea"/>
-                <a:cs typeface="+mn-cs"/>
-              </a:defRPr>
-            </a:lvl2pPr>
-            <a:lvl3pPr marL="603504" indent="0" algn="l" rtl="0" eaLnBrk="1" latinLnBrk="0" hangingPunct="1">
-              <a:spcBef>
-                <a:spcPts val="250"/>
-              </a:spcBef>
-              <a:buClr>
-                <a:schemeClr val="accent2">
-                  <a:tint val="85000"/>
-                  <a:satMod val="285000"/>
-                </a:schemeClr>
-              </a:buClr>
-              <a:buSzPct val="100000"/>
-              <a:buFont typeface="Wingdings 2"/>
-              <a:buNone/>
-              <a:defRPr sz="2200" kern="1200">
-                <a:solidFill>
-                  <a:schemeClr val="tx1"/>
-                </a:solidFill>
-                <a:latin typeface="+mn-lt"/>
-                <a:ea typeface="+mn-ea"/>
-                <a:cs typeface="+mn-cs"/>
-              </a:defRPr>
-            </a:lvl3pPr>
-            <a:lvl4pPr marL="841248" indent="0" algn="l" rtl="0" eaLnBrk="1" latinLnBrk="0" hangingPunct="1">
-              <a:spcBef>
-                <a:spcPts val="230"/>
-              </a:spcBef>
-              <a:buClr>
-                <a:schemeClr val="accent2">
-                  <a:tint val="85000"/>
-                  <a:satMod val="285000"/>
-                </a:schemeClr>
-              </a:buClr>
-              <a:buSzPct val="112000"/>
-              <a:buFont typeface="Verdana"/>
-              <a:buNone/>
-              <a:defRPr sz="1900" kern="1200">
-                <a:solidFill>
-                  <a:schemeClr val="tx1"/>
-                </a:solidFill>
-                <a:latin typeface="+mn-lt"/>
-                <a:ea typeface="+mn-ea"/>
-                <a:cs typeface="+mn-cs"/>
-              </a:defRPr>
-            </a:lvl4pPr>
-            <a:lvl5pPr marL="1097280" indent="0" algn="l" rtl="0" eaLnBrk="1" latinLnBrk="0" hangingPunct="1">
-              <a:spcBef>
-                <a:spcPts val="250"/>
-              </a:spcBef>
-              <a:buClr>
-                <a:schemeClr val="accent3">
-                  <a:tint val="85000"/>
-                  <a:satMod val="275000"/>
-                </a:schemeClr>
-              </a:buClr>
-              <a:buSzPct val="100000"/>
-              <a:buFont typeface="Wingdings 2"/>
-              <a:buNone/>
-              <a:defRPr sz="1800" kern="1200">
-                <a:solidFill>
-                  <a:schemeClr val="tx1"/>
-                </a:solidFill>
-                <a:latin typeface="+mn-lt"/>
-                <a:ea typeface="+mn-ea"/>
-                <a:cs typeface="+mn-cs"/>
-              </a:defRPr>
-            </a:lvl5pPr>
-            <a:lvl6pPr marL="1490472" indent="-182880" algn="l" rtl="0" eaLnBrk="1" latinLnBrk="0" hangingPunct="1">
-              <a:spcBef>
-                <a:spcPts val="250"/>
-              </a:spcBef>
-              <a:buClr>
-                <a:schemeClr val="accent3">
-                  <a:tint val="85000"/>
-                  <a:satMod val="275000"/>
-                </a:schemeClr>
-              </a:buClr>
-              <a:buSzPct val="100000"/>
-              <a:buFont typeface="Verdana"/>
-              <a:buChar char="◦"/>
-              <a:defRPr sz="1700" kern="1200" baseline="0">
-                <a:solidFill>
-                  <a:srgbClr val="FFFFFF"/>
-                </a:solidFill>
-                <a:latin typeface="+mn-lt"/>
-                <a:ea typeface="+mn-ea"/>
-                <a:cs typeface="+mn-cs"/>
-              </a:defRPr>
-            </a:lvl6pPr>
-            <a:lvl7pPr marL="1700784" indent="-182880" algn="l" rtl="0" eaLnBrk="1" latinLnBrk="0" hangingPunct="1">
-              <a:spcBef>
-                <a:spcPts val="255"/>
-              </a:spcBef>
-              <a:buClr>
-                <a:schemeClr val="accent3">
-                  <a:tint val="85000"/>
-                  <a:satMod val="275000"/>
-                </a:schemeClr>
-              </a:buClr>
-              <a:buSzPct val="100000"/>
-              <a:buFont typeface="Wingdings 2"/>
-              <a:buChar char=""/>
-              <a:defRPr sz="1500" kern="1200">
-                <a:solidFill>
-                  <a:srgbClr val="FFFFFF"/>
-                </a:solidFill>
-                <a:latin typeface="+mn-lt"/>
-                <a:ea typeface="+mn-ea"/>
-                <a:cs typeface="+mn-cs"/>
-              </a:defRPr>
-            </a:lvl7pPr>
-            <a:lvl8pPr marL="1920240" indent="-182880" algn="l" rtl="0" eaLnBrk="1" latinLnBrk="0" hangingPunct="1">
-              <a:spcBef>
-                <a:spcPts val="257"/>
-              </a:spcBef>
-              <a:buClr>
-                <a:schemeClr val="accent3">
-                  <a:tint val="85000"/>
-                  <a:satMod val="275000"/>
-                </a:schemeClr>
-              </a:buClr>
-              <a:buSzPct val="100000"/>
-              <a:buFont typeface="Verdana"/>
-              <a:buChar char="◦"/>
-              <a:defRPr sz="1500" kern="1200" baseline="0">
-                <a:solidFill>
-                  <a:srgbClr val="FFFFFF"/>
-                </a:solidFill>
-                <a:latin typeface="+mn-lt"/>
-                <a:ea typeface="+mn-ea"/>
-                <a:cs typeface="+mn-cs"/>
-              </a:defRPr>
-            </a:lvl8pPr>
-            <a:lvl9pPr marL="2148840" indent="-182880" algn="l" rtl="0" eaLnBrk="1" latinLnBrk="0" hangingPunct="1">
-              <a:spcBef>
-                <a:spcPts val="255"/>
-              </a:spcBef>
-              <a:buClr>
-                <a:schemeClr val="accent3">
-                  <a:tint val="85000"/>
-                  <a:satMod val="275000"/>
-                </a:schemeClr>
-              </a:buClr>
-              <a:buSzPct val="100000"/>
-              <a:buFont typeface="Wingdings 2"/>
-              <a:buChar char=""/>
-              <a:defRPr sz="1500" kern="1200">
-                <a:solidFill>
-                  <a:srgbClr val="FFFFFF"/>
-                </a:solidFill>
-                <a:latin typeface="+mn-lt"/>
-                <a:ea typeface="+mn-ea"/>
-                <a:cs typeface="+mn-cs"/>
-              </a:defRPr>
-            </a:lvl9pPr>
-          </a:lstStyle>
-          <a:p>
-            <a:pPr marL="342900" indent="-342900">
-              <a:buFont typeface="Wingdings" panose="05000000000000000000" pitchFamily="2" charset="2"/>
-              <a:buChar char="ü"/>
-            </a:pPr>
-            <a:r>
-              <a:rPr lang="en-US" dirty="0"/>
-              <a:t>view rendering</a:t>
-            </a:r>
-          </a:p>
-          <a:p>
-            <a:pPr marL="690372" lvl="1" indent="-342900">
+              <a:t>Can be used to create a “module” and install on multiple projects</a:t>
+            </a:r>
+          </a:p>
+          <a:p>
+            <a:pPr marL="285750" indent="-285750">
               <a:buFont typeface="Arial" panose="020B0604020202020204" pitchFamily="34" charset="0"/>
               <a:buChar char="•"/>
             </a:pPr>
             <a:r>
-              <a:rPr lang="en-US" sz="1400" dirty="0"/>
-              <a:t>strongly-typed models based on doc types or POCOs</a:t>
-            </a:r>
-          </a:p>
-          <a:p>
-            <a:pPr marL="690372" lvl="1" indent="-342900">
+              <a:rPr lang="en-US" dirty="0"/>
+              <a:t>Enforce consistency on structure</a:t>
+            </a:r>
+          </a:p>
+          <a:p>
+            <a:pPr marL="285750" indent="-285750">
               <a:buFont typeface="Arial" panose="020B0604020202020204" pitchFamily="34" charset="0"/>
               <a:buChar char="•"/>
             </a:pPr>
             <a:r>
-              <a:rPr lang="en-US" sz="1400" dirty="0"/>
-              <a:t>display directly on views with locations based on convention</a:t>
-            </a:r>
-          </a:p>
-          <a:p>
-            <a:pPr marL="690372" lvl="1" indent="-342900">
+              <a:rPr lang="en-US" dirty="0"/>
+              <a:t>Easy to add, remove, update or debug a feature</a:t>
+            </a:r>
+          </a:p>
+          <a:p>
+            <a:pPr marL="285750" indent="-285750">
               <a:buFont typeface="Arial" panose="020B0604020202020204" pitchFamily="34" charset="0"/>
               <a:buChar char="•"/>
             </a:pPr>
-            <a:endParaRPr lang="en-US" sz="1400" dirty="0"/>
-          </a:p>
-        </p:txBody>
-      </p:sp>
-      <p:sp>
-        <p:nvSpPr>
-          <p:cNvPr id="15" name="Rectangle 2">
-            <a:extLst>
-              <a:ext uri="{FF2B5EF4-FFF2-40B4-BE49-F238E27FC236}">
-                <a16:creationId xmlns:a16="http://schemas.microsoft.com/office/drawing/2014/main" id="{3594C3FD-8573-4049-BFA4-774AFD6D9F12}"/>
-              </a:ext>
-            </a:extLst>
-          </p:cNvPr>
-          <p:cNvSpPr txBox="1">
-            <a:spLocks/>
-          </p:cNvSpPr>
-          <p:nvPr/>
-        </p:nvSpPr>
-        <p:spPr>
-          <a:xfrm>
-            <a:off x="4116607" y="1911561"/>
-            <a:ext cx="4570193" cy="1451074"/>
-          </a:xfrm>
-          <a:prstGeom prst="rect">
-            <a:avLst/>
-          </a:prstGeom>
-        </p:spPr>
-        <p:txBody>
-          <a:bodyPr vert="horz" lIns="182880" tIns="91440">
-            <a:normAutofit/>
-          </a:bodyPr>
-          <a:lstStyle>
-            <a:lvl1pPr marL="0" indent="0" algn="l" rtl="0" eaLnBrk="1" latinLnBrk="0" hangingPunct="1">
-              <a:spcBef>
-                <a:spcPts val="250"/>
-              </a:spcBef>
-              <a:buClr>
-                <a:schemeClr val="accent1"/>
-              </a:buClr>
-              <a:buSzPct val="80000"/>
-              <a:buFont typeface="Wingdings 2"/>
-              <a:buNone/>
-              <a:defRPr sz="2000" kern="1200">
-                <a:solidFill>
-                  <a:schemeClr val="tx1"/>
-                </a:solidFill>
-                <a:effectLst/>
-                <a:latin typeface="+mn-lt"/>
-                <a:ea typeface="+mn-ea"/>
-                <a:cs typeface="+mn-cs"/>
-              </a:defRPr>
-            </a:lvl1pPr>
-            <a:lvl2pPr marL="347472" indent="0" algn="l" rtl="0" eaLnBrk="1" latinLnBrk="0" hangingPunct="1">
-              <a:spcBef>
-                <a:spcPts val="250"/>
-              </a:spcBef>
-              <a:buClr>
-                <a:schemeClr val="accent1"/>
-              </a:buClr>
-              <a:buSzPct val="100000"/>
-              <a:buFont typeface="Verdana"/>
-              <a:buNone/>
-              <a:defRPr sz="2400" kern="1200">
-                <a:solidFill>
-                  <a:schemeClr val="tx1"/>
-                </a:solidFill>
-                <a:latin typeface="+mn-lt"/>
-                <a:ea typeface="+mn-ea"/>
-                <a:cs typeface="+mn-cs"/>
-              </a:defRPr>
-            </a:lvl2pPr>
-            <a:lvl3pPr marL="603504" indent="0" algn="l" rtl="0" eaLnBrk="1" latinLnBrk="0" hangingPunct="1">
-              <a:spcBef>
-                <a:spcPts val="250"/>
-              </a:spcBef>
-              <a:buClr>
-                <a:schemeClr val="accent2">
-                  <a:tint val="85000"/>
-                  <a:satMod val="285000"/>
-                </a:schemeClr>
-              </a:buClr>
-              <a:buSzPct val="100000"/>
-              <a:buFont typeface="Wingdings 2"/>
-              <a:buNone/>
-              <a:defRPr sz="2200" kern="1200">
-                <a:solidFill>
-                  <a:schemeClr val="tx1"/>
-                </a:solidFill>
-                <a:latin typeface="+mn-lt"/>
-                <a:ea typeface="+mn-ea"/>
-                <a:cs typeface="+mn-cs"/>
-              </a:defRPr>
-            </a:lvl3pPr>
-            <a:lvl4pPr marL="841248" indent="0" algn="l" rtl="0" eaLnBrk="1" latinLnBrk="0" hangingPunct="1">
-              <a:spcBef>
-                <a:spcPts val="230"/>
-              </a:spcBef>
-              <a:buClr>
-                <a:schemeClr val="accent2">
-                  <a:tint val="85000"/>
-                  <a:satMod val="285000"/>
-                </a:schemeClr>
-              </a:buClr>
-              <a:buSzPct val="112000"/>
-              <a:buFont typeface="Verdana"/>
-              <a:buNone/>
-              <a:defRPr sz="1900" kern="1200">
-                <a:solidFill>
-                  <a:schemeClr val="tx1"/>
-                </a:solidFill>
-                <a:latin typeface="+mn-lt"/>
-                <a:ea typeface="+mn-ea"/>
-                <a:cs typeface="+mn-cs"/>
-              </a:defRPr>
-            </a:lvl4pPr>
-            <a:lvl5pPr marL="1097280" indent="0" algn="l" rtl="0" eaLnBrk="1" latinLnBrk="0" hangingPunct="1">
-              <a:spcBef>
-                <a:spcPts val="250"/>
-              </a:spcBef>
-              <a:buClr>
-                <a:schemeClr val="accent3">
-                  <a:tint val="85000"/>
-                  <a:satMod val="275000"/>
-                </a:schemeClr>
-              </a:buClr>
-              <a:buSzPct val="100000"/>
-              <a:buFont typeface="Wingdings 2"/>
-              <a:buNone/>
-              <a:defRPr sz="1800" kern="1200">
-                <a:solidFill>
-                  <a:schemeClr val="tx1"/>
-                </a:solidFill>
-                <a:latin typeface="+mn-lt"/>
-                <a:ea typeface="+mn-ea"/>
-                <a:cs typeface="+mn-cs"/>
-              </a:defRPr>
-            </a:lvl5pPr>
-            <a:lvl6pPr marL="1490472" indent="-182880" algn="l" rtl="0" eaLnBrk="1" latinLnBrk="0" hangingPunct="1">
-              <a:spcBef>
-                <a:spcPts val="250"/>
-              </a:spcBef>
-              <a:buClr>
-                <a:schemeClr val="accent3">
-                  <a:tint val="85000"/>
-                  <a:satMod val="275000"/>
-                </a:schemeClr>
-              </a:buClr>
-              <a:buSzPct val="100000"/>
-              <a:buFont typeface="Verdana"/>
-              <a:buChar char="◦"/>
-              <a:defRPr sz="1700" kern="1200" baseline="0">
-                <a:solidFill>
-                  <a:srgbClr val="FFFFFF"/>
-                </a:solidFill>
-                <a:latin typeface="+mn-lt"/>
-                <a:ea typeface="+mn-ea"/>
-                <a:cs typeface="+mn-cs"/>
-              </a:defRPr>
-            </a:lvl6pPr>
-            <a:lvl7pPr marL="1700784" indent="-182880" algn="l" rtl="0" eaLnBrk="1" latinLnBrk="0" hangingPunct="1">
-              <a:spcBef>
-                <a:spcPts val="255"/>
-              </a:spcBef>
-              <a:buClr>
-                <a:schemeClr val="accent3">
-                  <a:tint val="85000"/>
-                  <a:satMod val="275000"/>
-                </a:schemeClr>
-              </a:buClr>
-              <a:buSzPct val="100000"/>
-              <a:buFont typeface="Wingdings 2"/>
-              <a:buChar char=""/>
-              <a:defRPr sz="1500" kern="1200">
-                <a:solidFill>
-                  <a:srgbClr val="FFFFFF"/>
-                </a:solidFill>
-                <a:latin typeface="+mn-lt"/>
-                <a:ea typeface="+mn-ea"/>
-                <a:cs typeface="+mn-cs"/>
-              </a:defRPr>
-            </a:lvl7pPr>
-            <a:lvl8pPr marL="1920240" indent="-182880" algn="l" rtl="0" eaLnBrk="1" latinLnBrk="0" hangingPunct="1">
-              <a:spcBef>
-                <a:spcPts val="257"/>
-              </a:spcBef>
-              <a:buClr>
-                <a:schemeClr val="accent3">
-                  <a:tint val="85000"/>
-                  <a:satMod val="275000"/>
-                </a:schemeClr>
-              </a:buClr>
-              <a:buSzPct val="100000"/>
-              <a:buFont typeface="Verdana"/>
-              <a:buChar char="◦"/>
-              <a:defRPr sz="1500" kern="1200" baseline="0">
-                <a:solidFill>
-                  <a:srgbClr val="FFFFFF"/>
-                </a:solidFill>
-                <a:latin typeface="+mn-lt"/>
-                <a:ea typeface="+mn-ea"/>
-                <a:cs typeface="+mn-cs"/>
-              </a:defRPr>
-            </a:lvl8pPr>
-            <a:lvl9pPr marL="2148840" indent="-182880" algn="l" rtl="0" eaLnBrk="1" latinLnBrk="0" hangingPunct="1">
-              <a:spcBef>
-                <a:spcPts val="255"/>
-              </a:spcBef>
-              <a:buClr>
-                <a:schemeClr val="accent3">
-                  <a:tint val="85000"/>
-                  <a:satMod val="275000"/>
-                </a:schemeClr>
-              </a:buClr>
-              <a:buSzPct val="100000"/>
-              <a:buFont typeface="Wingdings 2"/>
-              <a:buChar char=""/>
-              <a:defRPr sz="1500" kern="1200">
-                <a:solidFill>
-                  <a:srgbClr val="FFFFFF"/>
-                </a:solidFill>
-                <a:latin typeface="+mn-lt"/>
-                <a:ea typeface="+mn-ea"/>
-                <a:cs typeface="+mn-cs"/>
-              </a:defRPr>
-            </a:lvl9pPr>
-          </a:lstStyle>
-          <a:p>
-            <a:pPr marL="342900" indent="-342900">
-              <a:buFont typeface="Wingdings" panose="05000000000000000000" pitchFamily="2" charset="2"/>
-              <a:buChar char="ü"/>
-            </a:pPr>
             <a:r>
               <a:rPr lang="en-US" dirty="0"/>
-              <a:t>controller rendering</a:t>
-            </a:r>
-          </a:p>
-          <a:p>
-            <a:pPr marL="804672" lvl="1" indent="-457200">
+              <a:t>Works with out-of-the-box Umbraco</a:t>
+            </a:r>
+          </a:p>
+          <a:p>
+            <a:pPr marL="285750" indent="-285750">
               <a:buFont typeface="Arial" panose="020B0604020202020204" pitchFamily="34" charset="0"/>
               <a:buChar char="•"/>
             </a:pPr>
             <a:r>
-              <a:rPr lang="en-US" sz="1400" dirty="0"/>
-              <a:t>controller class controls the logic</a:t>
-            </a:r>
-          </a:p>
-          <a:p>
-            <a:pPr marL="804672" lvl="1" indent="-457200">
-              <a:buFont typeface="Arial" panose="020B0604020202020204" pitchFamily="34" charset="0"/>
-              <a:buChar char="•"/>
-            </a:pPr>
-            <a:r>
-              <a:rPr lang="en-US" sz="1400" dirty="0"/>
-              <a:t>controller can override </a:t>
-            </a:r>
-            <a:r>
-              <a:rPr lang="en-US" sz="1400"/>
-              <a:t>the location </a:t>
-            </a:r>
-            <a:r>
-              <a:rPr lang="en-US" sz="1400" dirty="0"/>
-              <a:t>of </a:t>
-            </a:r>
-            <a:r>
-              <a:rPr lang="en-US" sz="1400"/>
-              <a:t>view paths </a:t>
-            </a:r>
-            <a:r>
-              <a:rPr lang="en-US" sz="1400" dirty="0"/>
-              <a:t>to use</a:t>
-            </a:r>
+              <a:rPr lang="en-US" dirty="0"/>
+              <a:t>Compatible with Umbraco’s Model Builder or POCOs</a:t>
+            </a:r>
+            <a:br>
+              <a:rPr lang="en-US" dirty="0"/>
+            </a:br>
+            <a:endParaRPr lang="en-US" dirty="0"/>
           </a:p>
         </p:txBody>
       </p:sp>
     </p:spTree>
-    <p:extLst>
-      <p:ext uri="{BB962C8B-B14F-4D97-AF65-F5344CB8AC3E}">
-        <p14:creationId xmlns:p14="http://schemas.microsoft.com/office/powerpoint/2010/main" val="1831460016"/>
-      </p:ext>
-    </p:extLst>
   </p:cSld>
   <p:clrMapOvr>
     <a:masterClrMapping/>
@@ -14484,7 +14321,7 @@
             <a:spLocks noGrp="1"/>
           </p:cNvSpPr>
           <p:nvPr>
-            <p:ph type="ctrTitle"/>
+            <p:ph type="title"/>
           </p:nvPr>
         </p:nvSpPr>
         <p:spPr/>
@@ -14494,48 +14331,1440 @@
           <a:p>
             <a:r>
               <a:rPr lang="en-US" dirty="0"/>
-              <a:t>Data Layer</a:t>
-            </a:r>
-          </a:p>
-        </p:txBody>
-      </p:sp>
-      <p:sp>
-        <p:nvSpPr>
-          <p:cNvPr id="3" name="Rectangle 2"/>
-          <p:cNvSpPr>
-            <a:spLocks noGrp="1"/>
-          </p:cNvSpPr>
-          <p:nvPr>
-            <p:ph type="subTitle" idx="1"/>
-          </p:nvPr>
-        </p:nvSpPr>
-        <p:spPr/>
-        <p:txBody>
-          <a:bodyPr>
+              <a:t>Goal</a:t>
+            </a:r>
+          </a:p>
+        </p:txBody>
+      </p:sp>
+      <p:sp>
+        <p:nvSpPr>
+          <p:cNvPr id="6" name="Rectangle 2">
+            <a:extLst>
+              <a:ext uri="{FF2B5EF4-FFF2-40B4-BE49-F238E27FC236}">
+                <a16:creationId xmlns:a16="http://schemas.microsoft.com/office/drawing/2014/main" id="{A211BC02-1A61-47A7-A96A-FBC95371C25B}"/>
+              </a:ext>
+            </a:extLst>
+          </p:cNvPr>
+          <p:cNvSpPr txBox="1">
+            <a:spLocks/>
+          </p:cNvSpPr>
+          <p:nvPr/>
+        </p:nvSpPr>
+        <p:spPr>
+          <a:xfrm>
+            <a:off x="363275" y="3989709"/>
+            <a:ext cx="7669162" cy="692088"/>
+          </a:xfrm>
+          <a:prstGeom prst="rect">
+            <a:avLst/>
+          </a:prstGeom>
+        </p:spPr>
+        <p:txBody>
+          <a:bodyPr vert="horz" lIns="182880" tIns="91440">
             <a:normAutofit lnSpcReduction="10000"/>
           </a:bodyPr>
-          <a:lstStyle/>
-          <a:p>
+          <a:lstStyle>
+            <a:lvl1pPr marL="0" indent="0" algn="l" rtl="0" eaLnBrk="1" latinLnBrk="0" hangingPunct="1">
+              <a:spcBef>
+                <a:spcPts val="250"/>
+              </a:spcBef>
+              <a:buClr>
+                <a:schemeClr val="accent1"/>
+              </a:buClr>
+              <a:buSzPct val="80000"/>
+              <a:buFont typeface="Wingdings 2"/>
+              <a:buNone/>
+              <a:defRPr sz="2000" kern="1200">
+                <a:solidFill>
+                  <a:schemeClr val="tx1"/>
+                </a:solidFill>
+                <a:effectLst/>
+                <a:latin typeface="+mn-lt"/>
+                <a:ea typeface="+mn-ea"/>
+                <a:cs typeface="+mn-cs"/>
+              </a:defRPr>
+            </a:lvl1pPr>
+            <a:lvl2pPr marL="347472" indent="0" algn="l" rtl="0" eaLnBrk="1" latinLnBrk="0" hangingPunct="1">
+              <a:spcBef>
+                <a:spcPts val="250"/>
+              </a:spcBef>
+              <a:buClr>
+                <a:schemeClr val="accent1"/>
+              </a:buClr>
+              <a:buSzPct val="100000"/>
+              <a:buFont typeface="Verdana"/>
+              <a:buNone/>
+              <a:defRPr sz="2400" kern="1200">
+                <a:solidFill>
+                  <a:schemeClr val="tx1"/>
+                </a:solidFill>
+                <a:latin typeface="+mn-lt"/>
+                <a:ea typeface="+mn-ea"/>
+                <a:cs typeface="+mn-cs"/>
+              </a:defRPr>
+            </a:lvl2pPr>
+            <a:lvl3pPr marL="603504" indent="0" algn="l" rtl="0" eaLnBrk="1" latinLnBrk="0" hangingPunct="1">
+              <a:spcBef>
+                <a:spcPts val="250"/>
+              </a:spcBef>
+              <a:buClr>
+                <a:schemeClr val="accent2">
+                  <a:tint val="85000"/>
+                  <a:satMod val="285000"/>
+                </a:schemeClr>
+              </a:buClr>
+              <a:buSzPct val="100000"/>
+              <a:buFont typeface="Wingdings 2"/>
+              <a:buNone/>
+              <a:defRPr sz="2200" kern="1200">
+                <a:solidFill>
+                  <a:schemeClr val="tx1"/>
+                </a:solidFill>
+                <a:latin typeface="+mn-lt"/>
+                <a:ea typeface="+mn-ea"/>
+                <a:cs typeface="+mn-cs"/>
+              </a:defRPr>
+            </a:lvl3pPr>
+            <a:lvl4pPr marL="841248" indent="0" algn="l" rtl="0" eaLnBrk="1" latinLnBrk="0" hangingPunct="1">
+              <a:spcBef>
+                <a:spcPts val="230"/>
+              </a:spcBef>
+              <a:buClr>
+                <a:schemeClr val="accent2">
+                  <a:tint val="85000"/>
+                  <a:satMod val="285000"/>
+                </a:schemeClr>
+              </a:buClr>
+              <a:buSzPct val="112000"/>
+              <a:buFont typeface="Verdana"/>
+              <a:buNone/>
+              <a:defRPr sz="1900" kern="1200">
+                <a:solidFill>
+                  <a:schemeClr val="tx1"/>
+                </a:solidFill>
+                <a:latin typeface="+mn-lt"/>
+                <a:ea typeface="+mn-ea"/>
+                <a:cs typeface="+mn-cs"/>
+              </a:defRPr>
+            </a:lvl4pPr>
+            <a:lvl5pPr marL="1097280" indent="0" algn="l" rtl="0" eaLnBrk="1" latinLnBrk="0" hangingPunct="1">
+              <a:spcBef>
+                <a:spcPts val="250"/>
+              </a:spcBef>
+              <a:buClr>
+                <a:schemeClr val="accent3">
+                  <a:tint val="85000"/>
+                  <a:satMod val="275000"/>
+                </a:schemeClr>
+              </a:buClr>
+              <a:buSzPct val="100000"/>
+              <a:buFont typeface="Wingdings 2"/>
+              <a:buNone/>
+              <a:defRPr sz="1800" kern="1200">
+                <a:solidFill>
+                  <a:schemeClr val="tx1"/>
+                </a:solidFill>
+                <a:latin typeface="+mn-lt"/>
+                <a:ea typeface="+mn-ea"/>
+                <a:cs typeface="+mn-cs"/>
+              </a:defRPr>
+            </a:lvl5pPr>
+            <a:lvl6pPr marL="1490472" indent="-182880" algn="l" rtl="0" eaLnBrk="1" latinLnBrk="0" hangingPunct="1">
+              <a:spcBef>
+                <a:spcPts val="250"/>
+              </a:spcBef>
+              <a:buClr>
+                <a:schemeClr val="accent3">
+                  <a:tint val="85000"/>
+                  <a:satMod val="275000"/>
+                </a:schemeClr>
+              </a:buClr>
+              <a:buSzPct val="100000"/>
+              <a:buFont typeface="Verdana"/>
+              <a:buChar char="◦"/>
+              <a:defRPr sz="1700" kern="1200" baseline="0">
+                <a:solidFill>
+                  <a:srgbClr val="FFFFFF"/>
+                </a:solidFill>
+                <a:latin typeface="+mn-lt"/>
+                <a:ea typeface="+mn-ea"/>
+                <a:cs typeface="+mn-cs"/>
+              </a:defRPr>
+            </a:lvl6pPr>
+            <a:lvl7pPr marL="1700784" indent="-182880" algn="l" rtl="0" eaLnBrk="1" latinLnBrk="0" hangingPunct="1">
+              <a:spcBef>
+                <a:spcPts val="255"/>
+              </a:spcBef>
+              <a:buClr>
+                <a:schemeClr val="accent3">
+                  <a:tint val="85000"/>
+                  <a:satMod val="275000"/>
+                </a:schemeClr>
+              </a:buClr>
+              <a:buSzPct val="100000"/>
+              <a:buFont typeface="Wingdings 2"/>
+              <a:buChar char=""/>
+              <a:defRPr sz="1500" kern="1200">
+                <a:solidFill>
+                  <a:srgbClr val="FFFFFF"/>
+                </a:solidFill>
+                <a:latin typeface="+mn-lt"/>
+                <a:ea typeface="+mn-ea"/>
+                <a:cs typeface="+mn-cs"/>
+              </a:defRPr>
+            </a:lvl7pPr>
+            <a:lvl8pPr marL="1920240" indent="-182880" algn="l" rtl="0" eaLnBrk="1" latinLnBrk="0" hangingPunct="1">
+              <a:spcBef>
+                <a:spcPts val="257"/>
+              </a:spcBef>
+              <a:buClr>
+                <a:schemeClr val="accent3">
+                  <a:tint val="85000"/>
+                  <a:satMod val="275000"/>
+                </a:schemeClr>
+              </a:buClr>
+              <a:buSzPct val="100000"/>
+              <a:buFont typeface="Verdana"/>
+              <a:buChar char="◦"/>
+              <a:defRPr sz="1500" kern="1200" baseline="0">
+                <a:solidFill>
+                  <a:srgbClr val="FFFFFF"/>
+                </a:solidFill>
+                <a:latin typeface="+mn-lt"/>
+                <a:ea typeface="+mn-ea"/>
+                <a:cs typeface="+mn-cs"/>
+              </a:defRPr>
+            </a:lvl8pPr>
+            <a:lvl9pPr marL="2148840" indent="-182880" algn="l" rtl="0" eaLnBrk="1" latinLnBrk="0" hangingPunct="1">
+              <a:spcBef>
+                <a:spcPts val="255"/>
+              </a:spcBef>
+              <a:buClr>
+                <a:schemeClr val="accent3">
+                  <a:tint val="85000"/>
+                  <a:satMod val="275000"/>
+                </a:schemeClr>
+              </a:buClr>
+              <a:buSzPct val="100000"/>
+              <a:buFont typeface="Wingdings 2"/>
+              <a:buChar char=""/>
+              <a:defRPr sz="1500" kern="1200">
+                <a:solidFill>
+                  <a:srgbClr val="FFFFFF"/>
+                </a:solidFill>
+                <a:latin typeface="+mn-lt"/>
+                <a:ea typeface="+mn-ea"/>
+                <a:cs typeface="+mn-cs"/>
+              </a:defRPr>
+            </a:lvl9pPr>
+          </a:lstStyle>
+          <a:p>
+            <a:pPr marL="342900" indent="-342900">
+              <a:buFont typeface="Wingdings" panose="05000000000000000000" pitchFamily="2" charset="2"/>
+              <a:buChar char="ü"/>
+            </a:pPr>
             <a:r>
               <a:rPr lang="en-US" dirty="0"/>
-              <a:t>Explain this topic</a:t>
-            </a:r>
-          </a:p>
-          <a:p>
+              <a:t>editors should be able to apply different renderings on a particular component within or across pages</a:t>
+            </a:r>
+          </a:p>
+        </p:txBody>
+      </p:sp>
+      <p:sp>
+        <p:nvSpPr>
+          <p:cNvPr id="7" name="Rectangle 2">
+            <a:extLst>
+              <a:ext uri="{FF2B5EF4-FFF2-40B4-BE49-F238E27FC236}">
+                <a16:creationId xmlns:a16="http://schemas.microsoft.com/office/drawing/2014/main" id="{6AE24318-E416-42A4-9B84-705C67568B9F}"/>
+              </a:ext>
+            </a:extLst>
+          </p:cNvPr>
+          <p:cNvSpPr txBox="1">
+            <a:spLocks/>
+          </p:cNvSpPr>
+          <p:nvPr/>
+        </p:nvSpPr>
+        <p:spPr>
+          <a:xfrm>
+            <a:off x="251520" y="3618086"/>
+            <a:ext cx="7669162" cy="429514"/>
+          </a:xfrm>
+          <a:prstGeom prst="rect">
+            <a:avLst/>
+          </a:prstGeom>
+        </p:spPr>
+        <p:txBody>
+          <a:bodyPr vert="horz" lIns="182880" tIns="91440">
+            <a:normAutofit lnSpcReduction="10000"/>
+          </a:bodyPr>
+          <a:lstStyle>
+            <a:lvl1pPr marL="0" indent="0" algn="l" rtl="0" eaLnBrk="1" latinLnBrk="0" hangingPunct="1">
+              <a:spcBef>
+                <a:spcPts val="250"/>
+              </a:spcBef>
+              <a:buClr>
+                <a:schemeClr val="accent1"/>
+              </a:buClr>
+              <a:buSzPct val="80000"/>
+              <a:buFont typeface="Wingdings 2"/>
+              <a:buNone/>
+              <a:defRPr sz="2000" kern="1200">
+                <a:solidFill>
+                  <a:schemeClr val="tx1"/>
+                </a:solidFill>
+                <a:effectLst/>
+                <a:latin typeface="+mn-lt"/>
+                <a:ea typeface="+mn-ea"/>
+                <a:cs typeface="+mn-cs"/>
+              </a:defRPr>
+            </a:lvl1pPr>
+            <a:lvl2pPr marL="347472" indent="0" algn="l" rtl="0" eaLnBrk="1" latinLnBrk="0" hangingPunct="1">
+              <a:spcBef>
+                <a:spcPts val="250"/>
+              </a:spcBef>
+              <a:buClr>
+                <a:schemeClr val="accent1"/>
+              </a:buClr>
+              <a:buSzPct val="100000"/>
+              <a:buFont typeface="Verdana"/>
+              <a:buNone/>
+              <a:defRPr sz="2400" kern="1200">
+                <a:solidFill>
+                  <a:schemeClr val="tx1"/>
+                </a:solidFill>
+                <a:latin typeface="+mn-lt"/>
+                <a:ea typeface="+mn-ea"/>
+                <a:cs typeface="+mn-cs"/>
+              </a:defRPr>
+            </a:lvl2pPr>
+            <a:lvl3pPr marL="603504" indent="0" algn="l" rtl="0" eaLnBrk="1" latinLnBrk="0" hangingPunct="1">
+              <a:spcBef>
+                <a:spcPts val="250"/>
+              </a:spcBef>
+              <a:buClr>
+                <a:schemeClr val="accent2">
+                  <a:tint val="85000"/>
+                  <a:satMod val="285000"/>
+                </a:schemeClr>
+              </a:buClr>
+              <a:buSzPct val="100000"/>
+              <a:buFont typeface="Wingdings 2"/>
+              <a:buNone/>
+              <a:defRPr sz="2200" kern="1200">
+                <a:solidFill>
+                  <a:schemeClr val="tx1"/>
+                </a:solidFill>
+                <a:latin typeface="+mn-lt"/>
+                <a:ea typeface="+mn-ea"/>
+                <a:cs typeface="+mn-cs"/>
+              </a:defRPr>
+            </a:lvl3pPr>
+            <a:lvl4pPr marL="841248" indent="0" algn="l" rtl="0" eaLnBrk="1" latinLnBrk="0" hangingPunct="1">
+              <a:spcBef>
+                <a:spcPts val="230"/>
+              </a:spcBef>
+              <a:buClr>
+                <a:schemeClr val="accent2">
+                  <a:tint val="85000"/>
+                  <a:satMod val="285000"/>
+                </a:schemeClr>
+              </a:buClr>
+              <a:buSzPct val="112000"/>
+              <a:buFont typeface="Verdana"/>
+              <a:buNone/>
+              <a:defRPr sz="1900" kern="1200">
+                <a:solidFill>
+                  <a:schemeClr val="tx1"/>
+                </a:solidFill>
+                <a:latin typeface="+mn-lt"/>
+                <a:ea typeface="+mn-ea"/>
+                <a:cs typeface="+mn-cs"/>
+              </a:defRPr>
+            </a:lvl4pPr>
+            <a:lvl5pPr marL="1097280" indent="0" algn="l" rtl="0" eaLnBrk="1" latinLnBrk="0" hangingPunct="1">
+              <a:spcBef>
+                <a:spcPts val="250"/>
+              </a:spcBef>
+              <a:buClr>
+                <a:schemeClr val="accent3">
+                  <a:tint val="85000"/>
+                  <a:satMod val="275000"/>
+                </a:schemeClr>
+              </a:buClr>
+              <a:buSzPct val="100000"/>
+              <a:buFont typeface="Wingdings 2"/>
+              <a:buNone/>
+              <a:defRPr sz="1800" kern="1200">
+                <a:solidFill>
+                  <a:schemeClr val="tx1"/>
+                </a:solidFill>
+                <a:latin typeface="+mn-lt"/>
+                <a:ea typeface="+mn-ea"/>
+                <a:cs typeface="+mn-cs"/>
+              </a:defRPr>
+            </a:lvl5pPr>
+            <a:lvl6pPr marL="1490472" indent="-182880" algn="l" rtl="0" eaLnBrk="1" latinLnBrk="0" hangingPunct="1">
+              <a:spcBef>
+                <a:spcPts val="250"/>
+              </a:spcBef>
+              <a:buClr>
+                <a:schemeClr val="accent3">
+                  <a:tint val="85000"/>
+                  <a:satMod val="275000"/>
+                </a:schemeClr>
+              </a:buClr>
+              <a:buSzPct val="100000"/>
+              <a:buFont typeface="Verdana"/>
+              <a:buChar char="◦"/>
+              <a:defRPr sz="1700" kern="1200" baseline="0">
+                <a:solidFill>
+                  <a:srgbClr val="FFFFFF"/>
+                </a:solidFill>
+                <a:latin typeface="+mn-lt"/>
+                <a:ea typeface="+mn-ea"/>
+                <a:cs typeface="+mn-cs"/>
+              </a:defRPr>
+            </a:lvl6pPr>
+            <a:lvl7pPr marL="1700784" indent="-182880" algn="l" rtl="0" eaLnBrk="1" latinLnBrk="0" hangingPunct="1">
+              <a:spcBef>
+                <a:spcPts val="255"/>
+              </a:spcBef>
+              <a:buClr>
+                <a:schemeClr val="accent3">
+                  <a:tint val="85000"/>
+                  <a:satMod val="275000"/>
+                </a:schemeClr>
+              </a:buClr>
+              <a:buSzPct val="100000"/>
+              <a:buFont typeface="Wingdings 2"/>
+              <a:buChar char=""/>
+              <a:defRPr sz="1500" kern="1200">
+                <a:solidFill>
+                  <a:srgbClr val="FFFFFF"/>
+                </a:solidFill>
+                <a:latin typeface="+mn-lt"/>
+                <a:ea typeface="+mn-ea"/>
+                <a:cs typeface="+mn-cs"/>
+              </a:defRPr>
+            </a:lvl7pPr>
+            <a:lvl8pPr marL="1920240" indent="-182880" algn="l" rtl="0" eaLnBrk="1" latinLnBrk="0" hangingPunct="1">
+              <a:spcBef>
+                <a:spcPts val="257"/>
+              </a:spcBef>
+              <a:buClr>
+                <a:schemeClr val="accent3">
+                  <a:tint val="85000"/>
+                  <a:satMod val="275000"/>
+                </a:schemeClr>
+              </a:buClr>
+              <a:buSzPct val="100000"/>
+              <a:buFont typeface="Verdana"/>
+              <a:buChar char="◦"/>
+              <a:defRPr sz="1500" kern="1200" baseline="0">
+                <a:solidFill>
+                  <a:srgbClr val="FFFFFF"/>
+                </a:solidFill>
+                <a:latin typeface="+mn-lt"/>
+                <a:ea typeface="+mn-ea"/>
+                <a:cs typeface="+mn-cs"/>
+              </a:defRPr>
+            </a:lvl8pPr>
+            <a:lvl9pPr marL="2148840" indent="-182880" algn="l" rtl="0" eaLnBrk="1" latinLnBrk="0" hangingPunct="1">
+              <a:spcBef>
+                <a:spcPts val="255"/>
+              </a:spcBef>
+              <a:buClr>
+                <a:schemeClr val="accent3">
+                  <a:tint val="85000"/>
+                  <a:satMod val="275000"/>
+                </a:schemeClr>
+              </a:buClr>
+              <a:buSzPct val="100000"/>
+              <a:buFont typeface="Wingdings 2"/>
+              <a:buChar char=""/>
+              <a:defRPr sz="1500" kern="1200">
+                <a:solidFill>
+                  <a:srgbClr val="FFFFFF"/>
+                </a:solidFill>
+                <a:latin typeface="+mn-lt"/>
+                <a:ea typeface="+mn-ea"/>
+                <a:cs typeface="+mn-cs"/>
+              </a:defRPr>
+            </a:lvl9pPr>
+          </a:lstStyle>
+          <a:p>
+            <a:r>
+              <a:rPr lang="en-US" b="1" dirty="0"/>
+              <a:t>Flexibility</a:t>
+            </a:r>
+          </a:p>
+        </p:txBody>
+      </p:sp>
+      <p:sp>
+        <p:nvSpPr>
+          <p:cNvPr id="10" name="Rectangle 2">
+            <a:extLst>
+              <a:ext uri="{FF2B5EF4-FFF2-40B4-BE49-F238E27FC236}">
+                <a16:creationId xmlns:a16="http://schemas.microsoft.com/office/drawing/2014/main" id="{D2CC293E-7BF9-4E1F-8FC1-4974E3F803DE}"/>
+              </a:ext>
+            </a:extLst>
+          </p:cNvPr>
+          <p:cNvSpPr txBox="1">
+            <a:spLocks/>
+          </p:cNvSpPr>
+          <p:nvPr/>
+        </p:nvSpPr>
+        <p:spPr>
+          <a:xfrm>
+            <a:off x="395536" y="2158986"/>
+            <a:ext cx="7669162" cy="1459099"/>
+          </a:xfrm>
+          <a:prstGeom prst="rect">
+            <a:avLst/>
+          </a:prstGeom>
+        </p:spPr>
+        <p:txBody>
+          <a:bodyPr vert="horz" lIns="182880" tIns="91440">
+            <a:normAutofit fontScale="92500"/>
+          </a:bodyPr>
+          <a:lstStyle>
+            <a:lvl1pPr marL="0" indent="0" algn="l" rtl="0" eaLnBrk="1" latinLnBrk="0" hangingPunct="1">
+              <a:spcBef>
+                <a:spcPts val="250"/>
+              </a:spcBef>
+              <a:buClr>
+                <a:schemeClr val="accent1"/>
+              </a:buClr>
+              <a:buSzPct val="80000"/>
+              <a:buFont typeface="Wingdings 2"/>
+              <a:buNone/>
+              <a:defRPr sz="2000" kern="1200">
+                <a:solidFill>
+                  <a:schemeClr val="tx1"/>
+                </a:solidFill>
+                <a:effectLst/>
+                <a:latin typeface="+mn-lt"/>
+                <a:ea typeface="+mn-ea"/>
+                <a:cs typeface="+mn-cs"/>
+              </a:defRPr>
+            </a:lvl1pPr>
+            <a:lvl2pPr marL="347472" indent="0" algn="l" rtl="0" eaLnBrk="1" latinLnBrk="0" hangingPunct="1">
+              <a:spcBef>
+                <a:spcPts val="250"/>
+              </a:spcBef>
+              <a:buClr>
+                <a:schemeClr val="accent1"/>
+              </a:buClr>
+              <a:buSzPct val="100000"/>
+              <a:buFont typeface="Verdana"/>
+              <a:buNone/>
+              <a:defRPr sz="2400" kern="1200">
+                <a:solidFill>
+                  <a:schemeClr val="tx1"/>
+                </a:solidFill>
+                <a:latin typeface="+mn-lt"/>
+                <a:ea typeface="+mn-ea"/>
+                <a:cs typeface="+mn-cs"/>
+              </a:defRPr>
+            </a:lvl2pPr>
+            <a:lvl3pPr marL="603504" indent="0" algn="l" rtl="0" eaLnBrk="1" latinLnBrk="0" hangingPunct="1">
+              <a:spcBef>
+                <a:spcPts val="250"/>
+              </a:spcBef>
+              <a:buClr>
+                <a:schemeClr val="accent2">
+                  <a:tint val="85000"/>
+                  <a:satMod val="285000"/>
+                </a:schemeClr>
+              </a:buClr>
+              <a:buSzPct val="100000"/>
+              <a:buFont typeface="Wingdings 2"/>
+              <a:buNone/>
+              <a:defRPr sz="2200" kern="1200">
+                <a:solidFill>
+                  <a:schemeClr val="tx1"/>
+                </a:solidFill>
+                <a:latin typeface="+mn-lt"/>
+                <a:ea typeface="+mn-ea"/>
+                <a:cs typeface="+mn-cs"/>
+              </a:defRPr>
+            </a:lvl3pPr>
+            <a:lvl4pPr marL="841248" indent="0" algn="l" rtl="0" eaLnBrk="1" latinLnBrk="0" hangingPunct="1">
+              <a:spcBef>
+                <a:spcPts val="230"/>
+              </a:spcBef>
+              <a:buClr>
+                <a:schemeClr val="accent2">
+                  <a:tint val="85000"/>
+                  <a:satMod val="285000"/>
+                </a:schemeClr>
+              </a:buClr>
+              <a:buSzPct val="112000"/>
+              <a:buFont typeface="Verdana"/>
+              <a:buNone/>
+              <a:defRPr sz="1900" kern="1200">
+                <a:solidFill>
+                  <a:schemeClr val="tx1"/>
+                </a:solidFill>
+                <a:latin typeface="+mn-lt"/>
+                <a:ea typeface="+mn-ea"/>
+                <a:cs typeface="+mn-cs"/>
+              </a:defRPr>
+            </a:lvl4pPr>
+            <a:lvl5pPr marL="1097280" indent="0" algn="l" rtl="0" eaLnBrk="1" latinLnBrk="0" hangingPunct="1">
+              <a:spcBef>
+                <a:spcPts val="250"/>
+              </a:spcBef>
+              <a:buClr>
+                <a:schemeClr val="accent3">
+                  <a:tint val="85000"/>
+                  <a:satMod val="275000"/>
+                </a:schemeClr>
+              </a:buClr>
+              <a:buSzPct val="100000"/>
+              <a:buFont typeface="Wingdings 2"/>
+              <a:buNone/>
+              <a:defRPr sz="1800" kern="1200">
+                <a:solidFill>
+                  <a:schemeClr val="tx1"/>
+                </a:solidFill>
+                <a:latin typeface="+mn-lt"/>
+                <a:ea typeface="+mn-ea"/>
+                <a:cs typeface="+mn-cs"/>
+              </a:defRPr>
+            </a:lvl5pPr>
+            <a:lvl6pPr marL="1490472" indent="-182880" algn="l" rtl="0" eaLnBrk="1" latinLnBrk="0" hangingPunct="1">
+              <a:spcBef>
+                <a:spcPts val="250"/>
+              </a:spcBef>
+              <a:buClr>
+                <a:schemeClr val="accent3">
+                  <a:tint val="85000"/>
+                  <a:satMod val="275000"/>
+                </a:schemeClr>
+              </a:buClr>
+              <a:buSzPct val="100000"/>
+              <a:buFont typeface="Verdana"/>
+              <a:buChar char="◦"/>
+              <a:defRPr sz="1700" kern="1200" baseline="0">
+                <a:solidFill>
+                  <a:srgbClr val="FFFFFF"/>
+                </a:solidFill>
+                <a:latin typeface="+mn-lt"/>
+                <a:ea typeface="+mn-ea"/>
+                <a:cs typeface="+mn-cs"/>
+              </a:defRPr>
+            </a:lvl6pPr>
+            <a:lvl7pPr marL="1700784" indent="-182880" algn="l" rtl="0" eaLnBrk="1" latinLnBrk="0" hangingPunct="1">
+              <a:spcBef>
+                <a:spcPts val="255"/>
+              </a:spcBef>
+              <a:buClr>
+                <a:schemeClr val="accent3">
+                  <a:tint val="85000"/>
+                  <a:satMod val="275000"/>
+                </a:schemeClr>
+              </a:buClr>
+              <a:buSzPct val="100000"/>
+              <a:buFont typeface="Wingdings 2"/>
+              <a:buChar char=""/>
+              <a:defRPr sz="1500" kern="1200">
+                <a:solidFill>
+                  <a:srgbClr val="FFFFFF"/>
+                </a:solidFill>
+                <a:latin typeface="+mn-lt"/>
+                <a:ea typeface="+mn-ea"/>
+                <a:cs typeface="+mn-cs"/>
+              </a:defRPr>
+            </a:lvl7pPr>
+            <a:lvl8pPr marL="1920240" indent="-182880" algn="l" rtl="0" eaLnBrk="1" latinLnBrk="0" hangingPunct="1">
+              <a:spcBef>
+                <a:spcPts val="257"/>
+              </a:spcBef>
+              <a:buClr>
+                <a:schemeClr val="accent3">
+                  <a:tint val="85000"/>
+                  <a:satMod val="275000"/>
+                </a:schemeClr>
+              </a:buClr>
+              <a:buSzPct val="100000"/>
+              <a:buFont typeface="Verdana"/>
+              <a:buChar char="◦"/>
+              <a:defRPr sz="1500" kern="1200" baseline="0">
+                <a:solidFill>
+                  <a:srgbClr val="FFFFFF"/>
+                </a:solidFill>
+                <a:latin typeface="+mn-lt"/>
+                <a:ea typeface="+mn-ea"/>
+                <a:cs typeface="+mn-cs"/>
+              </a:defRPr>
+            </a:lvl8pPr>
+            <a:lvl9pPr marL="2148840" indent="-182880" algn="l" rtl="0" eaLnBrk="1" latinLnBrk="0" hangingPunct="1">
+              <a:spcBef>
+                <a:spcPts val="255"/>
+              </a:spcBef>
+              <a:buClr>
+                <a:schemeClr val="accent3">
+                  <a:tint val="85000"/>
+                  <a:satMod val="275000"/>
+                </a:schemeClr>
+              </a:buClr>
+              <a:buSzPct val="100000"/>
+              <a:buFont typeface="Wingdings 2"/>
+              <a:buChar char=""/>
+              <a:defRPr sz="1500" kern="1200">
+                <a:solidFill>
+                  <a:srgbClr val="FFFFFF"/>
+                </a:solidFill>
+                <a:latin typeface="+mn-lt"/>
+                <a:ea typeface="+mn-ea"/>
+                <a:cs typeface="+mn-cs"/>
+              </a:defRPr>
+            </a:lvl9pPr>
+          </a:lstStyle>
+          <a:p>
+            <a:pPr marL="342900" indent="-342900">
+              <a:buFont typeface="Wingdings" panose="05000000000000000000" pitchFamily="2" charset="2"/>
+              <a:buChar char="ü"/>
+            </a:pPr>
             <a:r>
               <a:rPr lang="en-US" dirty="0"/>
-              <a:t>Give an example</a:t>
-            </a:r>
-          </a:p>
-          <a:p>
+              <a:t>Should be able to move around components anywhere on the page or across pages without requiring a developer</a:t>
+            </a:r>
+          </a:p>
+          <a:p>
+            <a:pPr marL="342900" indent="-342900">
+              <a:buFont typeface="Wingdings" panose="05000000000000000000" pitchFamily="2" charset="2"/>
+              <a:buChar char="ü"/>
+            </a:pPr>
             <a:r>
               <a:rPr lang="en-US" dirty="0"/>
-              <a:t>Provide an exercise to reinforce learning</a:t>
-            </a:r>
+              <a:t>Should be able to use or deploy the same component on multiple websites</a:t>
+            </a:r>
+          </a:p>
+          <a:p>
+            <a:pPr lvl="1"/>
+            <a:endParaRPr lang="en-US" dirty="0"/>
+          </a:p>
+        </p:txBody>
+      </p:sp>
+      <p:sp>
+        <p:nvSpPr>
+          <p:cNvPr id="11" name="Rectangle 2">
+            <a:extLst>
+              <a:ext uri="{FF2B5EF4-FFF2-40B4-BE49-F238E27FC236}">
+                <a16:creationId xmlns:a16="http://schemas.microsoft.com/office/drawing/2014/main" id="{348D8CC6-C3F0-49CE-9718-3741755D8CC6}"/>
+              </a:ext>
+            </a:extLst>
+          </p:cNvPr>
+          <p:cNvSpPr txBox="1">
+            <a:spLocks/>
+          </p:cNvSpPr>
+          <p:nvPr/>
+        </p:nvSpPr>
+        <p:spPr>
+          <a:xfrm>
+            <a:off x="251520" y="1756915"/>
+            <a:ext cx="7669162" cy="684729"/>
+          </a:xfrm>
+          <a:prstGeom prst="rect">
+            <a:avLst/>
+          </a:prstGeom>
+        </p:spPr>
+        <p:txBody>
+          <a:bodyPr vert="horz" lIns="182880" tIns="91440">
+            <a:normAutofit/>
+          </a:bodyPr>
+          <a:lstStyle>
+            <a:lvl1pPr marL="0" indent="0" algn="l" rtl="0" eaLnBrk="1" latinLnBrk="0" hangingPunct="1">
+              <a:spcBef>
+                <a:spcPts val="250"/>
+              </a:spcBef>
+              <a:buClr>
+                <a:schemeClr val="accent1"/>
+              </a:buClr>
+              <a:buSzPct val="80000"/>
+              <a:buFont typeface="Wingdings 2"/>
+              <a:buNone/>
+              <a:defRPr sz="2000" kern="1200">
+                <a:solidFill>
+                  <a:schemeClr val="tx1"/>
+                </a:solidFill>
+                <a:effectLst/>
+                <a:latin typeface="+mn-lt"/>
+                <a:ea typeface="+mn-ea"/>
+                <a:cs typeface="+mn-cs"/>
+              </a:defRPr>
+            </a:lvl1pPr>
+            <a:lvl2pPr marL="347472" indent="0" algn="l" rtl="0" eaLnBrk="1" latinLnBrk="0" hangingPunct="1">
+              <a:spcBef>
+                <a:spcPts val="250"/>
+              </a:spcBef>
+              <a:buClr>
+                <a:schemeClr val="accent1"/>
+              </a:buClr>
+              <a:buSzPct val="100000"/>
+              <a:buFont typeface="Verdana"/>
+              <a:buNone/>
+              <a:defRPr sz="2400" kern="1200">
+                <a:solidFill>
+                  <a:schemeClr val="tx1"/>
+                </a:solidFill>
+                <a:latin typeface="+mn-lt"/>
+                <a:ea typeface="+mn-ea"/>
+                <a:cs typeface="+mn-cs"/>
+              </a:defRPr>
+            </a:lvl2pPr>
+            <a:lvl3pPr marL="603504" indent="0" algn="l" rtl="0" eaLnBrk="1" latinLnBrk="0" hangingPunct="1">
+              <a:spcBef>
+                <a:spcPts val="250"/>
+              </a:spcBef>
+              <a:buClr>
+                <a:schemeClr val="accent2">
+                  <a:tint val="85000"/>
+                  <a:satMod val="285000"/>
+                </a:schemeClr>
+              </a:buClr>
+              <a:buSzPct val="100000"/>
+              <a:buFont typeface="Wingdings 2"/>
+              <a:buNone/>
+              <a:defRPr sz="2200" kern="1200">
+                <a:solidFill>
+                  <a:schemeClr val="tx1"/>
+                </a:solidFill>
+                <a:latin typeface="+mn-lt"/>
+                <a:ea typeface="+mn-ea"/>
+                <a:cs typeface="+mn-cs"/>
+              </a:defRPr>
+            </a:lvl3pPr>
+            <a:lvl4pPr marL="841248" indent="0" algn="l" rtl="0" eaLnBrk="1" latinLnBrk="0" hangingPunct="1">
+              <a:spcBef>
+                <a:spcPts val="230"/>
+              </a:spcBef>
+              <a:buClr>
+                <a:schemeClr val="accent2">
+                  <a:tint val="85000"/>
+                  <a:satMod val="285000"/>
+                </a:schemeClr>
+              </a:buClr>
+              <a:buSzPct val="112000"/>
+              <a:buFont typeface="Verdana"/>
+              <a:buNone/>
+              <a:defRPr sz="1900" kern="1200">
+                <a:solidFill>
+                  <a:schemeClr val="tx1"/>
+                </a:solidFill>
+                <a:latin typeface="+mn-lt"/>
+                <a:ea typeface="+mn-ea"/>
+                <a:cs typeface="+mn-cs"/>
+              </a:defRPr>
+            </a:lvl4pPr>
+            <a:lvl5pPr marL="1097280" indent="0" algn="l" rtl="0" eaLnBrk="1" latinLnBrk="0" hangingPunct="1">
+              <a:spcBef>
+                <a:spcPts val="250"/>
+              </a:spcBef>
+              <a:buClr>
+                <a:schemeClr val="accent3">
+                  <a:tint val="85000"/>
+                  <a:satMod val="275000"/>
+                </a:schemeClr>
+              </a:buClr>
+              <a:buSzPct val="100000"/>
+              <a:buFont typeface="Wingdings 2"/>
+              <a:buNone/>
+              <a:defRPr sz="1800" kern="1200">
+                <a:solidFill>
+                  <a:schemeClr val="tx1"/>
+                </a:solidFill>
+                <a:latin typeface="+mn-lt"/>
+                <a:ea typeface="+mn-ea"/>
+                <a:cs typeface="+mn-cs"/>
+              </a:defRPr>
+            </a:lvl5pPr>
+            <a:lvl6pPr marL="1490472" indent="-182880" algn="l" rtl="0" eaLnBrk="1" latinLnBrk="0" hangingPunct="1">
+              <a:spcBef>
+                <a:spcPts val="250"/>
+              </a:spcBef>
+              <a:buClr>
+                <a:schemeClr val="accent3">
+                  <a:tint val="85000"/>
+                  <a:satMod val="275000"/>
+                </a:schemeClr>
+              </a:buClr>
+              <a:buSzPct val="100000"/>
+              <a:buFont typeface="Verdana"/>
+              <a:buChar char="◦"/>
+              <a:defRPr sz="1700" kern="1200" baseline="0">
+                <a:solidFill>
+                  <a:srgbClr val="FFFFFF"/>
+                </a:solidFill>
+                <a:latin typeface="+mn-lt"/>
+                <a:ea typeface="+mn-ea"/>
+                <a:cs typeface="+mn-cs"/>
+              </a:defRPr>
+            </a:lvl6pPr>
+            <a:lvl7pPr marL="1700784" indent="-182880" algn="l" rtl="0" eaLnBrk="1" latinLnBrk="0" hangingPunct="1">
+              <a:spcBef>
+                <a:spcPts val="255"/>
+              </a:spcBef>
+              <a:buClr>
+                <a:schemeClr val="accent3">
+                  <a:tint val="85000"/>
+                  <a:satMod val="275000"/>
+                </a:schemeClr>
+              </a:buClr>
+              <a:buSzPct val="100000"/>
+              <a:buFont typeface="Wingdings 2"/>
+              <a:buChar char=""/>
+              <a:defRPr sz="1500" kern="1200">
+                <a:solidFill>
+                  <a:srgbClr val="FFFFFF"/>
+                </a:solidFill>
+                <a:latin typeface="+mn-lt"/>
+                <a:ea typeface="+mn-ea"/>
+                <a:cs typeface="+mn-cs"/>
+              </a:defRPr>
+            </a:lvl7pPr>
+            <a:lvl8pPr marL="1920240" indent="-182880" algn="l" rtl="0" eaLnBrk="1" latinLnBrk="0" hangingPunct="1">
+              <a:spcBef>
+                <a:spcPts val="257"/>
+              </a:spcBef>
+              <a:buClr>
+                <a:schemeClr val="accent3">
+                  <a:tint val="85000"/>
+                  <a:satMod val="275000"/>
+                </a:schemeClr>
+              </a:buClr>
+              <a:buSzPct val="100000"/>
+              <a:buFont typeface="Verdana"/>
+              <a:buChar char="◦"/>
+              <a:defRPr sz="1500" kern="1200" baseline="0">
+                <a:solidFill>
+                  <a:srgbClr val="FFFFFF"/>
+                </a:solidFill>
+                <a:latin typeface="+mn-lt"/>
+                <a:ea typeface="+mn-ea"/>
+                <a:cs typeface="+mn-cs"/>
+              </a:defRPr>
+            </a:lvl8pPr>
+            <a:lvl9pPr marL="2148840" indent="-182880" algn="l" rtl="0" eaLnBrk="1" latinLnBrk="0" hangingPunct="1">
+              <a:spcBef>
+                <a:spcPts val="255"/>
+              </a:spcBef>
+              <a:buClr>
+                <a:schemeClr val="accent3">
+                  <a:tint val="85000"/>
+                  <a:satMod val="275000"/>
+                </a:schemeClr>
+              </a:buClr>
+              <a:buSzPct val="100000"/>
+              <a:buFont typeface="Wingdings 2"/>
+              <a:buChar char=""/>
+              <a:defRPr sz="1500" kern="1200">
+                <a:solidFill>
+                  <a:srgbClr val="FFFFFF"/>
+                </a:solidFill>
+                <a:latin typeface="+mn-lt"/>
+                <a:ea typeface="+mn-ea"/>
+                <a:cs typeface="+mn-cs"/>
+              </a:defRPr>
+            </a:lvl9pPr>
+          </a:lstStyle>
+          <a:p>
+            <a:r>
+              <a:rPr lang="en-US" b="1" dirty="0"/>
+              <a:t>Reusability</a:t>
+            </a:r>
+          </a:p>
+        </p:txBody>
+      </p:sp>
+      <p:sp>
+        <p:nvSpPr>
+          <p:cNvPr id="8" name="Rectangle 2">
+            <a:extLst>
+              <a:ext uri="{FF2B5EF4-FFF2-40B4-BE49-F238E27FC236}">
+                <a16:creationId xmlns:a16="http://schemas.microsoft.com/office/drawing/2014/main" id="{3D108CEE-CBC3-48BA-99AF-5A29D2380B93}"/>
+              </a:ext>
+            </a:extLst>
+          </p:cNvPr>
+          <p:cNvSpPr txBox="1">
+            <a:spLocks/>
+          </p:cNvSpPr>
+          <p:nvPr/>
+        </p:nvSpPr>
+        <p:spPr>
+          <a:xfrm>
+            <a:off x="235170" y="4741503"/>
+            <a:ext cx="7669162" cy="515888"/>
+          </a:xfrm>
+          <a:prstGeom prst="rect">
+            <a:avLst/>
+          </a:prstGeom>
+        </p:spPr>
+        <p:txBody>
+          <a:bodyPr vert="horz" lIns="182880" tIns="91440">
+            <a:normAutofit/>
+          </a:bodyPr>
+          <a:lstStyle>
+            <a:lvl1pPr marL="0" indent="0" algn="l" rtl="0" eaLnBrk="1" latinLnBrk="0" hangingPunct="1">
+              <a:spcBef>
+                <a:spcPts val="250"/>
+              </a:spcBef>
+              <a:buClr>
+                <a:schemeClr val="accent1"/>
+              </a:buClr>
+              <a:buSzPct val="80000"/>
+              <a:buFont typeface="Wingdings 2"/>
+              <a:buNone/>
+              <a:defRPr sz="2000" kern="1200">
+                <a:solidFill>
+                  <a:schemeClr val="tx1"/>
+                </a:solidFill>
+                <a:effectLst/>
+                <a:latin typeface="+mn-lt"/>
+                <a:ea typeface="+mn-ea"/>
+                <a:cs typeface="+mn-cs"/>
+              </a:defRPr>
+            </a:lvl1pPr>
+            <a:lvl2pPr marL="347472" indent="0" algn="l" rtl="0" eaLnBrk="1" latinLnBrk="0" hangingPunct="1">
+              <a:spcBef>
+                <a:spcPts val="250"/>
+              </a:spcBef>
+              <a:buClr>
+                <a:schemeClr val="accent1"/>
+              </a:buClr>
+              <a:buSzPct val="100000"/>
+              <a:buFont typeface="Verdana"/>
+              <a:buNone/>
+              <a:defRPr sz="2400" kern="1200">
+                <a:solidFill>
+                  <a:schemeClr val="tx1"/>
+                </a:solidFill>
+                <a:latin typeface="+mn-lt"/>
+                <a:ea typeface="+mn-ea"/>
+                <a:cs typeface="+mn-cs"/>
+              </a:defRPr>
+            </a:lvl2pPr>
+            <a:lvl3pPr marL="603504" indent="0" algn="l" rtl="0" eaLnBrk="1" latinLnBrk="0" hangingPunct="1">
+              <a:spcBef>
+                <a:spcPts val="250"/>
+              </a:spcBef>
+              <a:buClr>
+                <a:schemeClr val="accent2">
+                  <a:tint val="85000"/>
+                  <a:satMod val="285000"/>
+                </a:schemeClr>
+              </a:buClr>
+              <a:buSzPct val="100000"/>
+              <a:buFont typeface="Wingdings 2"/>
+              <a:buNone/>
+              <a:defRPr sz="2200" kern="1200">
+                <a:solidFill>
+                  <a:schemeClr val="tx1"/>
+                </a:solidFill>
+                <a:latin typeface="+mn-lt"/>
+                <a:ea typeface="+mn-ea"/>
+                <a:cs typeface="+mn-cs"/>
+              </a:defRPr>
+            </a:lvl3pPr>
+            <a:lvl4pPr marL="841248" indent="0" algn="l" rtl="0" eaLnBrk="1" latinLnBrk="0" hangingPunct="1">
+              <a:spcBef>
+                <a:spcPts val="230"/>
+              </a:spcBef>
+              <a:buClr>
+                <a:schemeClr val="accent2">
+                  <a:tint val="85000"/>
+                  <a:satMod val="285000"/>
+                </a:schemeClr>
+              </a:buClr>
+              <a:buSzPct val="112000"/>
+              <a:buFont typeface="Verdana"/>
+              <a:buNone/>
+              <a:defRPr sz="1900" kern="1200">
+                <a:solidFill>
+                  <a:schemeClr val="tx1"/>
+                </a:solidFill>
+                <a:latin typeface="+mn-lt"/>
+                <a:ea typeface="+mn-ea"/>
+                <a:cs typeface="+mn-cs"/>
+              </a:defRPr>
+            </a:lvl4pPr>
+            <a:lvl5pPr marL="1097280" indent="0" algn="l" rtl="0" eaLnBrk="1" latinLnBrk="0" hangingPunct="1">
+              <a:spcBef>
+                <a:spcPts val="250"/>
+              </a:spcBef>
+              <a:buClr>
+                <a:schemeClr val="accent3">
+                  <a:tint val="85000"/>
+                  <a:satMod val="275000"/>
+                </a:schemeClr>
+              </a:buClr>
+              <a:buSzPct val="100000"/>
+              <a:buFont typeface="Wingdings 2"/>
+              <a:buNone/>
+              <a:defRPr sz="1800" kern="1200">
+                <a:solidFill>
+                  <a:schemeClr val="tx1"/>
+                </a:solidFill>
+                <a:latin typeface="+mn-lt"/>
+                <a:ea typeface="+mn-ea"/>
+                <a:cs typeface="+mn-cs"/>
+              </a:defRPr>
+            </a:lvl5pPr>
+            <a:lvl6pPr marL="1490472" indent="-182880" algn="l" rtl="0" eaLnBrk="1" latinLnBrk="0" hangingPunct="1">
+              <a:spcBef>
+                <a:spcPts val="250"/>
+              </a:spcBef>
+              <a:buClr>
+                <a:schemeClr val="accent3">
+                  <a:tint val="85000"/>
+                  <a:satMod val="275000"/>
+                </a:schemeClr>
+              </a:buClr>
+              <a:buSzPct val="100000"/>
+              <a:buFont typeface="Verdana"/>
+              <a:buChar char="◦"/>
+              <a:defRPr sz="1700" kern="1200" baseline="0">
+                <a:solidFill>
+                  <a:srgbClr val="FFFFFF"/>
+                </a:solidFill>
+                <a:latin typeface="+mn-lt"/>
+                <a:ea typeface="+mn-ea"/>
+                <a:cs typeface="+mn-cs"/>
+              </a:defRPr>
+            </a:lvl6pPr>
+            <a:lvl7pPr marL="1700784" indent="-182880" algn="l" rtl="0" eaLnBrk="1" latinLnBrk="0" hangingPunct="1">
+              <a:spcBef>
+                <a:spcPts val="255"/>
+              </a:spcBef>
+              <a:buClr>
+                <a:schemeClr val="accent3">
+                  <a:tint val="85000"/>
+                  <a:satMod val="275000"/>
+                </a:schemeClr>
+              </a:buClr>
+              <a:buSzPct val="100000"/>
+              <a:buFont typeface="Wingdings 2"/>
+              <a:buChar char=""/>
+              <a:defRPr sz="1500" kern="1200">
+                <a:solidFill>
+                  <a:srgbClr val="FFFFFF"/>
+                </a:solidFill>
+                <a:latin typeface="+mn-lt"/>
+                <a:ea typeface="+mn-ea"/>
+                <a:cs typeface="+mn-cs"/>
+              </a:defRPr>
+            </a:lvl7pPr>
+            <a:lvl8pPr marL="1920240" indent="-182880" algn="l" rtl="0" eaLnBrk="1" latinLnBrk="0" hangingPunct="1">
+              <a:spcBef>
+                <a:spcPts val="257"/>
+              </a:spcBef>
+              <a:buClr>
+                <a:schemeClr val="accent3">
+                  <a:tint val="85000"/>
+                  <a:satMod val="275000"/>
+                </a:schemeClr>
+              </a:buClr>
+              <a:buSzPct val="100000"/>
+              <a:buFont typeface="Verdana"/>
+              <a:buChar char="◦"/>
+              <a:defRPr sz="1500" kern="1200" baseline="0">
+                <a:solidFill>
+                  <a:srgbClr val="FFFFFF"/>
+                </a:solidFill>
+                <a:latin typeface="+mn-lt"/>
+                <a:ea typeface="+mn-ea"/>
+                <a:cs typeface="+mn-cs"/>
+              </a:defRPr>
+            </a:lvl8pPr>
+            <a:lvl9pPr marL="2148840" indent="-182880" algn="l" rtl="0" eaLnBrk="1" latinLnBrk="0" hangingPunct="1">
+              <a:spcBef>
+                <a:spcPts val="255"/>
+              </a:spcBef>
+              <a:buClr>
+                <a:schemeClr val="accent3">
+                  <a:tint val="85000"/>
+                  <a:satMod val="275000"/>
+                </a:schemeClr>
+              </a:buClr>
+              <a:buSzPct val="100000"/>
+              <a:buFont typeface="Wingdings 2"/>
+              <a:buChar char=""/>
+              <a:defRPr sz="1500" kern="1200">
+                <a:solidFill>
+                  <a:srgbClr val="FFFFFF"/>
+                </a:solidFill>
+                <a:latin typeface="+mn-lt"/>
+                <a:ea typeface="+mn-ea"/>
+                <a:cs typeface="+mn-cs"/>
+              </a:defRPr>
+            </a:lvl9pPr>
+          </a:lstStyle>
+          <a:p>
+            <a:r>
+              <a:rPr lang="en-US" b="1" dirty="0"/>
+              <a:t>Independent</a:t>
+            </a:r>
+          </a:p>
+        </p:txBody>
+      </p:sp>
+      <p:sp>
+        <p:nvSpPr>
+          <p:cNvPr id="9" name="Rectangle 2">
+            <a:extLst>
+              <a:ext uri="{FF2B5EF4-FFF2-40B4-BE49-F238E27FC236}">
+                <a16:creationId xmlns:a16="http://schemas.microsoft.com/office/drawing/2014/main" id="{418B5159-D643-474A-8171-66CFB631F8A5}"/>
+              </a:ext>
+            </a:extLst>
+          </p:cNvPr>
+          <p:cNvSpPr txBox="1">
+            <a:spLocks/>
+          </p:cNvSpPr>
+          <p:nvPr/>
+        </p:nvSpPr>
+        <p:spPr>
+          <a:xfrm>
+            <a:off x="328080" y="5191481"/>
+            <a:ext cx="7669162" cy="1132048"/>
+          </a:xfrm>
+          <a:prstGeom prst="rect">
+            <a:avLst/>
+          </a:prstGeom>
+        </p:spPr>
+        <p:txBody>
+          <a:bodyPr vert="horz" lIns="182880" tIns="91440">
+            <a:normAutofit fontScale="92500" lnSpcReduction="20000"/>
+          </a:bodyPr>
+          <a:lstStyle>
+            <a:lvl1pPr marL="0" indent="0" algn="l" rtl="0" eaLnBrk="1" latinLnBrk="0" hangingPunct="1">
+              <a:spcBef>
+                <a:spcPts val="250"/>
+              </a:spcBef>
+              <a:buClr>
+                <a:schemeClr val="accent1"/>
+              </a:buClr>
+              <a:buSzPct val="80000"/>
+              <a:buFont typeface="Wingdings 2"/>
+              <a:buNone/>
+              <a:defRPr sz="2000" kern="1200">
+                <a:solidFill>
+                  <a:schemeClr val="tx1"/>
+                </a:solidFill>
+                <a:effectLst/>
+                <a:latin typeface="+mn-lt"/>
+                <a:ea typeface="+mn-ea"/>
+                <a:cs typeface="+mn-cs"/>
+              </a:defRPr>
+            </a:lvl1pPr>
+            <a:lvl2pPr marL="347472" indent="0" algn="l" rtl="0" eaLnBrk="1" latinLnBrk="0" hangingPunct="1">
+              <a:spcBef>
+                <a:spcPts val="250"/>
+              </a:spcBef>
+              <a:buClr>
+                <a:schemeClr val="accent1"/>
+              </a:buClr>
+              <a:buSzPct val="100000"/>
+              <a:buFont typeface="Verdana"/>
+              <a:buNone/>
+              <a:defRPr sz="2400" kern="1200">
+                <a:solidFill>
+                  <a:schemeClr val="tx1"/>
+                </a:solidFill>
+                <a:latin typeface="+mn-lt"/>
+                <a:ea typeface="+mn-ea"/>
+                <a:cs typeface="+mn-cs"/>
+              </a:defRPr>
+            </a:lvl2pPr>
+            <a:lvl3pPr marL="603504" indent="0" algn="l" rtl="0" eaLnBrk="1" latinLnBrk="0" hangingPunct="1">
+              <a:spcBef>
+                <a:spcPts val="250"/>
+              </a:spcBef>
+              <a:buClr>
+                <a:schemeClr val="accent2">
+                  <a:tint val="85000"/>
+                  <a:satMod val="285000"/>
+                </a:schemeClr>
+              </a:buClr>
+              <a:buSzPct val="100000"/>
+              <a:buFont typeface="Wingdings 2"/>
+              <a:buNone/>
+              <a:defRPr sz="2200" kern="1200">
+                <a:solidFill>
+                  <a:schemeClr val="tx1"/>
+                </a:solidFill>
+                <a:latin typeface="+mn-lt"/>
+                <a:ea typeface="+mn-ea"/>
+                <a:cs typeface="+mn-cs"/>
+              </a:defRPr>
+            </a:lvl3pPr>
+            <a:lvl4pPr marL="841248" indent="0" algn="l" rtl="0" eaLnBrk="1" latinLnBrk="0" hangingPunct="1">
+              <a:spcBef>
+                <a:spcPts val="230"/>
+              </a:spcBef>
+              <a:buClr>
+                <a:schemeClr val="accent2">
+                  <a:tint val="85000"/>
+                  <a:satMod val="285000"/>
+                </a:schemeClr>
+              </a:buClr>
+              <a:buSzPct val="112000"/>
+              <a:buFont typeface="Verdana"/>
+              <a:buNone/>
+              <a:defRPr sz="1900" kern="1200">
+                <a:solidFill>
+                  <a:schemeClr val="tx1"/>
+                </a:solidFill>
+                <a:latin typeface="+mn-lt"/>
+                <a:ea typeface="+mn-ea"/>
+                <a:cs typeface="+mn-cs"/>
+              </a:defRPr>
+            </a:lvl4pPr>
+            <a:lvl5pPr marL="1097280" indent="0" algn="l" rtl="0" eaLnBrk="1" latinLnBrk="0" hangingPunct="1">
+              <a:spcBef>
+                <a:spcPts val="250"/>
+              </a:spcBef>
+              <a:buClr>
+                <a:schemeClr val="accent3">
+                  <a:tint val="85000"/>
+                  <a:satMod val="275000"/>
+                </a:schemeClr>
+              </a:buClr>
+              <a:buSzPct val="100000"/>
+              <a:buFont typeface="Wingdings 2"/>
+              <a:buNone/>
+              <a:defRPr sz="1800" kern="1200">
+                <a:solidFill>
+                  <a:schemeClr val="tx1"/>
+                </a:solidFill>
+                <a:latin typeface="+mn-lt"/>
+                <a:ea typeface="+mn-ea"/>
+                <a:cs typeface="+mn-cs"/>
+              </a:defRPr>
+            </a:lvl5pPr>
+            <a:lvl6pPr marL="1490472" indent="-182880" algn="l" rtl="0" eaLnBrk="1" latinLnBrk="0" hangingPunct="1">
+              <a:spcBef>
+                <a:spcPts val="250"/>
+              </a:spcBef>
+              <a:buClr>
+                <a:schemeClr val="accent3">
+                  <a:tint val="85000"/>
+                  <a:satMod val="275000"/>
+                </a:schemeClr>
+              </a:buClr>
+              <a:buSzPct val="100000"/>
+              <a:buFont typeface="Verdana"/>
+              <a:buChar char="◦"/>
+              <a:defRPr sz="1700" kern="1200" baseline="0">
+                <a:solidFill>
+                  <a:srgbClr val="FFFFFF"/>
+                </a:solidFill>
+                <a:latin typeface="+mn-lt"/>
+                <a:ea typeface="+mn-ea"/>
+                <a:cs typeface="+mn-cs"/>
+              </a:defRPr>
+            </a:lvl6pPr>
+            <a:lvl7pPr marL="1700784" indent="-182880" algn="l" rtl="0" eaLnBrk="1" latinLnBrk="0" hangingPunct="1">
+              <a:spcBef>
+                <a:spcPts val="255"/>
+              </a:spcBef>
+              <a:buClr>
+                <a:schemeClr val="accent3">
+                  <a:tint val="85000"/>
+                  <a:satMod val="275000"/>
+                </a:schemeClr>
+              </a:buClr>
+              <a:buSzPct val="100000"/>
+              <a:buFont typeface="Wingdings 2"/>
+              <a:buChar char=""/>
+              <a:defRPr sz="1500" kern="1200">
+                <a:solidFill>
+                  <a:srgbClr val="FFFFFF"/>
+                </a:solidFill>
+                <a:latin typeface="+mn-lt"/>
+                <a:ea typeface="+mn-ea"/>
+                <a:cs typeface="+mn-cs"/>
+              </a:defRPr>
+            </a:lvl7pPr>
+            <a:lvl8pPr marL="1920240" indent="-182880" algn="l" rtl="0" eaLnBrk="1" latinLnBrk="0" hangingPunct="1">
+              <a:spcBef>
+                <a:spcPts val="257"/>
+              </a:spcBef>
+              <a:buClr>
+                <a:schemeClr val="accent3">
+                  <a:tint val="85000"/>
+                  <a:satMod val="275000"/>
+                </a:schemeClr>
+              </a:buClr>
+              <a:buSzPct val="100000"/>
+              <a:buFont typeface="Verdana"/>
+              <a:buChar char="◦"/>
+              <a:defRPr sz="1500" kern="1200" baseline="0">
+                <a:solidFill>
+                  <a:srgbClr val="FFFFFF"/>
+                </a:solidFill>
+                <a:latin typeface="+mn-lt"/>
+                <a:ea typeface="+mn-ea"/>
+                <a:cs typeface="+mn-cs"/>
+              </a:defRPr>
+            </a:lvl8pPr>
+            <a:lvl9pPr marL="2148840" indent="-182880" algn="l" rtl="0" eaLnBrk="1" latinLnBrk="0" hangingPunct="1">
+              <a:spcBef>
+                <a:spcPts val="255"/>
+              </a:spcBef>
+              <a:buClr>
+                <a:schemeClr val="accent3">
+                  <a:tint val="85000"/>
+                  <a:satMod val="275000"/>
+                </a:schemeClr>
+              </a:buClr>
+              <a:buSzPct val="100000"/>
+              <a:buFont typeface="Wingdings 2"/>
+              <a:buChar char=""/>
+              <a:defRPr sz="1500" kern="1200">
+                <a:solidFill>
+                  <a:srgbClr val="FFFFFF"/>
+                </a:solidFill>
+                <a:latin typeface="+mn-lt"/>
+                <a:ea typeface="+mn-ea"/>
+                <a:cs typeface="+mn-cs"/>
+              </a:defRPr>
+            </a:lvl9pPr>
+          </a:lstStyle>
+          <a:p>
+            <a:pPr marL="342900" indent="-342900">
+              <a:buFont typeface="Wingdings" panose="05000000000000000000" pitchFamily="2" charset="2"/>
+              <a:buChar char="ü"/>
+            </a:pPr>
+            <a:r>
+              <a:rPr lang="en-US" dirty="0"/>
+              <a:t>a component can be added or removed at any time without affecting other parts of the page</a:t>
+            </a:r>
+          </a:p>
+          <a:p>
+            <a:pPr marL="342900" indent="-342900">
+              <a:buFont typeface="Wingdings" panose="05000000000000000000" pitchFamily="2" charset="2"/>
+              <a:buChar char="ü"/>
+            </a:pPr>
+            <a:r>
+              <a:rPr lang="en-US" dirty="0"/>
+              <a:t>any change on a component should not affect other existing components</a:t>
+            </a:r>
+          </a:p>
+          <a:p>
+            <a:pPr marL="342900" indent="-342900">
+              <a:buFontTx/>
+              <a:buChar char="-"/>
+            </a:pPr>
+            <a:endParaRPr lang="en-US" dirty="0"/>
           </a:p>
         </p:txBody>
       </p:sp>
     </p:spTree>
+    <p:extLst>
+      <p:ext uri="{BB962C8B-B14F-4D97-AF65-F5344CB8AC3E}">
+        <p14:creationId xmlns:p14="http://schemas.microsoft.com/office/powerpoint/2010/main" val="1018429369"/>
+      </p:ext>
+    </p:extLst>
   </p:cSld>
   <p:clrMapOvr>
     <a:masterClrMapping/>
@@ -15054,6 +16283,144 @@
 </file>
 
 <file path=customXml/item2.xml><?xml version="1.0" encoding="utf-8"?>
+<p:properties xmlns:p="http://schemas.microsoft.com/office/2006/metadata/properties" xmlns:xsi="http://www.w3.org/2001/XMLSchema-instance" xmlns:pc="http://schemas.microsoft.com/office/infopath/2007/PartnerControls">
+  <documentManagement>
+    <MarketSpecific xmlns="4873beb7-5857-4685-be1f-d57550cc96cc" xsi:nil="true"/>
+    <ApprovalStatus xmlns="4873beb7-5857-4685-be1f-d57550cc96cc">InProgress</ApprovalStatus>
+    <DirectSourceMarket xmlns="4873beb7-5857-4685-be1f-d57550cc96cc" xsi:nil="true"/>
+    <PrimaryImageGen xmlns="4873beb7-5857-4685-be1f-d57550cc96cc">true</PrimaryImageGen>
+    <ThumbnailAssetId xmlns="4873beb7-5857-4685-be1f-d57550cc96cc" xsi:nil="true"/>
+    <NumericId xmlns="4873beb7-5857-4685-be1f-d57550cc96cc">-1</NumericId>
+    <TPFriendlyName xmlns="4873beb7-5857-4685-be1f-d57550cc96cc">Staff training presentation</TPFriendlyName>
+    <BusinessGroup xmlns="4873beb7-5857-4685-be1f-d57550cc96cc" xsi:nil="true"/>
+    <APEditor xmlns="4873beb7-5857-4685-be1f-d57550cc96cc">
+      <UserInfo>
+        <DisplayName>REDMOND\v-luannv</DisplayName>
+        <AccountId>92</AccountId>
+        <AccountType/>
+      </UserInfo>
+    </APEditor>
+    <SourceTitle xmlns="4873beb7-5857-4685-be1f-d57550cc96cc">Staff training presentation</SourceTitle>
+    <OpenTemplate xmlns="4873beb7-5857-4685-be1f-d57550cc96cc">true</OpenTemplate>
+    <UALocComments xmlns="4873beb7-5857-4685-be1f-d57550cc96cc" xsi:nil="true"/>
+    <ParentAssetId xmlns="4873beb7-5857-4685-be1f-d57550cc96cc" xsi:nil="true"/>
+    <IntlLangReviewDate xmlns="4873beb7-5857-4685-be1f-d57550cc96cc" xsi:nil="true"/>
+    <PublishStatusLookup xmlns="4873beb7-5857-4685-be1f-d57550cc96cc">
+      <Value>264800</Value>
+      <Value>1317039</Value>
+    </PublishStatusLookup>
+    <MachineTranslated xmlns="4873beb7-5857-4685-be1f-d57550cc96cc">false</MachineTranslated>
+    <OriginalSourceMarket xmlns="4873beb7-5857-4685-be1f-d57550cc96cc" xsi:nil="true"/>
+    <TPInstallLocation xmlns="4873beb7-5857-4685-be1f-d57550cc96cc">{My Templates}</TPInstallLocation>
+    <APDescription xmlns="4873beb7-5857-4685-be1f-d57550cc96cc" xsi:nil="true"/>
+    <ContentItem xmlns="4873beb7-5857-4685-be1f-d57550cc96cc" xsi:nil="true"/>
+    <ClipArtFilename xmlns="4873beb7-5857-4685-be1f-d57550cc96cc" xsi:nil="true"/>
+    <APAuthor xmlns="4873beb7-5857-4685-be1f-d57550cc96cc">
+      <UserInfo>
+        <DisplayName>REDMOND\cynvey</DisplayName>
+        <AccountId>191</AccountId>
+        <AccountType/>
+      </UserInfo>
+    </APAuthor>
+    <TPAppVersion xmlns="4873beb7-5857-4685-be1f-d57550cc96cc">11</TPAppVersion>
+    <TPCommandLine xmlns="4873beb7-5857-4685-be1f-d57550cc96cc">{PP} /n {FilePath}</TPCommandLine>
+    <PublishTargets xmlns="4873beb7-5857-4685-be1f-d57550cc96cc">OfficeOnline</PublishTargets>
+    <TPLaunchHelpLinkType xmlns="4873beb7-5857-4685-be1f-d57550cc96cc">Template</TPLaunchHelpLinkType>
+    <TimesCloned xmlns="4873beb7-5857-4685-be1f-d57550cc96cc" xsi:nil="true"/>
+    <EditorialStatus xmlns="4873beb7-5857-4685-be1f-d57550cc96cc" xsi:nil="true"/>
+    <LastModifiedDateTime xmlns="4873beb7-5857-4685-be1f-d57550cc96cc" xsi:nil="true"/>
+    <Provider xmlns="4873beb7-5857-4685-be1f-d57550cc96cc">EY006220130</Provider>
+    <AcquiredFrom xmlns="4873beb7-5857-4685-be1f-d57550cc96cc" xsi:nil="true"/>
+    <AssetStart xmlns="4873beb7-5857-4685-be1f-d57550cc96cc">2009-05-30T20:43:57+00:00</AssetStart>
+    <LastHandOff xmlns="4873beb7-5857-4685-be1f-d57550cc96cc" xsi:nil="true"/>
+    <ArtSampleDocs xmlns="4873beb7-5857-4685-be1f-d57550cc96cc" xsi:nil="true"/>
+    <TPClientViewer xmlns="4873beb7-5857-4685-be1f-d57550cc96cc">Microsoft Office PowerPoint</TPClientViewer>
+    <UACurrentWords xmlns="4873beb7-5857-4685-be1f-d57550cc96cc">0</UACurrentWords>
+    <UALocRecommendation xmlns="4873beb7-5857-4685-be1f-d57550cc96cc">Localize</UALocRecommendation>
+    <IsDeleted xmlns="4873beb7-5857-4685-be1f-d57550cc96cc">false</IsDeleted>
+    <UANotes xmlns="4873beb7-5857-4685-be1f-d57550cc96cc">online onlyFedEx</UANotes>
+    <TemplateStatus xmlns="4873beb7-5857-4685-be1f-d57550cc96cc">Complete</TemplateStatus>
+    <ShowIn xmlns="4873beb7-5857-4685-be1f-d57550cc96cc" xsi:nil="true"/>
+    <CSXHash xmlns="4873beb7-5857-4685-be1f-d57550cc96cc" xsi:nil="true"/>
+    <VoteCount xmlns="4873beb7-5857-4685-be1f-d57550cc96cc" xsi:nil="true"/>
+    <AssetExpire xmlns="4873beb7-5857-4685-be1f-d57550cc96cc">2100-01-01T00:00:00+00:00</AssetExpire>
+    <CSXSubmissionMarket xmlns="4873beb7-5857-4685-be1f-d57550cc96cc" xsi:nil="true"/>
+    <DSATActionTaken xmlns="4873beb7-5857-4685-be1f-d57550cc96cc" xsi:nil="true"/>
+    <TPExecutable xmlns="4873beb7-5857-4685-be1f-d57550cc96cc" xsi:nil="true"/>
+    <SubmitterId xmlns="4873beb7-5857-4685-be1f-d57550cc96cc" xsi:nil="true"/>
+    <AssetType xmlns="4873beb7-5857-4685-be1f-d57550cc96cc">TP</AssetType>
+    <CSXSubmissionDate xmlns="4873beb7-5857-4685-be1f-d57550cc96cc" xsi:nil="true"/>
+    <CSXUpdate xmlns="4873beb7-5857-4685-be1f-d57550cc96cc">false</CSXUpdate>
+    <ApprovalLog xmlns="4873beb7-5857-4685-be1f-d57550cc96cc" xsi:nil="true"/>
+    <BugNumber xmlns="4873beb7-5857-4685-be1f-d57550cc96cc" xsi:nil="true"/>
+    <Milestone xmlns="4873beb7-5857-4685-be1f-d57550cc96cc" xsi:nil="true"/>
+    <OriginAsset xmlns="4873beb7-5857-4685-be1f-d57550cc96cc" xsi:nil="true"/>
+    <TPComponent xmlns="4873beb7-5857-4685-be1f-d57550cc96cc">PPTFiles</TPComponent>
+    <AssetId xmlns="4873beb7-5857-4685-be1f-d57550cc96cc">TP010167128</AssetId>
+    <TPApplication xmlns="4873beb7-5857-4685-be1f-d57550cc96cc">PowerPoint</TPApplication>
+    <TPLaunchHelpLink xmlns="4873beb7-5857-4685-be1f-d57550cc96cc" xsi:nil="true"/>
+    <IntlLocPriority xmlns="4873beb7-5857-4685-be1f-d57550cc96cc" xsi:nil="true"/>
+    <CrawlForDependencies xmlns="4873beb7-5857-4685-be1f-d57550cc96cc">false</CrawlForDependencies>
+    <IntlLangReviewer xmlns="4873beb7-5857-4685-be1f-d57550cc96cc" xsi:nil="true"/>
+    <HandoffToMSDN xmlns="4873beb7-5857-4685-be1f-d57550cc96cc" xsi:nil="true"/>
+    <PlannedPubDate xmlns="4873beb7-5857-4685-be1f-d57550cc96cc" xsi:nil="true"/>
+    <TrustLevel xmlns="4873beb7-5857-4685-be1f-d57550cc96cc">1 Microsoft Managed Content</TrustLevel>
+    <IsSearchable xmlns="4873beb7-5857-4685-be1f-d57550cc96cc">false</IsSearchable>
+    <TPNamespace xmlns="4873beb7-5857-4685-be1f-d57550cc96cc">POWERPNT</TPNamespace>
+    <Markets xmlns="4873beb7-5857-4685-be1f-d57550cc96cc"/>
+    <IntlLangReview xmlns="4873beb7-5857-4685-be1f-d57550cc96cc" xsi:nil="true"/>
+    <UAProjectedTotalWords xmlns="4873beb7-5857-4685-be1f-d57550cc96cc" xsi:nil="true"/>
+    <OutputCachingOn xmlns="4873beb7-5857-4685-be1f-d57550cc96cc">false</OutputCachingOn>
+    <AverageRating xmlns="4873beb7-5857-4685-be1f-d57550cc96cc" xsi:nil="true"/>
+    <LastPublishResultLookup xmlns="4873beb7-5857-4685-be1f-d57550cc96cc" xsi:nil="true"/>
+    <PolicheckWords xmlns="4873beb7-5857-4685-be1f-d57550cc96cc" xsi:nil="true"/>
+    <FriendlyTitle xmlns="4873beb7-5857-4685-be1f-d57550cc96cc" xsi:nil="true"/>
+    <Manager xmlns="4873beb7-5857-4685-be1f-d57550cc96cc" xsi:nil="true"/>
+    <EditorialTags xmlns="4873beb7-5857-4685-be1f-d57550cc96cc" xsi:nil="true"/>
+    <LegacyData xmlns="4873beb7-5857-4685-be1f-d57550cc96cc" xsi:nil="true"/>
+    <Downloads xmlns="4873beb7-5857-4685-be1f-d57550cc96cc">0</Downloads>
+    <Providers xmlns="4873beb7-5857-4685-be1f-d57550cc96cc" xsi:nil="true"/>
+    <TemplateTemplateType xmlns="4873beb7-5857-4685-be1f-d57550cc96cc">PowerPoint 2003 Default</TemplateTemplateType>
+    <OOCacheId xmlns="4873beb7-5857-4685-be1f-d57550cc96cc" xsi:nil="true"/>
+    <BlockPublish xmlns="4873beb7-5857-4685-be1f-d57550cc96cc" xsi:nil="true"/>
+    <CampaignTagsTaxHTField0 xmlns="4873beb7-5857-4685-be1f-d57550cc96cc">
+      <Terms xmlns="http://schemas.microsoft.com/office/infopath/2007/PartnerControls"/>
+    </CampaignTagsTaxHTField0>
+    <LocLastLocAttemptVersionLookup xmlns="4873beb7-5857-4685-be1f-d57550cc96cc">116885</LocLastLocAttemptVersionLookup>
+    <LocLastLocAttemptVersionTypeLookup xmlns="4873beb7-5857-4685-be1f-d57550cc96cc" xsi:nil="true"/>
+    <LocOverallPreviewStatusLookup xmlns="4873beb7-5857-4685-be1f-d57550cc96cc" xsi:nil="true"/>
+    <LocOverallPublishStatusLookup xmlns="4873beb7-5857-4685-be1f-d57550cc96cc" xsi:nil="true"/>
+    <TaxCatchAll xmlns="4873beb7-5857-4685-be1f-d57550cc96cc"/>
+    <LocNewPublishedVersionLookup xmlns="4873beb7-5857-4685-be1f-d57550cc96cc" xsi:nil="true"/>
+    <LocPublishedDependentAssetsLookup xmlns="4873beb7-5857-4685-be1f-d57550cc96cc" xsi:nil="true"/>
+    <LocComments xmlns="4873beb7-5857-4685-be1f-d57550cc96cc" xsi:nil="true"/>
+    <LocProcessedForMarketsLookup xmlns="4873beb7-5857-4685-be1f-d57550cc96cc" xsi:nil="true"/>
+    <LocRecommendedHandoff xmlns="4873beb7-5857-4685-be1f-d57550cc96cc" xsi:nil="true"/>
+    <LocManualTestRequired xmlns="4873beb7-5857-4685-be1f-d57550cc96cc" xsi:nil="true"/>
+    <LocProcessedForHandoffsLookup xmlns="4873beb7-5857-4685-be1f-d57550cc96cc" xsi:nil="true"/>
+    <LocOverallHandbackStatusLookup xmlns="4873beb7-5857-4685-be1f-d57550cc96cc" xsi:nil="true"/>
+    <LocalizationTagsTaxHTField0 xmlns="4873beb7-5857-4685-be1f-d57550cc96cc">
+      <Terms xmlns="http://schemas.microsoft.com/office/infopath/2007/PartnerControls"/>
+    </LocalizationTagsTaxHTField0>
+    <FeatureTagsTaxHTField0 xmlns="4873beb7-5857-4685-be1f-d57550cc96cc">
+      <Terms xmlns="http://schemas.microsoft.com/office/infopath/2007/PartnerControls"/>
+    </FeatureTagsTaxHTField0>
+    <LocOverallLocStatusLookup xmlns="4873beb7-5857-4685-be1f-d57550cc96cc" xsi:nil="true"/>
+    <LocPublishedLinkedAssetsLookup xmlns="4873beb7-5857-4685-be1f-d57550cc96cc" xsi:nil="true"/>
+    <InternalTagsTaxHTField0 xmlns="4873beb7-5857-4685-be1f-d57550cc96cc">
+      <Terms xmlns="http://schemas.microsoft.com/office/infopath/2007/PartnerControls"/>
+    </InternalTagsTaxHTField0>
+    <RecommendationsModifier xmlns="4873beb7-5857-4685-be1f-d57550cc96cc" xsi:nil="true"/>
+    <ScenarioTagsTaxHTField0 xmlns="4873beb7-5857-4685-be1f-d57550cc96cc">
+      <Terms xmlns="http://schemas.microsoft.com/office/infopath/2007/PartnerControls"/>
+    </ScenarioTagsTaxHTField0>
+    <OriginalRelease xmlns="4873beb7-5857-4685-be1f-d57550cc96cc">14</OriginalRelease>
+    <LocMarketGroupTiers2 xmlns="4873beb7-5857-4685-be1f-d57550cc96cc" xsi:nil="true"/>
+  </documentManagement>
+</p:properties>
+</file>
+
+<file path=customXml/item3.xml><?xml version="1.0" encoding="utf-8"?>
 <ct:contentTypeSchema xmlns:ct="http://schemas.microsoft.com/office/2006/metadata/contentType" xmlns:ma="http://schemas.microsoft.com/office/2006/metadata/properties/metaAttributes" ct:_="" ma:_="" ma:contentTypeName="TemplateFile" ma:contentTypeID="0x0101006EDDDB5EE6D98C44930B742096920B300400F5B6D36B3EF94B4E9A635CDF2A18F5B8" ma:contentTypeVersion="72" ma:contentTypeDescription="Create a new document." ma:contentTypeScope="" ma:versionID="a23e56308344d904b51738559c3d67c9">
   <xsd:schema xmlns:xsd="http://www.w3.org/2001/XMLSchema" xmlns:xs="http://www.w3.org/2001/XMLSchema" xmlns:p="http://schemas.microsoft.com/office/2006/metadata/properties" xmlns:ns2="4873beb7-5857-4685-be1f-d57550cc96cc" targetNamespace="http://schemas.microsoft.com/office/2006/metadata/properties" ma:root="true" ma:fieldsID="cd0908cc4600e77bf5da051303e00c8d" ns2:_="">
     <xsd:import namespace="4873beb7-5857-4685-be1f-d57550cc96cc"/>
@@ -16093,144 +17460,6 @@
 </ct:contentTypeSchema>
 </file>
 
-<file path=customXml/item3.xml><?xml version="1.0" encoding="utf-8"?>
-<p:properties xmlns:p="http://schemas.microsoft.com/office/2006/metadata/properties" xmlns:xsi="http://www.w3.org/2001/XMLSchema-instance" xmlns:pc="http://schemas.microsoft.com/office/infopath/2007/PartnerControls">
-  <documentManagement>
-    <MarketSpecific xmlns="4873beb7-5857-4685-be1f-d57550cc96cc" xsi:nil="true"/>
-    <ApprovalStatus xmlns="4873beb7-5857-4685-be1f-d57550cc96cc">InProgress</ApprovalStatus>
-    <DirectSourceMarket xmlns="4873beb7-5857-4685-be1f-d57550cc96cc" xsi:nil="true"/>
-    <PrimaryImageGen xmlns="4873beb7-5857-4685-be1f-d57550cc96cc">true</PrimaryImageGen>
-    <ThumbnailAssetId xmlns="4873beb7-5857-4685-be1f-d57550cc96cc" xsi:nil="true"/>
-    <NumericId xmlns="4873beb7-5857-4685-be1f-d57550cc96cc">-1</NumericId>
-    <TPFriendlyName xmlns="4873beb7-5857-4685-be1f-d57550cc96cc">Staff training presentation</TPFriendlyName>
-    <BusinessGroup xmlns="4873beb7-5857-4685-be1f-d57550cc96cc" xsi:nil="true"/>
-    <APEditor xmlns="4873beb7-5857-4685-be1f-d57550cc96cc">
-      <UserInfo>
-        <DisplayName>REDMOND\v-luannv</DisplayName>
-        <AccountId>92</AccountId>
-        <AccountType/>
-      </UserInfo>
-    </APEditor>
-    <SourceTitle xmlns="4873beb7-5857-4685-be1f-d57550cc96cc">Staff training presentation</SourceTitle>
-    <OpenTemplate xmlns="4873beb7-5857-4685-be1f-d57550cc96cc">true</OpenTemplate>
-    <UALocComments xmlns="4873beb7-5857-4685-be1f-d57550cc96cc" xsi:nil="true"/>
-    <ParentAssetId xmlns="4873beb7-5857-4685-be1f-d57550cc96cc" xsi:nil="true"/>
-    <IntlLangReviewDate xmlns="4873beb7-5857-4685-be1f-d57550cc96cc" xsi:nil="true"/>
-    <PublishStatusLookup xmlns="4873beb7-5857-4685-be1f-d57550cc96cc">
-      <Value>264800</Value>
-      <Value>1317039</Value>
-    </PublishStatusLookup>
-    <MachineTranslated xmlns="4873beb7-5857-4685-be1f-d57550cc96cc">false</MachineTranslated>
-    <OriginalSourceMarket xmlns="4873beb7-5857-4685-be1f-d57550cc96cc" xsi:nil="true"/>
-    <TPInstallLocation xmlns="4873beb7-5857-4685-be1f-d57550cc96cc">{My Templates}</TPInstallLocation>
-    <APDescription xmlns="4873beb7-5857-4685-be1f-d57550cc96cc" xsi:nil="true"/>
-    <ContentItem xmlns="4873beb7-5857-4685-be1f-d57550cc96cc" xsi:nil="true"/>
-    <ClipArtFilename xmlns="4873beb7-5857-4685-be1f-d57550cc96cc" xsi:nil="true"/>
-    <APAuthor xmlns="4873beb7-5857-4685-be1f-d57550cc96cc">
-      <UserInfo>
-        <DisplayName>REDMOND\cynvey</DisplayName>
-        <AccountId>191</AccountId>
-        <AccountType/>
-      </UserInfo>
-    </APAuthor>
-    <TPAppVersion xmlns="4873beb7-5857-4685-be1f-d57550cc96cc">11</TPAppVersion>
-    <TPCommandLine xmlns="4873beb7-5857-4685-be1f-d57550cc96cc">{PP} /n {FilePath}</TPCommandLine>
-    <PublishTargets xmlns="4873beb7-5857-4685-be1f-d57550cc96cc">OfficeOnline</PublishTargets>
-    <TPLaunchHelpLinkType xmlns="4873beb7-5857-4685-be1f-d57550cc96cc">Template</TPLaunchHelpLinkType>
-    <TimesCloned xmlns="4873beb7-5857-4685-be1f-d57550cc96cc" xsi:nil="true"/>
-    <EditorialStatus xmlns="4873beb7-5857-4685-be1f-d57550cc96cc" xsi:nil="true"/>
-    <LastModifiedDateTime xmlns="4873beb7-5857-4685-be1f-d57550cc96cc" xsi:nil="true"/>
-    <Provider xmlns="4873beb7-5857-4685-be1f-d57550cc96cc">EY006220130</Provider>
-    <AcquiredFrom xmlns="4873beb7-5857-4685-be1f-d57550cc96cc" xsi:nil="true"/>
-    <AssetStart xmlns="4873beb7-5857-4685-be1f-d57550cc96cc">2009-05-30T20:43:57+00:00</AssetStart>
-    <LastHandOff xmlns="4873beb7-5857-4685-be1f-d57550cc96cc" xsi:nil="true"/>
-    <ArtSampleDocs xmlns="4873beb7-5857-4685-be1f-d57550cc96cc" xsi:nil="true"/>
-    <TPClientViewer xmlns="4873beb7-5857-4685-be1f-d57550cc96cc">Microsoft Office PowerPoint</TPClientViewer>
-    <UACurrentWords xmlns="4873beb7-5857-4685-be1f-d57550cc96cc">0</UACurrentWords>
-    <UALocRecommendation xmlns="4873beb7-5857-4685-be1f-d57550cc96cc">Localize</UALocRecommendation>
-    <IsDeleted xmlns="4873beb7-5857-4685-be1f-d57550cc96cc">false</IsDeleted>
-    <UANotes xmlns="4873beb7-5857-4685-be1f-d57550cc96cc">online onlyFedEx</UANotes>
-    <TemplateStatus xmlns="4873beb7-5857-4685-be1f-d57550cc96cc">Complete</TemplateStatus>
-    <ShowIn xmlns="4873beb7-5857-4685-be1f-d57550cc96cc" xsi:nil="true"/>
-    <CSXHash xmlns="4873beb7-5857-4685-be1f-d57550cc96cc" xsi:nil="true"/>
-    <VoteCount xmlns="4873beb7-5857-4685-be1f-d57550cc96cc" xsi:nil="true"/>
-    <AssetExpire xmlns="4873beb7-5857-4685-be1f-d57550cc96cc">2100-01-01T00:00:00+00:00</AssetExpire>
-    <CSXSubmissionMarket xmlns="4873beb7-5857-4685-be1f-d57550cc96cc" xsi:nil="true"/>
-    <DSATActionTaken xmlns="4873beb7-5857-4685-be1f-d57550cc96cc" xsi:nil="true"/>
-    <TPExecutable xmlns="4873beb7-5857-4685-be1f-d57550cc96cc" xsi:nil="true"/>
-    <SubmitterId xmlns="4873beb7-5857-4685-be1f-d57550cc96cc" xsi:nil="true"/>
-    <AssetType xmlns="4873beb7-5857-4685-be1f-d57550cc96cc">TP</AssetType>
-    <CSXSubmissionDate xmlns="4873beb7-5857-4685-be1f-d57550cc96cc" xsi:nil="true"/>
-    <CSXUpdate xmlns="4873beb7-5857-4685-be1f-d57550cc96cc">false</CSXUpdate>
-    <ApprovalLog xmlns="4873beb7-5857-4685-be1f-d57550cc96cc" xsi:nil="true"/>
-    <BugNumber xmlns="4873beb7-5857-4685-be1f-d57550cc96cc" xsi:nil="true"/>
-    <Milestone xmlns="4873beb7-5857-4685-be1f-d57550cc96cc" xsi:nil="true"/>
-    <OriginAsset xmlns="4873beb7-5857-4685-be1f-d57550cc96cc" xsi:nil="true"/>
-    <TPComponent xmlns="4873beb7-5857-4685-be1f-d57550cc96cc">PPTFiles</TPComponent>
-    <AssetId xmlns="4873beb7-5857-4685-be1f-d57550cc96cc">TP010167128</AssetId>
-    <TPApplication xmlns="4873beb7-5857-4685-be1f-d57550cc96cc">PowerPoint</TPApplication>
-    <TPLaunchHelpLink xmlns="4873beb7-5857-4685-be1f-d57550cc96cc" xsi:nil="true"/>
-    <IntlLocPriority xmlns="4873beb7-5857-4685-be1f-d57550cc96cc" xsi:nil="true"/>
-    <CrawlForDependencies xmlns="4873beb7-5857-4685-be1f-d57550cc96cc">false</CrawlForDependencies>
-    <IntlLangReviewer xmlns="4873beb7-5857-4685-be1f-d57550cc96cc" xsi:nil="true"/>
-    <HandoffToMSDN xmlns="4873beb7-5857-4685-be1f-d57550cc96cc" xsi:nil="true"/>
-    <PlannedPubDate xmlns="4873beb7-5857-4685-be1f-d57550cc96cc" xsi:nil="true"/>
-    <TrustLevel xmlns="4873beb7-5857-4685-be1f-d57550cc96cc">1 Microsoft Managed Content</TrustLevel>
-    <IsSearchable xmlns="4873beb7-5857-4685-be1f-d57550cc96cc">false</IsSearchable>
-    <TPNamespace xmlns="4873beb7-5857-4685-be1f-d57550cc96cc">POWERPNT</TPNamespace>
-    <Markets xmlns="4873beb7-5857-4685-be1f-d57550cc96cc"/>
-    <IntlLangReview xmlns="4873beb7-5857-4685-be1f-d57550cc96cc" xsi:nil="true"/>
-    <UAProjectedTotalWords xmlns="4873beb7-5857-4685-be1f-d57550cc96cc" xsi:nil="true"/>
-    <OutputCachingOn xmlns="4873beb7-5857-4685-be1f-d57550cc96cc">false</OutputCachingOn>
-    <AverageRating xmlns="4873beb7-5857-4685-be1f-d57550cc96cc" xsi:nil="true"/>
-    <LastPublishResultLookup xmlns="4873beb7-5857-4685-be1f-d57550cc96cc" xsi:nil="true"/>
-    <PolicheckWords xmlns="4873beb7-5857-4685-be1f-d57550cc96cc" xsi:nil="true"/>
-    <FriendlyTitle xmlns="4873beb7-5857-4685-be1f-d57550cc96cc" xsi:nil="true"/>
-    <Manager xmlns="4873beb7-5857-4685-be1f-d57550cc96cc" xsi:nil="true"/>
-    <EditorialTags xmlns="4873beb7-5857-4685-be1f-d57550cc96cc" xsi:nil="true"/>
-    <LegacyData xmlns="4873beb7-5857-4685-be1f-d57550cc96cc" xsi:nil="true"/>
-    <Downloads xmlns="4873beb7-5857-4685-be1f-d57550cc96cc">0</Downloads>
-    <Providers xmlns="4873beb7-5857-4685-be1f-d57550cc96cc" xsi:nil="true"/>
-    <TemplateTemplateType xmlns="4873beb7-5857-4685-be1f-d57550cc96cc">PowerPoint 2003 Default</TemplateTemplateType>
-    <OOCacheId xmlns="4873beb7-5857-4685-be1f-d57550cc96cc" xsi:nil="true"/>
-    <BlockPublish xmlns="4873beb7-5857-4685-be1f-d57550cc96cc" xsi:nil="true"/>
-    <CampaignTagsTaxHTField0 xmlns="4873beb7-5857-4685-be1f-d57550cc96cc">
-      <Terms xmlns="http://schemas.microsoft.com/office/infopath/2007/PartnerControls"/>
-    </CampaignTagsTaxHTField0>
-    <LocLastLocAttemptVersionLookup xmlns="4873beb7-5857-4685-be1f-d57550cc96cc">116885</LocLastLocAttemptVersionLookup>
-    <LocLastLocAttemptVersionTypeLookup xmlns="4873beb7-5857-4685-be1f-d57550cc96cc" xsi:nil="true"/>
-    <LocOverallPreviewStatusLookup xmlns="4873beb7-5857-4685-be1f-d57550cc96cc" xsi:nil="true"/>
-    <LocOverallPublishStatusLookup xmlns="4873beb7-5857-4685-be1f-d57550cc96cc" xsi:nil="true"/>
-    <TaxCatchAll xmlns="4873beb7-5857-4685-be1f-d57550cc96cc"/>
-    <LocNewPublishedVersionLookup xmlns="4873beb7-5857-4685-be1f-d57550cc96cc" xsi:nil="true"/>
-    <LocPublishedDependentAssetsLookup xmlns="4873beb7-5857-4685-be1f-d57550cc96cc" xsi:nil="true"/>
-    <LocComments xmlns="4873beb7-5857-4685-be1f-d57550cc96cc" xsi:nil="true"/>
-    <LocProcessedForMarketsLookup xmlns="4873beb7-5857-4685-be1f-d57550cc96cc" xsi:nil="true"/>
-    <LocRecommendedHandoff xmlns="4873beb7-5857-4685-be1f-d57550cc96cc" xsi:nil="true"/>
-    <LocManualTestRequired xmlns="4873beb7-5857-4685-be1f-d57550cc96cc" xsi:nil="true"/>
-    <LocProcessedForHandoffsLookup xmlns="4873beb7-5857-4685-be1f-d57550cc96cc" xsi:nil="true"/>
-    <LocOverallHandbackStatusLookup xmlns="4873beb7-5857-4685-be1f-d57550cc96cc" xsi:nil="true"/>
-    <LocalizationTagsTaxHTField0 xmlns="4873beb7-5857-4685-be1f-d57550cc96cc">
-      <Terms xmlns="http://schemas.microsoft.com/office/infopath/2007/PartnerControls"/>
-    </LocalizationTagsTaxHTField0>
-    <FeatureTagsTaxHTField0 xmlns="4873beb7-5857-4685-be1f-d57550cc96cc">
-      <Terms xmlns="http://schemas.microsoft.com/office/infopath/2007/PartnerControls"/>
-    </FeatureTagsTaxHTField0>
-    <LocOverallLocStatusLookup xmlns="4873beb7-5857-4685-be1f-d57550cc96cc" xsi:nil="true"/>
-    <LocPublishedLinkedAssetsLookup xmlns="4873beb7-5857-4685-be1f-d57550cc96cc" xsi:nil="true"/>
-    <InternalTagsTaxHTField0 xmlns="4873beb7-5857-4685-be1f-d57550cc96cc">
-      <Terms xmlns="http://schemas.microsoft.com/office/infopath/2007/PartnerControls"/>
-    </InternalTagsTaxHTField0>
-    <RecommendationsModifier xmlns="4873beb7-5857-4685-be1f-d57550cc96cc" xsi:nil="true"/>
-    <ScenarioTagsTaxHTField0 xmlns="4873beb7-5857-4685-be1f-d57550cc96cc">
-      <Terms xmlns="http://schemas.microsoft.com/office/infopath/2007/PartnerControls"/>
-    </ScenarioTagsTaxHTField0>
-    <OriginalRelease xmlns="4873beb7-5857-4685-be1f-d57550cc96cc">14</OriginalRelease>
-    <LocMarketGroupTiers2 xmlns="4873beb7-5857-4685-be1f-d57550cc96cc" xsi:nil="true"/>
-  </documentManagement>
-</p:properties>
-</file>
-
 <file path=customXml/itemProps1.xml><?xml version="1.0" encoding="utf-8"?>
 <ds:datastoreItem xmlns:ds="http://schemas.openxmlformats.org/officeDocument/2006/customXml" ds:itemID="{03C36621-6C65-4A61-A938-FD74A2B05B6D}">
   <ds:schemaRefs>
@@ -16240,6 +17469,22 @@
 </file>
 
 <file path=customXml/itemProps2.xml><?xml version="1.0" encoding="utf-8"?>
+<ds:datastoreItem xmlns:ds="http://schemas.openxmlformats.org/officeDocument/2006/customXml" ds:itemID="{4AC7D299-2CAB-46D2-9D27-21E1A60B59DD}">
+  <ds:schemaRefs>
+    <ds:schemaRef ds:uri="http://schemas.microsoft.com/office/2006/documentManagement/types"/>
+    <ds:schemaRef ds:uri="http://www.w3.org/XML/1998/namespace"/>
+    <ds:schemaRef ds:uri="http://purl.org/dc/terms/"/>
+    <ds:schemaRef ds:uri="http://purl.org/dc/elements/1.1/"/>
+    <ds:schemaRef ds:uri="http://purl.org/dc/dcmitype/"/>
+    <ds:schemaRef ds:uri="4873beb7-5857-4685-be1f-d57550cc96cc"/>
+    <ds:schemaRef ds:uri="http://schemas.microsoft.com/office/infopath/2007/PartnerControls"/>
+    <ds:schemaRef ds:uri="http://schemas.openxmlformats.org/package/2006/metadata/core-properties"/>
+    <ds:schemaRef ds:uri="http://schemas.microsoft.com/office/2006/metadata/properties"/>
+  </ds:schemaRefs>
+</ds:datastoreItem>
+</file>
+
+<file path=customXml/itemProps3.xml><?xml version="1.0" encoding="utf-8"?>
 <ds:datastoreItem xmlns:ds="http://schemas.openxmlformats.org/officeDocument/2006/customXml" ds:itemID="{1CBA9694-26DF-45B8-BF2C-F755491EF262}">
   <ds:schemaRefs>
     <ds:schemaRef ds:uri="http://schemas.microsoft.com/office/2006/metadata/contentType"/>
@@ -16255,20 +17500,4 @@
     <ds:schemaRef ds:uri="http://schemas.microsoft.com/internal/obd"/>
   </ds:schemaRefs>
 </ds:datastoreItem>
-</file>
-
-<file path=customXml/itemProps3.xml><?xml version="1.0" encoding="utf-8"?>
-<ds:datastoreItem xmlns:ds="http://schemas.openxmlformats.org/officeDocument/2006/customXml" ds:itemID="{4AC7D299-2CAB-46D2-9D27-21E1A60B59DD}">
-  <ds:schemaRefs>
-    <ds:schemaRef ds:uri="http://schemas.microsoft.com/office/2006/documentManagement/types"/>
-    <ds:schemaRef ds:uri="http://www.w3.org/XML/1998/namespace"/>
-    <ds:schemaRef ds:uri="http://purl.org/dc/terms/"/>
-    <ds:schemaRef ds:uri="http://purl.org/dc/elements/1.1/"/>
-    <ds:schemaRef ds:uri="http://purl.org/dc/dcmitype/"/>
-    <ds:schemaRef ds:uri="4873beb7-5857-4685-be1f-d57550cc96cc"/>
-    <ds:schemaRef ds:uri="http://schemas.microsoft.com/office/infopath/2007/PartnerControls"/>
-    <ds:schemaRef ds:uri="http://schemas.openxmlformats.org/package/2006/metadata/core-properties"/>
-    <ds:schemaRef ds:uri="http://schemas.microsoft.com/office/2006/metadata/properties"/>
-  </ds:schemaRefs>
-</ds:datastoreItem>
 </file>
--- a/src/Umbraco Components.pptx
+++ b/src/Umbraco Components.pptx
@@ -5,7 +5,7 @@
     <p:sldMasterId id="2147483648" r:id="rId4"/>
   </p:sldMasterIdLst>
   <p:notesMasterIdLst>
-    <p:notesMasterId r:id="rId19"/>
+    <p:notesMasterId r:id="rId20"/>
   </p:notesMasterIdLst>
   <p:sldIdLst>
     <p:sldId id="256" r:id="rId5"/>
@@ -13,15 +13,16 @@
     <p:sldId id="264" r:id="rId7"/>
     <p:sldId id="266" r:id="rId8"/>
     <p:sldId id="267" r:id="rId9"/>
-    <p:sldId id="270" r:id="rId10"/>
-    <p:sldId id="271" r:id="rId11"/>
-    <p:sldId id="258" r:id="rId12"/>
-    <p:sldId id="265" r:id="rId13"/>
-    <p:sldId id="268" r:id="rId14"/>
-    <p:sldId id="260" r:id="rId15"/>
-    <p:sldId id="261" r:id="rId16"/>
-    <p:sldId id="262" r:id="rId17"/>
-    <p:sldId id="263" r:id="rId18"/>
+    <p:sldId id="272" r:id="rId10"/>
+    <p:sldId id="270" r:id="rId11"/>
+    <p:sldId id="271" r:id="rId12"/>
+    <p:sldId id="258" r:id="rId13"/>
+    <p:sldId id="265" r:id="rId14"/>
+    <p:sldId id="268" r:id="rId15"/>
+    <p:sldId id="260" r:id="rId16"/>
+    <p:sldId id="261" r:id="rId17"/>
+    <p:sldId id="262" r:id="rId18"/>
+    <p:sldId id="263" r:id="rId19"/>
   </p:sldIdLst>
   <p:sldSz cx="9144000" cy="6858000" type="screen4x3"/>
   <p:notesSz cx="6858000" cy="9144000"/>
@@ -222,7 +223,7 @@
             <a:fld id="{596203C1-616A-4651-A577-7BA09B384D13}" type="datetimeFigureOut">
               <a:rPr lang="en-US" smtClean="0"/>
               <a:pPr/>
-              <a:t>2/16/2018</a:t>
+              <a:t>2/18/2018</a:t>
             </a:fld>
             <a:endParaRPr lang="en-US"/>
           </a:p>
@@ -646,7 +647,7 @@
     </p:spTree>
     <p:extLst>
       <p:ext uri="{BB962C8B-B14F-4D97-AF65-F5344CB8AC3E}">
-        <p14:creationId xmlns:p14="http://schemas.microsoft.com/office/powerpoint/2010/main" val="646779544"/>
+        <p14:creationId xmlns:p14="http://schemas.microsoft.com/office/powerpoint/2010/main" val="2865814628"/>
       </p:ext>
     </p:extLst>
   </p:cSld>
@@ -731,6 +732,11 @@
         </p:txBody>
       </p:sp>
     </p:spTree>
+    <p:extLst>
+      <p:ext uri="{BB962C8B-B14F-4D97-AF65-F5344CB8AC3E}">
+        <p14:creationId xmlns:p14="http://schemas.microsoft.com/office/powerpoint/2010/main" val="646779544"/>
+      </p:ext>
+    </p:extLst>
   </p:cSld>
   <p:clrMapOvr>
     <a:masterClrMapping/>
@@ -971,6 +977,88 @@
               <a:rPr lang="en-US" smtClean="0"/>
               <a:pPr/>
               <a:t>14</a:t>
+            </a:fld>
+            <a:endParaRPr lang="en-US"/>
+          </a:p>
+        </p:txBody>
+      </p:sp>
+    </p:spTree>
+  </p:cSld>
+  <p:clrMapOvr>
+    <a:masterClrMapping/>
+  </p:clrMapOvr>
+</p:notes>
+</file>
+
+<file path=ppt/notesSlides/notesSlide15.xml><?xml version="1.0" encoding="utf-8"?>
+<p:notes xmlns:a="http://schemas.openxmlformats.org/drawingml/2006/main" xmlns:r="http://schemas.openxmlformats.org/officeDocument/2006/relationships" xmlns:p="http://schemas.openxmlformats.org/presentationml/2006/main">
+  <p:cSld>
+    <p:spTree>
+      <p:nvGrpSpPr>
+        <p:cNvPr id="1" name=""/>
+        <p:cNvGrpSpPr/>
+        <p:nvPr/>
+      </p:nvGrpSpPr>
+      <p:grpSpPr>
+        <a:xfrm>
+          <a:off x="0" y="0"/>
+          <a:ext cx="0" cy="0"/>
+          <a:chOff x="0" y="0"/>
+          <a:chExt cx="0" cy="0"/>
+        </a:xfrm>
+      </p:grpSpPr>
+      <p:sp>
+        <p:nvSpPr>
+          <p:cNvPr id="2" name="Slide Image Placeholder 1"/>
+          <p:cNvSpPr>
+            <a:spLocks noGrp="1" noRot="1" noChangeAspect="1"/>
+          </p:cNvSpPr>
+          <p:nvPr>
+            <p:ph type="sldImg"/>
+          </p:nvPr>
+        </p:nvSpPr>
+        <p:spPr/>
+      </p:sp>
+      <p:sp>
+        <p:nvSpPr>
+          <p:cNvPr id="3" name="Notes Placeholder 2"/>
+          <p:cNvSpPr>
+            <a:spLocks noGrp="1"/>
+          </p:cNvSpPr>
+          <p:nvPr>
+            <p:ph type="body" idx="1"/>
+          </p:nvPr>
+        </p:nvSpPr>
+        <p:spPr/>
+        <p:txBody>
+          <a:bodyPr>
+            <a:normAutofit/>
+          </a:bodyPr>
+          <a:lstStyle/>
+          <a:p>
+            <a:endParaRPr lang="en-US"/>
+          </a:p>
+        </p:txBody>
+      </p:sp>
+      <p:sp>
+        <p:nvSpPr>
+          <p:cNvPr id="4" name="Slide Number Placeholder 3"/>
+          <p:cNvSpPr>
+            <a:spLocks noGrp="1"/>
+          </p:cNvSpPr>
+          <p:nvPr>
+            <p:ph type="sldNum" sz="quarter" idx="10"/>
+          </p:nvPr>
+        </p:nvSpPr>
+        <p:spPr/>
+        <p:txBody>
+          <a:bodyPr/>
+          <a:lstStyle/>
+          <a:p>
+            <a:fld id="{07B8B279-4079-43B3-8013-D8D81AB870A7}" type="slidenum">
+              <a:rPr lang="en-US" smtClean="0"/>
+              <a:pPr/>
+              <a:t>15</a:t>
             </a:fld>
             <a:endParaRPr lang="en-US"/>
           </a:p>
@@ -1404,7 +1492,7 @@
     </p:spTree>
     <p:extLst>
       <p:ext uri="{BB962C8B-B14F-4D97-AF65-F5344CB8AC3E}">
-        <p14:creationId xmlns:p14="http://schemas.microsoft.com/office/powerpoint/2010/main" val="392200084"/>
+        <p14:creationId xmlns:p14="http://schemas.microsoft.com/office/powerpoint/2010/main" val="38883475"/>
       </p:ext>
     </p:extLst>
   </p:cSld>
@@ -1491,7 +1579,7 @@
     </p:spTree>
     <p:extLst>
       <p:ext uri="{BB962C8B-B14F-4D97-AF65-F5344CB8AC3E}">
-        <p14:creationId xmlns:p14="http://schemas.microsoft.com/office/powerpoint/2010/main" val="1976159333"/>
+        <p14:creationId xmlns:p14="http://schemas.microsoft.com/office/powerpoint/2010/main" val="392200084"/>
       </p:ext>
     </p:extLst>
   </p:cSld>
@@ -1576,6 +1664,11 @@
         </p:txBody>
       </p:sp>
     </p:spTree>
+    <p:extLst>
+      <p:ext uri="{BB962C8B-B14F-4D97-AF65-F5344CB8AC3E}">
+        <p14:creationId xmlns:p14="http://schemas.microsoft.com/office/powerpoint/2010/main" val="1976159333"/>
+      </p:ext>
+    </p:extLst>
   </p:cSld>
   <p:clrMapOvr>
     <a:masterClrMapping/>
@@ -1658,11 +1751,6 @@
         </p:txBody>
       </p:sp>
     </p:spTree>
-    <p:extLst>
-      <p:ext uri="{BB962C8B-B14F-4D97-AF65-F5344CB8AC3E}">
-        <p14:creationId xmlns:p14="http://schemas.microsoft.com/office/powerpoint/2010/main" val="2865814628"/>
-      </p:ext>
-    </p:extLst>
   </p:cSld>
   <p:clrMapOvr>
     <a:masterClrMapping/>
@@ -1933,7 +2021,7 @@
             <a:fld id="{633EFA78-DE0E-433D-8CFA-D9FBF0D95DCD}" type="datetime1">
               <a:rPr lang="en-US" smtClean="0"/>
               <a:pPr/>
-              <a:t>2/16/2018</a:t>
+              <a:t>2/18/2018</a:t>
             </a:fld>
             <a:endParaRPr lang="en-US" dirty="0"/>
           </a:p>
@@ -2263,7 +2351,7 @@
             <a:fld id="{9F5395AF-258B-4502-92DF-E211AA281B41}" type="datetime1">
               <a:rPr lang="en-US" smtClean="0"/>
               <a:pPr/>
-              <a:t>2/16/2018</a:t>
+              <a:t>2/18/2018</a:t>
             </a:fld>
             <a:endParaRPr lang="en-US"/>
           </a:p>
@@ -2574,7 +2662,7 @@
             <a:fld id="{378FFA21-88D5-4090-AE34-A717F3009131}" type="datetime1">
               <a:rPr lang="en-US" smtClean="0"/>
               <a:pPr/>
-              <a:t>2/16/2018</a:t>
+              <a:t>2/18/2018</a:t>
             </a:fld>
             <a:endParaRPr lang="en-US"/>
           </a:p>
@@ -2991,7 +3079,7 @@
             <a:fld id="{25A654AA-2757-4A51-86CD-6D20456BDD0A}" type="datetime1">
               <a:rPr lang="en-US" smtClean="0"/>
               <a:pPr/>
-              <a:t>2/16/2018</a:t>
+              <a:t>2/18/2018</a:t>
             </a:fld>
             <a:endParaRPr lang="en-US"/>
           </a:p>
@@ -3398,7 +3486,7 @@
             <a:fld id="{633EFA78-DE0E-433D-8CFA-D9FBF0D95DCD}" type="datetime1">
               <a:rPr lang="en-US" smtClean="0"/>
               <a:pPr/>
-              <a:t>2/16/2018</a:t>
+              <a:t>2/18/2018</a:t>
             </a:fld>
             <a:endParaRPr lang="en-US" dirty="0"/>
           </a:p>
@@ -3778,7 +3866,7 @@
             <a:fld id="{4427F9C6-20A9-45D8-B666-D95AD1AA535F}" type="datetime1">
               <a:rPr lang="en-US" smtClean="0"/>
               <a:pPr/>
-              <a:t>2/16/2018</a:t>
+              <a:t>2/18/2018</a:t>
             </a:fld>
             <a:endParaRPr lang="en-US"/>
           </a:p>
@@ -4440,7 +4528,7 @@
             <a:fld id="{4427F9C6-20A9-45D8-B666-D95AD1AA535F}" type="datetime1">
               <a:rPr lang="en-US" smtClean="0"/>
               <a:pPr/>
-              <a:t>2/16/2018</a:t>
+              <a:t>2/18/2018</a:t>
             </a:fld>
             <a:endParaRPr lang="en-US"/>
           </a:p>
@@ -5107,7 +5195,7 @@
             <a:fld id="{4427F9C6-20A9-45D8-B666-D95AD1AA535F}" type="datetime1">
               <a:rPr lang="en-US" smtClean="0"/>
               <a:pPr/>
-              <a:t>2/16/2018</a:t>
+              <a:t>2/18/2018</a:t>
             </a:fld>
             <a:endParaRPr lang="en-US"/>
           </a:p>
@@ -5722,7 +5810,7 @@
             <a:fld id="{CE9EB45F-50E8-4AF1-920B-265FC35EA31A}" type="datetime1">
               <a:rPr lang="en-US" smtClean="0"/>
               <a:pPr/>
-              <a:t>2/16/2018</a:t>
+              <a:t>2/18/2018</a:t>
             </a:fld>
             <a:endParaRPr lang="en-US"/>
           </a:p>
@@ -5983,7 +6071,7 @@
             <a:fld id="{C969D76A-2E51-4D2B-9AFF-70F7EB3C2C68}" type="datetime1">
               <a:rPr lang="en-US" smtClean="0"/>
               <a:pPr/>
-              <a:t>2/16/2018</a:t>
+              <a:t>2/18/2018</a:t>
             </a:fld>
             <a:endParaRPr lang="en-US"/>
           </a:p>
@@ -6416,7 +6504,7 @@
             <a:fld id="{BDB85F57-6490-4460-90DC-FC5EE5C36A66}" type="datetime1">
               <a:rPr lang="en-US" smtClean="0"/>
               <a:pPr/>
-              <a:t>2/16/2018</a:t>
+              <a:t>2/18/2018</a:t>
             </a:fld>
             <a:endParaRPr lang="en-US"/>
           </a:p>
@@ -6531,7 +6619,7 @@
             <a:fld id="{5AFB2161-9FCA-498A-A51E-7B90071250E8}" type="datetime1">
               <a:rPr lang="en-US" smtClean="0"/>
               <a:pPr/>
-              <a:t>2/16/2018</a:t>
+              <a:t>2/18/2018</a:t>
             </a:fld>
             <a:endParaRPr lang="en-US"/>
           </a:p>
@@ -6744,7 +6832,7 @@
             <a:fld id="{1BC102A9-C1B1-4354-89E4-F43472216A4F}" type="datetime1">
               <a:rPr lang="en-US" smtClean="0"/>
               <a:pPr algn="r"/>
-              <a:t>2/16/2018</a:t>
+              <a:t>2/18/2018</a:t>
             </a:fld>
             <a:endParaRPr lang="en-US" sz="1000" dirty="0">
               <a:solidFill>
@@ -7304,8 +7392,720 @@
           <a:p>
             <a:r>
               <a:rPr lang="en-US" dirty="0"/>
-              <a:t>Concepts</a:t>
-            </a:r>
+              <a:t>Goal</a:t>
+            </a:r>
+          </a:p>
+        </p:txBody>
+      </p:sp>
+      <p:sp>
+        <p:nvSpPr>
+          <p:cNvPr id="6" name="Rectangle 2">
+            <a:extLst>
+              <a:ext uri="{FF2B5EF4-FFF2-40B4-BE49-F238E27FC236}">
+                <a16:creationId xmlns:a16="http://schemas.microsoft.com/office/drawing/2014/main" id="{A211BC02-1A61-47A7-A96A-FBC95371C25B}"/>
+              </a:ext>
+            </a:extLst>
+          </p:cNvPr>
+          <p:cNvSpPr txBox="1">
+            <a:spLocks/>
+          </p:cNvSpPr>
+          <p:nvPr/>
+        </p:nvSpPr>
+        <p:spPr>
+          <a:xfrm>
+            <a:off x="363275" y="3989709"/>
+            <a:ext cx="7669162" cy="692088"/>
+          </a:xfrm>
+          <a:prstGeom prst="rect">
+            <a:avLst/>
+          </a:prstGeom>
+        </p:spPr>
+        <p:txBody>
+          <a:bodyPr vert="horz" lIns="182880" tIns="91440">
+            <a:normAutofit lnSpcReduction="10000"/>
+          </a:bodyPr>
+          <a:lstStyle>
+            <a:lvl1pPr marL="0" indent="0" algn="l" rtl="0" eaLnBrk="1" latinLnBrk="0" hangingPunct="1">
+              <a:spcBef>
+                <a:spcPts val="250"/>
+              </a:spcBef>
+              <a:buClr>
+                <a:schemeClr val="accent1"/>
+              </a:buClr>
+              <a:buSzPct val="80000"/>
+              <a:buFont typeface="Wingdings 2"/>
+              <a:buNone/>
+              <a:defRPr sz="2000" kern="1200">
+                <a:solidFill>
+                  <a:schemeClr val="tx1"/>
+                </a:solidFill>
+                <a:effectLst/>
+                <a:latin typeface="+mn-lt"/>
+                <a:ea typeface="+mn-ea"/>
+                <a:cs typeface="+mn-cs"/>
+              </a:defRPr>
+            </a:lvl1pPr>
+            <a:lvl2pPr marL="347472" indent="0" algn="l" rtl="0" eaLnBrk="1" latinLnBrk="0" hangingPunct="1">
+              <a:spcBef>
+                <a:spcPts val="250"/>
+              </a:spcBef>
+              <a:buClr>
+                <a:schemeClr val="accent1"/>
+              </a:buClr>
+              <a:buSzPct val="100000"/>
+              <a:buFont typeface="Verdana"/>
+              <a:buNone/>
+              <a:defRPr sz="2400" kern="1200">
+                <a:solidFill>
+                  <a:schemeClr val="tx1"/>
+                </a:solidFill>
+                <a:latin typeface="+mn-lt"/>
+                <a:ea typeface="+mn-ea"/>
+                <a:cs typeface="+mn-cs"/>
+              </a:defRPr>
+            </a:lvl2pPr>
+            <a:lvl3pPr marL="603504" indent="0" algn="l" rtl="0" eaLnBrk="1" latinLnBrk="0" hangingPunct="1">
+              <a:spcBef>
+                <a:spcPts val="250"/>
+              </a:spcBef>
+              <a:buClr>
+                <a:schemeClr val="accent2">
+                  <a:tint val="85000"/>
+                  <a:satMod val="285000"/>
+                </a:schemeClr>
+              </a:buClr>
+              <a:buSzPct val="100000"/>
+              <a:buFont typeface="Wingdings 2"/>
+              <a:buNone/>
+              <a:defRPr sz="2200" kern="1200">
+                <a:solidFill>
+                  <a:schemeClr val="tx1"/>
+                </a:solidFill>
+                <a:latin typeface="+mn-lt"/>
+                <a:ea typeface="+mn-ea"/>
+                <a:cs typeface="+mn-cs"/>
+              </a:defRPr>
+            </a:lvl3pPr>
+            <a:lvl4pPr marL="841248" indent="0" algn="l" rtl="0" eaLnBrk="1" latinLnBrk="0" hangingPunct="1">
+              <a:spcBef>
+                <a:spcPts val="230"/>
+              </a:spcBef>
+              <a:buClr>
+                <a:schemeClr val="accent2">
+                  <a:tint val="85000"/>
+                  <a:satMod val="285000"/>
+                </a:schemeClr>
+              </a:buClr>
+              <a:buSzPct val="112000"/>
+              <a:buFont typeface="Verdana"/>
+              <a:buNone/>
+              <a:defRPr sz="1900" kern="1200">
+                <a:solidFill>
+                  <a:schemeClr val="tx1"/>
+                </a:solidFill>
+                <a:latin typeface="+mn-lt"/>
+                <a:ea typeface="+mn-ea"/>
+                <a:cs typeface="+mn-cs"/>
+              </a:defRPr>
+            </a:lvl4pPr>
+            <a:lvl5pPr marL="1097280" indent="0" algn="l" rtl="0" eaLnBrk="1" latinLnBrk="0" hangingPunct="1">
+              <a:spcBef>
+                <a:spcPts val="250"/>
+              </a:spcBef>
+              <a:buClr>
+                <a:schemeClr val="accent3">
+                  <a:tint val="85000"/>
+                  <a:satMod val="275000"/>
+                </a:schemeClr>
+              </a:buClr>
+              <a:buSzPct val="100000"/>
+              <a:buFont typeface="Wingdings 2"/>
+              <a:buNone/>
+              <a:defRPr sz="1800" kern="1200">
+                <a:solidFill>
+                  <a:schemeClr val="tx1"/>
+                </a:solidFill>
+                <a:latin typeface="+mn-lt"/>
+                <a:ea typeface="+mn-ea"/>
+                <a:cs typeface="+mn-cs"/>
+              </a:defRPr>
+            </a:lvl5pPr>
+            <a:lvl6pPr marL="1490472" indent="-182880" algn="l" rtl="0" eaLnBrk="1" latinLnBrk="0" hangingPunct="1">
+              <a:spcBef>
+                <a:spcPts val="250"/>
+              </a:spcBef>
+              <a:buClr>
+                <a:schemeClr val="accent3">
+                  <a:tint val="85000"/>
+                  <a:satMod val="275000"/>
+                </a:schemeClr>
+              </a:buClr>
+              <a:buSzPct val="100000"/>
+              <a:buFont typeface="Verdana"/>
+              <a:buChar char="◦"/>
+              <a:defRPr sz="1700" kern="1200" baseline="0">
+                <a:solidFill>
+                  <a:srgbClr val="FFFFFF"/>
+                </a:solidFill>
+                <a:latin typeface="+mn-lt"/>
+                <a:ea typeface="+mn-ea"/>
+                <a:cs typeface="+mn-cs"/>
+              </a:defRPr>
+            </a:lvl6pPr>
+            <a:lvl7pPr marL="1700784" indent="-182880" algn="l" rtl="0" eaLnBrk="1" latinLnBrk="0" hangingPunct="1">
+              <a:spcBef>
+                <a:spcPts val="255"/>
+              </a:spcBef>
+              <a:buClr>
+                <a:schemeClr val="accent3">
+                  <a:tint val="85000"/>
+                  <a:satMod val="275000"/>
+                </a:schemeClr>
+              </a:buClr>
+              <a:buSzPct val="100000"/>
+              <a:buFont typeface="Wingdings 2"/>
+              <a:buChar char=""/>
+              <a:defRPr sz="1500" kern="1200">
+                <a:solidFill>
+                  <a:srgbClr val="FFFFFF"/>
+                </a:solidFill>
+                <a:latin typeface="+mn-lt"/>
+                <a:ea typeface="+mn-ea"/>
+                <a:cs typeface="+mn-cs"/>
+              </a:defRPr>
+            </a:lvl7pPr>
+            <a:lvl8pPr marL="1920240" indent="-182880" algn="l" rtl="0" eaLnBrk="1" latinLnBrk="0" hangingPunct="1">
+              <a:spcBef>
+                <a:spcPts val="257"/>
+              </a:spcBef>
+              <a:buClr>
+                <a:schemeClr val="accent3">
+                  <a:tint val="85000"/>
+                  <a:satMod val="275000"/>
+                </a:schemeClr>
+              </a:buClr>
+              <a:buSzPct val="100000"/>
+              <a:buFont typeface="Verdana"/>
+              <a:buChar char="◦"/>
+              <a:defRPr sz="1500" kern="1200" baseline="0">
+                <a:solidFill>
+                  <a:srgbClr val="FFFFFF"/>
+                </a:solidFill>
+                <a:latin typeface="+mn-lt"/>
+                <a:ea typeface="+mn-ea"/>
+                <a:cs typeface="+mn-cs"/>
+              </a:defRPr>
+            </a:lvl8pPr>
+            <a:lvl9pPr marL="2148840" indent="-182880" algn="l" rtl="0" eaLnBrk="1" latinLnBrk="0" hangingPunct="1">
+              <a:spcBef>
+                <a:spcPts val="255"/>
+              </a:spcBef>
+              <a:buClr>
+                <a:schemeClr val="accent3">
+                  <a:tint val="85000"/>
+                  <a:satMod val="275000"/>
+                </a:schemeClr>
+              </a:buClr>
+              <a:buSzPct val="100000"/>
+              <a:buFont typeface="Wingdings 2"/>
+              <a:buChar char=""/>
+              <a:defRPr sz="1500" kern="1200">
+                <a:solidFill>
+                  <a:srgbClr val="FFFFFF"/>
+                </a:solidFill>
+                <a:latin typeface="+mn-lt"/>
+                <a:ea typeface="+mn-ea"/>
+                <a:cs typeface="+mn-cs"/>
+              </a:defRPr>
+            </a:lvl9pPr>
+          </a:lstStyle>
+          <a:p>
+            <a:pPr marL="342900" indent="-342900">
+              <a:buFont typeface="Wingdings" panose="05000000000000000000" pitchFamily="2" charset="2"/>
+              <a:buChar char="ü"/>
+            </a:pPr>
+            <a:r>
+              <a:rPr lang="en-US" dirty="0"/>
+              <a:t>editors should be able to apply different renderings on a particular component within or across pages</a:t>
+            </a:r>
+          </a:p>
+        </p:txBody>
+      </p:sp>
+      <p:sp>
+        <p:nvSpPr>
+          <p:cNvPr id="7" name="Rectangle 2">
+            <a:extLst>
+              <a:ext uri="{FF2B5EF4-FFF2-40B4-BE49-F238E27FC236}">
+                <a16:creationId xmlns:a16="http://schemas.microsoft.com/office/drawing/2014/main" id="{6AE24318-E416-42A4-9B84-705C67568B9F}"/>
+              </a:ext>
+            </a:extLst>
+          </p:cNvPr>
+          <p:cNvSpPr txBox="1">
+            <a:spLocks/>
+          </p:cNvSpPr>
+          <p:nvPr/>
+        </p:nvSpPr>
+        <p:spPr>
+          <a:xfrm>
+            <a:off x="251520" y="3618086"/>
+            <a:ext cx="7669162" cy="429514"/>
+          </a:xfrm>
+          <a:prstGeom prst="rect">
+            <a:avLst/>
+          </a:prstGeom>
+        </p:spPr>
+        <p:txBody>
+          <a:bodyPr vert="horz" lIns="182880" tIns="91440">
+            <a:normAutofit lnSpcReduction="10000"/>
+          </a:bodyPr>
+          <a:lstStyle>
+            <a:lvl1pPr marL="0" indent="0" algn="l" rtl="0" eaLnBrk="1" latinLnBrk="0" hangingPunct="1">
+              <a:spcBef>
+                <a:spcPts val="250"/>
+              </a:spcBef>
+              <a:buClr>
+                <a:schemeClr val="accent1"/>
+              </a:buClr>
+              <a:buSzPct val="80000"/>
+              <a:buFont typeface="Wingdings 2"/>
+              <a:buNone/>
+              <a:defRPr sz="2000" kern="1200">
+                <a:solidFill>
+                  <a:schemeClr val="tx1"/>
+                </a:solidFill>
+                <a:effectLst/>
+                <a:latin typeface="+mn-lt"/>
+                <a:ea typeface="+mn-ea"/>
+                <a:cs typeface="+mn-cs"/>
+              </a:defRPr>
+            </a:lvl1pPr>
+            <a:lvl2pPr marL="347472" indent="0" algn="l" rtl="0" eaLnBrk="1" latinLnBrk="0" hangingPunct="1">
+              <a:spcBef>
+                <a:spcPts val="250"/>
+              </a:spcBef>
+              <a:buClr>
+                <a:schemeClr val="accent1"/>
+              </a:buClr>
+              <a:buSzPct val="100000"/>
+              <a:buFont typeface="Verdana"/>
+              <a:buNone/>
+              <a:defRPr sz="2400" kern="1200">
+                <a:solidFill>
+                  <a:schemeClr val="tx1"/>
+                </a:solidFill>
+                <a:latin typeface="+mn-lt"/>
+                <a:ea typeface="+mn-ea"/>
+                <a:cs typeface="+mn-cs"/>
+              </a:defRPr>
+            </a:lvl2pPr>
+            <a:lvl3pPr marL="603504" indent="0" algn="l" rtl="0" eaLnBrk="1" latinLnBrk="0" hangingPunct="1">
+              <a:spcBef>
+                <a:spcPts val="250"/>
+              </a:spcBef>
+              <a:buClr>
+                <a:schemeClr val="accent2">
+                  <a:tint val="85000"/>
+                  <a:satMod val="285000"/>
+                </a:schemeClr>
+              </a:buClr>
+              <a:buSzPct val="100000"/>
+              <a:buFont typeface="Wingdings 2"/>
+              <a:buNone/>
+              <a:defRPr sz="2200" kern="1200">
+                <a:solidFill>
+                  <a:schemeClr val="tx1"/>
+                </a:solidFill>
+                <a:latin typeface="+mn-lt"/>
+                <a:ea typeface="+mn-ea"/>
+                <a:cs typeface="+mn-cs"/>
+              </a:defRPr>
+            </a:lvl3pPr>
+            <a:lvl4pPr marL="841248" indent="0" algn="l" rtl="0" eaLnBrk="1" latinLnBrk="0" hangingPunct="1">
+              <a:spcBef>
+                <a:spcPts val="230"/>
+              </a:spcBef>
+              <a:buClr>
+                <a:schemeClr val="accent2">
+                  <a:tint val="85000"/>
+                  <a:satMod val="285000"/>
+                </a:schemeClr>
+              </a:buClr>
+              <a:buSzPct val="112000"/>
+              <a:buFont typeface="Verdana"/>
+              <a:buNone/>
+              <a:defRPr sz="1900" kern="1200">
+                <a:solidFill>
+                  <a:schemeClr val="tx1"/>
+                </a:solidFill>
+                <a:latin typeface="+mn-lt"/>
+                <a:ea typeface="+mn-ea"/>
+                <a:cs typeface="+mn-cs"/>
+              </a:defRPr>
+            </a:lvl4pPr>
+            <a:lvl5pPr marL="1097280" indent="0" algn="l" rtl="0" eaLnBrk="1" latinLnBrk="0" hangingPunct="1">
+              <a:spcBef>
+                <a:spcPts val="250"/>
+              </a:spcBef>
+              <a:buClr>
+                <a:schemeClr val="accent3">
+                  <a:tint val="85000"/>
+                  <a:satMod val="275000"/>
+                </a:schemeClr>
+              </a:buClr>
+              <a:buSzPct val="100000"/>
+              <a:buFont typeface="Wingdings 2"/>
+              <a:buNone/>
+              <a:defRPr sz="1800" kern="1200">
+                <a:solidFill>
+                  <a:schemeClr val="tx1"/>
+                </a:solidFill>
+                <a:latin typeface="+mn-lt"/>
+                <a:ea typeface="+mn-ea"/>
+                <a:cs typeface="+mn-cs"/>
+              </a:defRPr>
+            </a:lvl5pPr>
+            <a:lvl6pPr marL="1490472" indent="-182880" algn="l" rtl="0" eaLnBrk="1" latinLnBrk="0" hangingPunct="1">
+              <a:spcBef>
+                <a:spcPts val="250"/>
+              </a:spcBef>
+              <a:buClr>
+                <a:schemeClr val="accent3">
+                  <a:tint val="85000"/>
+                  <a:satMod val="275000"/>
+                </a:schemeClr>
+              </a:buClr>
+              <a:buSzPct val="100000"/>
+              <a:buFont typeface="Verdana"/>
+              <a:buChar char="◦"/>
+              <a:defRPr sz="1700" kern="1200" baseline="0">
+                <a:solidFill>
+                  <a:srgbClr val="FFFFFF"/>
+                </a:solidFill>
+                <a:latin typeface="+mn-lt"/>
+                <a:ea typeface="+mn-ea"/>
+                <a:cs typeface="+mn-cs"/>
+              </a:defRPr>
+            </a:lvl6pPr>
+            <a:lvl7pPr marL="1700784" indent="-182880" algn="l" rtl="0" eaLnBrk="1" latinLnBrk="0" hangingPunct="1">
+              <a:spcBef>
+                <a:spcPts val="255"/>
+              </a:spcBef>
+              <a:buClr>
+                <a:schemeClr val="accent3">
+                  <a:tint val="85000"/>
+                  <a:satMod val="275000"/>
+                </a:schemeClr>
+              </a:buClr>
+              <a:buSzPct val="100000"/>
+              <a:buFont typeface="Wingdings 2"/>
+              <a:buChar char=""/>
+              <a:defRPr sz="1500" kern="1200">
+                <a:solidFill>
+                  <a:srgbClr val="FFFFFF"/>
+                </a:solidFill>
+                <a:latin typeface="+mn-lt"/>
+                <a:ea typeface="+mn-ea"/>
+                <a:cs typeface="+mn-cs"/>
+              </a:defRPr>
+            </a:lvl7pPr>
+            <a:lvl8pPr marL="1920240" indent="-182880" algn="l" rtl="0" eaLnBrk="1" latinLnBrk="0" hangingPunct="1">
+              <a:spcBef>
+                <a:spcPts val="257"/>
+              </a:spcBef>
+              <a:buClr>
+                <a:schemeClr val="accent3">
+                  <a:tint val="85000"/>
+                  <a:satMod val="275000"/>
+                </a:schemeClr>
+              </a:buClr>
+              <a:buSzPct val="100000"/>
+              <a:buFont typeface="Verdana"/>
+              <a:buChar char="◦"/>
+              <a:defRPr sz="1500" kern="1200" baseline="0">
+                <a:solidFill>
+                  <a:srgbClr val="FFFFFF"/>
+                </a:solidFill>
+                <a:latin typeface="+mn-lt"/>
+                <a:ea typeface="+mn-ea"/>
+                <a:cs typeface="+mn-cs"/>
+              </a:defRPr>
+            </a:lvl8pPr>
+            <a:lvl9pPr marL="2148840" indent="-182880" algn="l" rtl="0" eaLnBrk="1" latinLnBrk="0" hangingPunct="1">
+              <a:spcBef>
+                <a:spcPts val="255"/>
+              </a:spcBef>
+              <a:buClr>
+                <a:schemeClr val="accent3">
+                  <a:tint val="85000"/>
+                  <a:satMod val="275000"/>
+                </a:schemeClr>
+              </a:buClr>
+              <a:buSzPct val="100000"/>
+              <a:buFont typeface="Wingdings 2"/>
+              <a:buChar char=""/>
+              <a:defRPr sz="1500" kern="1200">
+                <a:solidFill>
+                  <a:srgbClr val="FFFFFF"/>
+                </a:solidFill>
+                <a:latin typeface="+mn-lt"/>
+                <a:ea typeface="+mn-ea"/>
+                <a:cs typeface="+mn-cs"/>
+              </a:defRPr>
+            </a:lvl9pPr>
+          </a:lstStyle>
+          <a:p>
+            <a:r>
+              <a:rPr lang="en-US" b="1" dirty="0"/>
+              <a:t>Flexibility</a:t>
+            </a:r>
+          </a:p>
+        </p:txBody>
+      </p:sp>
+      <p:sp>
+        <p:nvSpPr>
+          <p:cNvPr id="10" name="Rectangle 2">
+            <a:extLst>
+              <a:ext uri="{FF2B5EF4-FFF2-40B4-BE49-F238E27FC236}">
+                <a16:creationId xmlns:a16="http://schemas.microsoft.com/office/drawing/2014/main" id="{D2CC293E-7BF9-4E1F-8FC1-4974E3F803DE}"/>
+              </a:ext>
+            </a:extLst>
+          </p:cNvPr>
+          <p:cNvSpPr txBox="1">
+            <a:spLocks/>
+          </p:cNvSpPr>
+          <p:nvPr/>
+        </p:nvSpPr>
+        <p:spPr>
+          <a:xfrm>
+            <a:off x="395536" y="2158986"/>
+            <a:ext cx="7669162" cy="1459099"/>
+          </a:xfrm>
+          <a:prstGeom prst="rect">
+            <a:avLst/>
+          </a:prstGeom>
+        </p:spPr>
+        <p:txBody>
+          <a:bodyPr vert="horz" lIns="182880" tIns="91440">
+            <a:normAutofit fontScale="92500"/>
+          </a:bodyPr>
+          <a:lstStyle>
+            <a:lvl1pPr marL="0" indent="0" algn="l" rtl="0" eaLnBrk="1" latinLnBrk="0" hangingPunct="1">
+              <a:spcBef>
+                <a:spcPts val="250"/>
+              </a:spcBef>
+              <a:buClr>
+                <a:schemeClr val="accent1"/>
+              </a:buClr>
+              <a:buSzPct val="80000"/>
+              <a:buFont typeface="Wingdings 2"/>
+              <a:buNone/>
+              <a:defRPr sz="2000" kern="1200">
+                <a:solidFill>
+                  <a:schemeClr val="tx1"/>
+                </a:solidFill>
+                <a:effectLst/>
+                <a:latin typeface="+mn-lt"/>
+                <a:ea typeface="+mn-ea"/>
+                <a:cs typeface="+mn-cs"/>
+              </a:defRPr>
+            </a:lvl1pPr>
+            <a:lvl2pPr marL="347472" indent="0" algn="l" rtl="0" eaLnBrk="1" latinLnBrk="0" hangingPunct="1">
+              <a:spcBef>
+                <a:spcPts val="250"/>
+              </a:spcBef>
+              <a:buClr>
+                <a:schemeClr val="accent1"/>
+              </a:buClr>
+              <a:buSzPct val="100000"/>
+              <a:buFont typeface="Verdana"/>
+              <a:buNone/>
+              <a:defRPr sz="2400" kern="1200">
+                <a:solidFill>
+                  <a:schemeClr val="tx1"/>
+                </a:solidFill>
+                <a:latin typeface="+mn-lt"/>
+                <a:ea typeface="+mn-ea"/>
+                <a:cs typeface="+mn-cs"/>
+              </a:defRPr>
+            </a:lvl2pPr>
+            <a:lvl3pPr marL="603504" indent="0" algn="l" rtl="0" eaLnBrk="1" latinLnBrk="0" hangingPunct="1">
+              <a:spcBef>
+                <a:spcPts val="250"/>
+              </a:spcBef>
+              <a:buClr>
+                <a:schemeClr val="accent2">
+                  <a:tint val="85000"/>
+                  <a:satMod val="285000"/>
+                </a:schemeClr>
+              </a:buClr>
+              <a:buSzPct val="100000"/>
+              <a:buFont typeface="Wingdings 2"/>
+              <a:buNone/>
+              <a:defRPr sz="2200" kern="1200">
+                <a:solidFill>
+                  <a:schemeClr val="tx1"/>
+                </a:solidFill>
+                <a:latin typeface="+mn-lt"/>
+                <a:ea typeface="+mn-ea"/>
+                <a:cs typeface="+mn-cs"/>
+              </a:defRPr>
+            </a:lvl3pPr>
+            <a:lvl4pPr marL="841248" indent="0" algn="l" rtl="0" eaLnBrk="1" latinLnBrk="0" hangingPunct="1">
+              <a:spcBef>
+                <a:spcPts val="230"/>
+              </a:spcBef>
+              <a:buClr>
+                <a:schemeClr val="accent2">
+                  <a:tint val="85000"/>
+                  <a:satMod val="285000"/>
+                </a:schemeClr>
+              </a:buClr>
+              <a:buSzPct val="112000"/>
+              <a:buFont typeface="Verdana"/>
+              <a:buNone/>
+              <a:defRPr sz="1900" kern="1200">
+                <a:solidFill>
+                  <a:schemeClr val="tx1"/>
+                </a:solidFill>
+                <a:latin typeface="+mn-lt"/>
+                <a:ea typeface="+mn-ea"/>
+                <a:cs typeface="+mn-cs"/>
+              </a:defRPr>
+            </a:lvl4pPr>
+            <a:lvl5pPr marL="1097280" indent="0" algn="l" rtl="0" eaLnBrk="1" latinLnBrk="0" hangingPunct="1">
+              <a:spcBef>
+                <a:spcPts val="250"/>
+              </a:spcBef>
+              <a:buClr>
+                <a:schemeClr val="accent3">
+                  <a:tint val="85000"/>
+                  <a:satMod val="275000"/>
+                </a:schemeClr>
+              </a:buClr>
+              <a:buSzPct val="100000"/>
+              <a:buFont typeface="Wingdings 2"/>
+              <a:buNone/>
+              <a:defRPr sz="1800" kern="1200">
+                <a:solidFill>
+                  <a:schemeClr val="tx1"/>
+                </a:solidFill>
+                <a:latin typeface="+mn-lt"/>
+                <a:ea typeface="+mn-ea"/>
+                <a:cs typeface="+mn-cs"/>
+              </a:defRPr>
+            </a:lvl5pPr>
+            <a:lvl6pPr marL="1490472" indent="-182880" algn="l" rtl="0" eaLnBrk="1" latinLnBrk="0" hangingPunct="1">
+              <a:spcBef>
+                <a:spcPts val="250"/>
+              </a:spcBef>
+              <a:buClr>
+                <a:schemeClr val="accent3">
+                  <a:tint val="85000"/>
+                  <a:satMod val="275000"/>
+                </a:schemeClr>
+              </a:buClr>
+              <a:buSzPct val="100000"/>
+              <a:buFont typeface="Verdana"/>
+              <a:buChar char="◦"/>
+              <a:defRPr sz="1700" kern="1200" baseline="0">
+                <a:solidFill>
+                  <a:srgbClr val="FFFFFF"/>
+                </a:solidFill>
+                <a:latin typeface="+mn-lt"/>
+                <a:ea typeface="+mn-ea"/>
+                <a:cs typeface="+mn-cs"/>
+              </a:defRPr>
+            </a:lvl6pPr>
+            <a:lvl7pPr marL="1700784" indent="-182880" algn="l" rtl="0" eaLnBrk="1" latinLnBrk="0" hangingPunct="1">
+              <a:spcBef>
+                <a:spcPts val="255"/>
+              </a:spcBef>
+              <a:buClr>
+                <a:schemeClr val="accent3">
+                  <a:tint val="85000"/>
+                  <a:satMod val="275000"/>
+                </a:schemeClr>
+              </a:buClr>
+              <a:buSzPct val="100000"/>
+              <a:buFont typeface="Wingdings 2"/>
+              <a:buChar char=""/>
+              <a:defRPr sz="1500" kern="1200">
+                <a:solidFill>
+                  <a:srgbClr val="FFFFFF"/>
+                </a:solidFill>
+                <a:latin typeface="+mn-lt"/>
+                <a:ea typeface="+mn-ea"/>
+                <a:cs typeface="+mn-cs"/>
+              </a:defRPr>
+            </a:lvl7pPr>
+            <a:lvl8pPr marL="1920240" indent="-182880" algn="l" rtl="0" eaLnBrk="1" latinLnBrk="0" hangingPunct="1">
+              <a:spcBef>
+                <a:spcPts val="257"/>
+              </a:spcBef>
+              <a:buClr>
+                <a:schemeClr val="accent3">
+                  <a:tint val="85000"/>
+                  <a:satMod val="275000"/>
+                </a:schemeClr>
+              </a:buClr>
+              <a:buSzPct val="100000"/>
+              <a:buFont typeface="Verdana"/>
+              <a:buChar char="◦"/>
+              <a:defRPr sz="1500" kern="1200" baseline="0">
+                <a:solidFill>
+                  <a:srgbClr val="FFFFFF"/>
+                </a:solidFill>
+                <a:latin typeface="+mn-lt"/>
+                <a:ea typeface="+mn-ea"/>
+                <a:cs typeface="+mn-cs"/>
+              </a:defRPr>
+            </a:lvl8pPr>
+            <a:lvl9pPr marL="2148840" indent="-182880" algn="l" rtl="0" eaLnBrk="1" latinLnBrk="0" hangingPunct="1">
+              <a:spcBef>
+                <a:spcPts val="255"/>
+              </a:spcBef>
+              <a:buClr>
+                <a:schemeClr val="accent3">
+                  <a:tint val="85000"/>
+                  <a:satMod val="275000"/>
+                </a:schemeClr>
+              </a:buClr>
+              <a:buSzPct val="100000"/>
+              <a:buFont typeface="Wingdings 2"/>
+              <a:buChar char=""/>
+              <a:defRPr sz="1500" kern="1200">
+                <a:solidFill>
+                  <a:srgbClr val="FFFFFF"/>
+                </a:solidFill>
+                <a:latin typeface="+mn-lt"/>
+                <a:ea typeface="+mn-ea"/>
+                <a:cs typeface="+mn-cs"/>
+              </a:defRPr>
+            </a:lvl9pPr>
+          </a:lstStyle>
+          <a:p>
+            <a:pPr marL="342900" indent="-342900">
+              <a:buFont typeface="Wingdings" panose="05000000000000000000" pitchFamily="2" charset="2"/>
+              <a:buChar char="ü"/>
+            </a:pPr>
+            <a:r>
+              <a:rPr lang="en-US" dirty="0"/>
+              <a:t>Should be able to move around components anywhere on the page or across pages without requiring a developer</a:t>
+            </a:r>
+          </a:p>
+          <a:p>
+            <a:pPr marL="342900" indent="-342900">
+              <a:buFont typeface="Wingdings" panose="05000000000000000000" pitchFamily="2" charset="2"/>
+              <a:buChar char="ü"/>
+            </a:pPr>
+            <a:r>
+              <a:rPr lang="en-US" dirty="0"/>
+              <a:t>Should be able to use or deploy the same component on multiple websites</a:t>
+            </a:r>
+          </a:p>
+          <a:p>
+            <a:pPr lvl="1"/>
+            <a:endParaRPr lang="en-US" dirty="0"/>
           </a:p>
         </p:txBody>
       </p:sp>
@@ -7325,8 +8125,8 @@
         </p:nvSpPr>
         <p:spPr>
           <a:xfrm>
-            <a:off x="161355" y="1638435"/>
-            <a:ext cx="4082463" cy="401472"/>
+            <a:off x="251520" y="1756915"/>
+            <a:ext cx="7669162" cy="684729"/>
           </a:xfrm>
           <a:prstGeom prst="rect">
             <a:avLst/>
@@ -7334,7 +8134,7 @@
         </p:spPr>
         <p:txBody>
           <a:bodyPr vert="horz" lIns="182880" tIns="91440">
-            <a:normAutofit fontScale="92500" lnSpcReduction="10000"/>
+            <a:normAutofit/>
           </a:bodyPr>
           <a:lstStyle>
             <a:lvl1pPr marL="0" indent="0" algn="l" rtl="0" eaLnBrk="1" latinLnBrk="0" hangingPunct="1">
@@ -7534,7 +8334,7 @@
           <a:p>
             <a:r>
               <a:rPr lang="en-US" b="1" dirty="0"/>
-              <a:t>Renderings</a:t>
+              <a:t>Reusability</a:t>
             </a:r>
           </a:p>
         </p:txBody>
@@ -7544,7 +8344,7 @@
           <p:cNvPr id="8" name="Rectangle 2">
             <a:extLst>
               <a:ext uri="{FF2B5EF4-FFF2-40B4-BE49-F238E27FC236}">
-                <a16:creationId xmlns:a16="http://schemas.microsoft.com/office/drawing/2014/main" id="{CAA0346A-707E-492F-978F-9F3C02F4FE8D}"/>
+                <a16:creationId xmlns:a16="http://schemas.microsoft.com/office/drawing/2014/main" id="{3D108CEE-CBC3-48BA-99AF-5A29D2380B93}"/>
               </a:ext>
             </a:extLst>
           </p:cNvPr>
@@ -7555,8 +8355,8 @@
         </p:nvSpPr>
         <p:spPr>
           <a:xfrm>
-            <a:off x="161355" y="3363398"/>
-            <a:ext cx="3528392" cy="576064"/>
+            <a:off x="235170" y="4741503"/>
+            <a:ext cx="7669162" cy="515888"/>
           </a:xfrm>
           <a:prstGeom prst="rect">
             <a:avLst/>
@@ -7764,7 +8564,7 @@
           <a:p>
             <a:r>
               <a:rPr lang="en-US" b="1" dirty="0"/>
-              <a:t>Components</a:t>
+              <a:t>Independent</a:t>
             </a:r>
           </a:p>
         </p:txBody>
@@ -7774,7 +8574,7 @@
           <p:cNvPr id="9" name="Rectangle 2">
             <a:extLst>
               <a:ext uri="{FF2B5EF4-FFF2-40B4-BE49-F238E27FC236}">
-                <a16:creationId xmlns:a16="http://schemas.microsoft.com/office/drawing/2014/main" id="{AEC26519-7F08-4EE1-A092-D2875BFD969C}"/>
+                <a16:creationId xmlns:a16="http://schemas.microsoft.com/office/drawing/2014/main" id="{418B5159-D643-474A-8171-66CFB631F8A5}"/>
               </a:ext>
             </a:extLst>
           </p:cNvPr>
@@ -7785,8 +8585,8 @@
         </p:nvSpPr>
         <p:spPr>
           <a:xfrm>
-            <a:off x="4243818" y="3362635"/>
-            <a:ext cx="2088232" cy="576064"/>
+            <a:off x="328080" y="5191481"/>
+            <a:ext cx="7669162" cy="1132048"/>
           </a:xfrm>
           <a:prstGeom prst="rect">
             <a:avLst/>
@@ -7794,237 +8594,7 @@
         </p:spPr>
         <p:txBody>
           <a:bodyPr vert="horz" lIns="182880" tIns="91440">
-            <a:normAutofit/>
-          </a:bodyPr>
-          <a:lstStyle>
-            <a:lvl1pPr marL="0" indent="0" algn="l" rtl="0" eaLnBrk="1" latinLnBrk="0" hangingPunct="1">
-              <a:spcBef>
-                <a:spcPts val="250"/>
-              </a:spcBef>
-              <a:buClr>
-                <a:schemeClr val="accent1"/>
-              </a:buClr>
-              <a:buSzPct val="80000"/>
-              <a:buFont typeface="Wingdings 2"/>
-              <a:buNone/>
-              <a:defRPr sz="2000" kern="1200">
-                <a:solidFill>
-                  <a:schemeClr val="tx1"/>
-                </a:solidFill>
-                <a:effectLst/>
-                <a:latin typeface="+mn-lt"/>
-                <a:ea typeface="+mn-ea"/>
-                <a:cs typeface="+mn-cs"/>
-              </a:defRPr>
-            </a:lvl1pPr>
-            <a:lvl2pPr marL="347472" indent="0" algn="l" rtl="0" eaLnBrk="1" latinLnBrk="0" hangingPunct="1">
-              <a:spcBef>
-                <a:spcPts val="250"/>
-              </a:spcBef>
-              <a:buClr>
-                <a:schemeClr val="accent1"/>
-              </a:buClr>
-              <a:buSzPct val="100000"/>
-              <a:buFont typeface="Verdana"/>
-              <a:buNone/>
-              <a:defRPr sz="2400" kern="1200">
-                <a:solidFill>
-                  <a:schemeClr val="tx1"/>
-                </a:solidFill>
-                <a:latin typeface="+mn-lt"/>
-                <a:ea typeface="+mn-ea"/>
-                <a:cs typeface="+mn-cs"/>
-              </a:defRPr>
-            </a:lvl2pPr>
-            <a:lvl3pPr marL="603504" indent="0" algn="l" rtl="0" eaLnBrk="1" latinLnBrk="0" hangingPunct="1">
-              <a:spcBef>
-                <a:spcPts val="250"/>
-              </a:spcBef>
-              <a:buClr>
-                <a:schemeClr val="accent2">
-                  <a:tint val="85000"/>
-                  <a:satMod val="285000"/>
-                </a:schemeClr>
-              </a:buClr>
-              <a:buSzPct val="100000"/>
-              <a:buFont typeface="Wingdings 2"/>
-              <a:buNone/>
-              <a:defRPr sz="2200" kern="1200">
-                <a:solidFill>
-                  <a:schemeClr val="tx1"/>
-                </a:solidFill>
-                <a:latin typeface="+mn-lt"/>
-                <a:ea typeface="+mn-ea"/>
-                <a:cs typeface="+mn-cs"/>
-              </a:defRPr>
-            </a:lvl3pPr>
-            <a:lvl4pPr marL="841248" indent="0" algn="l" rtl="0" eaLnBrk="1" latinLnBrk="0" hangingPunct="1">
-              <a:spcBef>
-                <a:spcPts val="230"/>
-              </a:spcBef>
-              <a:buClr>
-                <a:schemeClr val="accent2">
-                  <a:tint val="85000"/>
-                  <a:satMod val="285000"/>
-                </a:schemeClr>
-              </a:buClr>
-              <a:buSzPct val="112000"/>
-              <a:buFont typeface="Verdana"/>
-              <a:buNone/>
-              <a:defRPr sz="1900" kern="1200">
-                <a:solidFill>
-                  <a:schemeClr val="tx1"/>
-                </a:solidFill>
-                <a:latin typeface="+mn-lt"/>
-                <a:ea typeface="+mn-ea"/>
-                <a:cs typeface="+mn-cs"/>
-              </a:defRPr>
-            </a:lvl4pPr>
-            <a:lvl5pPr marL="1097280" indent="0" algn="l" rtl="0" eaLnBrk="1" latinLnBrk="0" hangingPunct="1">
-              <a:spcBef>
-                <a:spcPts val="250"/>
-              </a:spcBef>
-              <a:buClr>
-                <a:schemeClr val="accent3">
-                  <a:tint val="85000"/>
-                  <a:satMod val="275000"/>
-                </a:schemeClr>
-              </a:buClr>
-              <a:buSzPct val="100000"/>
-              <a:buFont typeface="Wingdings 2"/>
-              <a:buNone/>
-              <a:defRPr sz="1800" kern="1200">
-                <a:solidFill>
-                  <a:schemeClr val="tx1"/>
-                </a:solidFill>
-                <a:latin typeface="+mn-lt"/>
-                <a:ea typeface="+mn-ea"/>
-                <a:cs typeface="+mn-cs"/>
-              </a:defRPr>
-            </a:lvl5pPr>
-            <a:lvl6pPr marL="1490472" indent="-182880" algn="l" rtl="0" eaLnBrk="1" latinLnBrk="0" hangingPunct="1">
-              <a:spcBef>
-                <a:spcPts val="250"/>
-              </a:spcBef>
-              <a:buClr>
-                <a:schemeClr val="accent3">
-                  <a:tint val="85000"/>
-                  <a:satMod val="275000"/>
-                </a:schemeClr>
-              </a:buClr>
-              <a:buSzPct val="100000"/>
-              <a:buFont typeface="Verdana"/>
-              <a:buChar char="◦"/>
-              <a:defRPr sz="1700" kern="1200" baseline="0">
-                <a:solidFill>
-                  <a:srgbClr val="FFFFFF"/>
-                </a:solidFill>
-                <a:latin typeface="+mn-lt"/>
-                <a:ea typeface="+mn-ea"/>
-                <a:cs typeface="+mn-cs"/>
-              </a:defRPr>
-            </a:lvl6pPr>
-            <a:lvl7pPr marL="1700784" indent="-182880" algn="l" rtl="0" eaLnBrk="1" latinLnBrk="0" hangingPunct="1">
-              <a:spcBef>
-                <a:spcPts val="255"/>
-              </a:spcBef>
-              <a:buClr>
-                <a:schemeClr val="accent3">
-                  <a:tint val="85000"/>
-                  <a:satMod val="275000"/>
-                </a:schemeClr>
-              </a:buClr>
-              <a:buSzPct val="100000"/>
-              <a:buFont typeface="Wingdings 2"/>
-              <a:buChar char=""/>
-              <a:defRPr sz="1500" kern="1200">
-                <a:solidFill>
-                  <a:srgbClr val="FFFFFF"/>
-                </a:solidFill>
-                <a:latin typeface="+mn-lt"/>
-                <a:ea typeface="+mn-ea"/>
-                <a:cs typeface="+mn-cs"/>
-              </a:defRPr>
-            </a:lvl7pPr>
-            <a:lvl8pPr marL="1920240" indent="-182880" algn="l" rtl="0" eaLnBrk="1" latinLnBrk="0" hangingPunct="1">
-              <a:spcBef>
-                <a:spcPts val="257"/>
-              </a:spcBef>
-              <a:buClr>
-                <a:schemeClr val="accent3">
-                  <a:tint val="85000"/>
-                  <a:satMod val="275000"/>
-                </a:schemeClr>
-              </a:buClr>
-              <a:buSzPct val="100000"/>
-              <a:buFont typeface="Verdana"/>
-              <a:buChar char="◦"/>
-              <a:defRPr sz="1500" kern="1200" baseline="0">
-                <a:solidFill>
-                  <a:srgbClr val="FFFFFF"/>
-                </a:solidFill>
-                <a:latin typeface="+mn-lt"/>
-                <a:ea typeface="+mn-ea"/>
-                <a:cs typeface="+mn-cs"/>
-              </a:defRPr>
-            </a:lvl8pPr>
-            <a:lvl9pPr marL="2148840" indent="-182880" algn="l" rtl="0" eaLnBrk="1" latinLnBrk="0" hangingPunct="1">
-              <a:spcBef>
-                <a:spcPts val="255"/>
-              </a:spcBef>
-              <a:buClr>
-                <a:schemeClr val="accent3">
-                  <a:tint val="85000"/>
-                  <a:satMod val="275000"/>
-                </a:schemeClr>
-              </a:buClr>
-              <a:buSzPct val="100000"/>
-              <a:buFont typeface="Wingdings 2"/>
-              <a:buChar char=""/>
-              <a:defRPr sz="1500" kern="1200">
-                <a:solidFill>
-                  <a:srgbClr val="FFFFFF"/>
-                </a:solidFill>
-                <a:latin typeface="+mn-lt"/>
-                <a:ea typeface="+mn-ea"/>
-                <a:cs typeface="+mn-cs"/>
-              </a:defRPr>
-            </a:lvl9pPr>
-          </a:lstStyle>
-          <a:p>
-            <a:r>
-              <a:rPr lang="en-US" b="1" dirty="0"/>
-              <a:t>Modules</a:t>
-            </a:r>
-          </a:p>
-        </p:txBody>
-      </p:sp>
-      <p:sp>
-        <p:nvSpPr>
-          <p:cNvPr id="12" name="Rectangle 2">
-            <a:extLst>
-              <a:ext uri="{FF2B5EF4-FFF2-40B4-BE49-F238E27FC236}">
-                <a16:creationId xmlns:a16="http://schemas.microsoft.com/office/drawing/2014/main" id="{5814E4EC-056A-4C07-A595-DAB2A7E43C88}"/>
-              </a:ext>
-            </a:extLst>
-          </p:cNvPr>
-          <p:cNvSpPr txBox="1">
-            <a:spLocks/>
-          </p:cNvSpPr>
-          <p:nvPr/>
-        </p:nvSpPr>
-        <p:spPr>
-          <a:xfrm>
-            <a:off x="277529" y="3747227"/>
-            <a:ext cx="3746247" cy="2454678"/>
-          </a:xfrm>
-          <a:prstGeom prst="rect">
-            <a:avLst/>
-          </a:prstGeom>
-        </p:spPr>
-        <p:txBody>
-          <a:bodyPr vert="horz" lIns="182880" tIns="91440">
-            <a:normAutofit/>
+            <a:normAutofit fontScale="92500" lnSpcReduction="20000"/>
           </a:bodyPr>
           <a:lstStyle>
             <a:lvl1pPr marL="0" indent="0" algn="l" rtl="0" eaLnBrk="1" latinLnBrk="0" hangingPunct="1">
@@ -8228,7 +8798,7 @@
             </a:pPr>
             <a:r>
               <a:rPr lang="en-US" dirty="0"/>
-              <a:t>a single and simple content feature</a:t>
+              <a:t>a component can be added or removed at any time without affecting other parts of the page</a:t>
             </a:r>
           </a:p>
           <a:p>
@@ -8238,894 +8808,22 @@
             </a:pPr>
             <a:r>
               <a:rPr lang="en-US" dirty="0"/>
-              <a:t>very specific behavior</a:t>
-            </a:r>
-          </a:p>
-          <a:p>
-            <a:pPr marL="690372" lvl="1" indent="-342900">
-              <a:buFont typeface="Wingdings" panose="05000000000000000000" pitchFamily="2" charset="2"/>
-              <a:buChar char="q"/>
+              <a:t>any change on a component should not affect other existing components</a:t>
+            </a:r>
+          </a:p>
+          <a:p>
+            <a:pPr marL="342900" indent="-342900">
+              <a:buFontTx/>
+              <a:buChar char="-"/>
             </a:pPr>
-            <a:r>
-              <a:rPr lang="en-US" sz="1200" dirty="0"/>
-              <a:t>i.e. Text and Image – Left</a:t>
-            </a:r>
-          </a:p>
-          <a:p>
-            <a:pPr marL="946404" lvl="2" indent="-342900">
-              <a:buFont typeface="Arial" panose="020B0604020202020204" pitchFamily="34" charset="0"/>
-              <a:buChar char="•"/>
-            </a:pPr>
-            <a:r>
-              <a:rPr lang="en-US" sz="1000" dirty="0"/>
-              <a:t>Text</a:t>
-            </a:r>
-          </a:p>
-          <a:p>
-            <a:pPr marL="946404" lvl="2" indent="-342900">
-              <a:buFont typeface="Arial" panose="020B0604020202020204" pitchFamily="34" charset="0"/>
-              <a:buChar char="•"/>
-            </a:pPr>
-            <a:r>
-              <a:rPr lang="en-US" sz="1000" dirty="0"/>
-              <a:t>Image</a:t>
-            </a:r>
-          </a:p>
-          <a:p>
-            <a:pPr marL="342900" indent="-342900">
-              <a:buFont typeface="Wingdings" panose="05000000000000000000" pitchFamily="2" charset="2"/>
-              <a:buChar char="ü"/>
-            </a:pPr>
-            <a:r>
-              <a:rPr lang="en-US" dirty="0"/>
-              <a:t>View Rendering</a:t>
-            </a:r>
-          </a:p>
-          <a:p>
-            <a:pPr marL="342900" indent="-342900">
-              <a:buFont typeface="Wingdings" panose="05000000000000000000" pitchFamily="2" charset="2"/>
-              <a:buChar char="ü"/>
-            </a:pPr>
-            <a:r>
-              <a:rPr lang="en-US" dirty="0"/>
-              <a:t>Controller Rendering</a:t>
-            </a:r>
-          </a:p>
-          <a:p>
-            <a:pPr lvl="1"/>
             <a:endParaRPr lang="en-US" dirty="0"/>
-          </a:p>
-        </p:txBody>
-      </p:sp>
-      <p:sp>
-        <p:nvSpPr>
-          <p:cNvPr id="13" name="Rectangle 2">
-            <a:extLst>
-              <a:ext uri="{FF2B5EF4-FFF2-40B4-BE49-F238E27FC236}">
-                <a16:creationId xmlns:a16="http://schemas.microsoft.com/office/drawing/2014/main" id="{C4A24035-9FF9-4259-BDEE-B98D040BF6E2}"/>
-              </a:ext>
-            </a:extLst>
-          </p:cNvPr>
-          <p:cNvSpPr txBox="1">
-            <a:spLocks/>
-          </p:cNvSpPr>
-          <p:nvPr/>
-        </p:nvSpPr>
-        <p:spPr>
-          <a:xfrm>
-            <a:off x="4347989" y="3747227"/>
-            <a:ext cx="4322311" cy="2220402"/>
-          </a:xfrm>
-          <a:prstGeom prst="rect">
-            <a:avLst/>
-          </a:prstGeom>
-        </p:spPr>
-        <p:txBody>
-          <a:bodyPr vert="horz" lIns="182880" tIns="91440">
-            <a:normAutofit fontScale="92500" lnSpcReduction="10000"/>
-          </a:bodyPr>
-          <a:lstStyle>
-            <a:lvl1pPr marL="0" indent="0" algn="l" rtl="0" eaLnBrk="1" latinLnBrk="0" hangingPunct="1">
-              <a:spcBef>
-                <a:spcPts val="250"/>
-              </a:spcBef>
-              <a:buClr>
-                <a:schemeClr val="accent1"/>
-              </a:buClr>
-              <a:buSzPct val="80000"/>
-              <a:buFont typeface="Wingdings 2"/>
-              <a:buNone/>
-              <a:defRPr sz="2000" kern="1200">
-                <a:solidFill>
-                  <a:schemeClr val="tx1"/>
-                </a:solidFill>
-                <a:effectLst/>
-                <a:latin typeface="+mn-lt"/>
-                <a:ea typeface="+mn-ea"/>
-                <a:cs typeface="+mn-cs"/>
-              </a:defRPr>
-            </a:lvl1pPr>
-            <a:lvl2pPr marL="347472" indent="0" algn="l" rtl="0" eaLnBrk="1" latinLnBrk="0" hangingPunct="1">
-              <a:spcBef>
-                <a:spcPts val="250"/>
-              </a:spcBef>
-              <a:buClr>
-                <a:schemeClr val="accent1"/>
-              </a:buClr>
-              <a:buSzPct val="100000"/>
-              <a:buFont typeface="Verdana"/>
-              <a:buNone/>
-              <a:defRPr sz="2400" kern="1200">
-                <a:solidFill>
-                  <a:schemeClr val="tx1"/>
-                </a:solidFill>
-                <a:latin typeface="+mn-lt"/>
-                <a:ea typeface="+mn-ea"/>
-                <a:cs typeface="+mn-cs"/>
-              </a:defRPr>
-            </a:lvl2pPr>
-            <a:lvl3pPr marL="603504" indent="0" algn="l" rtl="0" eaLnBrk="1" latinLnBrk="0" hangingPunct="1">
-              <a:spcBef>
-                <a:spcPts val="250"/>
-              </a:spcBef>
-              <a:buClr>
-                <a:schemeClr val="accent2">
-                  <a:tint val="85000"/>
-                  <a:satMod val="285000"/>
-                </a:schemeClr>
-              </a:buClr>
-              <a:buSzPct val="100000"/>
-              <a:buFont typeface="Wingdings 2"/>
-              <a:buNone/>
-              <a:defRPr sz="2200" kern="1200">
-                <a:solidFill>
-                  <a:schemeClr val="tx1"/>
-                </a:solidFill>
-                <a:latin typeface="+mn-lt"/>
-                <a:ea typeface="+mn-ea"/>
-                <a:cs typeface="+mn-cs"/>
-              </a:defRPr>
-            </a:lvl3pPr>
-            <a:lvl4pPr marL="841248" indent="0" algn="l" rtl="0" eaLnBrk="1" latinLnBrk="0" hangingPunct="1">
-              <a:spcBef>
-                <a:spcPts val="230"/>
-              </a:spcBef>
-              <a:buClr>
-                <a:schemeClr val="accent2">
-                  <a:tint val="85000"/>
-                  <a:satMod val="285000"/>
-                </a:schemeClr>
-              </a:buClr>
-              <a:buSzPct val="112000"/>
-              <a:buFont typeface="Verdana"/>
-              <a:buNone/>
-              <a:defRPr sz="1900" kern="1200">
-                <a:solidFill>
-                  <a:schemeClr val="tx1"/>
-                </a:solidFill>
-                <a:latin typeface="+mn-lt"/>
-                <a:ea typeface="+mn-ea"/>
-                <a:cs typeface="+mn-cs"/>
-              </a:defRPr>
-            </a:lvl4pPr>
-            <a:lvl5pPr marL="1097280" indent="0" algn="l" rtl="0" eaLnBrk="1" latinLnBrk="0" hangingPunct="1">
-              <a:spcBef>
-                <a:spcPts val="250"/>
-              </a:spcBef>
-              <a:buClr>
-                <a:schemeClr val="accent3">
-                  <a:tint val="85000"/>
-                  <a:satMod val="275000"/>
-                </a:schemeClr>
-              </a:buClr>
-              <a:buSzPct val="100000"/>
-              <a:buFont typeface="Wingdings 2"/>
-              <a:buNone/>
-              <a:defRPr sz="1800" kern="1200">
-                <a:solidFill>
-                  <a:schemeClr val="tx1"/>
-                </a:solidFill>
-                <a:latin typeface="+mn-lt"/>
-                <a:ea typeface="+mn-ea"/>
-                <a:cs typeface="+mn-cs"/>
-              </a:defRPr>
-            </a:lvl5pPr>
-            <a:lvl6pPr marL="1490472" indent="-182880" algn="l" rtl="0" eaLnBrk="1" latinLnBrk="0" hangingPunct="1">
-              <a:spcBef>
-                <a:spcPts val="250"/>
-              </a:spcBef>
-              <a:buClr>
-                <a:schemeClr val="accent3">
-                  <a:tint val="85000"/>
-                  <a:satMod val="275000"/>
-                </a:schemeClr>
-              </a:buClr>
-              <a:buSzPct val="100000"/>
-              <a:buFont typeface="Verdana"/>
-              <a:buChar char="◦"/>
-              <a:defRPr sz="1700" kern="1200" baseline="0">
-                <a:solidFill>
-                  <a:srgbClr val="FFFFFF"/>
-                </a:solidFill>
-                <a:latin typeface="+mn-lt"/>
-                <a:ea typeface="+mn-ea"/>
-                <a:cs typeface="+mn-cs"/>
-              </a:defRPr>
-            </a:lvl6pPr>
-            <a:lvl7pPr marL="1700784" indent="-182880" algn="l" rtl="0" eaLnBrk="1" latinLnBrk="0" hangingPunct="1">
-              <a:spcBef>
-                <a:spcPts val="255"/>
-              </a:spcBef>
-              <a:buClr>
-                <a:schemeClr val="accent3">
-                  <a:tint val="85000"/>
-                  <a:satMod val="275000"/>
-                </a:schemeClr>
-              </a:buClr>
-              <a:buSzPct val="100000"/>
-              <a:buFont typeface="Wingdings 2"/>
-              <a:buChar char=""/>
-              <a:defRPr sz="1500" kern="1200">
-                <a:solidFill>
-                  <a:srgbClr val="FFFFFF"/>
-                </a:solidFill>
-                <a:latin typeface="+mn-lt"/>
-                <a:ea typeface="+mn-ea"/>
-                <a:cs typeface="+mn-cs"/>
-              </a:defRPr>
-            </a:lvl7pPr>
-            <a:lvl8pPr marL="1920240" indent="-182880" algn="l" rtl="0" eaLnBrk="1" latinLnBrk="0" hangingPunct="1">
-              <a:spcBef>
-                <a:spcPts val="257"/>
-              </a:spcBef>
-              <a:buClr>
-                <a:schemeClr val="accent3">
-                  <a:tint val="85000"/>
-                  <a:satMod val="275000"/>
-                </a:schemeClr>
-              </a:buClr>
-              <a:buSzPct val="100000"/>
-              <a:buFont typeface="Verdana"/>
-              <a:buChar char="◦"/>
-              <a:defRPr sz="1500" kern="1200" baseline="0">
-                <a:solidFill>
-                  <a:srgbClr val="FFFFFF"/>
-                </a:solidFill>
-                <a:latin typeface="+mn-lt"/>
-                <a:ea typeface="+mn-ea"/>
-                <a:cs typeface="+mn-cs"/>
-              </a:defRPr>
-            </a:lvl8pPr>
-            <a:lvl9pPr marL="2148840" indent="-182880" algn="l" rtl="0" eaLnBrk="1" latinLnBrk="0" hangingPunct="1">
-              <a:spcBef>
-                <a:spcPts val="255"/>
-              </a:spcBef>
-              <a:buClr>
-                <a:schemeClr val="accent3">
-                  <a:tint val="85000"/>
-                  <a:satMod val="275000"/>
-                </a:schemeClr>
-              </a:buClr>
-              <a:buSzPct val="100000"/>
-              <a:buFont typeface="Wingdings 2"/>
-              <a:buChar char=""/>
-              <a:defRPr sz="1500" kern="1200">
-                <a:solidFill>
-                  <a:srgbClr val="FFFFFF"/>
-                </a:solidFill>
-                <a:latin typeface="+mn-lt"/>
-                <a:ea typeface="+mn-ea"/>
-                <a:cs typeface="+mn-cs"/>
-              </a:defRPr>
-            </a:lvl9pPr>
-          </a:lstStyle>
-          <a:p>
-            <a:pPr marL="342900" indent="-342900">
-              <a:buFont typeface="Wingdings" panose="05000000000000000000" pitchFamily="2" charset="2"/>
-              <a:buChar char="ü"/>
-            </a:pPr>
-            <a:r>
-              <a:rPr lang="en-US" dirty="0"/>
-              <a:t>a complex content feature</a:t>
-            </a:r>
-          </a:p>
-          <a:p>
-            <a:pPr marL="342900" indent="-342900">
-              <a:buFont typeface="Wingdings" panose="05000000000000000000" pitchFamily="2" charset="2"/>
-              <a:buChar char="ü"/>
-            </a:pPr>
-            <a:r>
-              <a:rPr lang="en-US" dirty="0"/>
-              <a:t>can comprise one or more components</a:t>
-            </a:r>
-          </a:p>
-          <a:p>
-            <a:pPr marL="690372" lvl="1" indent="-342900">
-              <a:buFont typeface="Wingdings" panose="05000000000000000000" pitchFamily="2" charset="2"/>
-              <a:buChar char="q"/>
-            </a:pPr>
-            <a:r>
-              <a:rPr lang="en-US" sz="1400" dirty="0"/>
-              <a:t>i.e. Product Info</a:t>
-            </a:r>
-          </a:p>
-          <a:p>
-            <a:pPr marL="946404" lvl="2" indent="-342900">
-              <a:buFont typeface="Arial" panose="020B0604020202020204" pitchFamily="34" charset="0"/>
-              <a:buChar char="•"/>
-            </a:pPr>
-            <a:r>
-              <a:rPr lang="en-US" sz="1200" dirty="0"/>
-              <a:t>Text and Image – Left</a:t>
-            </a:r>
-          </a:p>
-          <a:p>
-            <a:pPr marL="946404" lvl="2" indent="-342900">
-              <a:buFont typeface="Arial" panose="020B0604020202020204" pitchFamily="34" charset="0"/>
-              <a:buChar char="•"/>
-            </a:pPr>
-            <a:r>
-              <a:rPr lang="en-US" sz="1200" dirty="0"/>
-              <a:t>Text Block</a:t>
-            </a:r>
-          </a:p>
-          <a:p>
-            <a:pPr marL="946404" lvl="2" indent="-342900">
-              <a:buFont typeface="Arial" panose="020B0604020202020204" pitchFamily="34" charset="0"/>
-              <a:buChar char="•"/>
-            </a:pPr>
-            <a:r>
-              <a:rPr lang="en-US" sz="1200" dirty="0"/>
-              <a:t>Gallery</a:t>
-            </a:r>
-          </a:p>
-          <a:p>
-            <a:pPr marL="342900" indent="-342900">
-              <a:buFont typeface="Wingdings" panose="05000000000000000000" pitchFamily="2" charset="2"/>
-              <a:buChar char="ü"/>
-            </a:pPr>
-            <a:r>
-              <a:rPr lang="en-US" dirty="0"/>
-              <a:t>Controller Rendering</a:t>
-            </a:r>
-          </a:p>
-        </p:txBody>
-      </p:sp>
-      <p:sp>
-        <p:nvSpPr>
-          <p:cNvPr id="14" name="Rectangle 2">
-            <a:extLst>
-              <a:ext uri="{FF2B5EF4-FFF2-40B4-BE49-F238E27FC236}">
-                <a16:creationId xmlns:a16="http://schemas.microsoft.com/office/drawing/2014/main" id="{C5750BD6-9ABB-46BF-8676-C3055AFB185A}"/>
-              </a:ext>
-            </a:extLst>
-          </p:cNvPr>
-          <p:cNvSpPr txBox="1">
-            <a:spLocks/>
-          </p:cNvSpPr>
-          <p:nvPr/>
-        </p:nvSpPr>
-        <p:spPr>
-          <a:xfrm>
-            <a:off x="161355" y="2006199"/>
-            <a:ext cx="3978597" cy="1356436"/>
-          </a:xfrm>
-          <a:prstGeom prst="rect">
-            <a:avLst/>
-          </a:prstGeom>
-        </p:spPr>
-        <p:txBody>
-          <a:bodyPr vert="horz" lIns="182880" tIns="91440">
-            <a:normAutofit lnSpcReduction="10000"/>
-          </a:bodyPr>
-          <a:lstStyle>
-            <a:lvl1pPr marL="0" indent="0" algn="l" rtl="0" eaLnBrk="1" latinLnBrk="0" hangingPunct="1">
-              <a:spcBef>
-                <a:spcPts val="250"/>
-              </a:spcBef>
-              <a:buClr>
-                <a:schemeClr val="accent1"/>
-              </a:buClr>
-              <a:buSzPct val="80000"/>
-              <a:buFont typeface="Wingdings 2"/>
-              <a:buNone/>
-              <a:defRPr sz="2000" kern="1200">
-                <a:solidFill>
-                  <a:schemeClr val="tx1"/>
-                </a:solidFill>
-                <a:effectLst/>
-                <a:latin typeface="+mn-lt"/>
-                <a:ea typeface="+mn-ea"/>
-                <a:cs typeface="+mn-cs"/>
-              </a:defRPr>
-            </a:lvl1pPr>
-            <a:lvl2pPr marL="347472" indent="0" algn="l" rtl="0" eaLnBrk="1" latinLnBrk="0" hangingPunct="1">
-              <a:spcBef>
-                <a:spcPts val="250"/>
-              </a:spcBef>
-              <a:buClr>
-                <a:schemeClr val="accent1"/>
-              </a:buClr>
-              <a:buSzPct val="100000"/>
-              <a:buFont typeface="Verdana"/>
-              <a:buNone/>
-              <a:defRPr sz="2400" kern="1200">
-                <a:solidFill>
-                  <a:schemeClr val="tx1"/>
-                </a:solidFill>
-                <a:latin typeface="+mn-lt"/>
-                <a:ea typeface="+mn-ea"/>
-                <a:cs typeface="+mn-cs"/>
-              </a:defRPr>
-            </a:lvl2pPr>
-            <a:lvl3pPr marL="603504" indent="0" algn="l" rtl="0" eaLnBrk="1" latinLnBrk="0" hangingPunct="1">
-              <a:spcBef>
-                <a:spcPts val="250"/>
-              </a:spcBef>
-              <a:buClr>
-                <a:schemeClr val="accent2">
-                  <a:tint val="85000"/>
-                  <a:satMod val="285000"/>
-                </a:schemeClr>
-              </a:buClr>
-              <a:buSzPct val="100000"/>
-              <a:buFont typeface="Wingdings 2"/>
-              <a:buNone/>
-              <a:defRPr sz="2200" kern="1200">
-                <a:solidFill>
-                  <a:schemeClr val="tx1"/>
-                </a:solidFill>
-                <a:latin typeface="+mn-lt"/>
-                <a:ea typeface="+mn-ea"/>
-                <a:cs typeface="+mn-cs"/>
-              </a:defRPr>
-            </a:lvl3pPr>
-            <a:lvl4pPr marL="841248" indent="0" algn="l" rtl="0" eaLnBrk="1" latinLnBrk="0" hangingPunct="1">
-              <a:spcBef>
-                <a:spcPts val="230"/>
-              </a:spcBef>
-              <a:buClr>
-                <a:schemeClr val="accent2">
-                  <a:tint val="85000"/>
-                  <a:satMod val="285000"/>
-                </a:schemeClr>
-              </a:buClr>
-              <a:buSzPct val="112000"/>
-              <a:buFont typeface="Verdana"/>
-              <a:buNone/>
-              <a:defRPr sz="1900" kern="1200">
-                <a:solidFill>
-                  <a:schemeClr val="tx1"/>
-                </a:solidFill>
-                <a:latin typeface="+mn-lt"/>
-                <a:ea typeface="+mn-ea"/>
-                <a:cs typeface="+mn-cs"/>
-              </a:defRPr>
-            </a:lvl4pPr>
-            <a:lvl5pPr marL="1097280" indent="0" algn="l" rtl="0" eaLnBrk="1" latinLnBrk="0" hangingPunct="1">
-              <a:spcBef>
-                <a:spcPts val="250"/>
-              </a:spcBef>
-              <a:buClr>
-                <a:schemeClr val="accent3">
-                  <a:tint val="85000"/>
-                  <a:satMod val="275000"/>
-                </a:schemeClr>
-              </a:buClr>
-              <a:buSzPct val="100000"/>
-              <a:buFont typeface="Wingdings 2"/>
-              <a:buNone/>
-              <a:defRPr sz="1800" kern="1200">
-                <a:solidFill>
-                  <a:schemeClr val="tx1"/>
-                </a:solidFill>
-                <a:latin typeface="+mn-lt"/>
-                <a:ea typeface="+mn-ea"/>
-                <a:cs typeface="+mn-cs"/>
-              </a:defRPr>
-            </a:lvl5pPr>
-            <a:lvl6pPr marL="1490472" indent="-182880" algn="l" rtl="0" eaLnBrk="1" latinLnBrk="0" hangingPunct="1">
-              <a:spcBef>
-                <a:spcPts val="250"/>
-              </a:spcBef>
-              <a:buClr>
-                <a:schemeClr val="accent3">
-                  <a:tint val="85000"/>
-                  <a:satMod val="275000"/>
-                </a:schemeClr>
-              </a:buClr>
-              <a:buSzPct val="100000"/>
-              <a:buFont typeface="Verdana"/>
-              <a:buChar char="◦"/>
-              <a:defRPr sz="1700" kern="1200" baseline="0">
-                <a:solidFill>
-                  <a:srgbClr val="FFFFFF"/>
-                </a:solidFill>
-                <a:latin typeface="+mn-lt"/>
-                <a:ea typeface="+mn-ea"/>
-                <a:cs typeface="+mn-cs"/>
-              </a:defRPr>
-            </a:lvl6pPr>
-            <a:lvl7pPr marL="1700784" indent="-182880" algn="l" rtl="0" eaLnBrk="1" latinLnBrk="0" hangingPunct="1">
-              <a:spcBef>
-                <a:spcPts val="255"/>
-              </a:spcBef>
-              <a:buClr>
-                <a:schemeClr val="accent3">
-                  <a:tint val="85000"/>
-                  <a:satMod val="275000"/>
-                </a:schemeClr>
-              </a:buClr>
-              <a:buSzPct val="100000"/>
-              <a:buFont typeface="Wingdings 2"/>
-              <a:buChar char=""/>
-              <a:defRPr sz="1500" kern="1200">
-                <a:solidFill>
-                  <a:srgbClr val="FFFFFF"/>
-                </a:solidFill>
-                <a:latin typeface="+mn-lt"/>
-                <a:ea typeface="+mn-ea"/>
-                <a:cs typeface="+mn-cs"/>
-              </a:defRPr>
-            </a:lvl7pPr>
-            <a:lvl8pPr marL="1920240" indent="-182880" algn="l" rtl="0" eaLnBrk="1" latinLnBrk="0" hangingPunct="1">
-              <a:spcBef>
-                <a:spcPts val="257"/>
-              </a:spcBef>
-              <a:buClr>
-                <a:schemeClr val="accent3">
-                  <a:tint val="85000"/>
-                  <a:satMod val="275000"/>
-                </a:schemeClr>
-              </a:buClr>
-              <a:buSzPct val="100000"/>
-              <a:buFont typeface="Verdana"/>
-              <a:buChar char="◦"/>
-              <a:defRPr sz="1500" kern="1200" baseline="0">
-                <a:solidFill>
-                  <a:srgbClr val="FFFFFF"/>
-                </a:solidFill>
-                <a:latin typeface="+mn-lt"/>
-                <a:ea typeface="+mn-ea"/>
-                <a:cs typeface="+mn-cs"/>
-              </a:defRPr>
-            </a:lvl8pPr>
-            <a:lvl9pPr marL="2148840" indent="-182880" algn="l" rtl="0" eaLnBrk="1" latinLnBrk="0" hangingPunct="1">
-              <a:spcBef>
-                <a:spcPts val="255"/>
-              </a:spcBef>
-              <a:buClr>
-                <a:schemeClr val="accent3">
-                  <a:tint val="85000"/>
-                  <a:satMod val="275000"/>
-                </a:schemeClr>
-              </a:buClr>
-              <a:buSzPct val="100000"/>
-              <a:buFont typeface="Wingdings 2"/>
-              <a:buChar char=""/>
-              <a:defRPr sz="1500" kern="1200">
-                <a:solidFill>
-                  <a:srgbClr val="FFFFFF"/>
-                </a:solidFill>
-                <a:latin typeface="+mn-lt"/>
-                <a:ea typeface="+mn-ea"/>
-                <a:cs typeface="+mn-cs"/>
-              </a:defRPr>
-            </a:lvl9pPr>
-          </a:lstStyle>
-          <a:p>
-            <a:pPr marL="342900" indent="-342900">
-              <a:buFont typeface="Wingdings" panose="05000000000000000000" pitchFamily="2" charset="2"/>
-              <a:buChar char="ü"/>
-            </a:pPr>
-            <a:r>
-              <a:rPr lang="en-US" dirty="0"/>
-              <a:t>view rendering</a:t>
-            </a:r>
-          </a:p>
-          <a:p>
-            <a:pPr marL="690372" lvl="1" indent="-342900">
-              <a:buFont typeface="Arial" panose="020B0604020202020204" pitchFamily="34" charset="0"/>
-              <a:buChar char="•"/>
-            </a:pPr>
-            <a:r>
-              <a:rPr lang="en-US" sz="1400" dirty="0"/>
-              <a:t>strongly-typed models based on doc types or POCOs</a:t>
-            </a:r>
-          </a:p>
-          <a:p>
-            <a:pPr marL="690372" lvl="1" indent="-342900">
-              <a:buFont typeface="Arial" panose="020B0604020202020204" pitchFamily="34" charset="0"/>
-              <a:buChar char="•"/>
-            </a:pPr>
-            <a:r>
-              <a:rPr lang="en-US" sz="1400" dirty="0"/>
-              <a:t>display directly on views with locations based on convention</a:t>
-            </a:r>
-          </a:p>
-          <a:p>
-            <a:pPr marL="690372" lvl="1" indent="-342900">
-              <a:buFont typeface="Arial" panose="020B0604020202020204" pitchFamily="34" charset="0"/>
-              <a:buChar char="•"/>
-            </a:pPr>
-            <a:endParaRPr lang="en-US" sz="1400" dirty="0"/>
-          </a:p>
-        </p:txBody>
-      </p:sp>
-      <p:sp>
-        <p:nvSpPr>
-          <p:cNvPr id="15" name="Rectangle 2">
-            <a:extLst>
-              <a:ext uri="{FF2B5EF4-FFF2-40B4-BE49-F238E27FC236}">
-                <a16:creationId xmlns:a16="http://schemas.microsoft.com/office/drawing/2014/main" id="{3594C3FD-8573-4049-BFA4-774AFD6D9F12}"/>
-              </a:ext>
-            </a:extLst>
-          </p:cNvPr>
-          <p:cNvSpPr txBox="1">
-            <a:spLocks/>
-          </p:cNvSpPr>
-          <p:nvPr/>
-        </p:nvSpPr>
-        <p:spPr>
-          <a:xfrm>
-            <a:off x="4116607" y="1911561"/>
-            <a:ext cx="4570193" cy="1451074"/>
-          </a:xfrm>
-          <a:prstGeom prst="rect">
-            <a:avLst/>
-          </a:prstGeom>
-        </p:spPr>
-        <p:txBody>
-          <a:bodyPr vert="horz" lIns="182880" tIns="91440">
-            <a:normAutofit/>
-          </a:bodyPr>
-          <a:lstStyle>
-            <a:lvl1pPr marL="0" indent="0" algn="l" rtl="0" eaLnBrk="1" latinLnBrk="0" hangingPunct="1">
-              <a:spcBef>
-                <a:spcPts val="250"/>
-              </a:spcBef>
-              <a:buClr>
-                <a:schemeClr val="accent1"/>
-              </a:buClr>
-              <a:buSzPct val="80000"/>
-              <a:buFont typeface="Wingdings 2"/>
-              <a:buNone/>
-              <a:defRPr sz="2000" kern="1200">
-                <a:solidFill>
-                  <a:schemeClr val="tx1"/>
-                </a:solidFill>
-                <a:effectLst/>
-                <a:latin typeface="+mn-lt"/>
-                <a:ea typeface="+mn-ea"/>
-                <a:cs typeface="+mn-cs"/>
-              </a:defRPr>
-            </a:lvl1pPr>
-            <a:lvl2pPr marL="347472" indent="0" algn="l" rtl="0" eaLnBrk="1" latinLnBrk="0" hangingPunct="1">
-              <a:spcBef>
-                <a:spcPts val="250"/>
-              </a:spcBef>
-              <a:buClr>
-                <a:schemeClr val="accent1"/>
-              </a:buClr>
-              <a:buSzPct val="100000"/>
-              <a:buFont typeface="Verdana"/>
-              <a:buNone/>
-              <a:defRPr sz="2400" kern="1200">
-                <a:solidFill>
-                  <a:schemeClr val="tx1"/>
-                </a:solidFill>
-                <a:latin typeface="+mn-lt"/>
-                <a:ea typeface="+mn-ea"/>
-                <a:cs typeface="+mn-cs"/>
-              </a:defRPr>
-            </a:lvl2pPr>
-            <a:lvl3pPr marL="603504" indent="0" algn="l" rtl="0" eaLnBrk="1" latinLnBrk="0" hangingPunct="1">
-              <a:spcBef>
-                <a:spcPts val="250"/>
-              </a:spcBef>
-              <a:buClr>
-                <a:schemeClr val="accent2">
-                  <a:tint val="85000"/>
-                  <a:satMod val="285000"/>
-                </a:schemeClr>
-              </a:buClr>
-              <a:buSzPct val="100000"/>
-              <a:buFont typeface="Wingdings 2"/>
-              <a:buNone/>
-              <a:defRPr sz="2200" kern="1200">
-                <a:solidFill>
-                  <a:schemeClr val="tx1"/>
-                </a:solidFill>
-                <a:latin typeface="+mn-lt"/>
-                <a:ea typeface="+mn-ea"/>
-                <a:cs typeface="+mn-cs"/>
-              </a:defRPr>
-            </a:lvl3pPr>
-            <a:lvl4pPr marL="841248" indent="0" algn="l" rtl="0" eaLnBrk="1" latinLnBrk="0" hangingPunct="1">
-              <a:spcBef>
-                <a:spcPts val="230"/>
-              </a:spcBef>
-              <a:buClr>
-                <a:schemeClr val="accent2">
-                  <a:tint val="85000"/>
-                  <a:satMod val="285000"/>
-                </a:schemeClr>
-              </a:buClr>
-              <a:buSzPct val="112000"/>
-              <a:buFont typeface="Verdana"/>
-              <a:buNone/>
-              <a:defRPr sz="1900" kern="1200">
-                <a:solidFill>
-                  <a:schemeClr val="tx1"/>
-                </a:solidFill>
-                <a:latin typeface="+mn-lt"/>
-                <a:ea typeface="+mn-ea"/>
-                <a:cs typeface="+mn-cs"/>
-              </a:defRPr>
-            </a:lvl4pPr>
-            <a:lvl5pPr marL="1097280" indent="0" algn="l" rtl="0" eaLnBrk="1" latinLnBrk="0" hangingPunct="1">
-              <a:spcBef>
-                <a:spcPts val="250"/>
-              </a:spcBef>
-              <a:buClr>
-                <a:schemeClr val="accent3">
-                  <a:tint val="85000"/>
-                  <a:satMod val="275000"/>
-                </a:schemeClr>
-              </a:buClr>
-              <a:buSzPct val="100000"/>
-              <a:buFont typeface="Wingdings 2"/>
-              <a:buNone/>
-              <a:defRPr sz="1800" kern="1200">
-                <a:solidFill>
-                  <a:schemeClr val="tx1"/>
-                </a:solidFill>
-                <a:latin typeface="+mn-lt"/>
-                <a:ea typeface="+mn-ea"/>
-                <a:cs typeface="+mn-cs"/>
-              </a:defRPr>
-            </a:lvl5pPr>
-            <a:lvl6pPr marL="1490472" indent="-182880" algn="l" rtl="0" eaLnBrk="1" latinLnBrk="0" hangingPunct="1">
-              <a:spcBef>
-                <a:spcPts val="250"/>
-              </a:spcBef>
-              <a:buClr>
-                <a:schemeClr val="accent3">
-                  <a:tint val="85000"/>
-                  <a:satMod val="275000"/>
-                </a:schemeClr>
-              </a:buClr>
-              <a:buSzPct val="100000"/>
-              <a:buFont typeface="Verdana"/>
-              <a:buChar char="◦"/>
-              <a:defRPr sz="1700" kern="1200" baseline="0">
-                <a:solidFill>
-                  <a:srgbClr val="FFFFFF"/>
-                </a:solidFill>
-                <a:latin typeface="+mn-lt"/>
-                <a:ea typeface="+mn-ea"/>
-                <a:cs typeface="+mn-cs"/>
-              </a:defRPr>
-            </a:lvl6pPr>
-            <a:lvl7pPr marL="1700784" indent="-182880" algn="l" rtl="0" eaLnBrk="1" latinLnBrk="0" hangingPunct="1">
-              <a:spcBef>
-                <a:spcPts val="255"/>
-              </a:spcBef>
-              <a:buClr>
-                <a:schemeClr val="accent3">
-                  <a:tint val="85000"/>
-                  <a:satMod val="275000"/>
-                </a:schemeClr>
-              </a:buClr>
-              <a:buSzPct val="100000"/>
-              <a:buFont typeface="Wingdings 2"/>
-              <a:buChar char=""/>
-              <a:defRPr sz="1500" kern="1200">
-                <a:solidFill>
-                  <a:srgbClr val="FFFFFF"/>
-                </a:solidFill>
-                <a:latin typeface="+mn-lt"/>
-                <a:ea typeface="+mn-ea"/>
-                <a:cs typeface="+mn-cs"/>
-              </a:defRPr>
-            </a:lvl7pPr>
-            <a:lvl8pPr marL="1920240" indent="-182880" algn="l" rtl="0" eaLnBrk="1" latinLnBrk="0" hangingPunct="1">
-              <a:spcBef>
-                <a:spcPts val="257"/>
-              </a:spcBef>
-              <a:buClr>
-                <a:schemeClr val="accent3">
-                  <a:tint val="85000"/>
-                  <a:satMod val="275000"/>
-                </a:schemeClr>
-              </a:buClr>
-              <a:buSzPct val="100000"/>
-              <a:buFont typeface="Verdana"/>
-              <a:buChar char="◦"/>
-              <a:defRPr sz="1500" kern="1200" baseline="0">
-                <a:solidFill>
-                  <a:srgbClr val="FFFFFF"/>
-                </a:solidFill>
-                <a:latin typeface="+mn-lt"/>
-                <a:ea typeface="+mn-ea"/>
-                <a:cs typeface="+mn-cs"/>
-              </a:defRPr>
-            </a:lvl8pPr>
-            <a:lvl9pPr marL="2148840" indent="-182880" algn="l" rtl="0" eaLnBrk="1" latinLnBrk="0" hangingPunct="1">
-              <a:spcBef>
-                <a:spcPts val="255"/>
-              </a:spcBef>
-              <a:buClr>
-                <a:schemeClr val="accent3">
-                  <a:tint val="85000"/>
-                  <a:satMod val="275000"/>
-                </a:schemeClr>
-              </a:buClr>
-              <a:buSzPct val="100000"/>
-              <a:buFont typeface="Wingdings 2"/>
-              <a:buChar char=""/>
-              <a:defRPr sz="1500" kern="1200">
-                <a:solidFill>
-                  <a:srgbClr val="FFFFFF"/>
-                </a:solidFill>
-                <a:latin typeface="+mn-lt"/>
-                <a:ea typeface="+mn-ea"/>
-                <a:cs typeface="+mn-cs"/>
-              </a:defRPr>
-            </a:lvl9pPr>
-          </a:lstStyle>
-          <a:p>
-            <a:pPr marL="342900" indent="-342900">
-              <a:buFont typeface="Wingdings" panose="05000000000000000000" pitchFamily="2" charset="2"/>
-              <a:buChar char="ü"/>
-            </a:pPr>
-            <a:r>
-              <a:rPr lang="en-US" dirty="0"/>
-              <a:t>controller rendering</a:t>
-            </a:r>
-          </a:p>
-          <a:p>
-            <a:pPr marL="804672" lvl="1" indent="-457200">
-              <a:buFont typeface="Arial" panose="020B0604020202020204" pitchFamily="34" charset="0"/>
-              <a:buChar char="•"/>
-            </a:pPr>
-            <a:r>
-              <a:rPr lang="en-US" sz="1400" dirty="0"/>
-              <a:t>controller class controls the logic</a:t>
-            </a:r>
-          </a:p>
-          <a:p>
-            <a:pPr marL="804672" lvl="1" indent="-457200">
-              <a:buFont typeface="Arial" panose="020B0604020202020204" pitchFamily="34" charset="0"/>
-              <a:buChar char="•"/>
-            </a:pPr>
-            <a:r>
-              <a:rPr lang="en-US" sz="1400" dirty="0"/>
-              <a:t>controller can override </a:t>
-            </a:r>
-            <a:r>
-              <a:rPr lang="en-US" sz="1400"/>
-              <a:t>the location </a:t>
-            </a:r>
-            <a:r>
-              <a:rPr lang="en-US" sz="1400" dirty="0"/>
-              <a:t>of </a:t>
-            </a:r>
-            <a:r>
-              <a:rPr lang="en-US" sz="1400"/>
-              <a:t>view paths </a:t>
-            </a:r>
-            <a:r>
-              <a:rPr lang="en-US" sz="1400" dirty="0"/>
-              <a:t>to use</a:t>
-            </a:r>
           </a:p>
         </p:txBody>
       </p:sp>
     </p:spTree>
     <p:extLst>
       <p:ext uri="{BB962C8B-B14F-4D97-AF65-F5344CB8AC3E}">
-        <p14:creationId xmlns:p14="http://schemas.microsoft.com/office/powerpoint/2010/main" val="1831460016"/>
+        <p14:creationId xmlns:p14="http://schemas.microsoft.com/office/powerpoint/2010/main" val="1018429369"/>
       </p:ext>
     </p:extLst>
   </p:cSld>
@@ -9159,7 +8857,7 @@
             <a:spLocks noGrp="1"/>
           </p:cNvSpPr>
           <p:nvPr>
-            <p:ph type="ctrTitle"/>
+            <p:ph type="title"/>
           </p:nvPr>
         </p:nvSpPr>
         <p:spPr/>
@@ -9169,48 +8867,1830 @@
           <a:p>
             <a:r>
               <a:rPr lang="en-US" dirty="0"/>
-              <a:t>Data Layer</a:t>
-            </a:r>
-          </a:p>
-        </p:txBody>
-      </p:sp>
-      <p:sp>
-        <p:nvSpPr>
-          <p:cNvPr id="3" name="Rectangle 2"/>
-          <p:cNvSpPr>
-            <a:spLocks noGrp="1"/>
-          </p:cNvSpPr>
-          <p:nvPr>
-            <p:ph type="subTitle" idx="1"/>
-          </p:nvPr>
-        </p:nvSpPr>
-        <p:spPr/>
-        <p:txBody>
-          <a:bodyPr>
+              <a:t>Concepts</a:t>
+            </a:r>
+          </a:p>
+        </p:txBody>
+      </p:sp>
+      <p:sp>
+        <p:nvSpPr>
+          <p:cNvPr id="11" name="Rectangle 2">
+            <a:extLst>
+              <a:ext uri="{FF2B5EF4-FFF2-40B4-BE49-F238E27FC236}">
+                <a16:creationId xmlns:a16="http://schemas.microsoft.com/office/drawing/2014/main" id="{348D8CC6-C3F0-49CE-9718-3741755D8CC6}"/>
+              </a:ext>
+            </a:extLst>
+          </p:cNvPr>
+          <p:cNvSpPr txBox="1">
+            <a:spLocks/>
+          </p:cNvSpPr>
+          <p:nvPr/>
+        </p:nvSpPr>
+        <p:spPr>
+          <a:xfrm>
+            <a:off x="161355" y="1638435"/>
+            <a:ext cx="4082463" cy="401472"/>
+          </a:xfrm>
+          <a:prstGeom prst="rect">
+            <a:avLst/>
+          </a:prstGeom>
+        </p:spPr>
+        <p:txBody>
+          <a:bodyPr vert="horz" lIns="182880" tIns="91440">
+            <a:normAutofit fontScale="92500" lnSpcReduction="10000"/>
+          </a:bodyPr>
+          <a:lstStyle>
+            <a:lvl1pPr marL="0" indent="0" algn="l" rtl="0" eaLnBrk="1" latinLnBrk="0" hangingPunct="1">
+              <a:spcBef>
+                <a:spcPts val="250"/>
+              </a:spcBef>
+              <a:buClr>
+                <a:schemeClr val="accent1"/>
+              </a:buClr>
+              <a:buSzPct val="80000"/>
+              <a:buFont typeface="Wingdings 2"/>
+              <a:buNone/>
+              <a:defRPr sz="2000" kern="1200">
+                <a:solidFill>
+                  <a:schemeClr val="tx1"/>
+                </a:solidFill>
+                <a:effectLst/>
+                <a:latin typeface="+mn-lt"/>
+                <a:ea typeface="+mn-ea"/>
+                <a:cs typeface="+mn-cs"/>
+              </a:defRPr>
+            </a:lvl1pPr>
+            <a:lvl2pPr marL="347472" indent="0" algn="l" rtl="0" eaLnBrk="1" latinLnBrk="0" hangingPunct="1">
+              <a:spcBef>
+                <a:spcPts val="250"/>
+              </a:spcBef>
+              <a:buClr>
+                <a:schemeClr val="accent1"/>
+              </a:buClr>
+              <a:buSzPct val="100000"/>
+              <a:buFont typeface="Verdana"/>
+              <a:buNone/>
+              <a:defRPr sz="2400" kern="1200">
+                <a:solidFill>
+                  <a:schemeClr val="tx1"/>
+                </a:solidFill>
+                <a:latin typeface="+mn-lt"/>
+                <a:ea typeface="+mn-ea"/>
+                <a:cs typeface="+mn-cs"/>
+              </a:defRPr>
+            </a:lvl2pPr>
+            <a:lvl3pPr marL="603504" indent="0" algn="l" rtl="0" eaLnBrk="1" latinLnBrk="0" hangingPunct="1">
+              <a:spcBef>
+                <a:spcPts val="250"/>
+              </a:spcBef>
+              <a:buClr>
+                <a:schemeClr val="accent2">
+                  <a:tint val="85000"/>
+                  <a:satMod val="285000"/>
+                </a:schemeClr>
+              </a:buClr>
+              <a:buSzPct val="100000"/>
+              <a:buFont typeface="Wingdings 2"/>
+              <a:buNone/>
+              <a:defRPr sz="2200" kern="1200">
+                <a:solidFill>
+                  <a:schemeClr val="tx1"/>
+                </a:solidFill>
+                <a:latin typeface="+mn-lt"/>
+                <a:ea typeface="+mn-ea"/>
+                <a:cs typeface="+mn-cs"/>
+              </a:defRPr>
+            </a:lvl3pPr>
+            <a:lvl4pPr marL="841248" indent="0" algn="l" rtl="0" eaLnBrk="1" latinLnBrk="0" hangingPunct="1">
+              <a:spcBef>
+                <a:spcPts val="230"/>
+              </a:spcBef>
+              <a:buClr>
+                <a:schemeClr val="accent2">
+                  <a:tint val="85000"/>
+                  <a:satMod val="285000"/>
+                </a:schemeClr>
+              </a:buClr>
+              <a:buSzPct val="112000"/>
+              <a:buFont typeface="Verdana"/>
+              <a:buNone/>
+              <a:defRPr sz="1900" kern="1200">
+                <a:solidFill>
+                  <a:schemeClr val="tx1"/>
+                </a:solidFill>
+                <a:latin typeface="+mn-lt"/>
+                <a:ea typeface="+mn-ea"/>
+                <a:cs typeface="+mn-cs"/>
+              </a:defRPr>
+            </a:lvl4pPr>
+            <a:lvl5pPr marL="1097280" indent="0" algn="l" rtl="0" eaLnBrk="1" latinLnBrk="0" hangingPunct="1">
+              <a:spcBef>
+                <a:spcPts val="250"/>
+              </a:spcBef>
+              <a:buClr>
+                <a:schemeClr val="accent3">
+                  <a:tint val="85000"/>
+                  <a:satMod val="275000"/>
+                </a:schemeClr>
+              </a:buClr>
+              <a:buSzPct val="100000"/>
+              <a:buFont typeface="Wingdings 2"/>
+              <a:buNone/>
+              <a:defRPr sz="1800" kern="1200">
+                <a:solidFill>
+                  <a:schemeClr val="tx1"/>
+                </a:solidFill>
+                <a:latin typeface="+mn-lt"/>
+                <a:ea typeface="+mn-ea"/>
+                <a:cs typeface="+mn-cs"/>
+              </a:defRPr>
+            </a:lvl5pPr>
+            <a:lvl6pPr marL="1490472" indent="-182880" algn="l" rtl="0" eaLnBrk="1" latinLnBrk="0" hangingPunct="1">
+              <a:spcBef>
+                <a:spcPts val="250"/>
+              </a:spcBef>
+              <a:buClr>
+                <a:schemeClr val="accent3">
+                  <a:tint val="85000"/>
+                  <a:satMod val="275000"/>
+                </a:schemeClr>
+              </a:buClr>
+              <a:buSzPct val="100000"/>
+              <a:buFont typeface="Verdana"/>
+              <a:buChar char="◦"/>
+              <a:defRPr sz="1700" kern="1200" baseline="0">
+                <a:solidFill>
+                  <a:srgbClr val="FFFFFF"/>
+                </a:solidFill>
+                <a:latin typeface="+mn-lt"/>
+                <a:ea typeface="+mn-ea"/>
+                <a:cs typeface="+mn-cs"/>
+              </a:defRPr>
+            </a:lvl6pPr>
+            <a:lvl7pPr marL="1700784" indent="-182880" algn="l" rtl="0" eaLnBrk="1" latinLnBrk="0" hangingPunct="1">
+              <a:spcBef>
+                <a:spcPts val="255"/>
+              </a:spcBef>
+              <a:buClr>
+                <a:schemeClr val="accent3">
+                  <a:tint val="85000"/>
+                  <a:satMod val="275000"/>
+                </a:schemeClr>
+              </a:buClr>
+              <a:buSzPct val="100000"/>
+              <a:buFont typeface="Wingdings 2"/>
+              <a:buChar char=""/>
+              <a:defRPr sz="1500" kern="1200">
+                <a:solidFill>
+                  <a:srgbClr val="FFFFFF"/>
+                </a:solidFill>
+                <a:latin typeface="+mn-lt"/>
+                <a:ea typeface="+mn-ea"/>
+                <a:cs typeface="+mn-cs"/>
+              </a:defRPr>
+            </a:lvl7pPr>
+            <a:lvl8pPr marL="1920240" indent="-182880" algn="l" rtl="0" eaLnBrk="1" latinLnBrk="0" hangingPunct="1">
+              <a:spcBef>
+                <a:spcPts val="257"/>
+              </a:spcBef>
+              <a:buClr>
+                <a:schemeClr val="accent3">
+                  <a:tint val="85000"/>
+                  <a:satMod val="275000"/>
+                </a:schemeClr>
+              </a:buClr>
+              <a:buSzPct val="100000"/>
+              <a:buFont typeface="Verdana"/>
+              <a:buChar char="◦"/>
+              <a:defRPr sz="1500" kern="1200" baseline="0">
+                <a:solidFill>
+                  <a:srgbClr val="FFFFFF"/>
+                </a:solidFill>
+                <a:latin typeface="+mn-lt"/>
+                <a:ea typeface="+mn-ea"/>
+                <a:cs typeface="+mn-cs"/>
+              </a:defRPr>
+            </a:lvl8pPr>
+            <a:lvl9pPr marL="2148840" indent="-182880" algn="l" rtl="0" eaLnBrk="1" latinLnBrk="0" hangingPunct="1">
+              <a:spcBef>
+                <a:spcPts val="255"/>
+              </a:spcBef>
+              <a:buClr>
+                <a:schemeClr val="accent3">
+                  <a:tint val="85000"/>
+                  <a:satMod val="275000"/>
+                </a:schemeClr>
+              </a:buClr>
+              <a:buSzPct val="100000"/>
+              <a:buFont typeface="Wingdings 2"/>
+              <a:buChar char=""/>
+              <a:defRPr sz="1500" kern="1200">
+                <a:solidFill>
+                  <a:srgbClr val="FFFFFF"/>
+                </a:solidFill>
+                <a:latin typeface="+mn-lt"/>
+                <a:ea typeface="+mn-ea"/>
+                <a:cs typeface="+mn-cs"/>
+              </a:defRPr>
+            </a:lvl9pPr>
+          </a:lstStyle>
+          <a:p>
+            <a:r>
+              <a:rPr lang="en-US" b="1" dirty="0"/>
+              <a:t>Renderings</a:t>
+            </a:r>
+          </a:p>
+        </p:txBody>
+      </p:sp>
+      <p:sp>
+        <p:nvSpPr>
+          <p:cNvPr id="8" name="Rectangle 2">
+            <a:extLst>
+              <a:ext uri="{FF2B5EF4-FFF2-40B4-BE49-F238E27FC236}">
+                <a16:creationId xmlns:a16="http://schemas.microsoft.com/office/drawing/2014/main" id="{CAA0346A-707E-492F-978F-9F3C02F4FE8D}"/>
+              </a:ext>
+            </a:extLst>
+          </p:cNvPr>
+          <p:cNvSpPr txBox="1">
+            <a:spLocks/>
+          </p:cNvSpPr>
+          <p:nvPr/>
+        </p:nvSpPr>
+        <p:spPr>
+          <a:xfrm>
+            <a:off x="161355" y="3363398"/>
+            <a:ext cx="3528392" cy="576064"/>
+          </a:xfrm>
+          <a:prstGeom prst="rect">
+            <a:avLst/>
+          </a:prstGeom>
+        </p:spPr>
+        <p:txBody>
+          <a:bodyPr vert="horz" lIns="182880" tIns="91440">
+            <a:normAutofit/>
+          </a:bodyPr>
+          <a:lstStyle>
+            <a:lvl1pPr marL="0" indent="0" algn="l" rtl="0" eaLnBrk="1" latinLnBrk="0" hangingPunct="1">
+              <a:spcBef>
+                <a:spcPts val="250"/>
+              </a:spcBef>
+              <a:buClr>
+                <a:schemeClr val="accent1"/>
+              </a:buClr>
+              <a:buSzPct val="80000"/>
+              <a:buFont typeface="Wingdings 2"/>
+              <a:buNone/>
+              <a:defRPr sz="2000" kern="1200">
+                <a:solidFill>
+                  <a:schemeClr val="tx1"/>
+                </a:solidFill>
+                <a:effectLst/>
+                <a:latin typeface="+mn-lt"/>
+                <a:ea typeface="+mn-ea"/>
+                <a:cs typeface="+mn-cs"/>
+              </a:defRPr>
+            </a:lvl1pPr>
+            <a:lvl2pPr marL="347472" indent="0" algn="l" rtl="0" eaLnBrk="1" latinLnBrk="0" hangingPunct="1">
+              <a:spcBef>
+                <a:spcPts val="250"/>
+              </a:spcBef>
+              <a:buClr>
+                <a:schemeClr val="accent1"/>
+              </a:buClr>
+              <a:buSzPct val="100000"/>
+              <a:buFont typeface="Verdana"/>
+              <a:buNone/>
+              <a:defRPr sz="2400" kern="1200">
+                <a:solidFill>
+                  <a:schemeClr val="tx1"/>
+                </a:solidFill>
+                <a:latin typeface="+mn-lt"/>
+                <a:ea typeface="+mn-ea"/>
+                <a:cs typeface="+mn-cs"/>
+              </a:defRPr>
+            </a:lvl2pPr>
+            <a:lvl3pPr marL="603504" indent="0" algn="l" rtl="0" eaLnBrk="1" latinLnBrk="0" hangingPunct="1">
+              <a:spcBef>
+                <a:spcPts val="250"/>
+              </a:spcBef>
+              <a:buClr>
+                <a:schemeClr val="accent2">
+                  <a:tint val="85000"/>
+                  <a:satMod val="285000"/>
+                </a:schemeClr>
+              </a:buClr>
+              <a:buSzPct val="100000"/>
+              <a:buFont typeface="Wingdings 2"/>
+              <a:buNone/>
+              <a:defRPr sz="2200" kern="1200">
+                <a:solidFill>
+                  <a:schemeClr val="tx1"/>
+                </a:solidFill>
+                <a:latin typeface="+mn-lt"/>
+                <a:ea typeface="+mn-ea"/>
+                <a:cs typeface="+mn-cs"/>
+              </a:defRPr>
+            </a:lvl3pPr>
+            <a:lvl4pPr marL="841248" indent="0" algn="l" rtl="0" eaLnBrk="1" latinLnBrk="0" hangingPunct="1">
+              <a:spcBef>
+                <a:spcPts val="230"/>
+              </a:spcBef>
+              <a:buClr>
+                <a:schemeClr val="accent2">
+                  <a:tint val="85000"/>
+                  <a:satMod val="285000"/>
+                </a:schemeClr>
+              </a:buClr>
+              <a:buSzPct val="112000"/>
+              <a:buFont typeface="Verdana"/>
+              <a:buNone/>
+              <a:defRPr sz="1900" kern="1200">
+                <a:solidFill>
+                  <a:schemeClr val="tx1"/>
+                </a:solidFill>
+                <a:latin typeface="+mn-lt"/>
+                <a:ea typeface="+mn-ea"/>
+                <a:cs typeface="+mn-cs"/>
+              </a:defRPr>
+            </a:lvl4pPr>
+            <a:lvl5pPr marL="1097280" indent="0" algn="l" rtl="0" eaLnBrk="1" latinLnBrk="0" hangingPunct="1">
+              <a:spcBef>
+                <a:spcPts val="250"/>
+              </a:spcBef>
+              <a:buClr>
+                <a:schemeClr val="accent3">
+                  <a:tint val="85000"/>
+                  <a:satMod val="275000"/>
+                </a:schemeClr>
+              </a:buClr>
+              <a:buSzPct val="100000"/>
+              <a:buFont typeface="Wingdings 2"/>
+              <a:buNone/>
+              <a:defRPr sz="1800" kern="1200">
+                <a:solidFill>
+                  <a:schemeClr val="tx1"/>
+                </a:solidFill>
+                <a:latin typeface="+mn-lt"/>
+                <a:ea typeface="+mn-ea"/>
+                <a:cs typeface="+mn-cs"/>
+              </a:defRPr>
+            </a:lvl5pPr>
+            <a:lvl6pPr marL="1490472" indent="-182880" algn="l" rtl="0" eaLnBrk="1" latinLnBrk="0" hangingPunct="1">
+              <a:spcBef>
+                <a:spcPts val="250"/>
+              </a:spcBef>
+              <a:buClr>
+                <a:schemeClr val="accent3">
+                  <a:tint val="85000"/>
+                  <a:satMod val="275000"/>
+                </a:schemeClr>
+              </a:buClr>
+              <a:buSzPct val="100000"/>
+              <a:buFont typeface="Verdana"/>
+              <a:buChar char="◦"/>
+              <a:defRPr sz="1700" kern="1200" baseline="0">
+                <a:solidFill>
+                  <a:srgbClr val="FFFFFF"/>
+                </a:solidFill>
+                <a:latin typeface="+mn-lt"/>
+                <a:ea typeface="+mn-ea"/>
+                <a:cs typeface="+mn-cs"/>
+              </a:defRPr>
+            </a:lvl6pPr>
+            <a:lvl7pPr marL="1700784" indent="-182880" algn="l" rtl="0" eaLnBrk="1" latinLnBrk="0" hangingPunct="1">
+              <a:spcBef>
+                <a:spcPts val="255"/>
+              </a:spcBef>
+              <a:buClr>
+                <a:schemeClr val="accent3">
+                  <a:tint val="85000"/>
+                  <a:satMod val="275000"/>
+                </a:schemeClr>
+              </a:buClr>
+              <a:buSzPct val="100000"/>
+              <a:buFont typeface="Wingdings 2"/>
+              <a:buChar char=""/>
+              <a:defRPr sz="1500" kern="1200">
+                <a:solidFill>
+                  <a:srgbClr val="FFFFFF"/>
+                </a:solidFill>
+                <a:latin typeface="+mn-lt"/>
+                <a:ea typeface="+mn-ea"/>
+                <a:cs typeface="+mn-cs"/>
+              </a:defRPr>
+            </a:lvl7pPr>
+            <a:lvl8pPr marL="1920240" indent="-182880" algn="l" rtl="0" eaLnBrk="1" latinLnBrk="0" hangingPunct="1">
+              <a:spcBef>
+                <a:spcPts val="257"/>
+              </a:spcBef>
+              <a:buClr>
+                <a:schemeClr val="accent3">
+                  <a:tint val="85000"/>
+                  <a:satMod val="275000"/>
+                </a:schemeClr>
+              </a:buClr>
+              <a:buSzPct val="100000"/>
+              <a:buFont typeface="Verdana"/>
+              <a:buChar char="◦"/>
+              <a:defRPr sz="1500" kern="1200" baseline="0">
+                <a:solidFill>
+                  <a:srgbClr val="FFFFFF"/>
+                </a:solidFill>
+                <a:latin typeface="+mn-lt"/>
+                <a:ea typeface="+mn-ea"/>
+                <a:cs typeface="+mn-cs"/>
+              </a:defRPr>
+            </a:lvl8pPr>
+            <a:lvl9pPr marL="2148840" indent="-182880" algn="l" rtl="0" eaLnBrk="1" latinLnBrk="0" hangingPunct="1">
+              <a:spcBef>
+                <a:spcPts val="255"/>
+              </a:spcBef>
+              <a:buClr>
+                <a:schemeClr val="accent3">
+                  <a:tint val="85000"/>
+                  <a:satMod val="275000"/>
+                </a:schemeClr>
+              </a:buClr>
+              <a:buSzPct val="100000"/>
+              <a:buFont typeface="Wingdings 2"/>
+              <a:buChar char=""/>
+              <a:defRPr sz="1500" kern="1200">
+                <a:solidFill>
+                  <a:srgbClr val="FFFFFF"/>
+                </a:solidFill>
+                <a:latin typeface="+mn-lt"/>
+                <a:ea typeface="+mn-ea"/>
+                <a:cs typeface="+mn-cs"/>
+              </a:defRPr>
+            </a:lvl9pPr>
+          </a:lstStyle>
+          <a:p>
+            <a:r>
+              <a:rPr lang="en-US" b="1" dirty="0"/>
+              <a:t>Components</a:t>
+            </a:r>
+          </a:p>
+        </p:txBody>
+      </p:sp>
+      <p:sp>
+        <p:nvSpPr>
+          <p:cNvPr id="9" name="Rectangle 2">
+            <a:extLst>
+              <a:ext uri="{FF2B5EF4-FFF2-40B4-BE49-F238E27FC236}">
+                <a16:creationId xmlns:a16="http://schemas.microsoft.com/office/drawing/2014/main" id="{AEC26519-7F08-4EE1-A092-D2875BFD969C}"/>
+              </a:ext>
+            </a:extLst>
+          </p:cNvPr>
+          <p:cNvSpPr txBox="1">
+            <a:spLocks/>
+          </p:cNvSpPr>
+          <p:nvPr/>
+        </p:nvSpPr>
+        <p:spPr>
+          <a:xfrm>
+            <a:off x="4243818" y="3362635"/>
+            <a:ext cx="2088232" cy="576064"/>
+          </a:xfrm>
+          <a:prstGeom prst="rect">
+            <a:avLst/>
+          </a:prstGeom>
+        </p:spPr>
+        <p:txBody>
+          <a:bodyPr vert="horz" lIns="182880" tIns="91440">
+            <a:normAutofit/>
+          </a:bodyPr>
+          <a:lstStyle>
+            <a:lvl1pPr marL="0" indent="0" algn="l" rtl="0" eaLnBrk="1" latinLnBrk="0" hangingPunct="1">
+              <a:spcBef>
+                <a:spcPts val="250"/>
+              </a:spcBef>
+              <a:buClr>
+                <a:schemeClr val="accent1"/>
+              </a:buClr>
+              <a:buSzPct val="80000"/>
+              <a:buFont typeface="Wingdings 2"/>
+              <a:buNone/>
+              <a:defRPr sz="2000" kern="1200">
+                <a:solidFill>
+                  <a:schemeClr val="tx1"/>
+                </a:solidFill>
+                <a:effectLst/>
+                <a:latin typeface="+mn-lt"/>
+                <a:ea typeface="+mn-ea"/>
+                <a:cs typeface="+mn-cs"/>
+              </a:defRPr>
+            </a:lvl1pPr>
+            <a:lvl2pPr marL="347472" indent="0" algn="l" rtl="0" eaLnBrk="1" latinLnBrk="0" hangingPunct="1">
+              <a:spcBef>
+                <a:spcPts val="250"/>
+              </a:spcBef>
+              <a:buClr>
+                <a:schemeClr val="accent1"/>
+              </a:buClr>
+              <a:buSzPct val="100000"/>
+              <a:buFont typeface="Verdana"/>
+              <a:buNone/>
+              <a:defRPr sz="2400" kern="1200">
+                <a:solidFill>
+                  <a:schemeClr val="tx1"/>
+                </a:solidFill>
+                <a:latin typeface="+mn-lt"/>
+                <a:ea typeface="+mn-ea"/>
+                <a:cs typeface="+mn-cs"/>
+              </a:defRPr>
+            </a:lvl2pPr>
+            <a:lvl3pPr marL="603504" indent="0" algn="l" rtl="0" eaLnBrk="1" latinLnBrk="0" hangingPunct="1">
+              <a:spcBef>
+                <a:spcPts val="250"/>
+              </a:spcBef>
+              <a:buClr>
+                <a:schemeClr val="accent2">
+                  <a:tint val="85000"/>
+                  <a:satMod val="285000"/>
+                </a:schemeClr>
+              </a:buClr>
+              <a:buSzPct val="100000"/>
+              <a:buFont typeface="Wingdings 2"/>
+              <a:buNone/>
+              <a:defRPr sz="2200" kern="1200">
+                <a:solidFill>
+                  <a:schemeClr val="tx1"/>
+                </a:solidFill>
+                <a:latin typeface="+mn-lt"/>
+                <a:ea typeface="+mn-ea"/>
+                <a:cs typeface="+mn-cs"/>
+              </a:defRPr>
+            </a:lvl3pPr>
+            <a:lvl4pPr marL="841248" indent="0" algn="l" rtl="0" eaLnBrk="1" latinLnBrk="0" hangingPunct="1">
+              <a:spcBef>
+                <a:spcPts val="230"/>
+              </a:spcBef>
+              <a:buClr>
+                <a:schemeClr val="accent2">
+                  <a:tint val="85000"/>
+                  <a:satMod val="285000"/>
+                </a:schemeClr>
+              </a:buClr>
+              <a:buSzPct val="112000"/>
+              <a:buFont typeface="Verdana"/>
+              <a:buNone/>
+              <a:defRPr sz="1900" kern="1200">
+                <a:solidFill>
+                  <a:schemeClr val="tx1"/>
+                </a:solidFill>
+                <a:latin typeface="+mn-lt"/>
+                <a:ea typeface="+mn-ea"/>
+                <a:cs typeface="+mn-cs"/>
+              </a:defRPr>
+            </a:lvl4pPr>
+            <a:lvl5pPr marL="1097280" indent="0" algn="l" rtl="0" eaLnBrk="1" latinLnBrk="0" hangingPunct="1">
+              <a:spcBef>
+                <a:spcPts val="250"/>
+              </a:spcBef>
+              <a:buClr>
+                <a:schemeClr val="accent3">
+                  <a:tint val="85000"/>
+                  <a:satMod val="275000"/>
+                </a:schemeClr>
+              </a:buClr>
+              <a:buSzPct val="100000"/>
+              <a:buFont typeface="Wingdings 2"/>
+              <a:buNone/>
+              <a:defRPr sz="1800" kern="1200">
+                <a:solidFill>
+                  <a:schemeClr val="tx1"/>
+                </a:solidFill>
+                <a:latin typeface="+mn-lt"/>
+                <a:ea typeface="+mn-ea"/>
+                <a:cs typeface="+mn-cs"/>
+              </a:defRPr>
+            </a:lvl5pPr>
+            <a:lvl6pPr marL="1490472" indent="-182880" algn="l" rtl="0" eaLnBrk="1" latinLnBrk="0" hangingPunct="1">
+              <a:spcBef>
+                <a:spcPts val="250"/>
+              </a:spcBef>
+              <a:buClr>
+                <a:schemeClr val="accent3">
+                  <a:tint val="85000"/>
+                  <a:satMod val="275000"/>
+                </a:schemeClr>
+              </a:buClr>
+              <a:buSzPct val="100000"/>
+              <a:buFont typeface="Verdana"/>
+              <a:buChar char="◦"/>
+              <a:defRPr sz="1700" kern="1200" baseline="0">
+                <a:solidFill>
+                  <a:srgbClr val="FFFFFF"/>
+                </a:solidFill>
+                <a:latin typeface="+mn-lt"/>
+                <a:ea typeface="+mn-ea"/>
+                <a:cs typeface="+mn-cs"/>
+              </a:defRPr>
+            </a:lvl6pPr>
+            <a:lvl7pPr marL="1700784" indent="-182880" algn="l" rtl="0" eaLnBrk="1" latinLnBrk="0" hangingPunct="1">
+              <a:spcBef>
+                <a:spcPts val="255"/>
+              </a:spcBef>
+              <a:buClr>
+                <a:schemeClr val="accent3">
+                  <a:tint val="85000"/>
+                  <a:satMod val="275000"/>
+                </a:schemeClr>
+              </a:buClr>
+              <a:buSzPct val="100000"/>
+              <a:buFont typeface="Wingdings 2"/>
+              <a:buChar char=""/>
+              <a:defRPr sz="1500" kern="1200">
+                <a:solidFill>
+                  <a:srgbClr val="FFFFFF"/>
+                </a:solidFill>
+                <a:latin typeface="+mn-lt"/>
+                <a:ea typeface="+mn-ea"/>
+                <a:cs typeface="+mn-cs"/>
+              </a:defRPr>
+            </a:lvl7pPr>
+            <a:lvl8pPr marL="1920240" indent="-182880" algn="l" rtl="0" eaLnBrk="1" latinLnBrk="0" hangingPunct="1">
+              <a:spcBef>
+                <a:spcPts val="257"/>
+              </a:spcBef>
+              <a:buClr>
+                <a:schemeClr val="accent3">
+                  <a:tint val="85000"/>
+                  <a:satMod val="275000"/>
+                </a:schemeClr>
+              </a:buClr>
+              <a:buSzPct val="100000"/>
+              <a:buFont typeface="Verdana"/>
+              <a:buChar char="◦"/>
+              <a:defRPr sz="1500" kern="1200" baseline="0">
+                <a:solidFill>
+                  <a:srgbClr val="FFFFFF"/>
+                </a:solidFill>
+                <a:latin typeface="+mn-lt"/>
+                <a:ea typeface="+mn-ea"/>
+                <a:cs typeface="+mn-cs"/>
+              </a:defRPr>
+            </a:lvl8pPr>
+            <a:lvl9pPr marL="2148840" indent="-182880" algn="l" rtl="0" eaLnBrk="1" latinLnBrk="0" hangingPunct="1">
+              <a:spcBef>
+                <a:spcPts val="255"/>
+              </a:spcBef>
+              <a:buClr>
+                <a:schemeClr val="accent3">
+                  <a:tint val="85000"/>
+                  <a:satMod val="275000"/>
+                </a:schemeClr>
+              </a:buClr>
+              <a:buSzPct val="100000"/>
+              <a:buFont typeface="Wingdings 2"/>
+              <a:buChar char=""/>
+              <a:defRPr sz="1500" kern="1200">
+                <a:solidFill>
+                  <a:srgbClr val="FFFFFF"/>
+                </a:solidFill>
+                <a:latin typeface="+mn-lt"/>
+                <a:ea typeface="+mn-ea"/>
+                <a:cs typeface="+mn-cs"/>
+              </a:defRPr>
+            </a:lvl9pPr>
+          </a:lstStyle>
+          <a:p>
+            <a:r>
+              <a:rPr lang="en-US" b="1" dirty="0"/>
+              <a:t>Modules</a:t>
+            </a:r>
+          </a:p>
+        </p:txBody>
+      </p:sp>
+      <p:sp>
+        <p:nvSpPr>
+          <p:cNvPr id="12" name="Rectangle 2">
+            <a:extLst>
+              <a:ext uri="{FF2B5EF4-FFF2-40B4-BE49-F238E27FC236}">
+                <a16:creationId xmlns:a16="http://schemas.microsoft.com/office/drawing/2014/main" id="{5814E4EC-056A-4C07-A595-DAB2A7E43C88}"/>
+              </a:ext>
+            </a:extLst>
+          </p:cNvPr>
+          <p:cNvSpPr txBox="1">
+            <a:spLocks/>
+          </p:cNvSpPr>
+          <p:nvPr/>
+        </p:nvSpPr>
+        <p:spPr>
+          <a:xfrm>
+            <a:off x="277529" y="3747227"/>
+            <a:ext cx="3746247" cy="2454678"/>
+          </a:xfrm>
+          <a:prstGeom prst="rect">
+            <a:avLst/>
+          </a:prstGeom>
+        </p:spPr>
+        <p:txBody>
+          <a:bodyPr vert="horz" lIns="182880" tIns="91440">
+            <a:normAutofit/>
+          </a:bodyPr>
+          <a:lstStyle>
+            <a:lvl1pPr marL="0" indent="0" algn="l" rtl="0" eaLnBrk="1" latinLnBrk="0" hangingPunct="1">
+              <a:spcBef>
+                <a:spcPts val="250"/>
+              </a:spcBef>
+              <a:buClr>
+                <a:schemeClr val="accent1"/>
+              </a:buClr>
+              <a:buSzPct val="80000"/>
+              <a:buFont typeface="Wingdings 2"/>
+              <a:buNone/>
+              <a:defRPr sz="2000" kern="1200">
+                <a:solidFill>
+                  <a:schemeClr val="tx1"/>
+                </a:solidFill>
+                <a:effectLst/>
+                <a:latin typeface="+mn-lt"/>
+                <a:ea typeface="+mn-ea"/>
+                <a:cs typeface="+mn-cs"/>
+              </a:defRPr>
+            </a:lvl1pPr>
+            <a:lvl2pPr marL="347472" indent="0" algn="l" rtl="0" eaLnBrk="1" latinLnBrk="0" hangingPunct="1">
+              <a:spcBef>
+                <a:spcPts val="250"/>
+              </a:spcBef>
+              <a:buClr>
+                <a:schemeClr val="accent1"/>
+              </a:buClr>
+              <a:buSzPct val="100000"/>
+              <a:buFont typeface="Verdana"/>
+              <a:buNone/>
+              <a:defRPr sz="2400" kern="1200">
+                <a:solidFill>
+                  <a:schemeClr val="tx1"/>
+                </a:solidFill>
+                <a:latin typeface="+mn-lt"/>
+                <a:ea typeface="+mn-ea"/>
+                <a:cs typeface="+mn-cs"/>
+              </a:defRPr>
+            </a:lvl2pPr>
+            <a:lvl3pPr marL="603504" indent="0" algn="l" rtl="0" eaLnBrk="1" latinLnBrk="0" hangingPunct="1">
+              <a:spcBef>
+                <a:spcPts val="250"/>
+              </a:spcBef>
+              <a:buClr>
+                <a:schemeClr val="accent2">
+                  <a:tint val="85000"/>
+                  <a:satMod val="285000"/>
+                </a:schemeClr>
+              </a:buClr>
+              <a:buSzPct val="100000"/>
+              <a:buFont typeface="Wingdings 2"/>
+              <a:buNone/>
+              <a:defRPr sz="2200" kern="1200">
+                <a:solidFill>
+                  <a:schemeClr val="tx1"/>
+                </a:solidFill>
+                <a:latin typeface="+mn-lt"/>
+                <a:ea typeface="+mn-ea"/>
+                <a:cs typeface="+mn-cs"/>
+              </a:defRPr>
+            </a:lvl3pPr>
+            <a:lvl4pPr marL="841248" indent="0" algn="l" rtl="0" eaLnBrk="1" latinLnBrk="0" hangingPunct="1">
+              <a:spcBef>
+                <a:spcPts val="230"/>
+              </a:spcBef>
+              <a:buClr>
+                <a:schemeClr val="accent2">
+                  <a:tint val="85000"/>
+                  <a:satMod val="285000"/>
+                </a:schemeClr>
+              </a:buClr>
+              <a:buSzPct val="112000"/>
+              <a:buFont typeface="Verdana"/>
+              <a:buNone/>
+              <a:defRPr sz="1900" kern="1200">
+                <a:solidFill>
+                  <a:schemeClr val="tx1"/>
+                </a:solidFill>
+                <a:latin typeface="+mn-lt"/>
+                <a:ea typeface="+mn-ea"/>
+                <a:cs typeface="+mn-cs"/>
+              </a:defRPr>
+            </a:lvl4pPr>
+            <a:lvl5pPr marL="1097280" indent="0" algn="l" rtl="0" eaLnBrk="1" latinLnBrk="0" hangingPunct="1">
+              <a:spcBef>
+                <a:spcPts val="250"/>
+              </a:spcBef>
+              <a:buClr>
+                <a:schemeClr val="accent3">
+                  <a:tint val="85000"/>
+                  <a:satMod val="275000"/>
+                </a:schemeClr>
+              </a:buClr>
+              <a:buSzPct val="100000"/>
+              <a:buFont typeface="Wingdings 2"/>
+              <a:buNone/>
+              <a:defRPr sz="1800" kern="1200">
+                <a:solidFill>
+                  <a:schemeClr val="tx1"/>
+                </a:solidFill>
+                <a:latin typeface="+mn-lt"/>
+                <a:ea typeface="+mn-ea"/>
+                <a:cs typeface="+mn-cs"/>
+              </a:defRPr>
+            </a:lvl5pPr>
+            <a:lvl6pPr marL="1490472" indent="-182880" algn="l" rtl="0" eaLnBrk="1" latinLnBrk="0" hangingPunct="1">
+              <a:spcBef>
+                <a:spcPts val="250"/>
+              </a:spcBef>
+              <a:buClr>
+                <a:schemeClr val="accent3">
+                  <a:tint val="85000"/>
+                  <a:satMod val="275000"/>
+                </a:schemeClr>
+              </a:buClr>
+              <a:buSzPct val="100000"/>
+              <a:buFont typeface="Verdana"/>
+              <a:buChar char="◦"/>
+              <a:defRPr sz="1700" kern="1200" baseline="0">
+                <a:solidFill>
+                  <a:srgbClr val="FFFFFF"/>
+                </a:solidFill>
+                <a:latin typeface="+mn-lt"/>
+                <a:ea typeface="+mn-ea"/>
+                <a:cs typeface="+mn-cs"/>
+              </a:defRPr>
+            </a:lvl6pPr>
+            <a:lvl7pPr marL="1700784" indent="-182880" algn="l" rtl="0" eaLnBrk="1" latinLnBrk="0" hangingPunct="1">
+              <a:spcBef>
+                <a:spcPts val="255"/>
+              </a:spcBef>
+              <a:buClr>
+                <a:schemeClr val="accent3">
+                  <a:tint val="85000"/>
+                  <a:satMod val="275000"/>
+                </a:schemeClr>
+              </a:buClr>
+              <a:buSzPct val="100000"/>
+              <a:buFont typeface="Wingdings 2"/>
+              <a:buChar char=""/>
+              <a:defRPr sz="1500" kern="1200">
+                <a:solidFill>
+                  <a:srgbClr val="FFFFFF"/>
+                </a:solidFill>
+                <a:latin typeface="+mn-lt"/>
+                <a:ea typeface="+mn-ea"/>
+                <a:cs typeface="+mn-cs"/>
+              </a:defRPr>
+            </a:lvl7pPr>
+            <a:lvl8pPr marL="1920240" indent="-182880" algn="l" rtl="0" eaLnBrk="1" latinLnBrk="0" hangingPunct="1">
+              <a:spcBef>
+                <a:spcPts val="257"/>
+              </a:spcBef>
+              <a:buClr>
+                <a:schemeClr val="accent3">
+                  <a:tint val="85000"/>
+                  <a:satMod val="275000"/>
+                </a:schemeClr>
+              </a:buClr>
+              <a:buSzPct val="100000"/>
+              <a:buFont typeface="Verdana"/>
+              <a:buChar char="◦"/>
+              <a:defRPr sz="1500" kern="1200" baseline="0">
+                <a:solidFill>
+                  <a:srgbClr val="FFFFFF"/>
+                </a:solidFill>
+                <a:latin typeface="+mn-lt"/>
+                <a:ea typeface="+mn-ea"/>
+                <a:cs typeface="+mn-cs"/>
+              </a:defRPr>
+            </a:lvl8pPr>
+            <a:lvl9pPr marL="2148840" indent="-182880" algn="l" rtl="0" eaLnBrk="1" latinLnBrk="0" hangingPunct="1">
+              <a:spcBef>
+                <a:spcPts val="255"/>
+              </a:spcBef>
+              <a:buClr>
+                <a:schemeClr val="accent3">
+                  <a:tint val="85000"/>
+                  <a:satMod val="275000"/>
+                </a:schemeClr>
+              </a:buClr>
+              <a:buSzPct val="100000"/>
+              <a:buFont typeface="Wingdings 2"/>
+              <a:buChar char=""/>
+              <a:defRPr sz="1500" kern="1200">
+                <a:solidFill>
+                  <a:srgbClr val="FFFFFF"/>
+                </a:solidFill>
+                <a:latin typeface="+mn-lt"/>
+                <a:ea typeface="+mn-ea"/>
+                <a:cs typeface="+mn-cs"/>
+              </a:defRPr>
+            </a:lvl9pPr>
+          </a:lstStyle>
+          <a:p>
+            <a:pPr marL="342900" indent="-342900">
+              <a:buFont typeface="Wingdings" panose="05000000000000000000" pitchFamily="2" charset="2"/>
+              <a:buChar char="ü"/>
+            </a:pPr>
+            <a:r>
+              <a:rPr lang="en-US" dirty="0"/>
+              <a:t>a single and simple content feature</a:t>
+            </a:r>
+          </a:p>
+          <a:p>
+            <a:pPr marL="342900" indent="-342900">
+              <a:buFont typeface="Wingdings" panose="05000000000000000000" pitchFamily="2" charset="2"/>
+              <a:buChar char="ü"/>
+            </a:pPr>
+            <a:r>
+              <a:rPr lang="en-US" dirty="0"/>
+              <a:t>very specific behavior</a:t>
+            </a:r>
+          </a:p>
+          <a:p>
+            <a:pPr marL="690372" lvl="1" indent="-342900">
+              <a:buFont typeface="Wingdings" panose="05000000000000000000" pitchFamily="2" charset="2"/>
+              <a:buChar char="q"/>
+            </a:pPr>
+            <a:r>
+              <a:rPr lang="en-US" sz="1200" dirty="0"/>
+              <a:t>i.e. Text and Image – Left</a:t>
+            </a:r>
+          </a:p>
+          <a:p>
+            <a:pPr marL="946404" lvl="2" indent="-342900">
+              <a:buFont typeface="Arial" panose="020B0604020202020204" pitchFamily="34" charset="0"/>
+              <a:buChar char="•"/>
+            </a:pPr>
+            <a:r>
+              <a:rPr lang="en-US" sz="1000" dirty="0"/>
+              <a:t>Text</a:t>
+            </a:r>
+          </a:p>
+          <a:p>
+            <a:pPr marL="946404" lvl="2" indent="-342900">
+              <a:buFont typeface="Arial" panose="020B0604020202020204" pitchFamily="34" charset="0"/>
+              <a:buChar char="•"/>
+            </a:pPr>
+            <a:r>
+              <a:rPr lang="en-US" sz="1000" dirty="0"/>
+              <a:t>Image</a:t>
+            </a:r>
+          </a:p>
+          <a:p>
+            <a:pPr marL="342900" indent="-342900">
+              <a:buFont typeface="Wingdings" panose="05000000000000000000" pitchFamily="2" charset="2"/>
+              <a:buChar char="ü"/>
+            </a:pPr>
+            <a:r>
+              <a:rPr lang="en-US" dirty="0"/>
+              <a:t>View Rendering</a:t>
+            </a:r>
+          </a:p>
+          <a:p>
+            <a:pPr marL="342900" indent="-342900">
+              <a:buFont typeface="Wingdings" panose="05000000000000000000" pitchFamily="2" charset="2"/>
+              <a:buChar char="ü"/>
+            </a:pPr>
+            <a:r>
+              <a:rPr lang="en-US" dirty="0"/>
+              <a:t>Controller Rendering</a:t>
+            </a:r>
+          </a:p>
+          <a:p>
+            <a:pPr lvl="1"/>
+            <a:endParaRPr lang="en-US" dirty="0"/>
+          </a:p>
+        </p:txBody>
+      </p:sp>
+      <p:sp>
+        <p:nvSpPr>
+          <p:cNvPr id="13" name="Rectangle 2">
+            <a:extLst>
+              <a:ext uri="{FF2B5EF4-FFF2-40B4-BE49-F238E27FC236}">
+                <a16:creationId xmlns:a16="http://schemas.microsoft.com/office/drawing/2014/main" id="{C4A24035-9FF9-4259-BDEE-B98D040BF6E2}"/>
+              </a:ext>
+            </a:extLst>
+          </p:cNvPr>
+          <p:cNvSpPr txBox="1">
+            <a:spLocks/>
+          </p:cNvSpPr>
+          <p:nvPr/>
+        </p:nvSpPr>
+        <p:spPr>
+          <a:xfrm>
+            <a:off x="4347989" y="3747227"/>
+            <a:ext cx="4322311" cy="2220402"/>
+          </a:xfrm>
+          <a:prstGeom prst="rect">
+            <a:avLst/>
+          </a:prstGeom>
+        </p:spPr>
+        <p:txBody>
+          <a:bodyPr vert="horz" lIns="182880" tIns="91440">
+            <a:normAutofit fontScale="92500" lnSpcReduction="10000"/>
+          </a:bodyPr>
+          <a:lstStyle>
+            <a:lvl1pPr marL="0" indent="0" algn="l" rtl="0" eaLnBrk="1" latinLnBrk="0" hangingPunct="1">
+              <a:spcBef>
+                <a:spcPts val="250"/>
+              </a:spcBef>
+              <a:buClr>
+                <a:schemeClr val="accent1"/>
+              </a:buClr>
+              <a:buSzPct val="80000"/>
+              <a:buFont typeface="Wingdings 2"/>
+              <a:buNone/>
+              <a:defRPr sz="2000" kern="1200">
+                <a:solidFill>
+                  <a:schemeClr val="tx1"/>
+                </a:solidFill>
+                <a:effectLst/>
+                <a:latin typeface="+mn-lt"/>
+                <a:ea typeface="+mn-ea"/>
+                <a:cs typeface="+mn-cs"/>
+              </a:defRPr>
+            </a:lvl1pPr>
+            <a:lvl2pPr marL="347472" indent="0" algn="l" rtl="0" eaLnBrk="1" latinLnBrk="0" hangingPunct="1">
+              <a:spcBef>
+                <a:spcPts val="250"/>
+              </a:spcBef>
+              <a:buClr>
+                <a:schemeClr val="accent1"/>
+              </a:buClr>
+              <a:buSzPct val="100000"/>
+              <a:buFont typeface="Verdana"/>
+              <a:buNone/>
+              <a:defRPr sz="2400" kern="1200">
+                <a:solidFill>
+                  <a:schemeClr val="tx1"/>
+                </a:solidFill>
+                <a:latin typeface="+mn-lt"/>
+                <a:ea typeface="+mn-ea"/>
+                <a:cs typeface="+mn-cs"/>
+              </a:defRPr>
+            </a:lvl2pPr>
+            <a:lvl3pPr marL="603504" indent="0" algn="l" rtl="0" eaLnBrk="1" latinLnBrk="0" hangingPunct="1">
+              <a:spcBef>
+                <a:spcPts val="250"/>
+              </a:spcBef>
+              <a:buClr>
+                <a:schemeClr val="accent2">
+                  <a:tint val="85000"/>
+                  <a:satMod val="285000"/>
+                </a:schemeClr>
+              </a:buClr>
+              <a:buSzPct val="100000"/>
+              <a:buFont typeface="Wingdings 2"/>
+              <a:buNone/>
+              <a:defRPr sz="2200" kern="1200">
+                <a:solidFill>
+                  <a:schemeClr val="tx1"/>
+                </a:solidFill>
+                <a:latin typeface="+mn-lt"/>
+                <a:ea typeface="+mn-ea"/>
+                <a:cs typeface="+mn-cs"/>
+              </a:defRPr>
+            </a:lvl3pPr>
+            <a:lvl4pPr marL="841248" indent="0" algn="l" rtl="0" eaLnBrk="1" latinLnBrk="0" hangingPunct="1">
+              <a:spcBef>
+                <a:spcPts val="230"/>
+              </a:spcBef>
+              <a:buClr>
+                <a:schemeClr val="accent2">
+                  <a:tint val="85000"/>
+                  <a:satMod val="285000"/>
+                </a:schemeClr>
+              </a:buClr>
+              <a:buSzPct val="112000"/>
+              <a:buFont typeface="Verdana"/>
+              <a:buNone/>
+              <a:defRPr sz="1900" kern="1200">
+                <a:solidFill>
+                  <a:schemeClr val="tx1"/>
+                </a:solidFill>
+                <a:latin typeface="+mn-lt"/>
+                <a:ea typeface="+mn-ea"/>
+                <a:cs typeface="+mn-cs"/>
+              </a:defRPr>
+            </a:lvl4pPr>
+            <a:lvl5pPr marL="1097280" indent="0" algn="l" rtl="0" eaLnBrk="1" latinLnBrk="0" hangingPunct="1">
+              <a:spcBef>
+                <a:spcPts val="250"/>
+              </a:spcBef>
+              <a:buClr>
+                <a:schemeClr val="accent3">
+                  <a:tint val="85000"/>
+                  <a:satMod val="275000"/>
+                </a:schemeClr>
+              </a:buClr>
+              <a:buSzPct val="100000"/>
+              <a:buFont typeface="Wingdings 2"/>
+              <a:buNone/>
+              <a:defRPr sz="1800" kern="1200">
+                <a:solidFill>
+                  <a:schemeClr val="tx1"/>
+                </a:solidFill>
+                <a:latin typeface="+mn-lt"/>
+                <a:ea typeface="+mn-ea"/>
+                <a:cs typeface="+mn-cs"/>
+              </a:defRPr>
+            </a:lvl5pPr>
+            <a:lvl6pPr marL="1490472" indent="-182880" algn="l" rtl="0" eaLnBrk="1" latinLnBrk="0" hangingPunct="1">
+              <a:spcBef>
+                <a:spcPts val="250"/>
+              </a:spcBef>
+              <a:buClr>
+                <a:schemeClr val="accent3">
+                  <a:tint val="85000"/>
+                  <a:satMod val="275000"/>
+                </a:schemeClr>
+              </a:buClr>
+              <a:buSzPct val="100000"/>
+              <a:buFont typeface="Verdana"/>
+              <a:buChar char="◦"/>
+              <a:defRPr sz="1700" kern="1200" baseline="0">
+                <a:solidFill>
+                  <a:srgbClr val="FFFFFF"/>
+                </a:solidFill>
+                <a:latin typeface="+mn-lt"/>
+                <a:ea typeface="+mn-ea"/>
+                <a:cs typeface="+mn-cs"/>
+              </a:defRPr>
+            </a:lvl6pPr>
+            <a:lvl7pPr marL="1700784" indent="-182880" algn="l" rtl="0" eaLnBrk="1" latinLnBrk="0" hangingPunct="1">
+              <a:spcBef>
+                <a:spcPts val="255"/>
+              </a:spcBef>
+              <a:buClr>
+                <a:schemeClr val="accent3">
+                  <a:tint val="85000"/>
+                  <a:satMod val="275000"/>
+                </a:schemeClr>
+              </a:buClr>
+              <a:buSzPct val="100000"/>
+              <a:buFont typeface="Wingdings 2"/>
+              <a:buChar char=""/>
+              <a:defRPr sz="1500" kern="1200">
+                <a:solidFill>
+                  <a:srgbClr val="FFFFFF"/>
+                </a:solidFill>
+                <a:latin typeface="+mn-lt"/>
+                <a:ea typeface="+mn-ea"/>
+                <a:cs typeface="+mn-cs"/>
+              </a:defRPr>
+            </a:lvl7pPr>
+            <a:lvl8pPr marL="1920240" indent="-182880" algn="l" rtl="0" eaLnBrk="1" latinLnBrk="0" hangingPunct="1">
+              <a:spcBef>
+                <a:spcPts val="257"/>
+              </a:spcBef>
+              <a:buClr>
+                <a:schemeClr val="accent3">
+                  <a:tint val="85000"/>
+                  <a:satMod val="275000"/>
+                </a:schemeClr>
+              </a:buClr>
+              <a:buSzPct val="100000"/>
+              <a:buFont typeface="Verdana"/>
+              <a:buChar char="◦"/>
+              <a:defRPr sz="1500" kern="1200" baseline="0">
+                <a:solidFill>
+                  <a:srgbClr val="FFFFFF"/>
+                </a:solidFill>
+                <a:latin typeface="+mn-lt"/>
+                <a:ea typeface="+mn-ea"/>
+                <a:cs typeface="+mn-cs"/>
+              </a:defRPr>
+            </a:lvl8pPr>
+            <a:lvl9pPr marL="2148840" indent="-182880" algn="l" rtl="0" eaLnBrk="1" latinLnBrk="0" hangingPunct="1">
+              <a:spcBef>
+                <a:spcPts val="255"/>
+              </a:spcBef>
+              <a:buClr>
+                <a:schemeClr val="accent3">
+                  <a:tint val="85000"/>
+                  <a:satMod val="275000"/>
+                </a:schemeClr>
+              </a:buClr>
+              <a:buSzPct val="100000"/>
+              <a:buFont typeface="Wingdings 2"/>
+              <a:buChar char=""/>
+              <a:defRPr sz="1500" kern="1200">
+                <a:solidFill>
+                  <a:srgbClr val="FFFFFF"/>
+                </a:solidFill>
+                <a:latin typeface="+mn-lt"/>
+                <a:ea typeface="+mn-ea"/>
+                <a:cs typeface="+mn-cs"/>
+              </a:defRPr>
+            </a:lvl9pPr>
+          </a:lstStyle>
+          <a:p>
+            <a:pPr marL="342900" indent="-342900">
+              <a:buFont typeface="Wingdings" panose="05000000000000000000" pitchFamily="2" charset="2"/>
+              <a:buChar char="ü"/>
+            </a:pPr>
+            <a:r>
+              <a:rPr lang="en-US" dirty="0"/>
+              <a:t>a complex content feature</a:t>
+            </a:r>
+          </a:p>
+          <a:p>
+            <a:pPr marL="342900" indent="-342900">
+              <a:buFont typeface="Wingdings" panose="05000000000000000000" pitchFamily="2" charset="2"/>
+              <a:buChar char="ü"/>
+            </a:pPr>
+            <a:r>
+              <a:rPr lang="en-US" dirty="0"/>
+              <a:t>can comprise one or more components</a:t>
+            </a:r>
+          </a:p>
+          <a:p>
+            <a:pPr marL="690372" lvl="1" indent="-342900">
+              <a:buFont typeface="Wingdings" panose="05000000000000000000" pitchFamily="2" charset="2"/>
+              <a:buChar char="q"/>
+            </a:pPr>
+            <a:r>
+              <a:rPr lang="en-US" sz="1400" dirty="0"/>
+              <a:t>i.e. Product Info</a:t>
+            </a:r>
+          </a:p>
+          <a:p>
+            <a:pPr marL="946404" lvl="2" indent="-342900">
+              <a:buFont typeface="Arial" panose="020B0604020202020204" pitchFamily="34" charset="0"/>
+              <a:buChar char="•"/>
+            </a:pPr>
+            <a:r>
+              <a:rPr lang="en-US" sz="1200" dirty="0"/>
+              <a:t>Text and Image – Left</a:t>
+            </a:r>
+          </a:p>
+          <a:p>
+            <a:pPr marL="946404" lvl="2" indent="-342900">
+              <a:buFont typeface="Arial" panose="020B0604020202020204" pitchFamily="34" charset="0"/>
+              <a:buChar char="•"/>
+            </a:pPr>
+            <a:r>
+              <a:rPr lang="en-US" sz="1200" dirty="0"/>
+              <a:t>Text Block</a:t>
+            </a:r>
+          </a:p>
+          <a:p>
+            <a:pPr marL="946404" lvl="2" indent="-342900">
+              <a:buFont typeface="Arial" panose="020B0604020202020204" pitchFamily="34" charset="0"/>
+              <a:buChar char="•"/>
+            </a:pPr>
+            <a:r>
+              <a:rPr lang="en-US" sz="1200" dirty="0"/>
+              <a:t>Gallery</a:t>
+            </a:r>
+          </a:p>
+          <a:p>
+            <a:pPr marL="342900" indent="-342900">
+              <a:buFont typeface="Wingdings" panose="05000000000000000000" pitchFamily="2" charset="2"/>
+              <a:buChar char="ü"/>
+            </a:pPr>
+            <a:r>
+              <a:rPr lang="en-US" dirty="0"/>
+              <a:t>Controller Rendering</a:t>
+            </a:r>
+          </a:p>
+        </p:txBody>
+      </p:sp>
+      <p:sp>
+        <p:nvSpPr>
+          <p:cNvPr id="14" name="Rectangle 2">
+            <a:extLst>
+              <a:ext uri="{FF2B5EF4-FFF2-40B4-BE49-F238E27FC236}">
+                <a16:creationId xmlns:a16="http://schemas.microsoft.com/office/drawing/2014/main" id="{C5750BD6-9ABB-46BF-8676-C3055AFB185A}"/>
+              </a:ext>
+            </a:extLst>
+          </p:cNvPr>
+          <p:cNvSpPr txBox="1">
+            <a:spLocks/>
+          </p:cNvSpPr>
+          <p:nvPr/>
+        </p:nvSpPr>
+        <p:spPr>
+          <a:xfrm>
+            <a:off x="161355" y="2006199"/>
+            <a:ext cx="3978597" cy="1356436"/>
+          </a:xfrm>
+          <a:prstGeom prst="rect">
+            <a:avLst/>
+          </a:prstGeom>
+        </p:spPr>
+        <p:txBody>
+          <a:bodyPr vert="horz" lIns="182880" tIns="91440">
             <a:normAutofit lnSpcReduction="10000"/>
           </a:bodyPr>
-          <a:lstStyle/>
-          <a:p>
+          <a:lstStyle>
+            <a:lvl1pPr marL="0" indent="0" algn="l" rtl="0" eaLnBrk="1" latinLnBrk="0" hangingPunct="1">
+              <a:spcBef>
+                <a:spcPts val="250"/>
+              </a:spcBef>
+              <a:buClr>
+                <a:schemeClr val="accent1"/>
+              </a:buClr>
+              <a:buSzPct val="80000"/>
+              <a:buFont typeface="Wingdings 2"/>
+              <a:buNone/>
+              <a:defRPr sz="2000" kern="1200">
+                <a:solidFill>
+                  <a:schemeClr val="tx1"/>
+                </a:solidFill>
+                <a:effectLst/>
+                <a:latin typeface="+mn-lt"/>
+                <a:ea typeface="+mn-ea"/>
+                <a:cs typeface="+mn-cs"/>
+              </a:defRPr>
+            </a:lvl1pPr>
+            <a:lvl2pPr marL="347472" indent="0" algn="l" rtl="0" eaLnBrk="1" latinLnBrk="0" hangingPunct="1">
+              <a:spcBef>
+                <a:spcPts val="250"/>
+              </a:spcBef>
+              <a:buClr>
+                <a:schemeClr val="accent1"/>
+              </a:buClr>
+              <a:buSzPct val="100000"/>
+              <a:buFont typeface="Verdana"/>
+              <a:buNone/>
+              <a:defRPr sz="2400" kern="1200">
+                <a:solidFill>
+                  <a:schemeClr val="tx1"/>
+                </a:solidFill>
+                <a:latin typeface="+mn-lt"/>
+                <a:ea typeface="+mn-ea"/>
+                <a:cs typeface="+mn-cs"/>
+              </a:defRPr>
+            </a:lvl2pPr>
+            <a:lvl3pPr marL="603504" indent="0" algn="l" rtl="0" eaLnBrk="1" latinLnBrk="0" hangingPunct="1">
+              <a:spcBef>
+                <a:spcPts val="250"/>
+              </a:spcBef>
+              <a:buClr>
+                <a:schemeClr val="accent2">
+                  <a:tint val="85000"/>
+                  <a:satMod val="285000"/>
+                </a:schemeClr>
+              </a:buClr>
+              <a:buSzPct val="100000"/>
+              <a:buFont typeface="Wingdings 2"/>
+              <a:buNone/>
+              <a:defRPr sz="2200" kern="1200">
+                <a:solidFill>
+                  <a:schemeClr val="tx1"/>
+                </a:solidFill>
+                <a:latin typeface="+mn-lt"/>
+                <a:ea typeface="+mn-ea"/>
+                <a:cs typeface="+mn-cs"/>
+              </a:defRPr>
+            </a:lvl3pPr>
+            <a:lvl4pPr marL="841248" indent="0" algn="l" rtl="0" eaLnBrk="1" latinLnBrk="0" hangingPunct="1">
+              <a:spcBef>
+                <a:spcPts val="230"/>
+              </a:spcBef>
+              <a:buClr>
+                <a:schemeClr val="accent2">
+                  <a:tint val="85000"/>
+                  <a:satMod val="285000"/>
+                </a:schemeClr>
+              </a:buClr>
+              <a:buSzPct val="112000"/>
+              <a:buFont typeface="Verdana"/>
+              <a:buNone/>
+              <a:defRPr sz="1900" kern="1200">
+                <a:solidFill>
+                  <a:schemeClr val="tx1"/>
+                </a:solidFill>
+                <a:latin typeface="+mn-lt"/>
+                <a:ea typeface="+mn-ea"/>
+                <a:cs typeface="+mn-cs"/>
+              </a:defRPr>
+            </a:lvl4pPr>
+            <a:lvl5pPr marL="1097280" indent="0" algn="l" rtl="0" eaLnBrk="1" latinLnBrk="0" hangingPunct="1">
+              <a:spcBef>
+                <a:spcPts val="250"/>
+              </a:spcBef>
+              <a:buClr>
+                <a:schemeClr val="accent3">
+                  <a:tint val="85000"/>
+                  <a:satMod val="275000"/>
+                </a:schemeClr>
+              </a:buClr>
+              <a:buSzPct val="100000"/>
+              <a:buFont typeface="Wingdings 2"/>
+              <a:buNone/>
+              <a:defRPr sz="1800" kern="1200">
+                <a:solidFill>
+                  <a:schemeClr val="tx1"/>
+                </a:solidFill>
+                <a:latin typeface="+mn-lt"/>
+                <a:ea typeface="+mn-ea"/>
+                <a:cs typeface="+mn-cs"/>
+              </a:defRPr>
+            </a:lvl5pPr>
+            <a:lvl6pPr marL="1490472" indent="-182880" algn="l" rtl="0" eaLnBrk="1" latinLnBrk="0" hangingPunct="1">
+              <a:spcBef>
+                <a:spcPts val="250"/>
+              </a:spcBef>
+              <a:buClr>
+                <a:schemeClr val="accent3">
+                  <a:tint val="85000"/>
+                  <a:satMod val="275000"/>
+                </a:schemeClr>
+              </a:buClr>
+              <a:buSzPct val="100000"/>
+              <a:buFont typeface="Verdana"/>
+              <a:buChar char="◦"/>
+              <a:defRPr sz="1700" kern="1200" baseline="0">
+                <a:solidFill>
+                  <a:srgbClr val="FFFFFF"/>
+                </a:solidFill>
+                <a:latin typeface="+mn-lt"/>
+                <a:ea typeface="+mn-ea"/>
+                <a:cs typeface="+mn-cs"/>
+              </a:defRPr>
+            </a:lvl6pPr>
+            <a:lvl7pPr marL="1700784" indent="-182880" algn="l" rtl="0" eaLnBrk="1" latinLnBrk="0" hangingPunct="1">
+              <a:spcBef>
+                <a:spcPts val="255"/>
+              </a:spcBef>
+              <a:buClr>
+                <a:schemeClr val="accent3">
+                  <a:tint val="85000"/>
+                  <a:satMod val="275000"/>
+                </a:schemeClr>
+              </a:buClr>
+              <a:buSzPct val="100000"/>
+              <a:buFont typeface="Wingdings 2"/>
+              <a:buChar char=""/>
+              <a:defRPr sz="1500" kern="1200">
+                <a:solidFill>
+                  <a:srgbClr val="FFFFFF"/>
+                </a:solidFill>
+                <a:latin typeface="+mn-lt"/>
+                <a:ea typeface="+mn-ea"/>
+                <a:cs typeface="+mn-cs"/>
+              </a:defRPr>
+            </a:lvl7pPr>
+            <a:lvl8pPr marL="1920240" indent="-182880" algn="l" rtl="0" eaLnBrk="1" latinLnBrk="0" hangingPunct="1">
+              <a:spcBef>
+                <a:spcPts val="257"/>
+              </a:spcBef>
+              <a:buClr>
+                <a:schemeClr val="accent3">
+                  <a:tint val="85000"/>
+                  <a:satMod val="275000"/>
+                </a:schemeClr>
+              </a:buClr>
+              <a:buSzPct val="100000"/>
+              <a:buFont typeface="Verdana"/>
+              <a:buChar char="◦"/>
+              <a:defRPr sz="1500" kern="1200" baseline="0">
+                <a:solidFill>
+                  <a:srgbClr val="FFFFFF"/>
+                </a:solidFill>
+                <a:latin typeface="+mn-lt"/>
+                <a:ea typeface="+mn-ea"/>
+                <a:cs typeface="+mn-cs"/>
+              </a:defRPr>
+            </a:lvl8pPr>
+            <a:lvl9pPr marL="2148840" indent="-182880" algn="l" rtl="0" eaLnBrk="1" latinLnBrk="0" hangingPunct="1">
+              <a:spcBef>
+                <a:spcPts val="255"/>
+              </a:spcBef>
+              <a:buClr>
+                <a:schemeClr val="accent3">
+                  <a:tint val="85000"/>
+                  <a:satMod val="275000"/>
+                </a:schemeClr>
+              </a:buClr>
+              <a:buSzPct val="100000"/>
+              <a:buFont typeface="Wingdings 2"/>
+              <a:buChar char=""/>
+              <a:defRPr sz="1500" kern="1200">
+                <a:solidFill>
+                  <a:srgbClr val="FFFFFF"/>
+                </a:solidFill>
+                <a:latin typeface="+mn-lt"/>
+                <a:ea typeface="+mn-ea"/>
+                <a:cs typeface="+mn-cs"/>
+              </a:defRPr>
+            </a:lvl9pPr>
+          </a:lstStyle>
+          <a:p>
+            <a:pPr marL="342900" indent="-342900">
+              <a:buFont typeface="Wingdings" panose="05000000000000000000" pitchFamily="2" charset="2"/>
+              <a:buChar char="ü"/>
+            </a:pPr>
             <a:r>
               <a:rPr lang="en-US" dirty="0"/>
-              <a:t>Explain this topic</a:t>
-            </a:r>
-          </a:p>
-          <a:p>
+              <a:t>view rendering</a:t>
+            </a:r>
+          </a:p>
+          <a:p>
+            <a:pPr marL="690372" lvl="1" indent="-342900">
+              <a:buFont typeface="Arial" panose="020B0604020202020204" pitchFamily="34" charset="0"/>
+              <a:buChar char="•"/>
+            </a:pPr>
+            <a:r>
+              <a:rPr lang="en-US" sz="1400" dirty="0"/>
+              <a:t>strongly-typed models based on doc types or POCOs</a:t>
+            </a:r>
+          </a:p>
+          <a:p>
+            <a:pPr marL="690372" lvl="1" indent="-342900">
+              <a:buFont typeface="Arial" panose="020B0604020202020204" pitchFamily="34" charset="0"/>
+              <a:buChar char="•"/>
+            </a:pPr>
+            <a:r>
+              <a:rPr lang="en-US" sz="1400" dirty="0"/>
+              <a:t>display directly on views with locations based on convention</a:t>
+            </a:r>
+          </a:p>
+          <a:p>
+            <a:pPr marL="690372" lvl="1" indent="-342900">
+              <a:buFont typeface="Arial" panose="020B0604020202020204" pitchFamily="34" charset="0"/>
+              <a:buChar char="•"/>
+            </a:pPr>
+            <a:endParaRPr lang="en-US" sz="1400" dirty="0"/>
+          </a:p>
+        </p:txBody>
+      </p:sp>
+      <p:sp>
+        <p:nvSpPr>
+          <p:cNvPr id="15" name="Rectangle 2">
+            <a:extLst>
+              <a:ext uri="{FF2B5EF4-FFF2-40B4-BE49-F238E27FC236}">
+                <a16:creationId xmlns:a16="http://schemas.microsoft.com/office/drawing/2014/main" id="{3594C3FD-8573-4049-BFA4-774AFD6D9F12}"/>
+              </a:ext>
+            </a:extLst>
+          </p:cNvPr>
+          <p:cNvSpPr txBox="1">
+            <a:spLocks/>
+          </p:cNvSpPr>
+          <p:nvPr/>
+        </p:nvSpPr>
+        <p:spPr>
+          <a:xfrm>
+            <a:off x="4116607" y="1911561"/>
+            <a:ext cx="4570193" cy="1451074"/>
+          </a:xfrm>
+          <a:prstGeom prst="rect">
+            <a:avLst/>
+          </a:prstGeom>
+        </p:spPr>
+        <p:txBody>
+          <a:bodyPr vert="horz" lIns="182880" tIns="91440">
+            <a:normAutofit/>
+          </a:bodyPr>
+          <a:lstStyle>
+            <a:lvl1pPr marL="0" indent="0" algn="l" rtl="0" eaLnBrk="1" latinLnBrk="0" hangingPunct="1">
+              <a:spcBef>
+                <a:spcPts val="250"/>
+              </a:spcBef>
+              <a:buClr>
+                <a:schemeClr val="accent1"/>
+              </a:buClr>
+              <a:buSzPct val="80000"/>
+              <a:buFont typeface="Wingdings 2"/>
+              <a:buNone/>
+              <a:defRPr sz="2000" kern="1200">
+                <a:solidFill>
+                  <a:schemeClr val="tx1"/>
+                </a:solidFill>
+                <a:effectLst/>
+                <a:latin typeface="+mn-lt"/>
+                <a:ea typeface="+mn-ea"/>
+                <a:cs typeface="+mn-cs"/>
+              </a:defRPr>
+            </a:lvl1pPr>
+            <a:lvl2pPr marL="347472" indent="0" algn="l" rtl="0" eaLnBrk="1" latinLnBrk="0" hangingPunct="1">
+              <a:spcBef>
+                <a:spcPts val="250"/>
+              </a:spcBef>
+              <a:buClr>
+                <a:schemeClr val="accent1"/>
+              </a:buClr>
+              <a:buSzPct val="100000"/>
+              <a:buFont typeface="Verdana"/>
+              <a:buNone/>
+              <a:defRPr sz="2400" kern="1200">
+                <a:solidFill>
+                  <a:schemeClr val="tx1"/>
+                </a:solidFill>
+                <a:latin typeface="+mn-lt"/>
+                <a:ea typeface="+mn-ea"/>
+                <a:cs typeface="+mn-cs"/>
+              </a:defRPr>
+            </a:lvl2pPr>
+            <a:lvl3pPr marL="603504" indent="0" algn="l" rtl="0" eaLnBrk="1" latinLnBrk="0" hangingPunct="1">
+              <a:spcBef>
+                <a:spcPts val="250"/>
+              </a:spcBef>
+              <a:buClr>
+                <a:schemeClr val="accent2">
+                  <a:tint val="85000"/>
+                  <a:satMod val="285000"/>
+                </a:schemeClr>
+              </a:buClr>
+              <a:buSzPct val="100000"/>
+              <a:buFont typeface="Wingdings 2"/>
+              <a:buNone/>
+              <a:defRPr sz="2200" kern="1200">
+                <a:solidFill>
+                  <a:schemeClr val="tx1"/>
+                </a:solidFill>
+                <a:latin typeface="+mn-lt"/>
+                <a:ea typeface="+mn-ea"/>
+                <a:cs typeface="+mn-cs"/>
+              </a:defRPr>
+            </a:lvl3pPr>
+            <a:lvl4pPr marL="841248" indent="0" algn="l" rtl="0" eaLnBrk="1" latinLnBrk="0" hangingPunct="1">
+              <a:spcBef>
+                <a:spcPts val="230"/>
+              </a:spcBef>
+              <a:buClr>
+                <a:schemeClr val="accent2">
+                  <a:tint val="85000"/>
+                  <a:satMod val="285000"/>
+                </a:schemeClr>
+              </a:buClr>
+              <a:buSzPct val="112000"/>
+              <a:buFont typeface="Verdana"/>
+              <a:buNone/>
+              <a:defRPr sz="1900" kern="1200">
+                <a:solidFill>
+                  <a:schemeClr val="tx1"/>
+                </a:solidFill>
+                <a:latin typeface="+mn-lt"/>
+                <a:ea typeface="+mn-ea"/>
+                <a:cs typeface="+mn-cs"/>
+              </a:defRPr>
+            </a:lvl4pPr>
+            <a:lvl5pPr marL="1097280" indent="0" algn="l" rtl="0" eaLnBrk="1" latinLnBrk="0" hangingPunct="1">
+              <a:spcBef>
+                <a:spcPts val="250"/>
+              </a:spcBef>
+              <a:buClr>
+                <a:schemeClr val="accent3">
+                  <a:tint val="85000"/>
+                  <a:satMod val="275000"/>
+                </a:schemeClr>
+              </a:buClr>
+              <a:buSzPct val="100000"/>
+              <a:buFont typeface="Wingdings 2"/>
+              <a:buNone/>
+              <a:defRPr sz="1800" kern="1200">
+                <a:solidFill>
+                  <a:schemeClr val="tx1"/>
+                </a:solidFill>
+                <a:latin typeface="+mn-lt"/>
+                <a:ea typeface="+mn-ea"/>
+                <a:cs typeface="+mn-cs"/>
+              </a:defRPr>
+            </a:lvl5pPr>
+            <a:lvl6pPr marL="1490472" indent="-182880" algn="l" rtl="0" eaLnBrk="1" latinLnBrk="0" hangingPunct="1">
+              <a:spcBef>
+                <a:spcPts val="250"/>
+              </a:spcBef>
+              <a:buClr>
+                <a:schemeClr val="accent3">
+                  <a:tint val="85000"/>
+                  <a:satMod val="275000"/>
+                </a:schemeClr>
+              </a:buClr>
+              <a:buSzPct val="100000"/>
+              <a:buFont typeface="Verdana"/>
+              <a:buChar char="◦"/>
+              <a:defRPr sz="1700" kern="1200" baseline="0">
+                <a:solidFill>
+                  <a:srgbClr val="FFFFFF"/>
+                </a:solidFill>
+                <a:latin typeface="+mn-lt"/>
+                <a:ea typeface="+mn-ea"/>
+                <a:cs typeface="+mn-cs"/>
+              </a:defRPr>
+            </a:lvl6pPr>
+            <a:lvl7pPr marL="1700784" indent="-182880" algn="l" rtl="0" eaLnBrk="1" latinLnBrk="0" hangingPunct="1">
+              <a:spcBef>
+                <a:spcPts val="255"/>
+              </a:spcBef>
+              <a:buClr>
+                <a:schemeClr val="accent3">
+                  <a:tint val="85000"/>
+                  <a:satMod val="275000"/>
+                </a:schemeClr>
+              </a:buClr>
+              <a:buSzPct val="100000"/>
+              <a:buFont typeface="Wingdings 2"/>
+              <a:buChar char=""/>
+              <a:defRPr sz="1500" kern="1200">
+                <a:solidFill>
+                  <a:srgbClr val="FFFFFF"/>
+                </a:solidFill>
+                <a:latin typeface="+mn-lt"/>
+                <a:ea typeface="+mn-ea"/>
+                <a:cs typeface="+mn-cs"/>
+              </a:defRPr>
+            </a:lvl7pPr>
+            <a:lvl8pPr marL="1920240" indent="-182880" algn="l" rtl="0" eaLnBrk="1" latinLnBrk="0" hangingPunct="1">
+              <a:spcBef>
+                <a:spcPts val="257"/>
+              </a:spcBef>
+              <a:buClr>
+                <a:schemeClr val="accent3">
+                  <a:tint val="85000"/>
+                  <a:satMod val="275000"/>
+                </a:schemeClr>
+              </a:buClr>
+              <a:buSzPct val="100000"/>
+              <a:buFont typeface="Verdana"/>
+              <a:buChar char="◦"/>
+              <a:defRPr sz="1500" kern="1200" baseline="0">
+                <a:solidFill>
+                  <a:srgbClr val="FFFFFF"/>
+                </a:solidFill>
+                <a:latin typeface="+mn-lt"/>
+                <a:ea typeface="+mn-ea"/>
+                <a:cs typeface="+mn-cs"/>
+              </a:defRPr>
+            </a:lvl8pPr>
+            <a:lvl9pPr marL="2148840" indent="-182880" algn="l" rtl="0" eaLnBrk="1" latinLnBrk="0" hangingPunct="1">
+              <a:spcBef>
+                <a:spcPts val="255"/>
+              </a:spcBef>
+              <a:buClr>
+                <a:schemeClr val="accent3">
+                  <a:tint val="85000"/>
+                  <a:satMod val="275000"/>
+                </a:schemeClr>
+              </a:buClr>
+              <a:buSzPct val="100000"/>
+              <a:buFont typeface="Wingdings 2"/>
+              <a:buChar char=""/>
+              <a:defRPr sz="1500" kern="1200">
+                <a:solidFill>
+                  <a:srgbClr val="FFFFFF"/>
+                </a:solidFill>
+                <a:latin typeface="+mn-lt"/>
+                <a:ea typeface="+mn-ea"/>
+                <a:cs typeface="+mn-cs"/>
+              </a:defRPr>
+            </a:lvl9pPr>
+          </a:lstStyle>
+          <a:p>
+            <a:pPr marL="342900" indent="-342900">
+              <a:buFont typeface="Wingdings" panose="05000000000000000000" pitchFamily="2" charset="2"/>
+              <a:buChar char="ü"/>
+            </a:pPr>
             <a:r>
               <a:rPr lang="en-US" dirty="0"/>
-              <a:t>Give an example</a:t>
-            </a:r>
-          </a:p>
-          <a:p>
-            <a:r>
-              <a:rPr lang="en-US" dirty="0"/>
-              <a:t>Provide an exercise to reinforce learning</a:t>
+              <a:t>controller rendering</a:t>
+            </a:r>
+          </a:p>
+          <a:p>
+            <a:pPr marL="804672" lvl="1" indent="-457200">
+              <a:buFont typeface="Arial" panose="020B0604020202020204" pitchFamily="34" charset="0"/>
+              <a:buChar char="•"/>
+            </a:pPr>
+            <a:r>
+              <a:rPr lang="en-US" sz="1400" dirty="0"/>
+              <a:t>controller class controls the logic</a:t>
+            </a:r>
+          </a:p>
+          <a:p>
+            <a:pPr marL="804672" lvl="1" indent="-457200">
+              <a:buFont typeface="Arial" panose="020B0604020202020204" pitchFamily="34" charset="0"/>
+              <a:buChar char="•"/>
+            </a:pPr>
+            <a:r>
+              <a:rPr lang="en-US" sz="1400" dirty="0"/>
+              <a:t>controller can override </a:t>
+            </a:r>
+            <a:r>
+              <a:rPr lang="en-US" sz="1400"/>
+              <a:t>the location </a:t>
+            </a:r>
+            <a:r>
+              <a:rPr lang="en-US" sz="1400" dirty="0"/>
+              <a:t>of </a:t>
+            </a:r>
+            <a:r>
+              <a:rPr lang="en-US" sz="1400"/>
+              <a:t>view paths </a:t>
+            </a:r>
+            <a:r>
+              <a:rPr lang="en-US" sz="1400" dirty="0"/>
+              <a:t>to use</a:t>
             </a:r>
           </a:p>
         </p:txBody>
       </p:sp>
     </p:spTree>
+    <p:extLst>
+      <p:ext uri="{BB962C8B-B14F-4D97-AF65-F5344CB8AC3E}">
+        <p14:creationId xmlns:p14="http://schemas.microsoft.com/office/powerpoint/2010/main" val="1831460016"/>
+      </p:ext>
+    </p:extLst>
   </p:cSld>
   <p:clrMapOvr>
     <a:masterClrMapping/>
@@ -9237,7 +10717,7 @@
       </p:grpSpPr>
       <p:sp>
         <p:nvSpPr>
-          <p:cNvPr id="2" name="Title 1"/>
+          <p:cNvPr id="2" name="Rectangle 1"/>
           <p:cNvSpPr>
             <a:spLocks noGrp="1"/>
           </p:cNvSpPr>
@@ -9252,14 +10732,14 @@
           <a:p>
             <a:r>
               <a:rPr lang="en-US" dirty="0"/>
-              <a:t>Topic Two</a:t>
-            </a:r>
-          </a:p>
-        </p:txBody>
-      </p:sp>
-      <p:sp>
-        <p:nvSpPr>
-          <p:cNvPr id="3" name="Content Placeholder 2"/>
+              <a:t>Data Layer</a:t>
+            </a:r>
+          </a:p>
+        </p:txBody>
+      </p:sp>
+      <p:sp>
+        <p:nvSpPr>
+          <p:cNvPr id="3" name="Rectangle 2"/>
           <p:cNvSpPr>
             <a:spLocks noGrp="1"/>
           </p:cNvSpPr>
@@ -9320,6 +10800,89 @@
       </p:grpSpPr>
       <p:sp>
         <p:nvSpPr>
+          <p:cNvPr id="2" name="Title 1"/>
+          <p:cNvSpPr>
+            <a:spLocks noGrp="1"/>
+          </p:cNvSpPr>
+          <p:nvPr>
+            <p:ph type="ctrTitle"/>
+          </p:nvPr>
+        </p:nvSpPr>
+        <p:spPr/>
+        <p:txBody>
+          <a:bodyPr/>
+          <a:lstStyle/>
+          <a:p>
+            <a:r>
+              <a:rPr lang="en-US" dirty="0"/>
+              <a:t>Topic Two</a:t>
+            </a:r>
+          </a:p>
+        </p:txBody>
+      </p:sp>
+      <p:sp>
+        <p:nvSpPr>
+          <p:cNvPr id="3" name="Content Placeholder 2"/>
+          <p:cNvSpPr>
+            <a:spLocks noGrp="1"/>
+          </p:cNvSpPr>
+          <p:nvPr>
+            <p:ph type="subTitle" idx="1"/>
+          </p:nvPr>
+        </p:nvSpPr>
+        <p:spPr/>
+        <p:txBody>
+          <a:bodyPr>
+            <a:normAutofit lnSpcReduction="10000"/>
+          </a:bodyPr>
+          <a:lstStyle/>
+          <a:p>
+            <a:r>
+              <a:rPr lang="en-US" dirty="0"/>
+              <a:t>Explain this topic</a:t>
+            </a:r>
+          </a:p>
+          <a:p>
+            <a:r>
+              <a:rPr lang="en-US" dirty="0"/>
+              <a:t>Give an example</a:t>
+            </a:r>
+          </a:p>
+          <a:p>
+            <a:r>
+              <a:rPr lang="en-US" dirty="0"/>
+              <a:t>Provide an exercise to reinforce learning</a:t>
+            </a:r>
+          </a:p>
+        </p:txBody>
+      </p:sp>
+    </p:spTree>
+  </p:cSld>
+  <p:clrMapOvr>
+    <a:masterClrMapping/>
+  </p:clrMapOvr>
+</p:sld>
+</file>
+
+<file path=ppt/slides/slide14.xml><?xml version="1.0" encoding="utf-8"?>
+<p:sld xmlns:a="http://schemas.openxmlformats.org/drawingml/2006/main" xmlns:r="http://schemas.openxmlformats.org/officeDocument/2006/relationships" xmlns:p="http://schemas.openxmlformats.org/presentationml/2006/main">
+  <p:cSld>
+    <p:spTree>
+      <p:nvGrpSpPr>
+        <p:cNvPr id="1" name=""/>
+        <p:cNvGrpSpPr/>
+        <p:nvPr/>
+      </p:nvGrpSpPr>
+      <p:grpSpPr>
+        <a:xfrm>
+          <a:off x="0" y="0"/>
+          <a:ext cx="0" cy="0"/>
+          <a:chOff x="0" y="0"/>
+          <a:chExt cx="0" cy="0"/>
+        </a:xfrm>
+      </p:grpSpPr>
+      <p:sp>
+        <p:nvSpPr>
           <p:cNvPr id="2" name="Rectangle 1"/>
           <p:cNvSpPr>
             <a:spLocks noGrp="1"/>
@@ -9445,7 +11008,7 @@
 </p:sld>
 </file>
 
-<file path=ppt/slides/slide14.xml><?xml version="1.0" encoding="utf-8"?>
+<file path=ppt/slides/slide15.xml><?xml version="1.0" encoding="utf-8"?>
 <p:sld xmlns:a="http://schemas.openxmlformats.org/drawingml/2006/main" xmlns:r="http://schemas.openxmlformats.org/officeDocument/2006/relationships" xmlns:p="http://schemas.openxmlformats.org/presentationml/2006/main">
   <p:cSld>
     <p:spTree>
@@ -12709,7 +14272,7 @@
         </p:spPr>
         <p:txBody>
           <a:bodyPr vert="horz" lIns="182880" tIns="91440">
-            <a:normAutofit fontScale="92500" lnSpcReduction="10000"/>
+            <a:normAutofit/>
           </a:bodyPr>
           <a:lstStyle>
             <a:lvl1pPr marL="0" indent="0" algn="l" rtl="0" eaLnBrk="1" latinLnBrk="0" hangingPunct="1">
@@ -12913,102 +14476,43 @@
             </a:pPr>
             <a:r>
               <a:rPr lang="en-US" dirty="0"/>
-              <a:t>when components are implemented as part of the page or as a composition</a:t>
-            </a:r>
-          </a:p>
-          <a:p>
-            <a:pPr marL="804672" lvl="1" indent="-457200">
-              <a:buFont typeface="Verdana" panose="020B0604030504040204" pitchFamily="34" charset="0"/>
-              <a:buChar char="×"/>
+              <a:t>Editors should be able to change the rendering of a component without creating new content</a:t>
+            </a:r>
+          </a:p>
+          <a:p>
+            <a:pPr marL="457200" indent="-457200">
+              <a:buFont typeface="Wingdings" panose="05000000000000000000" pitchFamily="2" charset="2"/>
+              <a:buChar char="q"/>
             </a:pPr>
             <a:r>
-              <a:rPr lang="en-US" sz="1900" dirty="0"/>
-              <a:t>editors cannot dictate its rendering. tied to page template </a:t>
-            </a:r>
-          </a:p>
-          <a:p>
-            <a:pPr marL="804672" lvl="1" indent="-457200">
-              <a:buFont typeface="Verdana" panose="020B0604030504040204" pitchFamily="34" charset="0"/>
-              <a:buChar char="×"/>
-            </a:pPr>
-            <a:r>
-              <a:rPr lang="en-US" sz="1900" dirty="0"/>
-              <a:t>editors are unable to manage its display position on the page</a:t>
+              <a:rPr lang="en-US" dirty="0"/>
+              <a:t>Front-end should be able to override component rendering on a page level with less codes </a:t>
+            </a:r>
+            <a:r>
+              <a:rPr lang="en-US"/>
+              <a:t>and easy-to-trace path</a:t>
             </a:r>
           </a:p>
           <a:p>
             <a:pPr marL="457200" indent="-457200">
-              <a:buFont typeface="+mj-lt"/>
-              <a:buAutoNum type="arabicPeriod"/>
+              <a:buFont typeface="Wingdings" panose="05000000000000000000" pitchFamily="2" charset="2"/>
+              <a:buChar char="q"/>
             </a:pPr>
             <a:endParaRPr lang="en-US" dirty="0"/>
           </a:p>
           <a:p>
-            <a:pPr marL="690372" lvl="1" indent="-342900">
+            <a:pPr marL="457200" indent="-457200">
               <a:buFont typeface="Wingdings" panose="05000000000000000000" pitchFamily="2" charset="2"/>
-              <a:buChar char="v"/>
-            </a:pPr>
-            <a:r>
-              <a:rPr lang="en-US" dirty="0"/>
-              <a:t>Home (page) </a:t>
-            </a:r>
-          </a:p>
-          <a:p>
-            <a:pPr marL="946404" lvl="2" indent="-342900">
-              <a:buFont typeface="Wingdings" panose="05000000000000000000" pitchFamily="2" charset="2"/>
-              <a:buChar char="Ø"/>
-            </a:pPr>
-            <a:r>
-              <a:rPr lang="en-US" dirty="0"/>
-              <a:t>Title</a:t>
-            </a:r>
-          </a:p>
-          <a:p>
-            <a:pPr marL="946404" lvl="2" indent="-342900">
-              <a:buFont typeface="Wingdings" panose="05000000000000000000" pitchFamily="2" charset="2"/>
-              <a:buChar char="Ø"/>
-            </a:pPr>
-            <a:r>
-              <a:rPr lang="en-US" dirty="0"/>
-              <a:t>Image</a:t>
-            </a:r>
-          </a:p>
-          <a:p>
-            <a:pPr marL="946404" lvl="2" indent="-342900">
-              <a:buFont typeface="Wingdings" panose="05000000000000000000" pitchFamily="2" charset="2"/>
-              <a:buChar char="Ø"/>
-            </a:pPr>
-            <a:r>
-              <a:rPr lang="en-US" dirty="0"/>
-              <a:t>Summary</a:t>
-            </a:r>
-          </a:p>
-          <a:p>
-            <a:pPr marL="946404" lvl="2" indent="-342900">
-              <a:buFont typeface="Wingdings" panose="05000000000000000000" pitchFamily="2" charset="2"/>
-              <a:buChar char="Ø"/>
+              <a:buChar char="q"/>
             </a:pPr>
             <a:endParaRPr lang="en-US" dirty="0"/>
           </a:p>
           <a:p>
-            <a:pPr marL="690372" lvl="1" indent="-342900">
+            <a:pPr marL="457200" indent="-457200">
               <a:buFont typeface="Wingdings" panose="05000000000000000000" pitchFamily="2" charset="2"/>
-              <a:buChar char="v"/>
+              <a:buChar char="q"/>
             </a:pPr>
-            <a:r>
-              <a:rPr lang="en-US" dirty="0"/>
-              <a:t>Home (template)</a:t>
-            </a:r>
-          </a:p>
-          <a:p>
-            <a:pPr marL="946404" lvl="2" indent="-342900">
-              <a:buFont typeface="Wingdings" panose="05000000000000000000" pitchFamily="2" charset="2"/>
-              <a:buChar char="Ø"/>
-            </a:pPr>
-            <a:r>
-              <a:rPr lang="en-US" dirty="0"/>
-              <a:t>Image on left, Title and Summary on right</a:t>
-            </a:r>
+            <a:endParaRPr lang="en-US" dirty="0"/>
           </a:p>
           <a:p>
             <a:pPr lvl="1"/>
@@ -13323,7 +14827,7 @@
         </p:spPr>
         <p:txBody>
           <a:bodyPr vert="horz" lIns="182880" tIns="91440">
-            <a:normAutofit fontScale="85000" lnSpcReduction="20000"/>
+            <a:normAutofit fontScale="92500" lnSpcReduction="10000"/>
           </a:bodyPr>
           <a:lstStyle>
             <a:lvl1pPr marL="0" indent="0" algn="l" rtl="0" eaLnBrk="1" latinLnBrk="0" hangingPunct="1">
@@ -13527,7 +15031,7 @@
             </a:pPr>
             <a:r>
               <a:rPr lang="en-US" dirty="0"/>
-              <a:t>when components are implemented as a content picker (or nested content)</a:t>
+              <a:t>when components are implemented as part of the page or as a composition</a:t>
             </a:r>
           </a:p>
           <a:p>
@@ -13537,7 +15041,17 @@
             </a:pPr>
             <a:r>
               <a:rPr lang="en-US" sz="1900" dirty="0"/>
-              <a:t>editors can change the order of its display but cannot change rendering without converting or creating a new content</a:t>
+              <a:t>editors cannot dictate its rendering. tied to page template </a:t>
+            </a:r>
+          </a:p>
+          <a:p>
+            <a:pPr marL="804672" lvl="1" indent="-457200">
+              <a:buFont typeface="Verdana" panose="020B0604030504040204" pitchFamily="34" charset="0"/>
+              <a:buChar char="×"/>
+            </a:pPr>
+            <a:r>
+              <a:rPr lang="en-US" sz="1900" dirty="0"/>
+              <a:t>editors are unable to manage its display position on the page</a:t>
             </a:r>
           </a:p>
           <a:p>
@@ -13560,35 +15074,38 @@
           <a:p>
             <a:pPr marL="946404" lvl="2" indent="-342900">
               <a:buFont typeface="Wingdings" panose="05000000000000000000" pitchFamily="2" charset="2"/>
-              <a:buChar char="v"/>
+              <a:buChar char="Ø"/>
             </a:pPr>
             <a:r>
               <a:rPr lang="en-US" dirty="0"/>
-              <a:t>Ticket Info (content picker)</a:t>
-            </a:r>
-          </a:p>
-          <a:p>
-            <a:pPr marL="1440180" lvl="4" indent="-342900">
+              <a:t>Title</a:t>
+            </a:r>
+          </a:p>
+          <a:p>
+            <a:pPr marL="946404" lvl="2" indent="-342900">
               <a:buFont typeface="Wingdings" panose="05000000000000000000" pitchFamily="2" charset="2"/>
               <a:buChar char="Ø"/>
             </a:pPr>
             <a:r>
               <a:rPr lang="en-US" dirty="0"/>
-              <a:t>Text and Image – Left (points to page id 100)</a:t>
-            </a:r>
-          </a:p>
-          <a:p>
-            <a:pPr marL="1440180" lvl="4" indent="-342900">
+              <a:t>Image</a:t>
+            </a:r>
+          </a:p>
+          <a:p>
+            <a:pPr marL="946404" lvl="2" indent="-342900">
               <a:buFont typeface="Wingdings" panose="05000000000000000000" pitchFamily="2" charset="2"/>
               <a:buChar char="Ø"/>
             </a:pPr>
             <a:r>
               <a:rPr lang="en-US" dirty="0"/>
-              <a:t>Text Block (points to page id 101)</a:t>
-            </a:r>
-          </a:p>
-          <a:p>
-            <a:pPr lvl="1"/>
+              <a:t>Summary</a:t>
+            </a:r>
+          </a:p>
+          <a:p>
+            <a:pPr marL="946404" lvl="2" indent="-342900">
+              <a:buFont typeface="Wingdings" panose="05000000000000000000" pitchFamily="2" charset="2"/>
+              <a:buChar char="Ø"/>
+            </a:pPr>
             <a:endParaRPr lang="en-US" dirty="0"/>
           </a:p>
           <a:p>
@@ -13598,51 +15115,32 @@
             </a:pPr>
             <a:r>
               <a:rPr lang="en-US" dirty="0"/>
-              <a:t>Home (template) </a:t>
+              <a:t>Home (template)</a:t>
             </a:r>
           </a:p>
           <a:p>
             <a:pPr marL="946404" lvl="2" indent="-342900">
               <a:buFont typeface="Wingdings" panose="05000000000000000000" pitchFamily="2" charset="2"/>
-              <a:buChar char="v"/>
+              <a:buChar char="Ø"/>
             </a:pPr>
             <a:r>
               <a:rPr lang="en-US" dirty="0"/>
-              <a:t>If doc type = text and image left =&gt; render partial </a:t>
-            </a:r>
-            <a:r>
-              <a:rPr lang="en-US" dirty="0" err="1"/>
-              <a:t>ImageTextLeft</a:t>
-            </a:r>
-            <a:endParaRPr lang="en-US" dirty="0"/>
-          </a:p>
-          <a:p>
-            <a:pPr marL="946404" lvl="2" indent="-342900">
-              <a:buFont typeface="Wingdings" panose="05000000000000000000" pitchFamily="2" charset="2"/>
-              <a:buChar char="v"/>
-            </a:pPr>
-            <a:endParaRPr lang="en-US" dirty="0"/>
-          </a:p>
-          <a:p>
-            <a:pPr marL="690372" lvl="1" indent="-342900">
-              <a:buFont typeface="Arial" panose="020B0604020202020204" pitchFamily="34" charset="0"/>
-              <a:buChar char="•"/>
-            </a:pPr>
+              <a:t>Image on left, Title and Summary on right</a:t>
+            </a:r>
+          </a:p>
+          <a:p>
+            <a:pPr lvl="1"/>
             <a:r>
               <a:rPr lang="en-US" dirty="0"/>
-              <a:t>To change display to right, editors need to create a new content with Text and Image Right</a:t>
-            </a:r>
-          </a:p>
-          <a:p>
-            <a:pPr lvl="1"/>
-            <a:endParaRPr lang="en-US" dirty="0"/>
+              <a:t>	</a:t>
+            </a:r>
           </a:p>
         </p:txBody>
       </p:sp>
     </p:spTree>
     <p:extLst>
       <p:ext uri="{BB962C8B-B14F-4D97-AF65-F5344CB8AC3E}">
-        <p14:creationId xmlns:p14="http://schemas.microsoft.com/office/powerpoint/2010/main" val="1252768560"/>
+        <p14:creationId xmlns:p14="http://schemas.microsoft.com/office/powerpoint/2010/main" val="401706891"/>
       </p:ext>
     </p:extLst>
   </p:cSld>
@@ -13693,6 +15191,233 @@
       </p:sp>
       <p:sp>
         <p:nvSpPr>
+          <p:cNvPr id="7" name="Rectangle 2">
+            <a:extLst>
+              <a:ext uri="{FF2B5EF4-FFF2-40B4-BE49-F238E27FC236}">
+                <a16:creationId xmlns:a16="http://schemas.microsoft.com/office/drawing/2014/main" id="{6AE24318-E416-42A4-9B84-705C67568B9F}"/>
+              </a:ext>
+            </a:extLst>
+          </p:cNvPr>
+          <p:cNvSpPr txBox="1">
+            <a:spLocks/>
+          </p:cNvSpPr>
+          <p:nvPr/>
+        </p:nvSpPr>
+        <p:spPr>
+          <a:xfrm>
+            <a:off x="395536" y="3773951"/>
+            <a:ext cx="7669162" cy="515888"/>
+          </a:xfrm>
+          <a:prstGeom prst="rect">
+            <a:avLst/>
+          </a:prstGeom>
+        </p:spPr>
+        <p:txBody>
+          <a:bodyPr vert="horz" lIns="182880" tIns="91440">
+            <a:normAutofit/>
+          </a:bodyPr>
+          <a:lstStyle>
+            <a:lvl1pPr marL="0" indent="0" algn="l" rtl="0" eaLnBrk="1" latinLnBrk="0" hangingPunct="1">
+              <a:spcBef>
+                <a:spcPts val="250"/>
+              </a:spcBef>
+              <a:buClr>
+                <a:schemeClr val="accent1"/>
+              </a:buClr>
+              <a:buSzPct val="80000"/>
+              <a:buFont typeface="Wingdings 2"/>
+              <a:buNone/>
+              <a:defRPr sz="2000" kern="1200">
+                <a:solidFill>
+                  <a:schemeClr val="tx1"/>
+                </a:solidFill>
+                <a:effectLst/>
+                <a:latin typeface="+mn-lt"/>
+                <a:ea typeface="+mn-ea"/>
+                <a:cs typeface="+mn-cs"/>
+              </a:defRPr>
+            </a:lvl1pPr>
+            <a:lvl2pPr marL="347472" indent="0" algn="l" rtl="0" eaLnBrk="1" latinLnBrk="0" hangingPunct="1">
+              <a:spcBef>
+                <a:spcPts val="250"/>
+              </a:spcBef>
+              <a:buClr>
+                <a:schemeClr val="accent1"/>
+              </a:buClr>
+              <a:buSzPct val="100000"/>
+              <a:buFont typeface="Verdana"/>
+              <a:buNone/>
+              <a:defRPr sz="2400" kern="1200">
+                <a:solidFill>
+                  <a:schemeClr val="tx1"/>
+                </a:solidFill>
+                <a:latin typeface="+mn-lt"/>
+                <a:ea typeface="+mn-ea"/>
+                <a:cs typeface="+mn-cs"/>
+              </a:defRPr>
+            </a:lvl2pPr>
+            <a:lvl3pPr marL="603504" indent="0" algn="l" rtl="0" eaLnBrk="1" latinLnBrk="0" hangingPunct="1">
+              <a:spcBef>
+                <a:spcPts val="250"/>
+              </a:spcBef>
+              <a:buClr>
+                <a:schemeClr val="accent2">
+                  <a:tint val="85000"/>
+                  <a:satMod val="285000"/>
+                </a:schemeClr>
+              </a:buClr>
+              <a:buSzPct val="100000"/>
+              <a:buFont typeface="Wingdings 2"/>
+              <a:buNone/>
+              <a:defRPr sz="2200" kern="1200">
+                <a:solidFill>
+                  <a:schemeClr val="tx1"/>
+                </a:solidFill>
+                <a:latin typeface="+mn-lt"/>
+                <a:ea typeface="+mn-ea"/>
+                <a:cs typeface="+mn-cs"/>
+              </a:defRPr>
+            </a:lvl3pPr>
+            <a:lvl4pPr marL="841248" indent="0" algn="l" rtl="0" eaLnBrk="1" latinLnBrk="0" hangingPunct="1">
+              <a:spcBef>
+                <a:spcPts val="230"/>
+              </a:spcBef>
+              <a:buClr>
+                <a:schemeClr val="accent2">
+                  <a:tint val="85000"/>
+                  <a:satMod val="285000"/>
+                </a:schemeClr>
+              </a:buClr>
+              <a:buSzPct val="112000"/>
+              <a:buFont typeface="Verdana"/>
+              <a:buNone/>
+              <a:defRPr sz="1900" kern="1200">
+                <a:solidFill>
+                  <a:schemeClr val="tx1"/>
+                </a:solidFill>
+                <a:latin typeface="+mn-lt"/>
+                <a:ea typeface="+mn-ea"/>
+                <a:cs typeface="+mn-cs"/>
+              </a:defRPr>
+            </a:lvl4pPr>
+            <a:lvl5pPr marL="1097280" indent="0" algn="l" rtl="0" eaLnBrk="1" latinLnBrk="0" hangingPunct="1">
+              <a:spcBef>
+                <a:spcPts val="250"/>
+              </a:spcBef>
+              <a:buClr>
+                <a:schemeClr val="accent3">
+                  <a:tint val="85000"/>
+                  <a:satMod val="275000"/>
+                </a:schemeClr>
+              </a:buClr>
+              <a:buSzPct val="100000"/>
+              <a:buFont typeface="Wingdings 2"/>
+              <a:buNone/>
+              <a:defRPr sz="1800" kern="1200">
+                <a:solidFill>
+                  <a:schemeClr val="tx1"/>
+                </a:solidFill>
+                <a:latin typeface="+mn-lt"/>
+                <a:ea typeface="+mn-ea"/>
+                <a:cs typeface="+mn-cs"/>
+              </a:defRPr>
+            </a:lvl5pPr>
+            <a:lvl6pPr marL="1490472" indent="-182880" algn="l" rtl="0" eaLnBrk="1" latinLnBrk="0" hangingPunct="1">
+              <a:spcBef>
+                <a:spcPts val="250"/>
+              </a:spcBef>
+              <a:buClr>
+                <a:schemeClr val="accent3">
+                  <a:tint val="85000"/>
+                  <a:satMod val="275000"/>
+                </a:schemeClr>
+              </a:buClr>
+              <a:buSzPct val="100000"/>
+              <a:buFont typeface="Verdana"/>
+              <a:buChar char="◦"/>
+              <a:defRPr sz="1700" kern="1200" baseline="0">
+                <a:solidFill>
+                  <a:srgbClr val="FFFFFF"/>
+                </a:solidFill>
+                <a:latin typeface="+mn-lt"/>
+                <a:ea typeface="+mn-ea"/>
+                <a:cs typeface="+mn-cs"/>
+              </a:defRPr>
+            </a:lvl6pPr>
+            <a:lvl7pPr marL="1700784" indent="-182880" algn="l" rtl="0" eaLnBrk="1" latinLnBrk="0" hangingPunct="1">
+              <a:spcBef>
+                <a:spcPts val="255"/>
+              </a:spcBef>
+              <a:buClr>
+                <a:schemeClr val="accent3">
+                  <a:tint val="85000"/>
+                  <a:satMod val="275000"/>
+                </a:schemeClr>
+              </a:buClr>
+              <a:buSzPct val="100000"/>
+              <a:buFont typeface="Wingdings 2"/>
+              <a:buChar char=""/>
+              <a:defRPr sz="1500" kern="1200">
+                <a:solidFill>
+                  <a:srgbClr val="FFFFFF"/>
+                </a:solidFill>
+                <a:latin typeface="+mn-lt"/>
+                <a:ea typeface="+mn-ea"/>
+                <a:cs typeface="+mn-cs"/>
+              </a:defRPr>
+            </a:lvl7pPr>
+            <a:lvl8pPr marL="1920240" indent="-182880" algn="l" rtl="0" eaLnBrk="1" latinLnBrk="0" hangingPunct="1">
+              <a:spcBef>
+                <a:spcPts val="257"/>
+              </a:spcBef>
+              <a:buClr>
+                <a:schemeClr val="accent3">
+                  <a:tint val="85000"/>
+                  <a:satMod val="275000"/>
+                </a:schemeClr>
+              </a:buClr>
+              <a:buSzPct val="100000"/>
+              <a:buFont typeface="Verdana"/>
+              <a:buChar char="◦"/>
+              <a:defRPr sz="1500" kern="1200" baseline="0">
+                <a:solidFill>
+                  <a:srgbClr val="FFFFFF"/>
+                </a:solidFill>
+                <a:latin typeface="+mn-lt"/>
+                <a:ea typeface="+mn-ea"/>
+                <a:cs typeface="+mn-cs"/>
+              </a:defRPr>
+            </a:lvl8pPr>
+            <a:lvl9pPr marL="2148840" indent="-182880" algn="l" rtl="0" eaLnBrk="1" latinLnBrk="0" hangingPunct="1">
+              <a:spcBef>
+                <a:spcPts val="255"/>
+              </a:spcBef>
+              <a:buClr>
+                <a:schemeClr val="accent3">
+                  <a:tint val="85000"/>
+                  <a:satMod val="275000"/>
+                </a:schemeClr>
+              </a:buClr>
+              <a:buSzPct val="100000"/>
+              <a:buFont typeface="Wingdings 2"/>
+              <a:buChar char=""/>
+              <a:defRPr sz="1500" kern="1200">
+                <a:solidFill>
+                  <a:srgbClr val="FFFFFF"/>
+                </a:solidFill>
+                <a:latin typeface="+mn-lt"/>
+                <a:ea typeface="+mn-ea"/>
+                <a:cs typeface="+mn-cs"/>
+              </a:defRPr>
+            </a:lvl9pPr>
+          </a:lstStyle>
+          <a:p>
+            <a:endParaRPr lang="en-US" b="1" dirty="0"/>
+          </a:p>
+        </p:txBody>
+      </p:sp>
+      <p:sp>
+        <p:nvSpPr>
           <p:cNvPr id="10" name="Rectangle 2">
             <a:extLst>
               <a:ext uri="{FF2B5EF4-FFF2-40B4-BE49-F238E27FC236}">
@@ -13707,8 +15432,8 @@
         </p:nvSpPr>
         <p:spPr>
           <a:xfrm>
-            <a:off x="476890" y="1700808"/>
-            <a:ext cx="8183880" cy="4824536"/>
+            <a:off x="476890" y="1900645"/>
+            <a:ext cx="8183880" cy="4192651"/>
           </a:xfrm>
           <a:prstGeom prst="rect">
             <a:avLst/>
@@ -13716,7 +15441,7 @@
         </p:spPr>
         <p:txBody>
           <a:bodyPr vert="horz" lIns="182880" tIns="91440">
-            <a:normAutofit fontScale="92500" lnSpcReduction="20000"/>
+            <a:normAutofit fontScale="85000" lnSpcReduction="20000"/>
           </a:bodyPr>
           <a:lstStyle>
             <a:lvl1pPr marL="0" indent="0" algn="l" rtl="0" eaLnBrk="1" latinLnBrk="0" hangingPunct="1">
@@ -13920,7 +15645,7 @@
             </a:pPr>
             <a:r>
               <a:rPr lang="en-US" dirty="0"/>
-              <a:t>when a new feature or change of logic is required</a:t>
+              <a:t>when components are implemented as a content picker (or nested content)</a:t>
             </a:r>
           </a:p>
           <a:p>
@@ -13930,23 +15655,13 @@
             </a:pPr>
             <a:r>
               <a:rPr lang="en-US" sz="1900" dirty="0"/>
-              <a:t>old and new logic can hardly co-exist which is hard to revive or reuse an old behavior</a:t>
-            </a:r>
-          </a:p>
-          <a:p>
-            <a:pPr marL="804672" lvl="1" indent="-457200">
-              <a:buFont typeface="Verdana" panose="020B0604030504040204" pitchFamily="34" charset="0"/>
-              <a:buChar char="×"/>
-            </a:pPr>
-            <a:r>
-              <a:rPr lang="en-US" sz="1900" dirty="0"/>
-              <a:t>could lead to spaghetti codes, orphan views, or potential errors due to changes not being synced properly.</a:t>
-            </a:r>
-          </a:p>
-          <a:p>
-            <a:pPr marL="342900" indent="-342900">
-              <a:buFontTx/>
-              <a:buChar char="-"/>
+              <a:t>editors can change the order of its display but cannot change rendering without converting or creating a new content</a:t>
+            </a:r>
+          </a:p>
+          <a:p>
+            <a:pPr marL="457200" indent="-457200">
+              <a:buFont typeface="+mj-lt"/>
+              <a:buAutoNum type="arabicPeriod"/>
             </a:pPr>
             <a:endParaRPr lang="en-US" dirty="0"/>
           </a:p>
@@ -13956,7 +15671,7 @@
               <a:buChar char="v"/>
             </a:pPr>
             <a:r>
-              <a:rPr lang="en-US" sz="1700" dirty="0"/>
+              <a:rPr lang="en-US" dirty="0"/>
               <a:t>Home (page) </a:t>
             </a:r>
           </a:p>
@@ -13966,8 +15681,8 @@
               <a:buChar char="v"/>
             </a:pPr>
             <a:r>
-              <a:rPr lang="en-US" sz="1700" dirty="0"/>
-              <a:t>Movie Details (tab)</a:t>
+              <a:rPr lang="en-US" dirty="0"/>
+              <a:t>Ticket Info (content picker)</a:t>
             </a:r>
           </a:p>
           <a:p>
@@ -13976,13 +15691,23 @@
               <a:buChar char="Ø"/>
             </a:pPr>
             <a:r>
-              <a:rPr lang="en-US" sz="1700" dirty="0"/>
-              <a:t>Title, Director, Poster, Release Date, Ticket Prices</a:t>
-            </a:r>
-          </a:p>
-          <a:p>
-            <a:pPr lvl="4"/>
-            <a:endParaRPr lang="en-US" sz="1700" dirty="0"/>
+              <a:rPr lang="en-US" dirty="0"/>
+              <a:t>Text and Image – Left (points to page id 100)</a:t>
+            </a:r>
+          </a:p>
+          <a:p>
+            <a:pPr marL="1440180" lvl="4" indent="-342900">
+              <a:buFont typeface="Wingdings" panose="05000000000000000000" pitchFamily="2" charset="2"/>
+              <a:buChar char="Ø"/>
+            </a:pPr>
+            <a:r>
+              <a:rPr lang="en-US" dirty="0"/>
+              <a:t>Text Block (points to page id 101)</a:t>
+            </a:r>
+          </a:p>
+          <a:p>
+            <a:pPr lvl="1"/>
+            <a:endParaRPr lang="en-US" dirty="0"/>
           </a:p>
           <a:p>
             <a:pPr marL="690372" lvl="1" indent="-342900">
@@ -13990,7 +15715,7 @@
               <a:buChar char="v"/>
             </a:pPr>
             <a:r>
-              <a:rPr lang="en-US" sz="1700" dirty="0"/>
+              <a:rPr lang="en-US" dirty="0"/>
               <a:t>Home (template) </a:t>
             </a:r>
           </a:p>
@@ -14000,75 +15725,30 @@
               <a:buChar char="v"/>
             </a:pPr>
             <a:r>
-              <a:rPr lang="en-US" sz="1700" dirty="0"/>
-              <a:t>Movie Partial =&gt; Movie Layout 1</a:t>
-            </a:r>
-          </a:p>
-          <a:p>
-            <a:pPr marL="1184148" lvl="3" indent="-342900">
+              <a:rPr lang="en-US" dirty="0"/>
+              <a:t>If doc type = text and image left =&gt; render partial </a:t>
+            </a:r>
+            <a:r>
+              <a:rPr lang="en-US" dirty="0" err="1"/>
+              <a:t>ImageTextLeft</a:t>
+            </a:r>
+            <a:endParaRPr lang="en-US" dirty="0"/>
+          </a:p>
+          <a:p>
+            <a:pPr marL="946404" lvl="2" indent="-342900">
               <a:buFont typeface="Wingdings" panose="05000000000000000000" pitchFamily="2" charset="2"/>
               <a:buChar char="v"/>
             </a:pPr>
-            <a:endParaRPr lang="en-US" sz="1700" dirty="0"/>
+            <a:endParaRPr lang="en-US" dirty="0"/>
           </a:p>
           <a:p>
             <a:pPr marL="690372" lvl="1" indent="-342900">
-              <a:buFont typeface="Wingdings" panose="05000000000000000000" pitchFamily="2" charset="2"/>
-              <a:buChar char="v"/>
+              <a:buFont typeface="Arial" panose="020B0604020202020204" pitchFamily="34" charset="0"/>
+              <a:buChar char="•"/>
             </a:pPr>
             <a:r>
-              <a:rPr lang="en-US" sz="1700" dirty="0"/>
-              <a:t>New Logic / Change</a:t>
-            </a:r>
-          </a:p>
-          <a:p>
-            <a:pPr marL="946404" lvl="2" indent="-342900">
-              <a:buFont typeface="Courier New" panose="02070309020205020404" pitchFamily="49" charset="0"/>
-              <a:buChar char="o"/>
-            </a:pPr>
-            <a:r>
-              <a:rPr lang="en-US" sz="1700" dirty="0"/>
-              <a:t>Implement Movie Layout 2</a:t>
-            </a:r>
-          </a:p>
-          <a:p>
-            <a:pPr marL="1184148" lvl="3" indent="-342900">
-              <a:buFont typeface="Wingdings" panose="05000000000000000000" pitchFamily="2" charset="2"/>
-              <a:buChar char="q"/>
-            </a:pPr>
-            <a:r>
-              <a:rPr lang="en-US" sz="1700" dirty="0"/>
-              <a:t>Either update movie layout 1</a:t>
-            </a:r>
-          </a:p>
-          <a:p>
-            <a:pPr marL="1184148" lvl="3" indent="-342900">
-              <a:buFont typeface="Wingdings" panose="05000000000000000000" pitchFamily="2" charset="2"/>
-              <a:buChar char="q"/>
-            </a:pPr>
-            <a:r>
-              <a:rPr lang="en-US" sz="1700" dirty="0"/>
-              <a:t>Or create new partial Movie Layout 2</a:t>
-            </a:r>
-          </a:p>
-          <a:p>
-            <a:pPr marL="1184148" lvl="3" indent="-342900">
-              <a:buFont typeface="Wingdings" panose="05000000000000000000" pitchFamily="2" charset="2"/>
-              <a:buChar char="ü"/>
-            </a:pPr>
-            <a:r>
-              <a:rPr lang="en-US" sz="1700" dirty="0"/>
-              <a:t>Then update home template to use the new layout</a:t>
-            </a:r>
-          </a:p>
-          <a:p>
-            <a:pPr marL="946404" lvl="2" indent="-342900">
-              <a:buFont typeface="Courier New" panose="02070309020205020404" pitchFamily="49" charset="0"/>
-              <a:buChar char="o"/>
-            </a:pPr>
-            <a:r>
-              <a:rPr lang="en-US" sz="1500" dirty="0"/>
-              <a:t>Once complete, editors will have no option to render back layout 1 other than to add option for type of layout to render</a:t>
+              <a:rPr lang="en-US" dirty="0"/>
+              <a:t>To change display to right, editors need to create a new content with Text and Image Right</a:t>
             </a:r>
           </a:p>
           <a:p>
@@ -14080,7 +15760,7 @@
     </p:spTree>
     <p:extLst>
       <p:ext uri="{BB962C8B-B14F-4D97-AF65-F5344CB8AC3E}">
-        <p14:creationId xmlns:p14="http://schemas.microsoft.com/office/powerpoint/2010/main" val="830842333"/>
+        <p14:creationId xmlns:p14="http://schemas.microsoft.com/office/powerpoint/2010/main" val="1252768560"/>
       </p:ext>
     </p:extLst>
   </p:cSld>
@@ -14124,172 +15804,403 @@
           <a:p>
             <a:r>
               <a:rPr lang="en-US" dirty="0"/>
-              <a:t>Overview</a:t>
-            </a:r>
-          </a:p>
-        </p:txBody>
-      </p:sp>
-      <p:sp>
-        <p:nvSpPr>
-          <p:cNvPr id="3" name="Rectangle 2"/>
-          <p:cNvSpPr>
-            <a:spLocks noGrp="1"/>
-          </p:cNvSpPr>
-          <p:nvPr>
-            <p:ph type="body" sz="quarter" idx="14"/>
-          </p:nvPr>
-        </p:nvSpPr>
-        <p:spPr>
-          <a:xfrm>
-            <a:off x="503238" y="1905000"/>
-            <a:ext cx="8183562" cy="1240673"/>
-          </a:xfrm>
-        </p:spPr>
-        <p:txBody>
-          <a:bodyPr>
-            <a:normAutofit/>
-          </a:bodyPr>
-          <a:lstStyle/>
-          <a:p>
-            <a:r>
-              <a:rPr lang="en-US" b="1" dirty="0" err="1"/>
-              <a:t>MBran</a:t>
-            </a:r>
-            <a:r>
-              <a:rPr lang="en-US" b="1" dirty="0"/>
-              <a:t> Components </a:t>
-            </a:r>
-            <a:r>
-              <a:rPr lang="en-US" dirty="0"/>
-              <a:t>is a convention to help developers create reusable page components and provide a modular approach for creating contents. </a:t>
-            </a:r>
-          </a:p>
-        </p:txBody>
-      </p:sp>
-      <p:sp>
-        <p:nvSpPr>
-          <p:cNvPr id="6" name="Text Placeholder 5">
+              <a:t>Challenges</a:t>
+            </a:r>
+          </a:p>
+        </p:txBody>
+      </p:sp>
+      <p:sp>
+        <p:nvSpPr>
+          <p:cNvPr id="10" name="Rectangle 2">
             <a:extLst>
               <a:ext uri="{FF2B5EF4-FFF2-40B4-BE49-F238E27FC236}">
-                <a16:creationId xmlns:a16="http://schemas.microsoft.com/office/drawing/2014/main" id="{3D497874-DB7D-4884-AE00-052825BF940D}"/>
+                <a16:creationId xmlns:a16="http://schemas.microsoft.com/office/drawing/2014/main" id="{D2CC293E-7BF9-4E1F-8FC1-4974E3F803DE}"/>
               </a:ext>
             </a:extLst>
           </p:cNvPr>
-          <p:cNvSpPr>
-            <a:spLocks noGrp="1"/>
-          </p:cNvSpPr>
-          <p:nvPr>
-            <p:ph type="body" sz="quarter" idx="15"/>
-          </p:nvPr>
+          <p:cNvSpPr txBox="1">
+            <a:spLocks/>
+          </p:cNvSpPr>
+          <p:nvPr/>
         </p:nvSpPr>
         <p:spPr>
           <a:xfrm>
-            <a:off x="1115616" y="3217028"/>
-            <a:ext cx="6984776" cy="2948276"/>
+            <a:off x="476890" y="1700808"/>
+            <a:ext cx="8183880" cy="4824536"/>
           </a:xfrm>
+          <a:prstGeom prst="rect">
+            <a:avLst/>
+          </a:prstGeom>
         </p:spPr>
         <p:txBody>
-          <a:bodyPr>
-            <a:normAutofit lnSpcReduction="10000"/>
+          <a:bodyPr vert="horz" lIns="182880" tIns="91440">
+            <a:normAutofit fontScale="92500" lnSpcReduction="20000"/>
           </a:bodyPr>
-          <a:lstStyle/>
-          <a:p>
-            <a:pPr marL="285750" indent="-285750">
-              <a:buFont typeface="Arial" panose="020B0604020202020204" pitchFamily="34" charset="0"/>
-              <a:buChar char="•"/>
+          <a:lstStyle>
+            <a:lvl1pPr marL="0" indent="0" algn="l" rtl="0" eaLnBrk="1" latinLnBrk="0" hangingPunct="1">
+              <a:spcBef>
+                <a:spcPts val="250"/>
+              </a:spcBef>
+              <a:buClr>
+                <a:schemeClr val="accent1"/>
+              </a:buClr>
+              <a:buSzPct val="80000"/>
+              <a:buFont typeface="Wingdings 2"/>
+              <a:buNone/>
+              <a:defRPr sz="2000" kern="1200">
+                <a:solidFill>
+                  <a:schemeClr val="tx1"/>
+                </a:solidFill>
+                <a:effectLst/>
+                <a:latin typeface="+mn-lt"/>
+                <a:ea typeface="+mn-ea"/>
+                <a:cs typeface="+mn-cs"/>
+              </a:defRPr>
+            </a:lvl1pPr>
+            <a:lvl2pPr marL="347472" indent="0" algn="l" rtl="0" eaLnBrk="1" latinLnBrk="0" hangingPunct="1">
+              <a:spcBef>
+                <a:spcPts val="250"/>
+              </a:spcBef>
+              <a:buClr>
+                <a:schemeClr val="accent1"/>
+              </a:buClr>
+              <a:buSzPct val="100000"/>
+              <a:buFont typeface="Verdana"/>
+              <a:buNone/>
+              <a:defRPr sz="2400" kern="1200">
+                <a:solidFill>
+                  <a:schemeClr val="tx1"/>
+                </a:solidFill>
+                <a:latin typeface="+mn-lt"/>
+                <a:ea typeface="+mn-ea"/>
+                <a:cs typeface="+mn-cs"/>
+              </a:defRPr>
+            </a:lvl2pPr>
+            <a:lvl3pPr marL="603504" indent="0" algn="l" rtl="0" eaLnBrk="1" latinLnBrk="0" hangingPunct="1">
+              <a:spcBef>
+                <a:spcPts val="250"/>
+              </a:spcBef>
+              <a:buClr>
+                <a:schemeClr val="accent2">
+                  <a:tint val="85000"/>
+                  <a:satMod val="285000"/>
+                </a:schemeClr>
+              </a:buClr>
+              <a:buSzPct val="100000"/>
+              <a:buFont typeface="Wingdings 2"/>
+              <a:buNone/>
+              <a:defRPr sz="2200" kern="1200">
+                <a:solidFill>
+                  <a:schemeClr val="tx1"/>
+                </a:solidFill>
+                <a:latin typeface="+mn-lt"/>
+                <a:ea typeface="+mn-ea"/>
+                <a:cs typeface="+mn-cs"/>
+              </a:defRPr>
+            </a:lvl3pPr>
+            <a:lvl4pPr marL="841248" indent="0" algn="l" rtl="0" eaLnBrk="1" latinLnBrk="0" hangingPunct="1">
+              <a:spcBef>
+                <a:spcPts val="230"/>
+              </a:spcBef>
+              <a:buClr>
+                <a:schemeClr val="accent2">
+                  <a:tint val="85000"/>
+                  <a:satMod val="285000"/>
+                </a:schemeClr>
+              </a:buClr>
+              <a:buSzPct val="112000"/>
+              <a:buFont typeface="Verdana"/>
+              <a:buNone/>
+              <a:defRPr sz="1900" kern="1200">
+                <a:solidFill>
+                  <a:schemeClr val="tx1"/>
+                </a:solidFill>
+                <a:latin typeface="+mn-lt"/>
+                <a:ea typeface="+mn-ea"/>
+                <a:cs typeface="+mn-cs"/>
+              </a:defRPr>
+            </a:lvl4pPr>
+            <a:lvl5pPr marL="1097280" indent="0" algn="l" rtl="0" eaLnBrk="1" latinLnBrk="0" hangingPunct="1">
+              <a:spcBef>
+                <a:spcPts val="250"/>
+              </a:spcBef>
+              <a:buClr>
+                <a:schemeClr val="accent3">
+                  <a:tint val="85000"/>
+                  <a:satMod val="275000"/>
+                </a:schemeClr>
+              </a:buClr>
+              <a:buSzPct val="100000"/>
+              <a:buFont typeface="Wingdings 2"/>
+              <a:buNone/>
+              <a:defRPr sz="1800" kern="1200">
+                <a:solidFill>
+                  <a:schemeClr val="tx1"/>
+                </a:solidFill>
+                <a:latin typeface="+mn-lt"/>
+                <a:ea typeface="+mn-ea"/>
+                <a:cs typeface="+mn-cs"/>
+              </a:defRPr>
+            </a:lvl5pPr>
+            <a:lvl6pPr marL="1490472" indent="-182880" algn="l" rtl="0" eaLnBrk="1" latinLnBrk="0" hangingPunct="1">
+              <a:spcBef>
+                <a:spcPts val="250"/>
+              </a:spcBef>
+              <a:buClr>
+                <a:schemeClr val="accent3">
+                  <a:tint val="85000"/>
+                  <a:satMod val="275000"/>
+                </a:schemeClr>
+              </a:buClr>
+              <a:buSzPct val="100000"/>
+              <a:buFont typeface="Verdana"/>
+              <a:buChar char="◦"/>
+              <a:defRPr sz="1700" kern="1200" baseline="0">
+                <a:solidFill>
+                  <a:srgbClr val="FFFFFF"/>
+                </a:solidFill>
+                <a:latin typeface="+mn-lt"/>
+                <a:ea typeface="+mn-ea"/>
+                <a:cs typeface="+mn-cs"/>
+              </a:defRPr>
+            </a:lvl6pPr>
+            <a:lvl7pPr marL="1700784" indent="-182880" algn="l" rtl="0" eaLnBrk="1" latinLnBrk="0" hangingPunct="1">
+              <a:spcBef>
+                <a:spcPts val="255"/>
+              </a:spcBef>
+              <a:buClr>
+                <a:schemeClr val="accent3">
+                  <a:tint val="85000"/>
+                  <a:satMod val="275000"/>
+                </a:schemeClr>
+              </a:buClr>
+              <a:buSzPct val="100000"/>
+              <a:buFont typeface="Wingdings 2"/>
+              <a:buChar char=""/>
+              <a:defRPr sz="1500" kern="1200">
+                <a:solidFill>
+                  <a:srgbClr val="FFFFFF"/>
+                </a:solidFill>
+                <a:latin typeface="+mn-lt"/>
+                <a:ea typeface="+mn-ea"/>
+                <a:cs typeface="+mn-cs"/>
+              </a:defRPr>
+            </a:lvl7pPr>
+            <a:lvl8pPr marL="1920240" indent="-182880" algn="l" rtl="0" eaLnBrk="1" latinLnBrk="0" hangingPunct="1">
+              <a:spcBef>
+                <a:spcPts val="257"/>
+              </a:spcBef>
+              <a:buClr>
+                <a:schemeClr val="accent3">
+                  <a:tint val="85000"/>
+                  <a:satMod val="275000"/>
+                </a:schemeClr>
+              </a:buClr>
+              <a:buSzPct val="100000"/>
+              <a:buFont typeface="Verdana"/>
+              <a:buChar char="◦"/>
+              <a:defRPr sz="1500" kern="1200" baseline="0">
+                <a:solidFill>
+                  <a:srgbClr val="FFFFFF"/>
+                </a:solidFill>
+                <a:latin typeface="+mn-lt"/>
+                <a:ea typeface="+mn-ea"/>
+                <a:cs typeface="+mn-cs"/>
+              </a:defRPr>
+            </a:lvl8pPr>
+            <a:lvl9pPr marL="2148840" indent="-182880" algn="l" rtl="0" eaLnBrk="1" latinLnBrk="0" hangingPunct="1">
+              <a:spcBef>
+                <a:spcPts val="255"/>
+              </a:spcBef>
+              <a:buClr>
+                <a:schemeClr val="accent3">
+                  <a:tint val="85000"/>
+                  <a:satMod val="275000"/>
+                </a:schemeClr>
+              </a:buClr>
+              <a:buSzPct val="100000"/>
+              <a:buFont typeface="Wingdings 2"/>
+              <a:buChar char=""/>
+              <a:defRPr sz="1500" kern="1200">
+                <a:solidFill>
+                  <a:srgbClr val="FFFFFF"/>
+                </a:solidFill>
+                <a:latin typeface="+mn-lt"/>
+                <a:ea typeface="+mn-ea"/>
+                <a:cs typeface="+mn-cs"/>
+              </a:defRPr>
+            </a:lvl9pPr>
+          </a:lstStyle>
+          <a:p>
+            <a:pPr marL="457200" indent="-457200">
+              <a:buFont typeface="Wingdings" panose="05000000000000000000" pitchFamily="2" charset="2"/>
+              <a:buChar char="q"/>
             </a:pPr>
             <a:r>
               <a:rPr lang="en-US" dirty="0"/>
-              <a:t>Is not another framework</a:t>
-            </a:r>
-          </a:p>
-          <a:p>
-            <a:pPr marL="285750" indent="-285750">
-              <a:buFont typeface="Arial" panose="020B0604020202020204" pitchFamily="34" charset="0"/>
-              <a:buChar char="•"/>
+              <a:t>when a new feature or change of logic is required</a:t>
+            </a:r>
+          </a:p>
+          <a:p>
+            <a:pPr marL="804672" lvl="1" indent="-457200">
+              <a:buFont typeface="Verdana" panose="020B0604030504040204" pitchFamily="34" charset="0"/>
+              <a:buChar char="×"/>
             </a:pPr>
             <a:r>
-              <a:rPr lang="en-US" dirty="0"/>
-              <a:t>Does not affect existing codes</a:t>
-            </a:r>
-          </a:p>
-          <a:p>
-            <a:pPr marL="285750" indent="-285750">
-              <a:buFont typeface="Arial" panose="020B0604020202020204" pitchFamily="34" charset="0"/>
-              <a:buChar char="•"/>
+              <a:rPr lang="en-US" sz="1900" dirty="0"/>
+              <a:t>old and new logic can hardly co-exist which is hard to revive or reuse an old behavior</a:t>
+            </a:r>
+          </a:p>
+          <a:p>
+            <a:pPr marL="804672" lvl="1" indent="-457200">
+              <a:buFont typeface="Verdana" panose="020B0604030504040204" pitchFamily="34" charset="0"/>
+              <a:buChar char="×"/>
             </a:pPr>
             <a:r>
-              <a:rPr lang="en-US" dirty="0"/>
-              <a:t>Can be used at any starter kit</a:t>
-            </a:r>
-          </a:p>
-          <a:p>
-            <a:pPr marL="285750" indent="-285750">
-              <a:buFont typeface="Arial" panose="020B0604020202020204" pitchFamily="34" charset="0"/>
-              <a:buChar char="•"/>
+              <a:rPr lang="en-US" sz="1900" dirty="0"/>
+              <a:t>could lead to spaghetti codes, orphan views, or potential errors due to changes not being synced properly.</a:t>
+            </a:r>
+          </a:p>
+          <a:p>
+            <a:pPr marL="342900" indent="-342900">
+              <a:buFontTx/>
+              <a:buChar char="-"/>
             </a:pPr>
-            <a:r>
-              <a:rPr lang="en-US" dirty="0"/>
-              <a:t>Can be used to create a starter kit</a:t>
-            </a:r>
-          </a:p>
-          <a:p>
-            <a:pPr marL="285750" indent="-285750">
-              <a:buFont typeface="Arial" panose="020B0604020202020204" pitchFamily="34" charset="0"/>
-              <a:buChar char="•"/>
+            <a:endParaRPr lang="en-US" dirty="0"/>
+          </a:p>
+          <a:p>
+            <a:pPr marL="690372" lvl="1" indent="-342900">
+              <a:buFont typeface="Wingdings" panose="05000000000000000000" pitchFamily="2" charset="2"/>
+              <a:buChar char="v"/>
             </a:pPr>
             <a:r>
-              <a:rPr lang="en-US" dirty="0"/>
-              <a:t>Can be used to create a “module” and install on multiple projects</a:t>
-            </a:r>
-          </a:p>
-          <a:p>
-            <a:pPr marL="285750" indent="-285750">
-              <a:buFont typeface="Arial" panose="020B0604020202020204" pitchFamily="34" charset="0"/>
-              <a:buChar char="•"/>
+              <a:rPr lang="en-US" sz="1700" dirty="0"/>
+              <a:t>Home (page) </a:t>
+            </a:r>
+          </a:p>
+          <a:p>
+            <a:pPr marL="946404" lvl="2" indent="-342900">
+              <a:buFont typeface="Wingdings" panose="05000000000000000000" pitchFamily="2" charset="2"/>
+              <a:buChar char="v"/>
             </a:pPr>
             <a:r>
-              <a:rPr lang="en-US" dirty="0"/>
-              <a:t>Enforce consistency on structure</a:t>
-            </a:r>
-          </a:p>
-          <a:p>
-            <a:pPr marL="285750" indent="-285750">
-              <a:buFont typeface="Arial" panose="020B0604020202020204" pitchFamily="34" charset="0"/>
-              <a:buChar char="•"/>
+              <a:rPr lang="en-US" sz="1700" dirty="0"/>
+              <a:t>Movie Details (tab)</a:t>
+            </a:r>
+          </a:p>
+          <a:p>
+            <a:pPr marL="1440180" lvl="4" indent="-342900">
+              <a:buFont typeface="Wingdings" panose="05000000000000000000" pitchFamily="2" charset="2"/>
+              <a:buChar char="Ø"/>
             </a:pPr>
             <a:r>
-              <a:rPr lang="en-US" dirty="0"/>
-              <a:t>Easy to add, remove, update or debug a feature</a:t>
-            </a:r>
-          </a:p>
-          <a:p>
-            <a:pPr marL="285750" indent="-285750">
-              <a:buFont typeface="Arial" panose="020B0604020202020204" pitchFamily="34" charset="0"/>
-              <a:buChar char="•"/>
+              <a:rPr lang="en-US" sz="1700" dirty="0"/>
+              <a:t>Title, Director, Poster, Release Date, Ticket Prices</a:t>
+            </a:r>
+          </a:p>
+          <a:p>
+            <a:pPr lvl="4"/>
+            <a:endParaRPr lang="en-US" sz="1700" dirty="0"/>
+          </a:p>
+          <a:p>
+            <a:pPr marL="690372" lvl="1" indent="-342900">
+              <a:buFont typeface="Wingdings" panose="05000000000000000000" pitchFamily="2" charset="2"/>
+              <a:buChar char="v"/>
             </a:pPr>
             <a:r>
-              <a:rPr lang="en-US" dirty="0"/>
-              <a:t>Works with out-of-the-box Umbraco</a:t>
-            </a:r>
-          </a:p>
-          <a:p>
-            <a:pPr marL="285750" indent="-285750">
-              <a:buFont typeface="Arial" panose="020B0604020202020204" pitchFamily="34" charset="0"/>
-              <a:buChar char="•"/>
+              <a:rPr lang="en-US" sz="1700" dirty="0"/>
+              <a:t>Home (template) </a:t>
+            </a:r>
+          </a:p>
+          <a:p>
+            <a:pPr marL="946404" lvl="2" indent="-342900">
+              <a:buFont typeface="Wingdings" panose="05000000000000000000" pitchFamily="2" charset="2"/>
+              <a:buChar char="v"/>
             </a:pPr>
             <a:r>
-              <a:rPr lang="en-US" dirty="0"/>
-              <a:t>Compatible with Umbraco’s Model Builder or POCOs</a:t>
-            </a:r>
-            <a:br>
-              <a:rPr lang="en-US" dirty="0"/>
-            </a:br>
+              <a:rPr lang="en-US" sz="1700" dirty="0"/>
+              <a:t>Movie Partial =&gt; Movie Layout 1</a:t>
+            </a:r>
+          </a:p>
+          <a:p>
+            <a:pPr marL="1184148" lvl="3" indent="-342900">
+              <a:buFont typeface="Wingdings" panose="05000000000000000000" pitchFamily="2" charset="2"/>
+              <a:buChar char="v"/>
+            </a:pPr>
+            <a:endParaRPr lang="en-US" sz="1700" dirty="0"/>
+          </a:p>
+          <a:p>
+            <a:pPr marL="690372" lvl="1" indent="-342900">
+              <a:buFont typeface="Wingdings" panose="05000000000000000000" pitchFamily="2" charset="2"/>
+              <a:buChar char="v"/>
+            </a:pPr>
+            <a:r>
+              <a:rPr lang="en-US" sz="1700" dirty="0"/>
+              <a:t>New Logic / Change</a:t>
+            </a:r>
+          </a:p>
+          <a:p>
+            <a:pPr marL="946404" lvl="2" indent="-342900">
+              <a:buFont typeface="Courier New" panose="02070309020205020404" pitchFamily="49" charset="0"/>
+              <a:buChar char="o"/>
+            </a:pPr>
+            <a:r>
+              <a:rPr lang="en-US" sz="1700" dirty="0"/>
+              <a:t>Implement Movie Layout 2</a:t>
+            </a:r>
+          </a:p>
+          <a:p>
+            <a:pPr marL="1184148" lvl="3" indent="-342900">
+              <a:buFont typeface="Wingdings" panose="05000000000000000000" pitchFamily="2" charset="2"/>
+              <a:buChar char="q"/>
+            </a:pPr>
+            <a:r>
+              <a:rPr lang="en-US" sz="1700" dirty="0"/>
+              <a:t>Either update movie layout 1</a:t>
+            </a:r>
+          </a:p>
+          <a:p>
+            <a:pPr marL="1184148" lvl="3" indent="-342900">
+              <a:buFont typeface="Wingdings" panose="05000000000000000000" pitchFamily="2" charset="2"/>
+              <a:buChar char="q"/>
+            </a:pPr>
+            <a:r>
+              <a:rPr lang="en-US" sz="1700" dirty="0"/>
+              <a:t>Or create new partial Movie Layout 2</a:t>
+            </a:r>
+          </a:p>
+          <a:p>
+            <a:pPr marL="1184148" lvl="3" indent="-342900">
+              <a:buFont typeface="Wingdings" panose="05000000000000000000" pitchFamily="2" charset="2"/>
+              <a:buChar char="ü"/>
+            </a:pPr>
+            <a:r>
+              <a:rPr lang="en-US" sz="1700" dirty="0"/>
+              <a:t>Then update home template to use the new layout</a:t>
+            </a:r>
+          </a:p>
+          <a:p>
+            <a:pPr marL="946404" lvl="2" indent="-342900">
+              <a:buFont typeface="Courier New" panose="02070309020205020404" pitchFamily="49" charset="0"/>
+              <a:buChar char="o"/>
+            </a:pPr>
+            <a:r>
+              <a:rPr lang="en-US" sz="1500" dirty="0"/>
+              <a:t>Once complete, editors will have no option to render back layout 1 other than to add option for type of layout to render</a:t>
+            </a:r>
+          </a:p>
+          <a:p>
+            <a:pPr lvl="1"/>
             <a:endParaRPr lang="en-US" dirty="0"/>
           </a:p>
         </p:txBody>
       </p:sp>
     </p:spTree>
+    <p:extLst>
+      <p:ext uri="{BB962C8B-B14F-4D97-AF65-F5344CB8AC3E}">
+        <p14:creationId xmlns:p14="http://schemas.microsoft.com/office/powerpoint/2010/main" val="830842333"/>
+      </p:ext>
+    </p:extLst>
   </p:cSld>
   <p:clrMapOvr>
     <a:masterClrMapping/>
@@ -14331,1440 +16242,172 @@
           <a:p>
             <a:r>
               <a:rPr lang="en-US" dirty="0"/>
-              <a:t>Goal</a:t>
-            </a:r>
-          </a:p>
-        </p:txBody>
-      </p:sp>
-      <p:sp>
-        <p:nvSpPr>
-          <p:cNvPr id="6" name="Rectangle 2">
+              <a:t>Overview</a:t>
+            </a:r>
+          </a:p>
+        </p:txBody>
+      </p:sp>
+      <p:sp>
+        <p:nvSpPr>
+          <p:cNvPr id="3" name="Rectangle 2"/>
+          <p:cNvSpPr>
+            <a:spLocks noGrp="1"/>
+          </p:cNvSpPr>
+          <p:nvPr>
+            <p:ph type="body" sz="quarter" idx="14"/>
+          </p:nvPr>
+        </p:nvSpPr>
+        <p:spPr>
+          <a:xfrm>
+            <a:off x="503238" y="1905000"/>
+            <a:ext cx="8183562" cy="1240673"/>
+          </a:xfrm>
+        </p:spPr>
+        <p:txBody>
+          <a:bodyPr>
+            <a:normAutofit/>
+          </a:bodyPr>
+          <a:lstStyle/>
+          <a:p>
+            <a:r>
+              <a:rPr lang="en-US" b="1" dirty="0" err="1"/>
+              <a:t>MBran</a:t>
+            </a:r>
+            <a:r>
+              <a:rPr lang="en-US" b="1" dirty="0"/>
+              <a:t> Components </a:t>
+            </a:r>
+            <a:r>
+              <a:rPr lang="en-US" dirty="0"/>
+              <a:t>is a convention to help developers create reusable page components and provide a modular approach for creating contents. </a:t>
+            </a:r>
+          </a:p>
+        </p:txBody>
+      </p:sp>
+      <p:sp>
+        <p:nvSpPr>
+          <p:cNvPr id="6" name="Text Placeholder 5">
             <a:extLst>
               <a:ext uri="{FF2B5EF4-FFF2-40B4-BE49-F238E27FC236}">
-                <a16:creationId xmlns:a16="http://schemas.microsoft.com/office/drawing/2014/main" id="{A211BC02-1A61-47A7-A96A-FBC95371C25B}"/>
+                <a16:creationId xmlns:a16="http://schemas.microsoft.com/office/drawing/2014/main" id="{3D497874-DB7D-4884-AE00-052825BF940D}"/>
               </a:ext>
             </a:extLst>
           </p:cNvPr>
-          <p:cNvSpPr txBox="1">
-            <a:spLocks/>
-          </p:cNvSpPr>
-          <p:nvPr/>
+          <p:cNvSpPr>
+            <a:spLocks noGrp="1"/>
+          </p:cNvSpPr>
+          <p:nvPr>
+            <p:ph type="body" sz="quarter" idx="15"/>
+          </p:nvPr>
         </p:nvSpPr>
         <p:spPr>
           <a:xfrm>
-            <a:off x="363275" y="3989709"/>
-            <a:ext cx="7669162" cy="692088"/>
+            <a:off x="1115616" y="3217028"/>
+            <a:ext cx="6984776" cy="2948276"/>
           </a:xfrm>
-          <a:prstGeom prst="rect">
-            <a:avLst/>
-          </a:prstGeom>
         </p:spPr>
         <p:txBody>
-          <a:bodyPr vert="horz" lIns="182880" tIns="91440">
+          <a:bodyPr>
             <a:normAutofit lnSpcReduction="10000"/>
           </a:bodyPr>
-          <a:lstStyle>
-            <a:lvl1pPr marL="0" indent="0" algn="l" rtl="0" eaLnBrk="1" latinLnBrk="0" hangingPunct="1">
-              <a:spcBef>
-                <a:spcPts val="250"/>
-              </a:spcBef>
-              <a:buClr>
-                <a:schemeClr val="accent1"/>
-              </a:buClr>
-              <a:buSzPct val="80000"/>
-              <a:buFont typeface="Wingdings 2"/>
-              <a:buNone/>
-              <a:defRPr sz="2000" kern="1200">
-                <a:solidFill>
-                  <a:schemeClr val="tx1"/>
-                </a:solidFill>
-                <a:effectLst/>
-                <a:latin typeface="+mn-lt"/>
-                <a:ea typeface="+mn-ea"/>
-                <a:cs typeface="+mn-cs"/>
-              </a:defRPr>
-            </a:lvl1pPr>
-            <a:lvl2pPr marL="347472" indent="0" algn="l" rtl="0" eaLnBrk="1" latinLnBrk="0" hangingPunct="1">
-              <a:spcBef>
-                <a:spcPts val="250"/>
-              </a:spcBef>
-              <a:buClr>
-                <a:schemeClr val="accent1"/>
-              </a:buClr>
-              <a:buSzPct val="100000"/>
-              <a:buFont typeface="Verdana"/>
-              <a:buNone/>
-              <a:defRPr sz="2400" kern="1200">
-                <a:solidFill>
-                  <a:schemeClr val="tx1"/>
-                </a:solidFill>
-                <a:latin typeface="+mn-lt"/>
-                <a:ea typeface="+mn-ea"/>
-                <a:cs typeface="+mn-cs"/>
-              </a:defRPr>
-            </a:lvl2pPr>
-            <a:lvl3pPr marL="603504" indent="0" algn="l" rtl="0" eaLnBrk="1" latinLnBrk="0" hangingPunct="1">
-              <a:spcBef>
-                <a:spcPts val="250"/>
-              </a:spcBef>
-              <a:buClr>
-                <a:schemeClr val="accent2">
-                  <a:tint val="85000"/>
-                  <a:satMod val="285000"/>
-                </a:schemeClr>
-              </a:buClr>
-              <a:buSzPct val="100000"/>
-              <a:buFont typeface="Wingdings 2"/>
-              <a:buNone/>
-              <a:defRPr sz="2200" kern="1200">
-                <a:solidFill>
-                  <a:schemeClr val="tx1"/>
-                </a:solidFill>
-                <a:latin typeface="+mn-lt"/>
-                <a:ea typeface="+mn-ea"/>
-                <a:cs typeface="+mn-cs"/>
-              </a:defRPr>
-            </a:lvl3pPr>
-            <a:lvl4pPr marL="841248" indent="0" algn="l" rtl="0" eaLnBrk="1" latinLnBrk="0" hangingPunct="1">
-              <a:spcBef>
-                <a:spcPts val="230"/>
-              </a:spcBef>
-              <a:buClr>
-                <a:schemeClr val="accent2">
-                  <a:tint val="85000"/>
-                  <a:satMod val="285000"/>
-                </a:schemeClr>
-              </a:buClr>
-              <a:buSzPct val="112000"/>
-              <a:buFont typeface="Verdana"/>
-              <a:buNone/>
-              <a:defRPr sz="1900" kern="1200">
-                <a:solidFill>
-                  <a:schemeClr val="tx1"/>
-                </a:solidFill>
-                <a:latin typeface="+mn-lt"/>
-                <a:ea typeface="+mn-ea"/>
-                <a:cs typeface="+mn-cs"/>
-              </a:defRPr>
-            </a:lvl4pPr>
-            <a:lvl5pPr marL="1097280" indent="0" algn="l" rtl="0" eaLnBrk="1" latinLnBrk="0" hangingPunct="1">
-              <a:spcBef>
-                <a:spcPts val="250"/>
-              </a:spcBef>
-              <a:buClr>
-                <a:schemeClr val="accent3">
-                  <a:tint val="85000"/>
-                  <a:satMod val="275000"/>
-                </a:schemeClr>
-              </a:buClr>
-              <a:buSzPct val="100000"/>
-              <a:buFont typeface="Wingdings 2"/>
-              <a:buNone/>
-              <a:defRPr sz="1800" kern="1200">
-                <a:solidFill>
-                  <a:schemeClr val="tx1"/>
-                </a:solidFill>
-                <a:latin typeface="+mn-lt"/>
-                <a:ea typeface="+mn-ea"/>
-                <a:cs typeface="+mn-cs"/>
-              </a:defRPr>
-            </a:lvl5pPr>
-            <a:lvl6pPr marL="1490472" indent="-182880" algn="l" rtl="0" eaLnBrk="1" latinLnBrk="0" hangingPunct="1">
-              <a:spcBef>
-                <a:spcPts val="250"/>
-              </a:spcBef>
-              <a:buClr>
-                <a:schemeClr val="accent3">
-                  <a:tint val="85000"/>
-                  <a:satMod val="275000"/>
-                </a:schemeClr>
-              </a:buClr>
-              <a:buSzPct val="100000"/>
-              <a:buFont typeface="Verdana"/>
-              <a:buChar char="◦"/>
-              <a:defRPr sz="1700" kern="1200" baseline="0">
-                <a:solidFill>
-                  <a:srgbClr val="FFFFFF"/>
-                </a:solidFill>
-                <a:latin typeface="+mn-lt"/>
-                <a:ea typeface="+mn-ea"/>
-                <a:cs typeface="+mn-cs"/>
-              </a:defRPr>
-            </a:lvl6pPr>
-            <a:lvl7pPr marL="1700784" indent="-182880" algn="l" rtl="0" eaLnBrk="1" latinLnBrk="0" hangingPunct="1">
-              <a:spcBef>
-                <a:spcPts val="255"/>
-              </a:spcBef>
-              <a:buClr>
-                <a:schemeClr val="accent3">
-                  <a:tint val="85000"/>
-                  <a:satMod val="275000"/>
-                </a:schemeClr>
-              </a:buClr>
-              <a:buSzPct val="100000"/>
-              <a:buFont typeface="Wingdings 2"/>
-              <a:buChar char=""/>
-              <a:defRPr sz="1500" kern="1200">
-                <a:solidFill>
-                  <a:srgbClr val="FFFFFF"/>
-                </a:solidFill>
-                <a:latin typeface="+mn-lt"/>
-                <a:ea typeface="+mn-ea"/>
-                <a:cs typeface="+mn-cs"/>
-              </a:defRPr>
-            </a:lvl7pPr>
-            <a:lvl8pPr marL="1920240" indent="-182880" algn="l" rtl="0" eaLnBrk="1" latinLnBrk="0" hangingPunct="1">
-              <a:spcBef>
-                <a:spcPts val="257"/>
-              </a:spcBef>
-              <a:buClr>
-                <a:schemeClr val="accent3">
-                  <a:tint val="85000"/>
-                  <a:satMod val="275000"/>
-                </a:schemeClr>
-              </a:buClr>
-              <a:buSzPct val="100000"/>
-              <a:buFont typeface="Verdana"/>
-              <a:buChar char="◦"/>
-              <a:defRPr sz="1500" kern="1200" baseline="0">
-                <a:solidFill>
-                  <a:srgbClr val="FFFFFF"/>
-                </a:solidFill>
-                <a:latin typeface="+mn-lt"/>
-                <a:ea typeface="+mn-ea"/>
-                <a:cs typeface="+mn-cs"/>
-              </a:defRPr>
-            </a:lvl8pPr>
-            <a:lvl9pPr marL="2148840" indent="-182880" algn="l" rtl="0" eaLnBrk="1" latinLnBrk="0" hangingPunct="1">
-              <a:spcBef>
-                <a:spcPts val="255"/>
-              </a:spcBef>
-              <a:buClr>
-                <a:schemeClr val="accent3">
-                  <a:tint val="85000"/>
-                  <a:satMod val="275000"/>
-                </a:schemeClr>
-              </a:buClr>
-              <a:buSzPct val="100000"/>
-              <a:buFont typeface="Wingdings 2"/>
-              <a:buChar char=""/>
-              <a:defRPr sz="1500" kern="1200">
-                <a:solidFill>
-                  <a:srgbClr val="FFFFFF"/>
-                </a:solidFill>
-                <a:latin typeface="+mn-lt"/>
-                <a:ea typeface="+mn-ea"/>
-                <a:cs typeface="+mn-cs"/>
-              </a:defRPr>
-            </a:lvl9pPr>
-          </a:lstStyle>
-          <a:p>
-            <a:pPr marL="342900" indent="-342900">
-              <a:buFont typeface="Wingdings" panose="05000000000000000000" pitchFamily="2" charset="2"/>
-              <a:buChar char="ü"/>
+          <a:lstStyle/>
+          <a:p>
+            <a:pPr marL="285750" indent="-285750">
+              <a:buFont typeface="Arial" panose="020B0604020202020204" pitchFamily="34" charset="0"/>
+              <a:buChar char="•"/>
             </a:pPr>
             <a:r>
               <a:rPr lang="en-US" dirty="0"/>
-              <a:t>editors should be able to apply different renderings on a particular component within or across pages</a:t>
-            </a:r>
-          </a:p>
-        </p:txBody>
-      </p:sp>
-      <p:sp>
-        <p:nvSpPr>
-          <p:cNvPr id="7" name="Rectangle 2">
-            <a:extLst>
-              <a:ext uri="{FF2B5EF4-FFF2-40B4-BE49-F238E27FC236}">
-                <a16:creationId xmlns:a16="http://schemas.microsoft.com/office/drawing/2014/main" id="{6AE24318-E416-42A4-9B84-705C67568B9F}"/>
-              </a:ext>
-            </a:extLst>
-          </p:cNvPr>
-          <p:cNvSpPr txBox="1">
-            <a:spLocks/>
-          </p:cNvSpPr>
-          <p:nvPr/>
-        </p:nvSpPr>
-        <p:spPr>
-          <a:xfrm>
-            <a:off x="251520" y="3618086"/>
-            <a:ext cx="7669162" cy="429514"/>
-          </a:xfrm>
-          <a:prstGeom prst="rect">
-            <a:avLst/>
-          </a:prstGeom>
-        </p:spPr>
-        <p:txBody>
-          <a:bodyPr vert="horz" lIns="182880" tIns="91440">
-            <a:normAutofit lnSpcReduction="10000"/>
-          </a:bodyPr>
-          <a:lstStyle>
-            <a:lvl1pPr marL="0" indent="0" algn="l" rtl="0" eaLnBrk="1" latinLnBrk="0" hangingPunct="1">
-              <a:spcBef>
-                <a:spcPts val="250"/>
-              </a:spcBef>
-              <a:buClr>
-                <a:schemeClr val="accent1"/>
-              </a:buClr>
-              <a:buSzPct val="80000"/>
-              <a:buFont typeface="Wingdings 2"/>
-              <a:buNone/>
-              <a:defRPr sz="2000" kern="1200">
-                <a:solidFill>
-                  <a:schemeClr val="tx1"/>
-                </a:solidFill>
-                <a:effectLst/>
-                <a:latin typeface="+mn-lt"/>
-                <a:ea typeface="+mn-ea"/>
-                <a:cs typeface="+mn-cs"/>
-              </a:defRPr>
-            </a:lvl1pPr>
-            <a:lvl2pPr marL="347472" indent="0" algn="l" rtl="0" eaLnBrk="1" latinLnBrk="0" hangingPunct="1">
-              <a:spcBef>
-                <a:spcPts val="250"/>
-              </a:spcBef>
-              <a:buClr>
-                <a:schemeClr val="accent1"/>
-              </a:buClr>
-              <a:buSzPct val="100000"/>
-              <a:buFont typeface="Verdana"/>
-              <a:buNone/>
-              <a:defRPr sz="2400" kern="1200">
-                <a:solidFill>
-                  <a:schemeClr val="tx1"/>
-                </a:solidFill>
-                <a:latin typeface="+mn-lt"/>
-                <a:ea typeface="+mn-ea"/>
-                <a:cs typeface="+mn-cs"/>
-              </a:defRPr>
-            </a:lvl2pPr>
-            <a:lvl3pPr marL="603504" indent="0" algn="l" rtl="0" eaLnBrk="1" latinLnBrk="0" hangingPunct="1">
-              <a:spcBef>
-                <a:spcPts val="250"/>
-              </a:spcBef>
-              <a:buClr>
-                <a:schemeClr val="accent2">
-                  <a:tint val="85000"/>
-                  <a:satMod val="285000"/>
-                </a:schemeClr>
-              </a:buClr>
-              <a:buSzPct val="100000"/>
-              <a:buFont typeface="Wingdings 2"/>
-              <a:buNone/>
-              <a:defRPr sz="2200" kern="1200">
-                <a:solidFill>
-                  <a:schemeClr val="tx1"/>
-                </a:solidFill>
-                <a:latin typeface="+mn-lt"/>
-                <a:ea typeface="+mn-ea"/>
-                <a:cs typeface="+mn-cs"/>
-              </a:defRPr>
-            </a:lvl3pPr>
-            <a:lvl4pPr marL="841248" indent="0" algn="l" rtl="0" eaLnBrk="1" latinLnBrk="0" hangingPunct="1">
-              <a:spcBef>
-                <a:spcPts val="230"/>
-              </a:spcBef>
-              <a:buClr>
-                <a:schemeClr val="accent2">
-                  <a:tint val="85000"/>
-                  <a:satMod val="285000"/>
-                </a:schemeClr>
-              </a:buClr>
-              <a:buSzPct val="112000"/>
-              <a:buFont typeface="Verdana"/>
-              <a:buNone/>
-              <a:defRPr sz="1900" kern="1200">
-                <a:solidFill>
-                  <a:schemeClr val="tx1"/>
-                </a:solidFill>
-                <a:latin typeface="+mn-lt"/>
-                <a:ea typeface="+mn-ea"/>
-                <a:cs typeface="+mn-cs"/>
-              </a:defRPr>
-            </a:lvl4pPr>
-            <a:lvl5pPr marL="1097280" indent="0" algn="l" rtl="0" eaLnBrk="1" latinLnBrk="0" hangingPunct="1">
-              <a:spcBef>
-                <a:spcPts val="250"/>
-              </a:spcBef>
-              <a:buClr>
-                <a:schemeClr val="accent3">
-                  <a:tint val="85000"/>
-                  <a:satMod val="275000"/>
-                </a:schemeClr>
-              </a:buClr>
-              <a:buSzPct val="100000"/>
-              <a:buFont typeface="Wingdings 2"/>
-              <a:buNone/>
-              <a:defRPr sz="1800" kern="1200">
-                <a:solidFill>
-                  <a:schemeClr val="tx1"/>
-                </a:solidFill>
-                <a:latin typeface="+mn-lt"/>
-                <a:ea typeface="+mn-ea"/>
-                <a:cs typeface="+mn-cs"/>
-              </a:defRPr>
-            </a:lvl5pPr>
-            <a:lvl6pPr marL="1490472" indent="-182880" algn="l" rtl="0" eaLnBrk="1" latinLnBrk="0" hangingPunct="1">
-              <a:spcBef>
-                <a:spcPts val="250"/>
-              </a:spcBef>
-              <a:buClr>
-                <a:schemeClr val="accent3">
-                  <a:tint val="85000"/>
-                  <a:satMod val="275000"/>
-                </a:schemeClr>
-              </a:buClr>
-              <a:buSzPct val="100000"/>
-              <a:buFont typeface="Verdana"/>
-              <a:buChar char="◦"/>
-              <a:defRPr sz="1700" kern="1200" baseline="0">
-                <a:solidFill>
-                  <a:srgbClr val="FFFFFF"/>
-                </a:solidFill>
-                <a:latin typeface="+mn-lt"/>
-                <a:ea typeface="+mn-ea"/>
-                <a:cs typeface="+mn-cs"/>
-              </a:defRPr>
-            </a:lvl6pPr>
-            <a:lvl7pPr marL="1700784" indent="-182880" algn="l" rtl="0" eaLnBrk="1" latinLnBrk="0" hangingPunct="1">
-              <a:spcBef>
-                <a:spcPts val="255"/>
-              </a:spcBef>
-              <a:buClr>
-                <a:schemeClr val="accent3">
-                  <a:tint val="85000"/>
-                  <a:satMod val="275000"/>
-                </a:schemeClr>
-              </a:buClr>
-              <a:buSzPct val="100000"/>
-              <a:buFont typeface="Wingdings 2"/>
-              <a:buChar char=""/>
-              <a:defRPr sz="1500" kern="1200">
-                <a:solidFill>
-                  <a:srgbClr val="FFFFFF"/>
-                </a:solidFill>
-                <a:latin typeface="+mn-lt"/>
-                <a:ea typeface="+mn-ea"/>
-                <a:cs typeface="+mn-cs"/>
-              </a:defRPr>
-            </a:lvl7pPr>
-            <a:lvl8pPr marL="1920240" indent="-182880" algn="l" rtl="0" eaLnBrk="1" latinLnBrk="0" hangingPunct="1">
-              <a:spcBef>
-                <a:spcPts val="257"/>
-              </a:spcBef>
-              <a:buClr>
-                <a:schemeClr val="accent3">
-                  <a:tint val="85000"/>
-                  <a:satMod val="275000"/>
-                </a:schemeClr>
-              </a:buClr>
-              <a:buSzPct val="100000"/>
-              <a:buFont typeface="Verdana"/>
-              <a:buChar char="◦"/>
-              <a:defRPr sz="1500" kern="1200" baseline="0">
-                <a:solidFill>
-                  <a:srgbClr val="FFFFFF"/>
-                </a:solidFill>
-                <a:latin typeface="+mn-lt"/>
-                <a:ea typeface="+mn-ea"/>
-                <a:cs typeface="+mn-cs"/>
-              </a:defRPr>
-            </a:lvl8pPr>
-            <a:lvl9pPr marL="2148840" indent="-182880" algn="l" rtl="0" eaLnBrk="1" latinLnBrk="0" hangingPunct="1">
-              <a:spcBef>
-                <a:spcPts val="255"/>
-              </a:spcBef>
-              <a:buClr>
-                <a:schemeClr val="accent3">
-                  <a:tint val="85000"/>
-                  <a:satMod val="275000"/>
-                </a:schemeClr>
-              </a:buClr>
-              <a:buSzPct val="100000"/>
-              <a:buFont typeface="Wingdings 2"/>
-              <a:buChar char=""/>
-              <a:defRPr sz="1500" kern="1200">
-                <a:solidFill>
-                  <a:srgbClr val="FFFFFF"/>
-                </a:solidFill>
-                <a:latin typeface="+mn-lt"/>
-                <a:ea typeface="+mn-ea"/>
-                <a:cs typeface="+mn-cs"/>
-              </a:defRPr>
-            </a:lvl9pPr>
-          </a:lstStyle>
-          <a:p>
-            <a:r>
-              <a:rPr lang="en-US" b="1" dirty="0"/>
-              <a:t>Flexibility</a:t>
-            </a:r>
-          </a:p>
-        </p:txBody>
-      </p:sp>
-      <p:sp>
-        <p:nvSpPr>
-          <p:cNvPr id="10" name="Rectangle 2">
-            <a:extLst>
-              <a:ext uri="{FF2B5EF4-FFF2-40B4-BE49-F238E27FC236}">
-                <a16:creationId xmlns:a16="http://schemas.microsoft.com/office/drawing/2014/main" id="{D2CC293E-7BF9-4E1F-8FC1-4974E3F803DE}"/>
-              </a:ext>
-            </a:extLst>
-          </p:cNvPr>
-          <p:cNvSpPr txBox="1">
-            <a:spLocks/>
-          </p:cNvSpPr>
-          <p:nvPr/>
-        </p:nvSpPr>
-        <p:spPr>
-          <a:xfrm>
-            <a:off x="395536" y="2158986"/>
-            <a:ext cx="7669162" cy="1459099"/>
-          </a:xfrm>
-          <a:prstGeom prst="rect">
-            <a:avLst/>
-          </a:prstGeom>
-        </p:spPr>
-        <p:txBody>
-          <a:bodyPr vert="horz" lIns="182880" tIns="91440">
-            <a:normAutofit fontScale="92500"/>
-          </a:bodyPr>
-          <a:lstStyle>
-            <a:lvl1pPr marL="0" indent="0" algn="l" rtl="0" eaLnBrk="1" latinLnBrk="0" hangingPunct="1">
-              <a:spcBef>
-                <a:spcPts val="250"/>
-              </a:spcBef>
-              <a:buClr>
-                <a:schemeClr val="accent1"/>
-              </a:buClr>
-              <a:buSzPct val="80000"/>
-              <a:buFont typeface="Wingdings 2"/>
-              <a:buNone/>
-              <a:defRPr sz="2000" kern="1200">
-                <a:solidFill>
-                  <a:schemeClr val="tx1"/>
-                </a:solidFill>
-                <a:effectLst/>
-                <a:latin typeface="+mn-lt"/>
-                <a:ea typeface="+mn-ea"/>
-                <a:cs typeface="+mn-cs"/>
-              </a:defRPr>
-            </a:lvl1pPr>
-            <a:lvl2pPr marL="347472" indent="0" algn="l" rtl="0" eaLnBrk="1" latinLnBrk="0" hangingPunct="1">
-              <a:spcBef>
-                <a:spcPts val="250"/>
-              </a:spcBef>
-              <a:buClr>
-                <a:schemeClr val="accent1"/>
-              </a:buClr>
-              <a:buSzPct val="100000"/>
-              <a:buFont typeface="Verdana"/>
-              <a:buNone/>
-              <a:defRPr sz="2400" kern="1200">
-                <a:solidFill>
-                  <a:schemeClr val="tx1"/>
-                </a:solidFill>
-                <a:latin typeface="+mn-lt"/>
-                <a:ea typeface="+mn-ea"/>
-                <a:cs typeface="+mn-cs"/>
-              </a:defRPr>
-            </a:lvl2pPr>
-            <a:lvl3pPr marL="603504" indent="0" algn="l" rtl="0" eaLnBrk="1" latinLnBrk="0" hangingPunct="1">
-              <a:spcBef>
-                <a:spcPts val="250"/>
-              </a:spcBef>
-              <a:buClr>
-                <a:schemeClr val="accent2">
-                  <a:tint val="85000"/>
-                  <a:satMod val="285000"/>
-                </a:schemeClr>
-              </a:buClr>
-              <a:buSzPct val="100000"/>
-              <a:buFont typeface="Wingdings 2"/>
-              <a:buNone/>
-              <a:defRPr sz="2200" kern="1200">
-                <a:solidFill>
-                  <a:schemeClr val="tx1"/>
-                </a:solidFill>
-                <a:latin typeface="+mn-lt"/>
-                <a:ea typeface="+mn-ea"/>
-                <a:cs typeface="+mn-cs"/>
-              </a:defRPr>
-            </a:lvl3pPr>
-            <a:lvl4pPr marL="841248" indent="0" algn="l" rtl="0" eaLnBrk="1" latinLnBrk="0" hangingPunct="1">
-              <a:spcBef>
-                <a:spcPts val="230"/>
-              </a:spcBef>
-              <a:buClr>
-                <a:schemeClr val="accent2">
-                  <a:tint val="85000"/>
-                  <a:satMod val="285000"/>
-                </a:schemeClr>
-              </a:buClr>
-              <a:buSzPct val="112000"/>
-              <a:buFont typeface="Verdana"/>
-              <a:buNone/>
-              <a:defRPr sz="1900" kern="1200">
-                <a:solidFill>
-                  <a:schemeClr val="tx1"/>
-                </a:solidFill>
-                <a:latin typeface="+mn-lt"/>
-                <a:ea typeface="+mn-ea"/>
-                <a:cs typeface="+mn-cs"/>
-              </a:defRPr>
-            </a:lvl4pPr>
-            <a:lvl5pPr marL="1097280" indent="0" algn="l" rtl="0" eaLnBrk="1" latinLnBrk="0" hangingPunct="1">
-              <a:spcBef>
-                <a:spcPts val="250"/>
-              </a:spcBef>
-              <a:buClr>
-                <a:schemeClr val="accent3">
-                  <a:tint val="85000"/>
-                  <a:satMod val="275000"/>
-                </a:schemeClr>
-              </a:buClr>
-              <a:buSzPct val="100000"/>
-              <a:buFont typeface="Wingdings 2"/>
-              <a:buNone/>
-              <a:defRPr sz="1800" kern="1200">
-                <a:solidFill>
-                  <a:schemeClr val="tx1"/>
-                </a:solidFill>
-                <a:latin typeface="+mn-lt"/>
-                <a:ea typeface="+mn-ea"/>
-                <a:cs typeface="+mn-cs"/>
-              </a:defRPr>
-            </a:lvl5pPr>
-            <a:lvl6pPr marL="1490472" indent="-182880" algn="l" rtl="0" eaLnBrk="1" latinLnBrk="0" hangingPunct="1">
-              <a:spcBef>
-                <a:spcPts val="250"/>
-              </a:spcBef>
-              <a:buClr>
-                <a:schemeClr val="accent3">
-                  <a:tint val="85000"/>
-                  <a:satMod val="275000"/>
-                </a:schemeClr>
-              </a:buClr>
-              <a:buSzPct val="100000"/>
-              <a:buFont typeface="Verdana"/>
-              <a:buChar char="◦"/>
-              <a:defRPr sz="1700" kern="1200" baseline="0">
-                <a:solidFill>
-                  <a:srgbClr val="FFFFFF"/>
-                </a:solidFill>
-                <a:latin typeface="+mn-lt"/>
-                <a:ea typeface="+mn-ea"/>
-                <a:cs typeface="+mn-cs"/>
-              </a:defRPr>
-            </a:lvl6pPr>
-            <a:lvl7pPr marL="1700784" indent="-182880" algn="l" rtl="0" eaLnBrk="1" latinLnBrk="0" hangingPunct="1">
-              <a:spcBef>
-                <a:spcPts val="255"/>
-              </a:spcBef>
-              <a:buClr>
-                <a:schemeClr val="accent3">
-                  <a:tint val="85000"/>
-                  <a:satMod val="275000"/>
-                </a:schemeClr>
-              </a:buClr>
-              <a:buSzPct val="100000"/>
-              <a:buFont typeface="Wingdings 2"/>
-              <a:buChar char=""/>
-              <a:defRPr sz="1500" kern="1200">
-                <a:solidFill>
-                  <a:srgbClr val="FFFFFF"/>
-                </a:solidFill>
-                <a:latin typeface="+mn-lt"/>
-                <a:ea typeface="+mn-ea"/>
-                <a:cs typeface="+mn-cs"/>
-              </a:defRPr>
-            </a:lvl7pPr>
-            <a:lvl8pPr marL="1920240" indent="-182880" algn="l" rtl="0" eaLnBrk="1" latinLnBrk="0" hangingPunct="1">
-              <a:spcBef>
-                <a:spcPts val="257"/>
-              </a:spcBef>
-              <a:buClr>
-                <a:schemeClr val="accent3">
-                  <a:tint val="85000"/>
-                  <a:satMod val="275000"/>
-                </a:schemeClr>
-              </a:buClr>
-              <a:buSzPct val="100000"/>
-              <a:buFont typeface="Verdana"/>
-              <a:buChar char="◦"/>
-              <a:defRPr sz="1500" kern="1200" baseline="0">
-                <a:solidFill>
-                  <a:srgbClr val="FFFFFF"/>
-                </a:solidFill>
-                <a:latin typeface="+mn-lt"/>
-                <a:ea typeface="+mn-ea"/>
-                <a:cs typeface="+mn-cs"/>
-              </a:defRPr>
-            </a:lvl8pPr>
-            <a:lvl9pPr marL="2148840" indent="-182880" algn="l" rtl="0" eaLnBrk="1" latinLnBrk="0" hangingPunct="1">
-              <a:spcBef>
-                <a:spcPts val="255"/>
-              </a:spcBef>
-              <a:buClr>
-                <a:schemeClr val="accent3">
-                  <a:tint val="85000"/>
-                  <a:satMod val="275000"/>
-                </a:schemeClr>
-              </a:buClr>
-              <a:buSzPct val="100000"/>
-              <a:buFont typeface="Wingdings 2"/>
-              <a:buChar char=""/>
-              <a:defRPr sz="1500" kern="1200">
-                <a:solidFill>
-                  <a:srgbClr val="FFFFFF"/>
-                </a:solidFill>
-                <a:latin typeface="+mn-lt"/>
-                <a:ea typeface="+mn-ea"/>
-                <a:cs typeface="+mn-cs"/>
-              </a:defRPr>
-            </a:lvl9pPr>
-          </a:lstStyle>
-          <a:p>
-            <a:pPr marL="342900" indent="-342900">
-              <a:buFont typeface="Wingdings" panose="05000000000000000000" pitchFamily="2" charset="2"/>
-              <a:buChar char="ü"/>
+              <a:t>Is not another framework</a:t>
+            </a:r>
+          </a:p>
+          <a:p>
+            <a:pPr marL="285750" indent="-285750">
+              <a:buFont typeface="Arial" panose="020B0604020202020204" pitchFamily="34" charset="0"/>
+              <a:buChar char="•"/>
             </a:pPr>
             <a:r>
               <a:rPr lang="en-US" dirty="0"/>
-              <a:t>Should be able to move around components anywhere on the page or across pages without requiring a developer</a:t>
-            </a:r>
-          </a:p>
-          <a:p>
-            <a:pPr marL="342900" indent="-342900">
-              <a:buFont typeface="Wingdings" panose="05000000000000000000" pitchFamily="2" charset="2"/>
-              <a:buChar char="ü"/>
+              <a:t>Does not affect existing codes</a:t>
+            </a:r>
+          </a:p>
+          <a:p>
+            <a:pPr marL="285750" indent="-285750">
+              <a:buFont typeface="Arial" panose="020B0604020202020204" pitchFamily="34" charset="0"/>
+              <a:buChar char="•"/>
             </a:pPr>
             <a:r>
               <a:rPr lang="en-US" dirty="0"/>
-              <a:t>Should be able to use or deploy the same component on multiple websites</a:t>
-            </a:r>
-          </a:p>
-          <a:p>
-            <a:pPr lvl="1"/>
+              <a:t>Can be used at any starter kit</a:t>
+            </a:r>
+          </a:p>
+          <a:p>
+            <a:pPr marL="285750" indent="-285750">
+              <a:buFont typeface="Arial" panose="020B0604020202020204" pitchFamily="34" charset="0"/>
+              <a:buChar char="•"/>
+            </a:pPr>
+            <a:r>
+              <a:rPr lang="en-US" dirty="0"/>
+              <a:t>Can be used to create a starter kit</a:t>
+            </a:r>
+          </a:p>
+          <a:p>
+            <a:pPr marL="285750" indent="-285750">
+              <a:buFont typeface="Arial" panose="020B0604020202020204" pitchFamily="34" charset="0"/>
+              <a:buChar char="•"/>
+            </a:pPr>
+            <a:r>
+              <a:rPr lang="en-US" dirty="0"/>
+              <a:t>Can be used to create a “module” and install on multiple projects</a:t>
+            </a:r>
+          </a:p>
+          <a:p>
+            <a:pPr marL="285750" indent="-285750">
+              <a:buFont typeface="Arial" panose="020B0604020202020204" pitchFamily="34" charset="0"/>
+              <a:buChar char="•"/>
+            </a:pPr>
+            <a:r>
+              <a:rPr lang="en-US" dirty="0"/>
+              <a:t>Enforce consistency on structure</a:t>
+            </a:r>
+          </a:p>
+          <a:p>
+            <a:pPr marL="285750" indent="-285750">
+              <a:buFont typeface="Arial" panose="020B0604020202020204" pitchFamily="34" charset="0"/>
+              <a:buChar char="•"/>
+            </a:pPr>
+            <a:r>
+              <a:rPr lang="en-US" dirty="0"/>
+              <a:t>Easy to add, remove, update or debug a feature</a:t>
+            </a:r>
+          </a:p>
+          <a:p>
+            <a:pPr marL="285750" indent="-285750">
+              <a:buFont typeface="Arial" panose="020B0604020202020204" pitchFamily="34" charset="0"/>
+              <a:buChar char="•"/>
+            </a:pPr>
+            <a:r>
+              <a:rPr lang="en-US" dirty="0"/>
+              <a:t>Works with out-of-the-box Umbraco</a:t>
+            </a:r>
+          </a:p>
+          <a:p>
+            <a:pPr marL="285750" indent="-285750">
+              <a:buFont typeface="Arial" panose="020B0604020202020204" pitchFamily="34" charset="0"/>
+              <a:buChar char="•"/>
+            </a:pPr>
+            <a:r>
+              <a:rPr lang="en-US" dirty="0"/>
+              <a:t>Compatible with Umbraco’s Model Builder or POCOs</a:t>
+            </a:r>
+            <a:br>
+              <a:rPr lang="en-US" dirty="0"/>
+            </a:br>
             <a:endParaRPr lang="en-US" dirty="0"/>
           </a:p>
         </p:txBody>
       </p:sp>
-      <p:sp>
-        <p:nvSpPr>
-          <p:cNvPr id="11" name="Rectangle 2">
-            <a:extLst>
-              <a:ext uri="{FF2B5EF4-FFF2-40B4-BE49-F238E27FC236}">
-                <a16:creationId xmlns:a16="http://schemas.microsoft.com/office/drawing/2014/main" id="{348D8CC6-C3F0-49CE-9718-3741755D8CC6}"/>
-              </a:ext>
-            </a:extLst>
-          </p:cNvPr>
-          <p:cNvSpPr txBox="1">
-            <a:spLocks/>
-          </p:cNvSpPr>
-          <p:nvPr/>
-        </p:nvSpPr>
-        <p:spPr>
-          <a:xfrm>
-            <a:off x="251520" y="1756915"/>
-            <a:ext cx="7669162" cy="684729"/>
-          </a:xfrm>
-          <a:prstGeom prst="rect">
-            <a:avLst/>
-          </a:prstGeom>
-        </p:spPr>
-        <p:txBody>
-          <a:bodyPr vert="horz" lIns="182880" tIns="91440">
-            <a:normAutofit/>
-          </a:bodyPr>
-          <a:lstStyle>
-            <a:lvl1pPr marL="0" indent="0" algn="l" rtl="0" eaLnBrk="1" latinLnBrk="0" hangingPunct="1">
-              <a:spcBef>
-                <a:spcPts val="250"/>
-              </a:spcBef>
-              <a:buClr>
-                <a:schemeClr val="accent1"/>
-              </a:buClr>
-              <a:buSzPct val="80000"/>
-              <a:buFont typeface="Wingdings 2"/>
-              <a:buNone/>
-              <a:defRPr sz="2000" kern="1200">
-                <a:solidFill>
-                  <a:schemeClr val="tx1"/>
-                </a:solidFill>
-                <a:effectLst/>
-                <a:latin typeface="+mn-lt"/>
-                <a:ea typeface="+mn-ea"/>
-                <a:cs typeface="+mn-cs"/>
-              </a:defRPr>
-            </a:lvl1pPr>
-            <a:lvl2pPr marL="347472" indent="0" algn="l" rtl="0" eaLnBrk="1" latinLnBrk="0" hangingPunct="1">
-              <a:spcBef>
-                <a:spcPts val="250"/>
-              </a:spcBef>
-              <a:buClr>
-                <a:schemeClr val="accent1"/>
-              </a:buClr>
-              <a:buSzPct val="100000"/>
-              <a:buFont typeface="Verdana"/>
-              <a:buNone/>
-              <a:defRPr sz="2400" kern="1200">
-                <a:solidFill>
-                  <a:schemeClr val="tx1"/>
-                </a:solidFill>
-                <a:latin typeface="+mn-lt"/>
-                <a:ea typeface="+mn-ea"/>
-                <a:cs typeface="+mn-cs"/>
-              </a:defRPr>
-            </a:lvl2pPr>
-            <a:lvl3pPr marL="603504" indent="0" algn="l" rtl="0" eaLnBrk="1" latinLnBrk="0" hangingPunct="1">
-              <a:spcBef>
-                <a:spcPts val="250"/>
-              </a:spcBef>
-              <a:buClr>
-                <a:schemeClr val="accent2">
-                  <a:tint val="85000"/>
-                  <a:satMod val="285000"/>
-                </a:schemeClr>
-              </a:buClr>
-              <a:buSzPct val="100000"/>
-              <a:buFont typeface="Wingdings 2"/>
-              <a:buNone/>
-              <a:defRPr sz="2200" kern="1200">
-                <a:solidFill>
-                  <a:schemeClr val="tx1"/>
-                </a:solidFill>
-                <a:latin typeface="+mn-lt"/>
-                <a:ea typeface="+mn-ea"/>
-                <a:cs typeface="+mn-cs"/>
-              </a:defRPr>
-            </a:lvl3pPr>
-            <a:lvl4pPr marL="841248" indent="0" algn="l" rtl="0" eaLnBrk="1" latinLnBrk="0" hangingPunct="1">
-              <a:spcBef>
-                <a:spcPts val="230"/>
-              </a:spcBef>
-              <a:buClr>
-                <a:schemeClr val="accent2">
-                  <a:tint val="85000"/>
-                  <a:satMod val="285000"/>
-                </a:schemeClr>
-              </a:buClr>
-              <a:buSzPct val="112000"/>
-              <a:buFont typeface="Verdana"/>
-              <a:buNone/>
-              <a:defRPr sz="1900" kern="1200">
-                <a:solidFill>
-                  <a:schemeClr val="tx1"/>
-                </a:solidFill>
-                <a:latin typeface="+mn-lt"/>
-                <a:ea typeface="+mn-ea"/>
-                <a:cs typeface="+mn-cs"/>
-              </a:defRPr>
-            </a:lvl4pPr>
-            <a:lvl5pPr marL="1097280" indent="0" algn="l" rtl="0" eaLnBrk="1" latinLnBrk="0" hangingPunct="1">
-              <a:spcBef>
-                <a:spcPts val="250"/>
-              </a:spcBef>
-              <a:buClr>
-                <a:schemeClr val="accent3">
-                  <a:tint val="85000"/>
-                  <a:satMod val="275000"/>
-                </a:schemeClr>
-              </a:buClr>
-              <a:buSzPct val="100000"/>
-              <a:buFont typeface="Wingdings 2"/>
-              <a:buNone/>
-              <a:defRPr sz="1800" kern="1200">
-                <a:solidFill>
-                  <a:schemeClr val="tx1"/>
-                </a:solidFill>
-                <a:latin typeface="+mn-lt"/>
-                <a:ea typeface="+mn-ea"/>
-                <a:cs typeface="+mn-cs"/>
-              </a:defRPr>
-            </a:lvl5pPr>
-            <a:lvl6pPr marL="1490472" indent="-182880" algn="l" rtl="0" eaLnBrk="1" latinLnBrk="0" hangingPunct="1">
-              <a:spcBef>
-                <a:spcPts val="250"/>
-              </a:spcBef>
-              <a:buClr>
-                <a:schemeClr val="accent3">
-                  <a:tint val="85000"/>
-                  <a:satMod val="275000"/>
-                </a:schemeClr>
-              </a:buClr>
-              <a:buSzPct val="100000"/>
-              <a:buFont typeface="Verdana"/>
-              <a:buChar char="◦"/>
-              <a:defRPr sz="1700" kern="1200" baseline="0">
-                <a:solidFill>
-                  <a:srgbClr val="FFFFFF"/>
-                </a:solidFill>
-                <a:latin typeface="+mn-lt"/>
-                <a:ea typeface="+mn-ea"/>
-                <a:cs typeface="+mn-cs"/>
-              </a:defRPr>
-            </a:lvl6pPr>
-            <a:lvl7pPr marL="1700784" indent="-182880" algn="l" rtl="0" eaLnBrk="1" latinLnBrk="0" hangingPunct="1">
-              <a:spcBef>
-                <a:spcPts val="255"/>
-              </a:spcBef>
-              <a:buClr>
-                <a:schemeClr val="accent3">
-                  <a:tint val="85000"/>
-                  <a:satMod val="275000"/>
-                </a:schemeClr>
-              </a:buClr>
-              <a:buSzPct val="100000"/>
-              <a:buFont typeface="Wingdings 2"/>
-              <a:buChar char=""/>
-              <a:defRPr sz="1500" kern="1200">
-                <a:solidFill>
-                  <a:srgbClr val="FFFFFF"/>
-                </a:solidFill>
-                <a:latin typeface="+mn-lt"/>
-                <a:ea typeface="+mn-ea"/>
-                <a:cs typeface="+mn-cs"/>
-              </a:defRPr>
-            </a:lvl7pPr>
-            <a:lvl8pPr marL="1920240" indent="-182880" algn="l" rtl="0" eaLnBrk="1" latinLnBrk="0" hangingPunct="1">
-              <a:spcBef>
-                <a:spcPts val="257"/>
-              </a:spcBef>
-              <a:buClr>
-                <a:schemeClr val="accent3">
-                  <a:tint val="85000"/>
-                  <a:satMod val="275000"/>
-                </a:schemeClr>
-              </a:buClr>
-              <a:buSzPct val="100000"/>
-              <a:buFont typeface="Verdana"/>
-              <a:buChar char="◦"/>
-              <a:defRPr sz="1500" kern="1200" baseline="0">
-                <a:solidFill>
-                  <a:srgbClr val="FFFFFF"/>
-                </a:solidFill>
-                <a:latin typeface="+mn-lt"/>
-                <a:ea typeface="+mn-ea"/>
-                <a:cs typeface="+mn-cs"/>
-              </a:defRPr>
-            </a:lvl8pPr>
-            <a:lvl9pPr marL="2148840" indent="-182880" algn="l" rtl="0" eaLnBrk="1" latinLnBrk="0" hangingPunct="1">
-              <a:spcBef>
-                <a:spcPts val="255"/>
-              </a:spcBef>
-              <a:buClr>
-                <a:schemeClr val="accent3">
-                  <a:tint val="85000"/>
-                  <a:satMod val="275000"/>
-                </a:schemeClr>
-              </a:buClr>
-              <a:buSzPct val="100000"/>
-              <a:buFont typeface="Wingdings 2"/>
-              <a:buChar char=""/>
-              <a:defRPr sz="1500" kern="1200">
-                <a:solidFill>
-                  <a:srgbClr val="FFFFFF"/>
-                </a:solidFill>
-                <a:latin typeface="+mn-lt"/>
-                <a:ea typeface="+mn-ea"/>
-                <a:cs typeface="+mn-cs"/>
-              </a:defRPr>
-            </a:lvl9pPr>
-          </a:lstStyle>
-          <a:p>
-            <a:r>
-              <a:rPr lang="en-US" b="1" dirty="0"/>
-              <a:t>Reusability</a:t>
-            </a:r>
-          </a:p>
-        </p:txBody>
-      </p:sp>
-      <p:sp>
-        <p:nvSpPr>
-          <p:cNvPr id="8" name="Rectangle 2">
-            <a:extLst>
-              <a:ext uri="{FF2B5EF4-FFF2-40B4-BE49-F238E27FC236}">
-                <a16:creationId xmlns:a16="http://schemas.microsoft.com/office/drawing/2014/main" id="{3D108CEE-CBC3-48BA-99AF-5A29D2380B93}"/>
-              </a:ext>
-            </a:extLst>
-          </p:cNvPr>
-          <p:cNvSpPr txBox="1">
-            <a:spLocks/>
-          </p:cNvSpPr>
-          <p:nvPr/>
-        </p:nvSpPr>
-        <p:spPr>
-          <a:xfrm>
-            <a:off x="235170" y="4741503"/>
-            <a:ext cx="7669162" cy="515888"/>
-          </a:xfrm>
-          <a:prstGeom prst="rect">
-            <a:avLst/>
-          </a:prstGeom>
-        </p:spPr>
-        <p:txBody>
-          <a:bodyPr vert="horz" lIns="182880" tIns="91440">
-            <a:normAutofit/>
-          </a:bodyPr>
-          <a:lstStyle>
-            <a:lvl1pPr marL="0" indent="0" algn="l" rtl="0" eaLnBrk="1" latinLnBrk="0" hangingPunct="1">
-              <a:spcBef>
-                <a:spcPts val="250"/>
-              </a:spcBef>
-              <a:buClr>
-                <a:schemeClr val="accent1"/>
-              </a:buClr>
-              <a:buSzPct val="80000"/>
-              <a:buFont typeface="Wingdings 2"/>
-              <a:buNone/>
-              <a:defRPr sz="2000" kern="1200">
-                <a:solidFill>
-                  <a:schemeClr val="tx1"/>
-                </a:solidFill>
-                <a:effectLst/>
-                <a:latin typeface="+mn-lt"/>
-                <a:ea typeface="+mn-ea"/>
-                <a:cs typeface="+mn-cs"/>
-              </a:defRPr>
-            </a:lvl1pPr>
-            <a:lvl2pPr marL="347472" indent="0" algn="l" rtl="0" eaLnBrk="1" latinLnBrk="0" hangingPunct="1">
-              <a:spcBef>
-                <a:spcPts val="250"/>
-              </a:spcBef>
-              <a:buClr>
-                <a:schemeClr val="accent1"/>
-              </a:buClr>
-              <a:buSzPct val="100000"/>
-              <a:buFont typeface="Verdana"/>
-              <a:buNone/>
-              <a:defRPr sz="2400" kern="1200">
-                <a:solidFill>
-                  <a:schemeClr val="tx1"/>
-                </a:solidFill>
-                <a:latin typeface="+mn-lt"/>
-                <a:ea typeface="+mn-ea"/>
-                <a:cs typeface="+mn-cs"/>
-              </a:defRPr>
-            </a:lvl2pPr>
-            <a:lvl3pPr marL="603504" indent="0" algn="l" rtl="0" eaLnBrk="1" latinLnBrk="0" hangingPunct="1">
-              <a:spcBef>
-                <a:spcPts val="250"/>
-              </a:spcBef>
-              <a:buClr>
-                <a:schemeClr val="accent2">
-                  <a:tint val="85000"/>
-                  <a:satMod val="285000"/>
-                </a:schemeClr>
-              </a:buClr>
-              <a:buSzPct val="100000"/>
-              <a:buFont typeface="Wingdings 2"/>
-              <a:buNone/>
-              <a:defRPr sz="2200" kern="1200">
-                <a:solidFill>
-                  <a:schemeClr val="tx1"/>
-                </a:solidFill>
-                <a:latin typeface="+mn-lt"/>
-                <a:ea typeface="+mn-ea"/>
-                <a:cs typeface="+mn-cs"/>
-              </a:defRPr>
-            </a:lvl3pPr>
-            <a:lvl4pPr marL="841248" indent="0" algn="l" rtl="0" eaLnBrk="1" latinLnBrk="0" hangingPunct="1">
-              <a:spcBef>
-                <a:spcPts val="230"/>
-              </a:spcBef>
-              <a:buClr>
-                <a:schemeClr val="accent2">
-                  <a:tint val="85000"/>
-                  <a:satMod val="285000"/>
-                </a:schemeClr>
-              </a:buClr>
-              <a:buSzPct val="112000"/>
-              <a:buFont typeface="Verdana"/>
-              <a:buNone/>
-              <a:defRPr sz="1900" kern="1200">
-                <a:solidFill>
-                  <a:schemeClr val="tx1"/>
-                </a:solidFill>
-                <a:latin typeface="+mn-lt"/>
-                <a:ea typeface="+mn-ea"/>
-                <a:cs typeface="+mn-cs"/>
-              </a:defRPr>
-            </a:lvl4pPr>
-            <a:lvl5pPr marL="1097280" indent="0" algn="l" rtl="0" eaLnBrk="1" latinLnBrk="0" hangingPunct="1">
-              <a:spcBef>
-                <a:spcPts val="250"/>
-              </a:spcBef>
-              <a:buClr>
-                <a:schemeClr val="accent3">
-                  <a:tint val="85000"/>
-                  <a:satMod val="275000"/>
-                </a:schemeClr>
-              </a:buClr>
-              <a:buSzPct val="100000"/>
-              <a:buFont typeface="Wingdings 2"/>
-              <a:buNone/>
-              <a:defRPr sz="1800" kern="1200">
-                <a:solidFill>
-                  <a:schemeClr val="tx1"/>
-                </a:solidFill>
-                <a:latin typeface="+mn-lt"/>
-                <a:ea typeface="+mn-ea"/>
-                <a:cs typeface="+mn-cs"/>
-              </a:defRPr>
-            </a:lvl5pPr>
-            <a:lvl6pPr marL="1490472" indent="-182880" algn="l" rtl="0" eaLnBrk="1" latinLnBrk="0" hangingPunct="1">
-              <a:spcBef>
-                <a:spcPts val="250"/>
-              </a:spcBef>
-              <a:buClr>
-                <a:schemeClr val="accent3">
-                  <a:tint val="85000"/>
-                  <a:satMod val="275000"/>
-                </a:schemeClr>
-              </a:buClr>
-              <a:buSzPct val="100000"/>
-              <a:buFont typeface="Verdana"/>
-              <a:buChar char="◦"/>
-              <a:defRPr sz="1700" kern="1200" baseline="0">
-                <a:solidFill>
-                  <a:srgbClr val="FFFFFF"/>
-                </a:solidFill>
-                <a:latin typeface="+mn-lt"/>
-                <a:ea typeface="+mn-ea"/>
-                <a:cs typeface="+mn-cs"/>
-              </a:defRPr>
-            </a:lvl6pPr>
-            <a:lvl7pPr marL="1700784" indent="-182880" algn="l" rtl="0" eaLnBrk="1" latinLnBrk="0" hangingPunct="1">
-              <a:spcBef>
-                <a:spcPts val="255"/>
-              </a:spcBef>
-              <a:buClr>
-                <a:schemeClr val="accent3">
-                  <a:tint val="85000"/>
-                  <a:satMod val="275000"/>
-                </a:schemeClr>
-              </a:buClr>
-              <a:buSzPct val="100000"/>
-              <a:buFont typeface="Wingdings 2"/>
-              <a:buChar char=""/>
-              <a:defRPr sz="1500" kern="1200">
-                <a:solidFill>
-                  <a:srgbClr val="FFFFFF"/>
-                </a:solidFill>
-                <a:latin typeface="+mn-lt"/>
-                <a:ea typeface="+mn-ea"/>
-                <a:cs typeface="+mn-cs"/>
-              </a:defRPr>
-            </a:lvl7pPr>
-            <a:lvl8pPr marL="1920240" indent="-182880" algn="l" rtl="0" eaLnBrk="1" latinLnBrk="0" hangingPunct="1">
-              <a:spcBef>
-                <a:spcPts val="257"/>
-              </a:spcBef>
-              <a:buClr>
-                <a:schemeClr val="accent3">
-                  <a:tint val="85000"/>
-                  <a:satMod val="275000"/>
-                </a:schemeClr>
-              </a:buClr>
-              <a:buSzPct val="100000"/>
-              <a:buFont typeface="Verdana"/>
-              <a:buChar char="◦"/>
-              <a:defRPr sz="1500" kern="1200" baseline="0">
-                <a:solidFill>
-                  <a:srgbClr val="FFFFFF"/>
-                </a:solidFill>
-                <a:latin typeface="+mn-lt"/>
-                <a:ea typeface="+mn-ea"/>
-                <a:cs typeface="+mn-cs"/>
-              </a:defRPr>
-            </a:lvl8pPr>
-            <a:lvl9pPr marL="2148840" indent="-182880" algn="l" rtl="0" eaLnBrk="1" latinLnBrk="0" hangingPunct="1">
-              <a:spcBef>
-                <a:spcPts val="255"/>
-              </a:spcBef>
-              <a:buClr>
-                <a:schemeClr val="accent3">
-                  <a:tint val="85000"/>
-                  <a:satMod val="275000"/>
-                </a:schemeClr>
-              </a:buClr>
-              <a:buSzPct val="100000"/>
-              <a:buFont typeface="Wingdings 2"/>
-              <a:buChar char=""/>
-              <a:defRPr sz="1500" kern="1200">
-                <a:solidFill>
-                  <a:srgbClr val="FFFFFF"/>
-                </a:solidFill>
-                <a:latin typeface="+mn-lt"/>
-                <a:ea typeface="+mn-ea"/>
-                <a:cs typeface="+mn-cs"/>
-              </a:defRPr>
-            </a:lvl9pPr>
-          </a:lstStyle>
-          <a:p>
-            <a:r>
-              <a:rPr lang="en-US" b="1" dirty="0"/>
-              <a:t>Independent</a:t>
-            </a:r>
-          </a:p>
-        </p:txBody>
-      </p:sp>
-      <p:sp>
-        <p:nvSpPr>
-          <p:cNvPr id="9" name="Rectangle 2">
-            <a:extLst>
-              <a:ext uri="{FF2B5EF4-FFF2-40B4-BE49-F238E27FC236}">
-                <a16:creationId xmlns:a16="http://schemas.microsoft.com/office/drawing/2014/main" id="{418B5159-D643-474A-8171-66CFB631F8A5}"/>
-              </a:ext>
-            </a:extLst>
-          </p:cNvPr>
-          <p:cNvSpPr txBox="1">
-            <a:spLocks/>
-          </p:cNvSpPr>
-          <p:nvPr/>
-        </p:nvSpPr>
-        <p:spPr>
-          <a:xfrm>
-            <a:off x="328080" y="5191481"/>
-            <a:ext cx="7669162" cy="1132048"/>
-          </a:xfrm>
-          <a:prstGeom prst="rect">
-            <a:avLst/>
-          </a:prstGeom>
-        </p:spPr>
-        <p:txBody>
-          <a:bodyPr vert="horz" lIns="182880" tIns="91440">
-            <a:normAutofit fontScale="92500" lnSpcReduction="20000"/>
-          </a:bodyPr>
-          <a:lstStyle>
-            <a:lvl1pPr marL="0" indent="0" algn="l" rtl="0" eaLnBrk="1" latinLnBrk="0" hangingPunct="1">
-              <a:spcBef>
-                <a:spcPts val="250"/>
-              </a:spcBef>
-              <a:buClr>
-                <a:schemeClr val="accent1"/>
-              </a:buClr>
-              <a:buSzPct val="80000"/>
-              <a:buFont typeface="Wingdings 2"/>
-              <a:buNone/>
-              <a:defRPr sz="2000" kern="1200">
-                <a:solidFill>
-                  <a:schemeClr val="tx1"/>
-                </a:solidFill>
-                <a:effectLst/>
-                <a:latin typeface="+mn-lt"/>
-                <a:ea typeface="+mn-ea"/>
-                <a:cs typeface="+mn-cs"/>
-              </a:defRPr>
-            </a:lvl1pPr>
-            <a:lvl2pPr marL="347472" indent="0" algn="l" rtl="0" eaLnBrk="1" latinLnBrk="0" hangingPunct="1">
-              <a:spcBef>
-                <a:spcPts val="250"/>
-              </a:spcBef>
-              <a:buClr>
-                <a:schemeClr val="accent1"/>
-              </a:buClr>
-              <a:buSzPct val="100000"/>
-              <a:buFont typeface="Verdana"/>
-              <a:buNone/>
-              <a:defRPr sz="2400" kern="1200">
-                <a:solidFill>
-                  <a:schemeClr val="tx1"/>
-                </a:solidFill>
-                <a:latin typeface="+mn-lt"/>
-                <a:ea typeface="+mn-ea"/>
-                <a:cs typeface="+mn-cs"/>
-              </a:defRPr>
-            </a:lvl2pPr>
-            <a:lvl3pPr marL="603504" indent="0" algn="l" rtl="0" eaLnBrk="1" latinLnBrk="0" hangingPunct="1">
-              <a:spcBef>
-                <a:spcPts val="250"/>
-              </a:spcBef>
-              <a:buClr>
-                <a:schemeClr val="accent2">
-                  <a:tint val="85000"/>
-                  <a:satMod val="285000"/>
-                </a:schemeClr>
-              </a:buClr>
-              <a:buSzPct val="100000"/>
-              <a:buFont typeface="Wingdings 2"/>
-              <a:buNone/>
-              <a:defRPr sz="2200" kern="1200">
-                <a:solidFill>
-                  <a:schemeClr val="tx1"/>
-                </a:solidFill>
-                <a:latin typeface="+mn-lt"/>
-                <a:ea typeface="+mn-ea"/>
-                <a:cs typeface="+mn-cs"/>
-              </a:defRPr>
-            </a:lvl3pPr>
-            <a:lvl4pPr marL="841248" indent="0" algn="l" rtl="0" eaLnBrk="1" latinLnBrk="0" hangingPunct="1">
-              <a:spcBef>
-                <a:spcPts val="230"/>
-              </a:spcBef>
-              <a:buClr>
-                <a:schemeClr val="accent2">
-                  <a:tint val="85000"/>
-                  <a:satMod val="285000"/>
-                </a:schemeClr>
-              </a:buClr>
-              <a:buSzPct val="112000"/>
-              <a:buFont typeface="Verdana"/>
-              <a:buNone/>
-              <a:defRPr sz="1900" kern="1200">
-                <a:solidFill>
-                  <a:schemeClr val="tx1"/>
-                </a:solidFill>
-                <a:latin typeface="+mn-lt"/>
-                <a:ea typeface="+mn-ea"/>
-                <a:cs typeface="+mn-cs"/>
-              </a:defRPr>
-            </a:lvl4pPr>
-            <a:lvl5pPr marL="1097280" indent="0" algn="l" rtl="0" eaLnBrk="1" latinLnBrk="0" hangingPunct="1">
-              <a:spcBef>
-                <a:spcPts val="250"/>
-              </a:spcBef>
-              <a:buClr>
-                <a:schemeClr val="accent3">
-                  <a:tint val="85000"/>
-                  <a:satMod val="275000"/>
-                </a:schemeClr>
-              </a:buClr>
-              <a:buSzPct val="100000"/>
-              <a:buFont typeface="Wingdings 2"/>
-              <a:buNone/>
-              <a:defRPr sz="1800" kern="1200">
-                <a:solidFill>
-                  <a:schemeClr val="tx1"/>
-                </a:solidFill>
-                <a:latin typeface="+mn-lt"/>
-                <a:ea typeface="+mn-ea"/>
-                <a:cs typeface="+mn-cs"/>
-              </a:defRPr>
-            </a:lvl5pPr>
-            <a:lvl6pPr marL="1490472" indent="-182880" algn="l" rtl="0" eaLnBrk="1" latinLnBrk="0" hangingPunct="1">
-              <a:spcBef>
-                <a:spcPts val="250"/>
-              </a:spcBef>
-              <a:buClr>
-                <a:schemeClr val="accent3">
-                  <a:tint val="85000"/>
-                  <a:satMod val="275000"/>
-                </a:schemeClr>
-              </a:buClr>
-              <a:buSzPct val="100000"/>
-              <a:buFont typeface="Verdana"/>
-              <a:buChar char="◦"/>
-              <a:defRPr sz="1700" kern="1200" baseline="0">
-                <a:solidFill>
-                  <a:srgbClr val="FFFFFF"/>
-                </a:solidFill>
-                <a:latin typeface="+mn-lt"/>
-                <a:ea typeface="+mn-ea"/>
-                <a:cs typeface="+mn-cs"/>
-              </a:defRPr>
-            </a:lvl6pPr>
-            <a:lvl7pPr marL="1700784" indent="-182880" algn="l" rtl="0" eaLnBrk="1" latinLnBrk="0" hangingPunct="1">
-              <a:spcBef>
-                <a:spcPts val="255"/>
-              </a:spcBef>
-              <a:buClr>
-                <a:schemeClr val="accent3">
-                  <a:tint val="85000"/>
-                  <a:satMod val="275000"/>
-                </a:schemeClr>
-              </a:buClr>
-              <a:buSzPct val="100000"/>
-              <a:buFont typeface="Wingdings 2"/>
-              <a:buChar char=""/>
-              <a:defRPr sz="1500" kern="1200">
-                <a:solidFill>
-                  <a:srgbClr val="FFFFFF"/>
-                </a:solidFill>
-                <a:latin typeface="+mn-lt"/>
-                <a:ea typeface="+mn-ea"/>
-                <a:cs typeface="+mn-cs"/>
-              </a:defRPr>
-            </a:lvl7pPr>
-            <a:lvl8pPr marL="1920240" indent="-182880" algn="l" rtl="0" eaLnBrk="1" latinLnBrk="0" hangingPunct="1">
-              <a:spcBef>
-                <a:spcPts val="257"/>
-              </a:spcBef>
-              <a:buClr>
-                <a:schemeClr val="accent3">
-                  <a:tint val="85000"/>
-                  <a:satMod val="275000"/>
-                </a:schemeClr>
-              </a:buClr>
-              <a:buSzPct val="100000"/>
-              <a:buFont typeface="Verdana"/>
-              <a:buChar char="◦"/>
-              <a:defRPr sz="1500" kern="1200" baseline="0">
-                <a:solidFill>
-                  <a:srgbClr val="FFFFFF"/>
-                </a:solidFill>
-                <a:latin typeface="+mn-lt"/>
-                <a:ea typeface="+mn-ea"/>
-                <a:cs typeface="+mn-cs"/>
-              </a:defRPr>
-            </a:lvl8pPr>
-            <a:lvl9pPr marL="2148840" indent="-182880" algn="l" rtl="0" eaLnBrk="1" latinLnBrk="0" hangingPunct="1">
-              <a:spcBef>
-                <a:spcPts val="255"/>
-              </a:spcBef>
-              <a:buClr>
-                <a:schemeClr val="accent3">
-                  <a:tint val="85000"/>
-                  <a:satMod val="275000"/>
-                </a:schemeClr>
-              </a:buClr>
-              <a:buSzPct val="100000"/>
-              <a:buFont typeface="Wingdings 2"/>
-              <a:buChar char=""/>
-              <a:defRPr sz="1500" kern="1200">
-                <a:solidFill>
-                  <a:srgbClr val="FFFFFF"/>
-                </a:solidFill>
-                <a:latin typeface="+mn-lt"/>
-                <a:ea typeface="+mn-ea"/>
-                <a:cs typeface="+mn-cs"/>
-              </a:defRPr>
-            </a:lvl9pPr>
-          </a:lstStyle>
-          <a:p>
-            <a:pPr marL="342900" indent="-342900">
-              <a:buFont typeface="Wingdings" panose="05000000000000000000" pitchFamily="2" charset="2"/>
-              <a:buChar char="ü"/>
-            </a:pPr>
-            <a:r>
-              <a:rPr lang="en-US" dirty="0"/>
-              <a:t>a component can be added or removed at any time without affecting other parts of the page</a:t>
-            </a:r>
-          </a:p>
-          <a:p>
-            <a:pPr marL="342900" indent="-342900">
-              <a:buFont typeface="Wingdings" panose="05000000000000000000" pitchFamily="2" charset="2"/>
-              <a:buChar char="ü"/>
-            </a:pPr>
-            <a:r>
-              <a:rPr lang="en-US" dirty="0"/>
-              <a:t>any change on a component should not affect other existing components</a:t>
-            </a:r>
-          </a:p>
-          <a:p>
-            <a:pPr marL="342900" indent="-342900">
-              <a:buFontTx/>
-              <a:buChar char="-"/>
-            </a:pPr>
-            <a:endParaRPr lang="en-US" dirty="0"/>
-          </a:p>
-        </p:txBody>
-      </p:sp>
     </p:spTree>
-    <p:extLst>
-      <p:ext uri="{BB962C8B-B14F-4D97-AF65-F5344CB8AC3E}">
-        <p14:creationId xmlns:p14="http://schemas.microsoft.com/office/powerpoint/2010/main" val="1018429369"/>
-      </p:ext>
-    </p:extLst>
   </p:cSld>
   <p:clrMapOvr>
     <a:masterClrMapping/>
@@ -16283,144 +16926,6 @@
 </file>
 
 <file path=customXml/item2.xml><?xml version="1.0" encoding="utf-8"?>
-<p:properties xmlns:p="http://schemas.microsoft.com/office/2006/metadata/properties" xmlns:xsi="http://www.w3.org/2001/XMLSchema-instance" xmlns:pc="http://schemas.microsoft.com/office/infopath/2007/PartnerControls">
-  <documentManagement>
-    <MarketSpecific xmlns="4873beb7-5857-4685-be1f-d57550cc96cc" xsi:nil="true"/>
-    <ApprovalStatus xmlns="4873beb7-5857-4685-be1f-d57550cc96cc">InProgress</ApprovalStatus>
-    <DirectSourceMarket xmlns="4873beb7-5857-4685-be1f-d57550cc96cc" xsi:nil="true"/>
-    <PrimaryImageGen xmlns="4873beb7-5857-4685-be1f-d57550cc96cc">true</PrimaryImageGen>
-    <ThumbnailAssetId xmlns="4873beb7-5857-4685-be1f-d57550cc96cc" xsi:nil="true"/>
-    <NumericId xmlns="4873beb7-5857-4685-be1f-d57550cc96cc">-1</NumericId>
-    <TPFriendlyName xmlns="4873beb7-5857-4685-be1f-d57550cc96cc">Staff training presentation</TPFriendlyName>
-    <BusinessGroup xmlns="4873beb7-5857-4685-be1f-d57550cc96cc" xsi:nil="true"/>
-    <APEditor xmlns="4873beb7-5857-4685-be1f-d57550cc96cc">
-      <UserInfo>
-        <DisplayName>REDMOND\v-luannv</DisplayName>
-        <AccountId>92</AccountId>
-        <AccountType/>
-      </UserInfo>
-    </APEditor>
-    <SourceTitle xmlns="4873beb7-5857-4685-be1f-d57550cc96cc">Staff training presentation</SourceTitle>
-    <OpenTemplate xmlns="4873beb7-5857-4685-be1f-d57550cc96cc">true</OpenTemplate>
-    <UALocComments xmlns="4873beb7-5857-4685-be1f-d57550cc96cc" xsi:nil="true"/>
-    <ParentAssetId xmlns="4873beb7-5857-4685-be1f-d57550cc96cc" xsi:nil="true"/>
-    <IntlLangReviewDate xmlns="4873beb7-5857-4685-be1f-d57550cc96cc" xsi:nil="true"/>
-    <PublishStatusLookup xmlns="4873beb7-5857-4685-be1f-d57550cc96cc">
-      <Value>264800</Value>
-      <Value>1317039</Value>
-    </PublishStatusLookup>
-    <MachineTranslated xmlns="4873beb7-5857-4685-be1f-d57550cc96cc">false</MachineTranslated>
-    <OriginalSourceMarket xmlns="4873beb7-5857-4685-be1f-d57550cc96cc" xsi:nil="true"/>
-    <TPInstallLocation xmlns="4873beb7-5857-4685-be1f-d57550cc96cc">{My Templates}</TPInstallLocation>
-    <APDescription xmlns="4873beb7-5857-4685-be1f-d57550cc96cc" xsi:nil="true"/>
-    <ContentItem xmlns="4873beb7-5857-4685-be1f-d57550cc96cc" xsi:nil="true"/>
-    <ClipArtFilename xmlns="4873beb7-5857-4685-be1f-d57550cc96cc" xsi:nil="true"/>
-    <APAuthor xmlns="4873beb7-5857-4685-be1f-d57550cc96cc">
-      <UserInfo>
-        <DisplayName>REDMOND\cynvey</DisplayName>
-        <AccountId>191</AccountId>
-        <AccountType/>
-      </UserInfo>
-    </APAuthor>
-    <TPAppVersion xmlns="4873beb7-5857-4685-be1f-d57550cc96cc">11</TPAppVersion>
-    <TPCommandLine xmlns="4873beb7-5857-4685-be1f-d57550cc96cc">{PP} /n {FilePath}</TPCommandLine>
-    <PublishTargets xmlns="4873beb7-5857-4685-be1f-d57550cc96cc">OfficeOnline</PublishTargets>
-    <TPLaunchHelpLinkType xmlns="4873beb7-5857-4685-be1f-d57550cc96cc">Template</TPLaunchHelpLinkType>
-    <TimesCloned xmlns="4873beb7-5857-4685-be1f-d57550cc96cc" xsi:nil="true"/>
-    <EditorialStatus xmlns="4873beb7-5857-4685-be1f-d57550cc96cc" xsi:nil="true"/>
-    <LastModifiedDateTime xmlns="4873beb7-5857-4685-be1f-d57550cc96cc" xsi:nil="true"/>
-    <Provider xmlns="4873beb7-5857-4685-be1f-d57550cc96cc">EY006220130</Provider>
-    <AcquiredFrom xmlns="4873beb7-5857-4685-be1f-d57550cc96cc" xsi:nil="true"/>
-    <AssetStart xmlns="4873beb7-5857-4685-be1f-d57550cc96cc">2009-05-30T20:43:57+00:00</AssetStart>
-    <LastHandOff xmlns="4873beb7-5857-4685-be1f-d57550cc96cc" xsi:nil="true"/>
-    <ArtSampleDocs xmlns="4873beb7-5857-4685-be1f-d57550cc96cc" xsi:nil="true"/>
-    <TPClientViewer xmlns="4873beb7-5857-4685-be1f-d57550cc96cc">Microsoft Office PowerPoint</TPClientViewer>
-    <UACurrentWords xmlns="4873beb7-5857-4685-be1f-d57550cc96cc">0</UACurrentWords>
-    <UALocRecommendation xmlns="4873beb7-5857-4685-be1f-d57550cc96cc">Localize</UALocRecommendation>
-    <IsDeleted xmlns="4873beb7-5857-4685-be1f-d57550cc96cc">false</IsDeleted>
-    <UANotes xmlns="4873beb7-5857-4685-be1f-d57550cc96cc">online onlyFedEx</UANotes>
-    <TemplateStatus xmlns="4873beb7-5857-4685-be1f-d57550cc96cc">Complete</TemplateStatus>
-    <ShowIn xmlns="4873beb7-5857-4685-be1f-d57550cc96cc" xsi:nil="true"/>
-    <CSXHash xmlns="4873beb7-5857-4685-be1f-d57550cc96cc" xsi:nil="true"/>
-    <VoteCount xmlns="4873beb7-5857-4685-be1f-d57550cc96cc" xsi:nil="true"/>
-    <AssetExpire xmlns="4873beb7-5857-4685-be1f-d57550cc96cc">2100-01-01T00:00:00+00:00</AssetExpire>
-    <CSXSubmissionMarket xmlns="4873beb7-5857-4685-be1f-d57550cc96cc" xsi:nil="true"/>
-    <DSATActionTaken xmlns="4873beb7-5857-4685-be1f-d57550cc96cc" xsi:nil="true"/>
-    <TPExecutable xmlns="4873beb7-5857-4685-be1f-d57550cc96cc" xsi:nil="true"/>
-    <SubmitterId xmlns="4873beb7-5857-4685-be1f-d57550cc96cc" xsi:nil="true"/>
-    <AssetType xmlns="4873beb7-5857-4685-be1f-d57550cc96cc">TP</AssetType>
-    <CSXSubmissionDate xmlns="4873beb7-5857-4685-be1f-d57550cc96cc" xsi:nil="true"/>
-    <CSXUpdate xmlns="4873beb7-5857-4685-be1f-d57550cc96cc">false</CSXUpdate>
-    <ApprovalLog xmlns="4873beb7-5857-4685-be1f-d57550cc96cc" xsi:nil="true"/>
-    <BugNumber xmlns="4873beb7-5857-4685-be1f-d57550cc96cc" xsi:nil="true"/>
-    <Milestone xmlns="4873beb7-5857-4685-be1f-d57550cc96cc" xsi:nil="true"/>
-    <OriginAsset xmlns="4873beb7-5857-4685-be1f-d57550cc96cc" xsi:nil="true"/>
-    <TPComponent xmlns="4873beb7-5857-4685-be1f-d57550cc96cc">PPTFiles</TPComponent>
-    <AssetId xmlns="4873beb7-5857-4685-be1f-d57550cc96cc">TP010167128</AssetId>
-    <TPApplication xmlns="4873beb7-5857-4685-be1f-d57550cc96cc">PowerPoint</TPApplication>
-    <TPLaunchHelpLink xmlns="4873beb7-5857-4685-be1f-d57550cc96cc" xsi:nil="true"/>
-    <IntlLocPriority xmlns="4873beb7-5857-4685-be1f-d57550cc96cc" xsi:nil="true"/>
-    <CrawlForDependencies xmlns="4873beb7-5857-4685-be1f-d57550cc96cc">false</CrawlForDependencies>
-    <IntlLangReviewer xmlns="4873beb7-5857-4685-be1f-d57550cc96cc" xsi:nil="true"/>
-    <HandoffToMSDN xmlns="4873beb7-5857-4685-be1f-d57550cc96cc" xsi:nil="true"/>
-    <PlannedPubDate xmlns="4873beb7-5857-4685-be1f-d57550cc96cc" xsi:nil="true"/>
-    <TrustLevel xmlns="4873beb7-5857-4685-be1f-d57550cc96cc">1 Microsoft Managed Content</TrustLevel>
-    <IsSearchable xmlns="4873beb7-5857-4685-be1f-d57550cc96cc">false</IsSearchable>
-    <TPNamespace xmlns="4873beb7-5857-4685-be1f-d57550cc96cc">POWERPNT</TPNamespace>
-    <Markets xmlns="4873beb7-5857-4685-be1f-d57550cc96cc"/>
-    <IntlLangReview xmlns="4873beb7-5857-4685-be1f-d57550cc96cc" xsi:nil="true"/>
-    <UAProjectedTotalWords xmlns="4873beb7-5857-4685-be1f-d57550cc96cc" xsi:nil="true"/>
-    <OutputCachingOn xmlns="4873beb7-5857-4685-be1f-d57550cc96cc">false</OutputCachingOn>
-    <AverageRating xmlns="4873beb7-5857-4685-be1f-d57550cc96cc" xsi:nil="true"/>
-    <LastPublishResultLookup xmlns="4873beb7-5857-4685-be1f-d57550cc96cc" xsi:nil="true"/>
-    <PolicheckWords xmlns="4873beb7-5857-4685-be1f-d57550cc96cc" xsi:nil="true"/>
-    <FriendlyTitle xmlns="4873beb7-5857-4685-be1f-d57550cc96cc" xsi:nil="true"/>
-    <Manager xmlns="4873beb7-5857-4685-be1f-d57550cc96cc" xsi:nil="true"/>
-    <EditorialTags xmlns="4873beb7-5857-4685-be1f-d57550cc96cc" xsi:nil="true"/>
-    <LegacyData xmlns="4873beb7-5857-4685-be1f-d57550cc96cc" xsi:nil="true"/>
-    <Downloads xmlns="4873beb7-5857-4685-be1f-d57550cc96cc">0</Downloads>
-    <Providers xmlns="4873beb7-5857-4685-be1f-d57550cc96cc" xsi:nil="true"/>
-    <TemplateTemplateType xmlns="4873beb7-5857-4685-be1f-d57550cc96cc">PowerPoint 2003 Default</TemplateTemplateType>
-    <OOCacheId xmlns="4873beb7-5857-4685-be1f-d57550cc96cc" xsi:nil="true"/>
-    <BlockPublish xmlns="4873beb7-5857-4685-be1f-d57550cc96cc" xsi:nil="true"/>
-    <CampaignTagsTaxHTField0 xmlns="4873beb7-5857-4685-be1f-d57550cc96cc">
-      <Terms xmlns="http://schemas.microsoft.com/office/infopath/2007/PartnerControls"/>
-    </CampaignTagsTaxHTField0>
-    <LocLastLocAttemptVersionLookup xmlns="4873beb7-5857-4685-be1f-d57550cc96cc">116885</LocLastLocAttemptVersionLookup>
-    <LocLastLocAttemptVersionTypeLookup xmlns="4873beb7-5857-4685-be1f-d57550cc96cc" xsi:nil="true"/>
-    <LocOverallPreviewStatusLookup xmlns="4873beb7-5857-4685-be1f-d57550cc96cc" xsi:nil="true"/>
-    <LocOverallPublishStatusLookup xmlns="4873beb7-5857-4685-be1f-d57550cc96cc" xsi:nil="true"/>
-    <TaxCatchAll xmlns="4873beb7-5857-4685-be1f-d57550cc96cc"/>
-    <LocNewPublishedVersionLookup xmlns="4873beb7-5857-4685-be1f-d57550cc96cc" xsi:nil="true"/>
-    <LocPublishedDependentAssetsLookup xmlns="4873beb7-5857-4685-be1f-d57550cc96cc" xsi:nil="true"/>
-    <LocComments xmlns="4873beb7-5857-4685-be1f-d57550cc96cc" xsi:nil="true"/>
-    <LocProcessedForMarketsLookup xmlns="4873beb7-5857-4685-be1f-d57550cc96cc" xsi:nil="true"/>
-    <LocRecommendedHandoff xmlns="4873beb7-5857-4685-be1f-d57550cc96cc" xsi:nil="true"/>
-    <LocManualTestRequired xmlns="4873beb7-5857-4685-be1f-d57550cc96cc" xsi:nil="true"/>
-    <LocProcessedForHandoffsLookup xmlns="4873beb7-5857-4685-be1f-d57550cc96cc" xsi:nil="true"/>
-    <LocOverallHandbackStatusLookup xmlns="4873beb7-5857-4685-be1f-d57550cc96cc" xsi:nil="true"/>
-    <LocalizationTagsTaxHTField0 xmlns="4873beb7-5857-4685-be1f-d57550cc96cc">
-      <Terms xmlns="http://schemas.microsoft.com/office/infopath/2007/PartnerControls"/>
-    </LocalizationTagsTaxHTField0>
-    <FeatureTagsTaxHTField0 xmlns="4873beb7-5857-4685-be1f-d57550cc96cc">
-      <Terms xmlns="http://schemas.microsoft.com/office/infopath/2007/PartnerControls"/>
-    </FeatureTagsTaxHTField0>
-    <LocOverallLocStatusLookup xmlns="4873beb7-5857-4685-be1f-d57550cc96cc" xsi:nil="true"/>
-    <LocPublishedLinkedAssetsLookup xmlns="4873beb7-5857-4685-be1f-d57550cc96cc" xsi:nil="true"/>
-    <InternalTagsTaxHTField0 xmlns="4873beb7-5857-4685-be1f-d57550cc96cc">
-      <Terms xmlns="http://schemas.microsoft.com/office/infopath/2007/PartnerControls"/>
-    </InternalTagsTaxHTField0>
-    <RecommendationsModifier xmlns="4873beb7-5857-4685-be1f-d57550cc96cc" xsi:nil="true"/>
-    <ScenarioTagsTaxHTField0 xmlns="4873beb7-5857-4685-be1f-d57550cc96cc">
-      <Terms xmlns="http://schemas.microsoft.com/office/infopath/2007/PartnerControls"/>
-    </ScenarioTagsTaxHTField0>
-    <OriginalRelease xmlns="4873beb7-5857-4685-be1f-d57550cc96cc">14</OriginalRelease>
-    <LocMarketGroupTiers2 xmlns="4873beb7-5857-4685-be1f-d57550cc96cc" xsi:nil="true"/>
-  </documentManagement>
-</p:properties>
-</file>
-
-<file path=customXml/item3.xml><?xml version="1.0" encoding="utf-8"?>
 <ct:contentTypeSchema xmlns:ct="http://schemas.microsoft.com/office/2006/metadata/contentType" xmlns:ma="http://schemas.microsoft.com/office/2006/metadata/properties/metaAttributes" ct:_="" ma:_="" ma:contentTypeName="TemplateFile" ma:contentTypeID="0x0101006EDDDB5EE6D98C44930B742096920B300400F5B6D36B3EF94B4E9A635CDF2A18F5B8" ma:contentTypeVersion="72" ma:contentTypeDescription="Create a new document." ma:contentTypeScope="" ma:versionID="a23e56308344d904b51738559c3d67c9">
   <xsd:schema xmlns:xsd="http://www.w3.org/2001/XMLSchema" xmlns:xs="http://www.w3.org/2001/XMLSchema" xmlns:p="http://schemas.microsoft.com/office/2006/metadata/properties" xmlns:ns2="4873beb7-5857-4685-be1f-d57550cc96cc" targetNamespace="http://schemas.microsoft.com/office/2006/metadata/properties" ma:root="true" ma:fieldsID="cd0908cc4600e77bf5da051303e00c8d" ns2:_="">
     <xsd:import namespace="4873beb7-5857-4685-be1f-d57550cc96cc"/>
@@ -17460,6 +17965,144 @@
 </ct:contentTypeSchema>
 </file>
 
+<file path=customXml/item3.xml><?xml version="1.0" encoding="utf-8"?>
+<p:properties xmlns:p="http://schemas.microsoft.com/office/2006/metadata/properties" xmlns:xsi="http://www.w3.org/2001/XMLSchema-instance" xmlns:pc="http://schemas.microsoft.com/office/infopath/2007/PartnerControls">
+  <documentManagement>
+    <MarketSpecific xmlns="4873beb7-5857-4685-be1f-d57550cc96cc" xsi:nil="true"/>
+    <ApprovalStatus xmlns="4873beb7-5857-4685-be1f-d57550cc96cc">InProgress</ApprovalStatus>
+    <DirectSourceMarket xmlns="4873beb7-5857-4685-be1f-d57550cc96cc" xsi:nil="true"/>
+    <PrimaryImageGen xmlns="4873beb7-5857-4685-be1f-d57550cc96cc">true</PrimaryImageGen>
+    <ThumbnailAssetId xmlns="4873beb7-5857-4685-be1f-d57550cc96cc" xsi:nil="true"/>
+    <NumericId xmlns="4873beb7-5857-4685-be1f-d57550cc96cc">-1</NumericId>
+    <TPFriendlyName xmlns="4873beb7-5857-4685-be1f-d57550cc96cc">Staff training presentation</TPFriendlyName>
+    <BusinessGroup xmlns="4873beb7-5857-4685-be1f-d57550cc96cc" xsi:nil="true"/>
+    <APEditor xmlns="4873beb7-5857-4685-be1f-d57550cc96cc">
+      <UserInfo>
+        <DisplayName>REDMOND\v-luannv</DisplayName>
+        <AccountId>92</AccountId>
+        <AccountType/>
+      </UserInfo>
+    </APEditor>
+    <SourceTitle xmlns="4873beb7-5857-4685-be1f-d57550cc96cc">Staff training presentation</SourceTitle>
+    <OpenTemplate xmlns="4873beb7-5857-4685-be1f-d57550cc96cc">true</OpenTemplate>
+    <UALocComments xmlns="4873beb7-5857-4685-be1f-d57550cc96cc" xsi:nil="true"/>
+    <ParentAssetId xmlns="4873beb7-5857-4685-be1f-d57550cc96cc" xsi:nil="true"/>
+    <IntlLangReviewDate xmlns="4873beb7-5857-4685-be1f-d57550cc96cc" xsi:nil="true"/>
+    <PublishStatusLookup xmlns="4873beb7-5857-4685-be1f-d57550cc96cc">
+      <Value>264800</Value>
+      <Value>1317039</Value>
+    </PublishStatusLookup>
+    <MachineTranslated xmlns="4873beb7-5857-4685-be1f-d57550cc96cc">false</MachineTranslated>
+    <OriginalSourceMarket xmlns="4873beb7-5857-4685-be1f-d57550cc96cc" xsi:nil="true"/>
+    <TPInstallLocation xmlns="4873beb7-5857-4685-be1f-d57550cc96cc">{My Templates}</TPInstallLocation>
+    <APDescription xmlns="4873beb7-5857-4685-be1f-d57550cc96cc" xsi:nil="true"/>
+    <ContentItem xmlns="4873beb7-5857-4685-be1f-d57550cc96cc" xsi:nil="true"/>
+    <ClipArtFilename xmlns="4873beb7-5857-4685-be1f-d57550cc96cc" xsi:nil="true"/>
+    <APAuthor xmlns="4873beb7-5857-4685-be1f-d57550cc96cc">
+      <UserInfo>
+        <DisplayName>REDMOND\cynvey</DisplayName>
+        <AccountId>191</AccountId>
+        <AccountType/>
+      </UserInfo>
+    </APAuthor>
+    <TPAppVersion xmlns="4873beb7-5857-4685-be1f-d57550cc96cc">11</TPAppVersion>
+    <TPCommandLine xmlns="4873beb7-5857-4685-be1f-d57550cc96cc">{PP} /n {FilePath}</TPCommandLine>
+    <PublishTargets xmlns="4873beb7-5857-4685-be1f-d57550cc96cc">OfficeOnline</PublishTargets>
+    <TPLaunchHelpLinkType xmlns="4873beb7-5857-4685-be1f-d57550cc96cc">Template</TPLaunchHelpLinkType>
+    <TimesCloned xmlns="4873beb7-5857-4685-be1f-d57550cc96cc" xsi:nil="true"/>
+    <EditorialStatus xmlns="4873beb7-5857-4685-be1f-d57550cc96cc" xsi:nil="true"/>
+    <LastModifiedDateTime xmlns="4873beb7-5857-4685-be1f-d57550cc96cc" xsi:nil="true"/>
+    <Provider xmlns="4873beb7-5857-4685-be1f-d57550cc96cc">EY006220130</Provider>
+    <AcquiredFrom xmlns="4873beb7-5857-4685-be1f-d57550cc96cc" xsi:nil="true"/>
+    <AssetStart xmlns="4873beb7-5857-4685-be1f-d57550cc96cc">2009-05-30T20:43:57+00:00</AssetStart>
+    <LastHandOff xmlns="4873beb7-5857-4685-be1f-d57550cc96cc" xsi:nil="true"/>
+    <ArtSampleDocs xmlns="4873beb7-5857-4685-be1f-d57550cc96cc" xsi:nil="true"/>
+    <TPClientViewer xmlns="4873beb7-5857-4685-be1f-d57550cc96cc">Microsoft Office PowerPoint</TPClientViewer>
+    <UACurrentWords xmlns="4873beb7-5857-4685-be1f-d57550cc96cc">0</UACurrentWords>
+    <UALocRecommendation xmlns="4873beb7-5857-4685-be1f-d57550cc96cc">Localize</UALocRecommendation>
+    <IsDeleted xmlns="4873beb7-5857-4685-be1f-d57550cc96cc">false</IsDeleted>
+    <UANotes xmlns="4873beb7-5857-4685-be1f-d57550cc96cc">online onlyFedEx</UANotes>
+    <TemplateStatus xmlns="4873beb7-5857-4685-be1f-d57550cc96cc">Complete</TemplateStatus>
+    <ShowIn xmlns="4873beb7-5857-4685-be1f-d57550cc96cc" xsi:nil="true"/>
+    <CSXHash xmlns="4873beb7-5857-4685-be1f-d57550cc96cc" xsi:nil="true"/>
+    <VoteCount xmlns="4873beb7-5857-4685-be1f-d57550cc96cc" xsi:nil="true"/>
+    <AssetExpire xmlns="4873beb7-5857-4685-be1f-d57550cc96cc">2100-01-01T00:00:00+00:00</AssetExpire>
+    <CSXSubmissionMarket xmlns="4873beb7-5857-4685-be1f-d57550cc96cc" xsi:nil="true"/>
+    <DSATActionTaken xmlns="4873beb7-5857-4685-be1f-d57550cc96cc" xsi:nil="true"/>
+    <TPExecutable xmlns="4873beb7-5857-4685-be1f-d57550cc96cc" xsi:nil="true"/>
+    <SubmitterId xmlns="4873beb7-5857-4685-be1f-d57550cc96cc" xsi:nil="true"/>
+    <AssetType xmlns="4873beb7-5857-4685-be1f-d57550cc96cc">TP</AssetType>
+    <CSXSubmissionDate xmlns="4873beb7-5857-4685-be1f-d57550cc96cc" xsi:nil="true"/>
+    <CSXUpdate xmlns="4873beb7-5857-4685-be1f-d57550cc96cc">false</CSXUpdate>
+    <ApprovalLog xmlns="4873beb7-5857-4685-be1f-d57550cc96cc" xsi:nil="true"/>
+    <BugNumber xmlns="4873beb7-5857-4685-be1f-d57550cc96cc" xsi:nil="true"/>
+    <Milestone xmlns="4873beb7-5857-4685-be1f-d57550cc96cc" xsi:nil="true"/>
+    <OriginAsset xmlns="4873beb7-5857-4685-be1f-d57550cc96cc" xsi:nil="true"/>
+    <TPComponent xmlns="4873beb7-5857-4685-be1f-d57550cc96cc">PPTFiles</TPComponent>
+    <AssetId xmlns="4873beb7-5857-4685-be1f-d57550cc96cc">TP010167128</AssetId>
+    <TPApplication xmlns="4873beb7-5857-4685-be1f-d57550cc96cc">PowerPoint</TPApplication>
+    <TPLaunchHelpLink xmlns="4873beb7-5857-4685-be1f-d57550cc96cc" xsi:nil="true"/>
+    <IntlLocPriority xmlns="4873beb7-5857-4685-be1f-d57550cc96cc" xsi:nil="true"/>
+    <CrawlForDependencies xmlns="4873beb7-5857-4685-be1f-d57550cc96cc">false</CrawlForDependencies>
+    <IntlLangReviewer xmlns="4873beb7-5857-4685-be1f-d57550cc96cc" xsi:nil="true"/>
+    <HandoffToMSDN xmlns="4873beb7-5857-4685-be1f-d57550cc96cc" xsi:nil="true"/>
+    <PlannedPubDate xmlns="4873beb7-5857-4685-be1f-d57550cc96cc" xsi:nil="true"/>
+    <TrustLevel xmlns="4873beb7-5857-4685-be1f-d57550cc96cc">1 Microsoft Managed Content</TrustLevel>
+    <IsSearchable xmlns="4873beb7-5857-4685-be1f-d57550cc96cc">false</IsSearchable>
+    <TPNamespace xmlns="4873beb7-5857-4685-be1f-d57550cc96cc">POWERPNT</TPNamespace>
+    <Markets xmlns="4873beb7-5857-4685-be1f-d57550cc96cc"/>
+    <IntlLangReview xmlns="4873beb7-5857-4685-be1f-d57550cc96cc" xsi:nil="true"/>
+    <UAProjectedTotalWords xmlns="4873beb7-5857-4685-be1f-d57550cc96cc" xsi:nil="true"/>
+    <OutputCachingOn xmlns="4873beb7-5857-4685-be1f-d57550cc96cc">false</OutputCachingOn>
+    <AverageRating xmlns="4873beb7-5857-4685-be1f-d57550cc96cc" xsi:nil="true"/>
+    <LastPublishResultLookup xmlns="4873beb7-5857-4685-be1f-d57550cc96cc" xsi:nil="true"/>
+    <PolicheckWords xmlns="4873beb7-5857-4685-be1f-d57550cc96cc" xsi:nil="true"/>
+    <FriendlyTitle xmlns="4873beb7-5857-4685-be1f-d57550cc96cc" xsi:nil="true"/>
+    <Manager xmlns="4873beb7-5857-4685-be1f-d57550cc96cc" xsi:nil="true"/>
+    <EditorialTags xmlns="4873beb7-5857-4685-be1f-d57550cc96cc" xsi:nil="true"/>
+    <LegacyData xmlns="4873beb7-5857-4685-be1f-d57550cc96cc" xsi:nil="true"/>
+    <Downloads xmlns="4873beb7-5857-4685-be1f-d57550cc96cc">0</Downloads>
+    <Providers xmlns="4873beb7-5857-4685-be1f-d57550cc96cc" xsi:nil="true"/>
+    <TemplateTemplateType xmlns="4873beb7-5857-4685-be1f-d57550cc96cc">PowerPoint 2003 Default</TemplateTemplateType>
+    <OOCacheId xmlns="4873beb7-5857-4685-be1f-d57550cc96cc" xsi:nil="true"/>
+    <BlockPublish xmlns="4873beb7-5857-4685-be1f-d57550cc96cc" xsi:nil="true"/>
+    <CampaignTagsTaxHTField0 xmlns="4873beb7-5857-4685-be1f-d57550cc96cc">
+      <Terms xmlns="http://schemas.microsoft.com/office/infopath/2007/PartnerControls"/>
+    </CampaignTagsTaxHTField0>
+    <LocLastLocAttemptVersionLookup xmlns="4873beb7-5857-4685-be1f-d57550cc96cc">116885</LocLastLocAttemptVersionLookup>
+    <LocLastLocAttemptVersionTypeLookup xmlns="4873beb7-5857-4685-be1f-d57550cc96cc" xsi:nil="true"/>
+    <LocOverallPreviewStatusLookup xmlns="4873beb7-5857-4685-be1f-d57550cc96cc" xsi:nil="true"/>
+    <LocOverallPublishStatusLookup xmlns="4873beb7-5857-4685-be1f-d57550cc96cc" xsi:nil="true"/>
+    <TaxCatchAll xmlns="4873beb7-5857-4685-be1f-d57550cc96cc"/>
+    <LocNewPublishedVersionLookup xmlns="4873beb7-5857-4685-be1f-d57550cc96cc" xsi:nil="true"/>
+    <LocPublishedDependentAssetsLookup xmlns="4873beb7-5857-4685-be1f-d57550cc96cc" xsi:nil="true"/>
+    <LocComments xmlns="4873beb7-5857-4685-be1f-d57550cc96cc" xsi:nil="true"/>
+    <LocProcessedForMarketsLookup xmlns="4873beb7-5857-4685-be1f-d57550cc96cc" xsi:nil="true"/>
+    <LocRecommendedHandoff xmlns="4873beb7-5857-4685-be1f-d57550cc96cc" xsi:nil="true"/>
+    <LocManualTestRequired xmlns="4873beb7-5857-4685-be1f-d57550cc96cc" xsi:nil="true"/>
+    <LocProcessedForHandoffsLookup xmlns="4873beb7-5857-4685-be1f-d57550cc96cc" xsi:nil="true"/>
+    <LocOverallHandbackStatusLookup xmlns="4873beb7-5857-4685-be1f-d57550cc96cc" xsi:nil="true"/>
+    <LocalizationTagsTaxHTField0 xmlns="4873beb7-5857-4685-be1f-d57550cc96cc">
+      <Terms xmlns="http://schemas.microsoft.com/office/infopath/2007/PartnerControls"/>
+    </LocalizationTagsTaxHTField0>
+    <FeatureTagsTaxHTField0 xmlns="4873beb7-5857-4685-be1f-d57550cc96cc">
+      <Terms xmlns="http://schemas.microsoft.com/office/infopath/2007/PartnerControls"/>
+    </FeatureTagsTaxHTField0>
+    <LocOverallLocStatusLookup xmlns="4873beb7-5857-4685-be1f-d57550cc96cc" xsi:nil="true"/>
+    <LocPublishedLinkedAssetsLookup xmlns="4873beb7-5857-4685-be1f-d57550cc96cc" xsi:nil="true"/>
+    <InternalTagsTaxHTField0 xmlns="4873beb7-5857-4685-be1f-d57550cc96cc">
+      <Terms xmlns="http://schemas.microsoft.com/office/infopath/2007/PartnerControls"/>
+    </InternalTagsTaxHTField0>
+    <RecommendationsModifier xmlns="4873beb7-5857-4685-be1f-d57550cc96cc" xsi:nil="true"/>
+    <ScenarioTagsTaxHTField0 xmlns="4873beb7-5857-4685-be1f-d57550cc96cc">
+      <Terms xmlns="http://schemas.microsoft.com/office/infopath/2007/PartnerControls"/>
+    </ScenarioTagsTaxHTField0>
+    <OriginalRelease xmlns="4873beb7-5857-4685-be1f-d57550cc96cc">14</OriginalRelease>
+    <LocMarketGroupTiers2 xmlns="4873beb7-5857-4685-be1f-d57550cc96cc" xsi:nil="true"/>
+  </documentManagement>
+</p:properties>
+</file>
+
 <file path=customXml/itemProps1.xml><?xml version="1.0" encoding="utf-8"?>
 <ds:datastoreItem xmlns:ds="http://schemas.openxmlformats.org/officeDocument/2006/customXml" ds:itemID="{03C36621-6C65-4A61-A938-FD74A2B05B6D}">
   <ds:schemaRefs>
@@ -17469,22 +18112,6 @@
 </file>
 
 <file path=customXml/itemProps2.xml><?xml version="1.0" encoding="utf-8"?>
-<ds:datastoreItem xmlns:ds="http://schemas.openxmlformats.org/officeDocument/2006/customXml" ds:itemID="{4AC7D299-2CAB-46D2-9D27-21E1A60B59DD}">
-  <ds:schemaRefs>
-    <ds:schemaRef ds:uri="http://schemas.microsoft.com/office/2006/documentManagement/types"/>
-    <ds:schemaRef ds:uri="http://www.w3.org/XML/1998/namespace"/>
-    <ds:schemaRef ds:uri="http://purl.org/dc/terms/"/>
-    <ds:schemaRef ds:uri="http://purl.org/dc/elements/1.1/"/>
-    <ds:schemaRef ds:uri="http://purl.org/dc/dcmitype/"/>
-    <ds:schemaRef ds:uri="4873beb7-5857-4685-be1f-d57550cc96cc"/>
-    <ds:schemaRef ds:uri="http://schemas.microsoft.com/office/infopath/2007/PartnerControls"/>
-    <ds:schemaRef ds:uri="http://schemas.openxmlformats.org/package/2006/metadata/core-properties"/>
-    <ds:schemaRef ds:uri="http://schemas.microsoft.com/office/2006/metadata/properties"/>
-  </ds:schemaRefs>
-</ds:datastoreItem>
-</file>
-
-<file path=customXml/itemProps3.xml><?xml version="1.0" encoding="utf-8"?>
 <ds:datastoreItem xmlns:ds="http://schemas.openxmlformats.org/officeDocument/2006/customXml" ds:itemID="{1CBA9694-26DF-45B8-BF2C-F755491EF262}">
   <ds:schemaRefs>
     <ds:schemaRef ds:uri="http://schemas.microsoft.com/office/2006/metadata/contentType"/>
@@ -17500,4 +18127,20 @@
     <ds:schemaRef ds:uri="http://schemas.microsoft.com/internal/obd"/>
   </ds:schemaRefs>
 </ds:datastoreItem>
+</file>
+
+<file path=customXml/itemProps3.xml><?xml version="1.0" encoding="utf-8"?>
+<ds:datastoreItem xmlns:ds="http://schemas.openxmlformats.org/officeDocument/2006/customXml" ds:itemID="{4AC7D299-2CAB-46D2-9D27-21E1A60B59DD}">
+  <ds:schemaRefs>
+    <ds:schemaRef ds:uri="http://schemas.microsoft.com/office/2006/documentManagement/types"/>
+    <ds:schemaRef ds:uri="http://www.w3.org/XML/1998/namespace"/>
+    <ds:schemaRef ds:uri="http://purl.org/dc/terms/"/>
+    <ds:schemaRef ds:uri="http://purl.org/dc/elements/1.1/"/>
+    <ds:schemaRef ds:uri="http://purl.org/dc/dcmitype/"/>
+    <ds:schemaRef ds:uri="4873beb7-5857-4685-be1f-d57550cc96cc"/>
+    <ds:schemaRef ds:uri="http://schemas.microsoft.com/office/infopath/2007/PartnerControls"/>
+    <ds:schemaRef ds:uri="http://schemas.openxmlformats.org/package/2006/metadata/core-properties"/>
+    <ds:schemaRef ds:uri="http://schemas.microsoft.com/office/2006/metadata/properties"/>
+  </ds:schemaRefs>
+</ds:datastoreItem>
 </file>